--- a/RIMEDIE/Mat09_2015/Assessing the Model/Reporte_Resumen_Indices_TCT_AFC_AFE_MAT09.pptx
+++ b/RIMEDIE/Mat09_2015/Assessing the Model/Reporte_Resumen_Indices_TCT_AFC_AFE_MAT09.pptx
@@ -11,6 +11,12 @@
     <p:sldId id="259" r:id="rId5"/>
     <p:sldId id="260" r:id="rId6"/>
     <p:sldId id="261" r:id="rId7"/>
+    <p:sldId id="263" r:id="rId8"/>
+    <p:sldId id="265" r:id="rId9"/>
+    <p:sldId id="264" r:id="rId10"/>
+    <p:sldId id="266" r:id="rId11"/>
+    <p:sldId id="262" r:id="rId12"/>
+    <p:sldId id="267" r:id="rId13"/>
   </p:sldIdLst>
   <p:sldSz cx="12192000" cy="6858000"/>
   <p:notesSz cx="6858000" cy="9144000"/>
@@ -111,7 +117,7 @@
   </p:defaultTextStyle>
   <p:extLst>
     <p:ext uri="{EFAFB233-063F-42B5-8137-9DF3F51BA10A}">
-      <p15:sldGuideLst xmlns:p15="http://schemas.microsoft.com/office/powerpoint/2012/main">
+      <p15:sldGuideLst xmlns:p15="http://schemas.microsoft.com/office/powerpoint/2012/main" xmlns="">
         <p15:guide id="1" orient="horz" pos="2160" userDrawn="1">
           <p15:clr>
             <a:srgbClr val="A4A3A4"/>
@@ -259,7 +265,7 @@
           <a:p>
             <a:fld id="{E07CCE1C-7E72-4E68-BAD1-C2390876B6F9}" type="datetimeFigureOut">
               <a:rPr lang="es-MX" smtClean="0"/>
-              <a:t>11/04/2019</a:t>
+              <a:t>15/04/2019</a:t>
             </a:fld>
             <a:endParaRPr lang="es-MX"/>
           </a:p>
@@ -429,7 +435,7 @@
           <a:p>
             <a:fld id="{E07CCE1C-7E72-4E68-BAD1-C2390876B6F9}" type="datetimeFigureOut">
               <a:rPr lang="es-MX" smtClean="0"/>
-              <a:t>11/04/2019</a:t>
+              <a:t>15/04/2019</a:t>
             </a:fld>
             <a:endParaRPr lang="es-MX"/>
           </a:p>
@@ -609,7 +615,7 @@
           <a:p>
             <a:fld id="{E07CCE1C-7E72-4E68-BAD1-C2390876B6F9}" type="datetimeFigureOut">
               <a:rPr lang="es-MX" smtClean="0"/>
-              <a:t>11/04/2019</a:t>
+              <a:t>15/04/2019</a:t>
             </a:fld>
             <a:endParaRPr lang="es-MX"/>
           </a:p>
@@ -779,7 +785,7 @@
           <a:p>
             <a:fld id="{E07CCE1C-7E72-4E68-BAD1-C2390876B6F9}" type="datetimeFigureOut">
               <a:rPr lang="es-MX" smtClean="0"/>
-              <a:t>11/04/2019</a:t>
+              <a:t>15/04/2019</a:t>
             </a:fld>
             <a:endParaRPr lang="es-MX"/>
           </a:p>
@@ -1025,7 +1031,7 @@
           <a:p>
             <a:fld id="{E07CCE1C-7E72-4E68-BAD1-C2390876B6F9}" type="datetimeFigureOut">
               <a:rPr lang="es-MX" smtClean="0"/>
-              <a:t>11/04/2019</a:t>
+              <a:t>15/04/2019</a:t>
             </a:fld>
             <a:endParaRPr lang="es-MX"/>
           </a:p>
@@ -1257,7 +1263,7 @@
           <a:p>
             <a:fld id="{E07CCE1C-7E72-4E68-BAD1-C2390876B6F9}" type="datetimeFigureOut">
               <a:rPr lang="es-MX" smtClean="0"/>
-              <a:t>11/04/2019</a:t>
+              <a:t>15/04/2019</a:t>
             </a:fld>
             <a:endParaRPr lang="es-MX"/>
           </a:p>
@@ -1624,7 +1630,7 @@
           <a:p>
             <a:fld id="{E07CCE1C-7E72-4E68-BAD1-C2390876B6F9}" type="datetimeFigureOut">
               <a:rPr lang="es-MX" smtClean="0"/>
-              <a:t>11/04/2019</a:t>
+              <a:t>15/04/2019</a:t>
             </a:fld>
             <a:endParaRPr lang="es-MX"/>
           </a:p>
@@ -1742,7 +1748,7 @@
           <a:p>
             <a:fld id="{E07CCE1C-7E72-4E68-BAD1-C2390876B6F9}" type="datetimeFigureOut">
               <a:rPr lang="es-MX" smtClean="0"/>
-              <a:t>11/04/2019</a:t>
+              <a:t>15/04/2019</a:t>
             </a:fld>
             <a:endParaRPr lang="es-MX"/>
           </a:p>
@@ -1837,7 +1843,7 @@
           <a:p>
             <a:fld id="{E07CCE1C-7E72-4E68-BAD1-C2390876B6F9}" type="datetimeFigureOut">
               <a:rPr lang="es-MX" smtClean="0"/>
-              <a:t>11/04/2019</a:t>
+              <a:t>15/04/2019</a:t>
             </a:fld>
             <a:endParaRPr lang="es-MX"/>
           </a:p>
@@ -2114,7 +2120,7 @@
           <a:p>
             <a:fld id="{E07CCE1C-7E72-4E68-BAD1-C2390876B6F9}" type="datetimeFigureOut">
               <a:rPr lang="es-MX" smtClean="0"/>
-              <a:t>11/04/2019</a:t>
+              <a:t>15/04/2019</a:t>
             </a:fld>
             <a:endParaRPr lang="es-MX"/>
           </a:p>
@@ -2367,7 +2373,7 @@
           <a:p>
             <a:fld id="{E07CCE1C-7E72-4E68-BAD1-C2390876B6F9}" type="datetimeFigureOut">
               <a:rPr lang="es-MX" smtClean="0"/>
-              <a:t>11/04/2019</a:t>
+              <a:t>15/04/2019</a:t>
             </a:fld>
             <a:endParaRPr lang="es-MX"/>
           </a:p>
@@ -2580,7 +2586,7 @@
           <a:p>
             <a:fld id="{E07CCE1C-7E72-4E68-BAD1-C2390876B6F9}" type="datetimeFigureOut">
               <a:rPr lang="es-MX" smtClean="0"/>
-              <a:t>11/04/2019</a:t>
+              <a:t>15/04/2019</a:t>
             </a:fld>
             <a:endParaRPr lang="es-MX"/>
           </a:p>
@@ -3124,6 +3130,880 @@
 </p:sld>
 </file>
 
+<file path=ppt/slides/slide10.xml><?xml version="1.0" encoding="utf-8"?>
+<p:sld xmlns:a="http://schemas.openxmlformats.org/drawingml/2006/main" xmlns:r="http://schemas.openxmlformats.org/officeDocument/2006/relationships" xmlns:p="http://schemas.openxmlformats.org/presentationml/2006/main">
+  <p:cSld>
+    <p:spTree>
+      <p:nvGrpSpPr>
+        <p:cNvPr id="1" name=""/>
+        <p:cNvGrpSpPr/>
+        <p:nvPr/>
+      </p:nvGrpSpPr>
+      <p:grpSpPr>
+        <a:xfrm>
+          <a:off x="0" y="0"/>
+          <a:ext cx="0" cy="0"/>
+          <a:chOff x="0" y="0"/>
+          <a:chExt cx="0" cy="0"/>
+        </a:xfrm>
+      </p:grpSpPr>
+      <p:pic>
+        <p:nvPicPr>
+          <p:cNvPr id="7" name="Picture 2"/>
+          <p:cNvPicPr>
+            <a:picLocks noChangeAspect="1" noChangeArrowheads="1"/>
+          </p:cNvPicPr>
+          <p:nvPr/>
+        </p:nvPicPr>
+        <p:blipFill>
+          <a:blip r:embed="rId2">
+            <a:extLst>
+              <a:ext uri="{28A0092B-C50C-407E-A947-70E740481C1C}">
+                <a14:useLocalDpi xmlns:a14="http://schemas.microsoft.com/office/drawing/2010/main" val="0"/>
+              </a:ext>
+            </a:extLst>
+          </a:blip>
+          <a:srcRect/>
+          <a:stretch>
+            <a:fillRect/>
+          </a:stretch>
+        </p:blipFill>
+        <p:spPr bwMode="auto">
+          <a:xfrm>
+            <a:off x="4486655" y="757364"/>
+            <a:ext cx="7384123" cy="5735510"/>
+          </a:xfrm>
+          <a:prstGeom prst="rect">
+            <a:avLst/>
+          </a:prstGeom>
+          <a:noFill/>
+          <a:ln w="9525">
+            <a:solidFill>
+              <a:schemeClr val="tx1"/>
+            </a:solidFill>
+            <a:miter lim="800000"/>
+            <a:headEnd/>
+            <a:tailEnd/>
+          </a:ln>
+          <a:effectLst/>
+          <a:extLst>
+            <a:ext uri="{909E8E84-426E-40DD-AFC4-6F175D3DCCD1}">
+              <a14:hiddenFill xmlns:a14="http://schemas.microsoft.com/office/drawing/2010/main">
+                <a:solidFill>
+                  <a:schemeClr val="accent1"/>
+                </a:solidFill>
+              </a14:hiddenFill>
+            </a:ext>
+            <a:ext uri="{AF507438-7753-43E0-B8FC-AC1667EBCBE1}">
+              <a14:hiddenEffects xmlns:a14="http://schemas.microsoft.com/office/drawing/2010/main">
+                <a:effectLst>
+                  <a:outerShdw dist="35921" dir="2700000" algn="ctr" rotWithShape="0">
+                    <a:schemeClr val="bg2"/>
+                  </a:outerShdw>
+                </a:effectLst>
+              </a14:hiddenEffects>
+            </a:ext>
+          </a:extLst>
+        </p:spPr>
+      </p:pic>
+      <p:sp>
+        <p:nvSpPr>
+          <p:cNvPr id="2" name="1 Título"/>
+          <p:cNvSpPr>
+            <a:spLocks noGrp="1"/>
+          </p:cNvSpPr>
+          <p:nvPr>
+            <p:ph type="title"/>
+          </p:nvPr>
+        </p:nvSpPr>
+        <p:spPr/>
+        <p:txBody>
+          <a:bodyPr/>
+          <a:lstStyle/>
+          <a:p>
+            <a:endParaRPr lang="es-MX" dirty="0"/>
+          </a:p>
+        </p:txBody>
+      </p:sp>
+      <p:sp>
+        <p:nvSpPr>
+          <p:cNvPr id="3" name="2 Marcador de contenido"/>
+          <p:cNvSpPr>
+            <a:spLocks noGrp="1"/>
+          </p:cNvSpPr>
+          <p:nvPr>
+            <p:ph idx="1"/>
+          </p:nvPr>
+        </p:nvSpPr>
+        <p:spPr>
+          <a:xfrm>
+            <a:off x="691896" y="1886585"/>
+            <a:ext cx="10515600" cy="4351338"/>
+          </a:xfrm>
+        </p:spPr>
+        <p:txBody>
+          <a:bodyPr/>
+          <a:lstStyle/>
+          <a:p>
+            <a:endParaRPr lang="es-MX" dirty="0"/>
+          </a:p>
+        </p:txBody>
+      </p:sp>
+      <p:sp>
+        <p:nvSpPr>
+          <p:cNvPr id="4" name="Rectángulo 5"/>
+          <p:cNvSpPr/>
+          <p:nvPr/>
+        </p:nvSpPr>
+        <p:spPr>
+          <a:xfrm>
+            <a:off x="0" y="-1"/>
+            <a:ext cx="12192000" cy="365125"/>
+          </a:xfrm>
+          <a:prstGeom prst="rect">
+            <a:avLst/>
+          </a:prstGeom>
+          <a:solidFill>
+            <a:schemeClr val="accent5">
+              <a:lumMod val="40000"/>
+              <a:lumOff val="60000"/>
+            </a:schemeClr>
+          </a:solidFill>
+          <a:ln>
+            <a:solidFill>
+              <a:schemeClr val="accent1"/>
+            </a:solidFill>
+          </a:ln>
+        </p:spPr>
+        <p:style>
+          <a:lnRef idx="2">
+            <a:schemeClr val="accent1">
+              <a:shade val="50000"/>
+            </a:schemeClr>
+          </a:lnRef>
+          <a:fillRef idx="1">
+            <a:schemeClr val="accent1"/>
+          </a:fillRef>
+          <a:effectRef idx="0">
+            <a:schemeClr val="accent1"/>
+          </a:effectRef>
+          <a:fontRef idx="minor">
+            <a:schemeClr val="lt1"/>
+          </a:fontRef>
+        </p:style>
+        <p:txBody>
+          <a:bodyPr rtlCol="0" anchor="ctr"/>
+          <a:lstStyle/>
+          <a:p>
+            <a:pPr algn="ctr"/>
+            <a:endParaRPr lang="es-MX"/>
+          </a:p>
+        </p:txBody>
+      </p:sp>
+      <p:sp>
+        <p:nvSpPr>
+          <p:cNvPr id="5" name="Rectángulo 6"/>
+          <p:cNvSpPr/>
+          <p:nvPr/>
+        </p:nvSpPr>
+        <p:spPr>
+          <a:xfrm>
+            <a:off x="0" y="6492874"/>
+            <a:ext cx="12192000" cy="365125"/>
+          </a:xfrm>
+          <a:prstGeom prst="rect">
+            <a:avLst/>
+          </a:prstGeom>
+          <a:solidFill>
+            <a:schemeClr val="accent5">
+              <a:lumMod val="40000"/>
+              <a:lumOff val="60000"/>
+            </a:schemeClr>
+          </a:solidFill>
+          <a:ln>
+            <a:solidFill>
+              <a:schemeClr val="accent1"/>
+            </a:solidFill>
+          </a:ln>
+        </p:spPr>
+        <p:style>
+          <a:lnRef idx="2">
+            <a:schemeClr val="accent1">
+              <a:shade val="50000"/>
+            </a:schemeClr>
+          </a:lnRef>
+          <a:fillRef idx="1">
+            <a:schemeClr val="accent1"/>
+          </a:fillRef>
+          <a:effectRef idx="0">
+            <a:schemeClr val="accent1"/>
+          </a:effectRef>
+          <a:fontRef idx="minor">
+            <a:schemeClr val="lt1"/>
+          </a:fontRef>
+        </p:style>
+        <p:txBody>
+          <a:bodyPr rtlCol="0" anchor="ctr"/>
+          <a:lstStyle/>
+          <a:p>
+            <a:pPr algn="ctr"/>
+            <a:endParaRPr lang="es-MX"/>
+          </a:p>
+        </p:txBody>
+      </p:sp>
+      <p:sp>
+        <p:nvSpPr>
+          <p:cNvPr id="6" name="Rectángulo 3"/>
+          <p:cNvSpPr/>
+          <p:nvPr/>
+        </p:nvSpPr>
+        <p:spPr>
+          <a:xfrm>
+            <a:off x="8900160" y="0"/>
+            <a:ext cx="3291840" cy="963168"/>
+          </a:xfrm>
+          <a:prstGeom prst="rect">
+            <a:avLst/>
+          </a:prstGeom>
+          <a:solidFill>
+            <a:schemeClr val="accent5">
+              <a:lumMod val="40000"/>
+              <a:lumOff val="60000"/>
+            </a:schemeClr>
+          </a:solidFill>
+          <a:ln>
+            <a:solidFill>
+              <a:schemeClr val="tx1"/>
+            </a:solidFill>
+          </a:ln>
+        </p:spPr>
+        <p:style>
+          <a:lnRef idx="2">
+            <a:schemeClr val="accent1">
+              <a:shade val="50000"/>
+            </a:schemeClr>
+          </a:lnRef>
+          <a:fillRef idx="1">
+            <a:schemeClr val="accent1"/>
+          </a:fillRef>
+          <a:effectRef idx="0">
+            <a:schemeClr val="accent1"/>
+          </a:effectRef>
+          <a:fontRef idx="minor">
+            <a:schemeClr val="lt1"/>
+          </a:fontRef>
+        </p:style>
+        <p:txBody>
+          <a:bodyPr rtlCol="0" anchor="ctr"/>
+          <a:lstStyle/>
+          <a:p>
+            <a:pPr algn="ctr"/>
+            <a:r>
+              <a:rPr lang="es-MX" sz="5000" b="1" dirty="0" smtClean="0"/>
+              <a:t>PA</a:t>
+            </a:r>
+            <a:endParaRPr lang="es-MX" sz="5000" b="1" dirty="0"/>
+          </a:p>
+        </p:txBody>
+      </p:sp>
+    </p:spTree>
+    <p:extLst>
+      <p:ext uri="{BB962C8B-B14F-4D97-AF65-F5344CB8AC3E}">
+        <p14:creationId xmlns:p14="http://schemas.microsoft.com/office/powerpoint/2010/main" val="537098628"/>
+      </p:ext>
+    </p:extLst>
+  </p:cSld>
+  <p:clrMapOvr>
+    <a:masterClrMapping/>
+  </p:clrMapOvr>
+</p:sld>
+</file>
+
+<file path=ppt/slides/slide11.xml><?xml version="1.0" encoding="utf-8"?>
+<p:sld xmlns:a="http://schemas.openxmlformats.org/drawingml/2006/main" xmlns:r="http://schemas.openxmlformats.org/officeDocument/2006/relationships" xmlns:p="http://schemas.openxmlformats.org/presentationml/2006/main">
+  <p:cSld>
+    <p:spTree>
+      <p:nvGrpSpPr>
+        <p:cNvPr id="1" name=""/>
+        <p:cNvGrpSpPr/>
+        <p:nvPr/>
+      </p:nvGrpSpPr>
+      <p:grpSpPr>
+        <a:xfrm>
+          <a:off x="0" y="0"/>
+          <a:ext cx="0" cy="0"/>
+          <a:chOff x="0" y="0"/>
+          <a:chExt cx="0" cy="0"/>
+        </a:xfrm>
+      </p:grpSpPr>
+      <p:sp>
+        <p:nvSpPr>
+          <p:cNvPr id="2" name="1 Título"/>
+          <p:cNvSpPr>
+            <a:spLocks noGrp="1"/>
+          </p:cNvSpPr>
+          <p:nvPr>
+            <p:ph type="title"/>
+          </p:nvPr>
+        </p:nvSpPr>
+        <p:spPr/>
+        <p:txBody>
+          <a:bodyPr/>
+          <a:lstStyle/>
+          <a:p>
+            <a:endParaRPr lang="es-MX"/>
+          </a:p>
+        </p:txBody>
+      </p:sp>
+      <p:sp>
+        <p:nvSpPr>
+          <p:cNvPr id="3" name="2 Marcador de contenido"/>
+          <p:cNvSpPr>
+            <a:spLocks noGrp="1"/>
+          </p:cNvSpPr>
+          <p:nvPr>
+            <p:ph idx="1"/>
+          </p:nvPr>
+        </p:nvSpPr>
+        <p:spPr/>
+        <p:txBody>
+          <a:bodyPr/>
+          <a:lstStyle/>
+          <a:p>
+            <a:endParaRPr lang="es-MX"/>
+          </a:p>
+        </p:txBody>
+      </p:sp>
+      <p:sp>
+        <p:nvSpPr>
+          <p:cNvPr id="5" name="Rectángulo 5"/>
+          <p:cNvSpPr/>
+          <p:nvPr/>
+        </p:nvSpPr>
+        <p:spPr>
+          <a:xfrm>
+            <a:off x="0" y="0"/>
+            <a:ext cx="12192000" cy="365125"/>
+          </a:xfrm>
+          <a:prstGeom prst="rect">
+            <a:avLst/>
+          </a:prstGeom>
+          <a:solidFill>
+            <a:schemeClr val="accent6">
+              <a:lumMod val="75000"/>
+            </a:schemeClr>
+          </a:solidFill>
+        </p:spPr>
+        <p:style>
+          <a:lnRef idx="2">
+            <a:schemeClr val="accent1">
+              <a:shade val="50000"/>
+            </a:schemeClr>
+          </a:lnRef>
+          <a:fillRef idx="1">
+            <a:schemeClr val="accent1"/>
+          </a:fillRef>
+          <a:effectRef idx="0">
+            <a:schemeClr val="accent1"/>
+          </a:effectRef>
+          <a:fontRef idx="minor">
+            <a:schemeClr val="lt1"/>
+          </a:fontRef>
+        </p:style>
+        <p:txBody>
+          <a:bodyPr rtlCol="0" anchor="ctr"/>
+          <a:lstStyle/>
+          <a:p>
+            <a:pPr algn="ctr"/>
+            <a:endParaRPr lang="es-MX"/>
+          </a:p>
+        </p:txBody>
+      </p:sp>
+      <p:sp>
+        <p:nvSpPr>
+          <p:cNvPr id="6" name="Rectángulo 6"/>
+          <p:cNvSpPr/>
+          <p:nvPr/>
+        </p:nvSpPr>
+        <p:spPr>
+          <a:xfrm>
+            <a:off x="0" y="6492875"/>
+            <a:ext cx="12192000" cy="365125"/>
+          </a:xfrm>
+          <a:prstGeom prst="rect">
+            <a:avLst/>
+          </a:prstGeom>
+          <a:solidFill>
+            <a:schemeClr val="accent6">
+              <a:lumMod val="75000"/>
+            </a:schemeClr>
+          </a:solidFill>
+        </p:spPr>
+        <p:style>
+          <a:lnRef idx="2">
+            <a:schemeClr val="accent1">
+              <a:shade val="50000"/>
+            </a:schemeClr>
+          </a:lnRef>
+          <a:fillRef idx="1">
+            <a:schemeClr val="accent1"/>
+          </a:fillRef>
+          <a:effectRef idx="0">
+            <a:schemeClr val="accent1"/>
+          </a:effectRef>
+          <a:fontRef idx="minor">
+            <a:schemeClr val="lt1"/>
+          </a:fontRef>
+        </p:style>
+        <p:txBody>
+          <a:bodyPr rtlCol="0" anchor="ctr"/>
+          <a:lstStyle/>
+          <a:p>
+            <a:pPr algn="ctr"/>
+            <a:endParaRPr lang="es-MX"/>
+          </a:p>
+        </p:txBody>
+      </p:sp>
+      <p:pic>
+        <p:nvPicPr>
+          <p:cNvPr id="1027" name="Picture 3"/>
+          <p:cNvPicPr>
+            <a:picLocks noChangeAspect="1" noChangeArrowheads="1"/>
+          </p:cNvPicPr>
+          <p:nvPr/>
+        </p:nvPicPr>
+        <p:blipFill>
+          <a:blip r:embed="rId2">
+            <a:extLst>
+              <a:ext uri="{28A0092B-C50C-407E-A947-70E740481C1C}">
+                <a14:useLocalDpi xmlns:a14="http://schemas.microsoft.com/office/drawing/2010/main" val="0"/>
+              </a:ext>
+            </a:extLst>
+          </a:blip>
+          <a:srcRect/>
+          <a:stretch>
+            <a:fillRect/>
+          </a:stretch>
+        </p:blipFill>
+        <p:spPr bwMode="auto">
+          <a:xfrm>
+            <a:off x="3405877" y="299023"/>
+            <a:ext cx="7974211" cy="6193852"/>
+          </a:xfrm>
+          <a:prstGeom prst="rect">
+            <a:avLst/>
+          </a:prstGeom>
+          <a:noFill/>
+          <a:ln>
+            <a:noFill/>
+          </a:ln>
+          <a:effectLst/>
+          <a:extLst>
+            <a:ext uri="{909E8E84-426E-40DD-AFC4-6F175D3DCCD1}">
+              <a14:hiddenFill xmlns:a14="http://schemas.microsoft.com/office/drawing/2010/main">
+                <a:solidFill>
+                  <a:schemeClr val="accent1"/>
+                </a:solidFill>
+              </a14:hiddenFill>
+            </a:ext>
+            <a:ext uri="{91240B29-F687-4F45-9708-019B960494DF}">
+              <a14:hiddenLine xmlns:a14="http://schemas.microsoft.com/office/drawing/2010/main" w="9525">
+                <a:solidFill>
+                  <a:schemeClr val="tx1"/>
+                </a:solidFill>
+                <a:miter lim="800000"/>
+                <a:headEnd/>
+                <a:tailEnd/>
+              </a14:hiddenLine>
+            </a:ext>
+            <a:ext uri="{AF507438-7753-43E0-B8FC-AC1667EBCBE1}">
+              <a14:hiddenEffects xmlns:a14="http://schemas.microsoft.com/office/drawing/2010/main">
+                <a:effectLst>
+                  <a:outerShdw dist="35921" dir="2700000" algn="ctr" rotWithShape="0">
+                    <a:schemeClr val="bg2"/>
+                  </a:outerShdw>
+                </a:effectLst>
+              </a14:hiddenEffects>
+            </a:ext>
+          </a:extLst>
+        </p:spPr>
+      </p:pic>
+      <p:sp>
+        <p:nvSpPr>
+          <p:cNvPr id="8" name="Rectángulo 5"/>
+          <p:cNvSpPr/>
+          <p:nvPr/>
+        </p:nvSpPr>
+        <p:spPr>
+          <a:xfrm>
+            <a:off x="0" y="-1"/>
+            <a:ext cx="12192000" cy="365125"/>
+          </a:xfrm>
+          <a:prstGeom prst="rect">
+            <a:avLst/>
+          </a:prstGeom>
+          <a:solidFill>
+            <a:schemeClr val="accent5">
+              <a:lumMod val="40000"/>
+              <a:lumOff val="60000"/>
+            </a:schemeClr>
+          </a:solidFill>
+          <a:ln>
+            <a:solidFill>
+              <a:schemeClr val="accent1"/>
+            </a:solidFill>
+          </a:ln>
+        </p:spPr>
+        <p:style>
+          <a:lnRef idx="2">
+            <a:schemeClr val="accent1">
+              <a:shade val="50000"/>
+            </a:schemeClr>
+          </a:lnRef>
+          <a:fillRef idx="1">
+            <a:schemeClr val="accent1"/>
+          </a:fillRef>
+          <a:effectRef idx="0">
+            <a:schemeClr val="accent1"/>
+          </a:effectRef>
+          <a:fontRef idx="minor">
+            <a:schemeClr val="lt1"/>
+          </a:fontRef>
+        </p:style>
+        <p:txBody>
+          <a:bodyPr rtlCol="0" anchor="ctr"/>
+          <a:lstStyle/>
+          <a:p>
+            <a:pPr algn="ctr"/>
+            <a:endParaRPr lang="es-MX"/>
+          </a:p>
+        </p:txBody>
+      </p:sp>
+      <p:sp>
+        <p:nvSpPr>
+          <p:cNvPr id="9" name="Rectángulo 6"/>
+          <p:cNvSpPr/>
+          <p:nvPr/>
+        </p:nvSpPr>
+        <p:spPr>
+          <a:xfrm>
+            <a:off x="0" y="6492874"/>
+            <a:ext cx="12192000" cy="365125"/>
+          </a:xfrm>
+          <a:prstGeom prst="rect">
+            <a:avLst/>
+          </a:prstGeom>
+          <a:solidFill>
+            <a:schemeClr val="accent5">
+              <a:lumMod val="40000"/>
+              <a:lumOff val="60000"/>
+            </a:schemeClr>
+          </a:solidFill>
+          <a:ln>
+            <a:solidFill>
+              <a:schemeClr val="accent1"/>
+            </a:solidFill>
+          </a:ln>
+        </p:spPr>
+        <p:style>
+          <a:lnRef idx="2">
+            <a:schemeClr val="accent1">
+              <a:shade val="50000"/>
+            </a:schemeClr>
+          </a:lnRef>
+          <a:fillRef idx="1">
+            <a:schemeClr val="accent1"/>
+          </a:fillRef>
+          <a:effectRef idx="0">
+            <a:schemeClr val="accent1"/>
+          </a:effectRef>
+          <a:fontRef idx="minor">
+            <a:schemeClr val="lt1"/>
+          </a:fontRef>
+        </p:style>
+        <p:txBody>
+          <a:bodyPr rtlCol="0" anchor="ctr"/>
+          <a:lstStyle/>
+          <a:p>
+            <a:pPr algn="ctr"/>
+            <a:endParaRPr lang="es-MX"/>
+          </a:p>
+        </p:txBody>
+      </p:sp>
+      <p:sp>
+        <p:nvSpPr>
+          <p:cNvPr id="10" name="Rectángulo 3"/>
+          <p:cNvSpPr/>
+          <p:nvPr/>
+        </p:nvSpPr>
+        <p:spPr>
+          <a:xfrm>
+            <a:off x="8900160" y="0"/>
+            <a:ext cx="3291840" cy="963168"/>
+          </a:xfrm>
+          <a:prstGeom prst="rect">
+            <a:avLst/>
+          </a:prstGeom>
+          <a:solidFill>
+            <a:schemeClr val="accent5">
+              <a:lumMod val="40000"/>
+              <a:lumOff val="60000"/>
+            </a:schemeClr>
+          </a:solidFill>
+          <a:ln>
+            <a:solidFill>
+              <a:schemeClr val="tx1"/>
+            </a:solidFill>
+          </a:ln>
+        </p:spPr>
+        <p:style>
+          <a:lnRef idx="2">
+            <a:schemeClr val="accent1">
+              <a:shade val="50000"/>
+            </a:schemeClr>
+          </a:lnRef>
+          <a:fillRef idx="1">
+            <a:schemeClr val="accent1"/>
+          </a:fillRef>
+          <a:effectRef idx="0">
+            <a:schemeClr val="accent1"/>
+          </a:effectRef>
+          <a:fontRef idx="minor">
+            <a:schemeClr val="lt1"/>
+          </a:fontRef>
+        </p:style>
+        <p:txBody>
+          <a:bodyPr rtlCol="0" anchor="ctr"/>
+          <a:lstStyle/>
+          <a:p>
+            <a:pPr algn="ctr"/>
+            <a:r>
+              <a:rPr lang="es-MX" sz="5000" b="1" dirty="0" smtClean="0"/>
+              <a:t>VSS</a:t>
+            </a:r>
+            <a:endParaRPr lang="es-MX" sz="5000" b="1" dirty="0"/>
+          </a:p>
+        </p:txBody>
+      </p:sp>
+    </p:spTree>
+    <p:extLst>
+      <p:ext uri="{BB962C8B-B14F-4D97-AF65-F5344CB8AC3E}">
+        <p14:creationId xmlns:p14="http://schemas.microsoft.com/office/powerpoint/2010/main" val="2582997543"/>
+      </p:ext>
+    </p:extLst>
+  </p:cSld>
+  <p:clrMapOvr>
+    <a:masterClrMapping/>
+  </p:clrMapOvr>
+</p:sld>
+</file>
+
+<file path=ppt/slides/slide12.xml><?xml version="1.0" encoding="utf-8"?>
+<p:sld xmlns:a="http://schemas.openxmlformats.org/drawingml/2006/main" xmlns:r="http://schemas.openxmlformats.org/officeDocument/2006/relationships" xmlns:p="http://schemas.openxmlformats.org/presentationml/2006/main">
+  <p:cSld>
+    <p:spTree>
+      <p:nvGrpSpPr>
+        <p:cNvPr id="1" name=""/>
+        <p:cNvGrpSpPr/>
+        <p:nvPr/>
+      </p:nvGrpSpPr>
+      <p:grpSpPr>
+        <a:xfrm>
+          <a:off x="0" y="0"/>
+          <a:ext cx="0" cy="0"/>
+          <a:chOff x="0" y="0"/>
+          <a:chExt cx="0" cy="0"/>
+        </a:xfrm>
+      </p:grpSpPr>
+      <p:sp>
+        <p:nvSpPr>
+          <p:cNvPr id="2" name="1 Título"/>
+          <p:cNvSpPr>
+            <a:spLocks noGrp="1"/>
+          </p:cNvSpPr>
+          <p:nvPr>
+            <p:ph type="title"/>
+          </p:nvPr>
+        </p:nvSpPr>
+        <p:spPr/>
+        <p:txBody>
+          <a:bodyPr/>
+          <a:lstStyle/>
+          <a:p>
+            <a:endParaRPr lang="es-MX"/>
+          </a:p>
+        </p:txBody>
+      </p:sp>
+      <p:sp>
+        <p:nvSpPr>
+          <p:cNvPr id="3" name="2 Marcador de contenido"/>
+          <p:cNvSpPr>
+            <a:spLocks noGrp="1"/>
+          </p:cNvSpPr>
+          <p:nvPr>
+            <p:ph idx="1"/>
+          </p:nvPr>
+        </p:nvSpPr>
+        <p:spPr/>
+        <p:txBody>
+          <a:bodyPr/>
+          <a:lstStyle/>
+          <a:p>
+            <a:endParaRPr lang="es-MX"/>
+          </a:p>
+        </p:txBody>
+      </p:sp>
+      <p:sp>
+        <p:nvSpPr>
+          <p:cNvPr id="4" name="Rectángulo 3"/>
+          <p:cNvSpPr/>
+          <p:nvPr/>
+        </p:nvSpPr>
+        <p:spPr>
+          <a:xfrm>
+            <a:off x="0" y="0"/>
+            <a:ext cx="12192000" cy="6858000"/>
+          </a:xfrm>
+          <a:prstGeom prst="rect">
+            <a:avLst/>
+          </a:prstGeom>
+          <a:solidFill>
+            <a:schemeClr val="bg1">
+              <a:lumMod val="50000"/>
+            </a:schemeClr>
+          </a:solidFill>
+          <a:ln>
+            <a:solidFill>
+              <a:schemeClr val="tx1"/>
+            </a:solidFill>
+          </a:ln>
+        </p:spPr>
+        <p:style>
+          <a:lnRef idx="2">
+            <a:schemeClr val="accent1">
+              <a:shade val="50000"/>
+            </a:schemeClr>
+          </a:lnRef>
+          <a:fillRef idx="1">
+            <a:schemeClr val="accent1"/>
+          </a:fillRef>
+          <a:effectRef idx="0">
+            <a:schemeClr val="accent1"/>
+          </a:effectRef>
+          <a:fontRef idx="minor">
+            <a:schemeClr val="lt1"/>
+          </a:fontRef>
+        </p:style>
+        <p:txBody>
+          <a:bodyPr rtlCol="0" anchor="ctr"/>
+          <a:lstStyle/>
+          <a:p>
+            <a:pPr algn="ctr"/>
+            <a:endParaRPr lang="es-MX"/>
+          </a:p>
+        </p:txBody>
+      </p:sp>
+      <p:sp>
+        <p:nvSpPr>
+          <p:cNvPr id="5" name="Título 1"/>
+          <p:cNvSpPr txBox="1">
+            <a:spLocks/>
+          </p:cNvSpPr>
+          <p:nvPr/>
+        </p:nvSpPr>
+        <p:spPr>
+          <a:xfrm>
+            <a:off x="1524000" y="1122362"/>
+            <a:ext cx="9144000" cy="3437445"/>
+          </a:xfrm>
+          <a:prstGeom prst="rect">
+            <a:avLst/>
+          </a:prstGeom>
+        </p:spPr>
+        <p:txBody>
+          <a:bodyPr vert="horz" lIns="91440" tIns="45720" rIns="91440" bIns="45720" rtlCol="0" anchor="ctr">
+            <a:normAutofit/>
+          </a:bodyPr>
+          <a:lstStyle>
+            <a:lvl1pPr algn="l" defTabSz="914400" rtl="0" eaLnBrk="1" latinLnBrk="0" hangingPunct="1">
+              <a:lnSpc>
+                <a:spcPct val="90000"/>
+              </a:lnSpc>
+              <a:spcBef>
+                <a:spcPct val="0"/>
+              </a:spcBef>
+              <a:buNone/>
+              <a:defRPr sz="4400" kern="1200">
+                <a:solidFill>
+                  <a:schemeClr val="tx1"/>
+                </a:solidFill>
+                <a:latin typeface="+mj-lt"/>
+                <a:ea typeface="+mj-ea"/>
+                <a:cs typeface="+mj-cs"/>
+              </a:defRPr>
+            </a:lvl1pPr>
+          </a:lstStyle>
+          <a:p>
+            <a:pPr algn="ctr"/>
+            <a:r>
+              <a:rPr lang="es-MX" b="1" dirty="0" smtClean="0">
+                <a:solidFill>
+                  <a:schemeClr val="bg1"/>
+                </a:solidFill>
+                <a:latin typeface="Adobe Gothic Std B" pitchFamily="34" charset="-128"/>
+                <a:ea typeface="Adobe Gothic Std B" pitchFamily="34" charset="-128"/>
+              </a:rPr>
+              <a:t>Análisis de estructura interna</a:t>
+            </a:r>
+          </a:p>
+          <a:p>
+            <a:pPr algn="ctr"/>
+            <a:endParaRPr lang="es-MX" b="1" dirty="0" smtClean="0">
+              <a:solidFill>
+                <a:schemeClr val="bg1"/>
+              </a:solidFill>
+              <a:latin typeface="Adobe Gothic Std B" pitchFamily="34" charset="-128"/>
+              <a:ea typeface="Adobe Gothic Std B" pitchFamily="34" charset="-128"/>
+            </a:endParaRPr>
+          </a:p>
+          <a:p>
+            <a:pPr algn="ctr"/>
+            <a:r>
+              <a:rPr lang="es-MX" b="1" dirty="0" smtClean="0">
+                <a:solidFill>
+                  <a:schemeClr val="bg1"/>
+                </a:solidFill>
+                <a:latin typeface="Adobe Gothic Std B" pitchFamily="34" charset="-128"/>
+                <a:ea typeface="Adobe Gothic Std B" pitchFamily="34" charset="-128"/>
+              </a:rPr>
+              <a:t>(en SPSS)</a:t>
+            </a:r>
+          </a:p>
+          <a:p>
+            <a:pPr algn="ctr"/>
+            <a:endParaRPr lang="es-MX" b="1" dirty="0">
+              <a:solidFill>
+                <a:schemeClr val="bg1"/>
+              </a:solidFill>
+              <a:latin typeface="Adobe Gothic Std B" pitchFamily="34" charset="-128"/>
+              <a:ea typeface="Adobe Gothic Std B" pitchFamily="34" charset="-128"/>
+            </a:endParaRPr>
+          </a:p>
+        </p:txBody>
+      </p:sp>
+    </p:spTree>
+    <p:extLst>
+      <p:ext uri="{BB962C8B-B14F-4D97-AF65-F5344CB8AC3E}">
+        <p14:creationId xmlns:p14="http://schemas.microsoft.com/office/powerpoint/2010/main" val="1074760785"/>
+      </p:ext>
+    </p:extLst>
+  </p:cSld>
+  <p:clrMapOvr>
+    <a:masterClrMapping/>
+  </p:clrMapOvr>
+</p:sld>
+</file>
+
 <file path=ppt/slides/slide2.xml><?xml version="1.0" encoding="utf-8"?>
 <p:sld xmlns:a="http://schemas.openxmlformats.org/drawingml/2006/main" xmlns:r="http://schemas.openxmlformats.org/officeDocument/2006/relationships" xmlns:p="http://schemas.openxmlformats.org/presentationml/2006/main">
   <p:cSld>
@@ -4343,6 +5223,883 @@
 </p:sld>
 </file>
 
+<file path=ppt/slides/slide7.xml><?xml version="1.0" encoding="utf-8"?>
+<p:sld xmlns:a="http://schemas.openxmlformats.org/drawingml/2006/main" xmlns:r="http://schemas.openxmlformats.org/officeDocument/2006/relationships" xmlns:p="http://schemas.openxmlformats.org/presentationml/2006/main">
+  <p:cSld>
+    <p:spTree>
+      <p:nvGrpSpPr>
+        <p:cNvPr id="1" name=""/>
+        <p:cNvGrpSpPr/>
+        <p:nvPr/>
+      </p:nvGrpSpPr>
+      <p:grpSpPr>
+        <a:xfrm>
+          <a:off x="0" y="0"/>
+          <a:ext cx="0" cy="0"/>
+          <a:chOff x="0" y="0"/>
+          <a:chExt cx="0" cy="0"/>
+        </a:xfrm>
+      </p:grpSpPr>
+      <p:sp>
+        <p:nvSpPr>
+          <p:cNvPr id="2" name="1 Título"/>
+          <p:cNvSpPr>
+            <a:spLocks noGrp="1"/>
+          </p:cNvSpPr>
+          <p:nvPr>
+            <p:ph type="title"/>
+          </p:nvPr>
+        </p:nvSpPr>
+        <p:spPr/>
+        <p:txBody>
+          <a:bodyPr/>
+          <a:lstStyle/>
+          <a:p>
+            <a:endParaRPr lang="es-MX"/>
+          </a:p>
+        </p:txBody>
+      </p:sp>
+      <p:sp>
+        <p:nvSpPr>
+          <p:cNvPr id="3" name="2 Marcador de contenido"/>
+          <p:cNvSpPr>
+            <a:spLocks noGrp="1"/>
+          </p:cNvSpPr>
+          <p:nvPr>
+            <p:ph idx="1"/>
+          </p:nvPr>
+        </p:nvSpPr>
+        <p:spPr/>
+        <p:txBody>
+          <a:bodyPr/>
+          <a:lstStyle/>
+          <a:p>
+            <a:endParaRPr lang="es-MX"/>
+          </a:p>
+        </p:txBody>
+      </p:sp>
+      <p:sp>
+        <p:nvSpPr>
+          <p:cNvPr id="4" name="Rectángulo 3"/>
+          <p:cNvSpPr/>
+          <p:nvPr/>
+        </p:nvSpPr>
+        <p:spPr>
+          <a:xfrm>
+            <a:off x="0" y="0"/>
+            <a:ext cx="12192000" cy="6858000"/>
+          </a:xfrm>
+          <a:prstGeom prst="rect">
+            <a:avLst/>
+          </a:prstGeom>
+          <a:solidFill>
+            <a:schemeClr val="accent5">
+              <a:lumMod val="50000"/>
+            </a:schemeClr>
+          </a:solidFill>
+          <a:ln>
+            <a:solidFill>
+              <a:schemeClr val="tx1"/>
+            </a:solidFill>
+          </a:ln>
+        </p:spPr>
+        <p:style>
+          <a:lnRef idx="2">
+            <a:schemeClr val="accent1">
+              <a:shade val="50000"/>
+            </a:schemeClr>
+          </a:lnRef>
+          <a:fillRef idx="1">
+            <a:schemeClr val="accent1"/>
+          </a:fillRef>
+          <a:effectRef idx="0">
+            <a:schemeClr val="accent1"/>
+          </a:effectRef>
+          <a:fontRef idx="minor">
+            <a:schemeClr val="lt1"/>
+          </a:fontRef>
+        </p:style>
+        <p:txBody>
+          <a:bodyPr rtlCol="0" anchor="ctr"/>
+          <a:lstStyle/>
+          <a:p>
+            <a:pPr algn="ctr"/>
+            <a:endParaRPr lang="es-MX"/>
+          </a:p>
+        </p:txBody>
+      </p:sp>
+      <p:sp>
+        <p:nvSpPr>
+          <p:cNvPr id="5" name="Título 1"/>
+          <p:cNvSpPr txBox="1">
+            <a:spLocks/>
+          </p:cNvSpPr>
+          <p:nvPr/>
+        </p:nvSpPr>
+        <p:spPr>
+          <a:xfrm>
+            <a:off x="1524000" y="1122362"/>
+            <a:ext cx="9144000" cy="3437445"/>
+          </a:xfrm>
+          <a:prstGeom prst="rect">
+            <a:avLst/>
+          </a:prstGeom>
+        </p:spPr>
+        <p:txBody>
+          <a:bodyPr vert="horz" lIns="91440" tIns="45720" rIns="91440" bIns="45720" rtlCol="0" anchor="ctr">
+            <a:normAutofit/>
+          </a:bodyPr>
+          <a:lstStyle>
+            <a:lvl1pPr algn="l" defTabSz="914400" rtl="0" eaLnBrk="1" latinLnBrk="0" hangingPunct="1">
+              <a:lnSpc>
+                <a:spcPct val="90000"/>
+              </a:lnSpc>
+              <a:spcBef>
+                <a:spcPct val="0"/>
+              </a:spcBef>
+              <a:buNone/>
+              <a:defRPr sz="4400" kern="1200">
+                <a:solidFill>
+                  <a:schemeClr val="tx1"/>
+                </a:solidFill>
+                <a:latin typeface="+mj-lt"/>
+                <a:ea typeface="+mj-ea"/>
+                <a:cs typeface="+mj-cs"/>
+              </a:defRPr>
+            </a:lvl1pPr>
+          </a:lstStyle>
+          <a:p>
+            <a:pPr algn="ctr"/>
+            <a:r>
+              <a:rPr lang="es-MX" b="1" dirty="0" smtClean="0">
+                <a:solidFill>
+                  <a:schemeClr val="bg1"/>
+                </a:solidFill>
+                <a:latin typeface="Adobe Gothic Std B" pitchFamily="34" charset="-128"/>
+                <a:ea typeface="Adobe Gothic Std B" pitchFamily="34" charset="-128"/>
+              </a:rPr>
+              <a:t>Análisis de estructura interna</a:t>
+            </a:r>
+          </a:p>
+          <a:p>
+            <a:pPr algn="ctr"/>
+            <a:endParaRPr lang="es-MX" b="1" dirty="0" smtClean="0">
+              <a:solidFill>
+                <a:schemeClr val="bg1"/>
+              </a:solidFill>
+              <a:latin typeface="Adobe Gothic Std B" pitchFamily="34" charset="-128"/>
+              <a:ea typeface="Adobe Gothic Std B" pitchFamily="34" charset="-128"/>
+            </a:endParaRPr>
+          </a:p>
+          <a:p>
+            <a:pPr algn="ctr"/>
+            <a:r>
+              <a:rPr lang="es-MX" b="1" dirty="0" smtClean="0">
+                <a:solidFill>
+                  <a:schemeClr val="bg1"/>
+                </a:solidFill>
+                <a:latin typeface="Adobe Gothic Std B" pitchFamily="34" charset="-128"/>
+                <a:ea typeface="Adobe Gothic Std B" pitchFamily="34" charset="-128"/>
+              </a:rPr>
+              <a:t>(en R)</a:t>
+            </a:r>
+          </a:p>
+          <a:p>
+            <a:pPr algn="ctr"/>
+            <a:endParaRPr lang="es-MX" b="1" dirty="0">
+              <a:solidFill>
+                <a:schemeClr val="bg1"/>
+              </a:solidFill>
+              <a:latin typeface="Adobe Gothic Std B" pitchFamily="34" charset="-128"/>
+              <a:ea typeface="Adobe Gothic Std B" pitchFamily="34" charset="-128"/>
+            </a:endParaRPr>
+          </a:p>
+        </p:txBody>
+      </p:sp>
+    </p:spTree>
+    <p:extLst>
+      <p:ext uri="{BB962C8B-B14F-4D97-AF65-F5344CB8AC3E}">
+        <p14:creationId xmlns:p14="http://schemas.microsoft.com/office/powerpoint/2010/main" val="4238565451"/>
+      </p:ext>
+    </p:extLst>
+  </p:cSld>
+  <p:clrMapOvr>
+    <a:masterClrMapping/>
+  </p:clrMapOvr>
+</p:sld>
+</file>
+
+<file path=ppt/slides/slide8.xml><?xml version="1.0" encoding="utf-8"?>
+<p:sld xmlns:a="http://schemas.openxmlformats.org/drawingml/2006/main" xmlns:r="http://schemas.openxmlformats.org/officeDocument/2006/relationships" xmlns:p="http://schemas.openxmlformats.org/presentationml/2006/main">
+  <p:cSld>
+    <p:spTree>
+      <p:nvGrpSpPr>
+        <p:cNvPr id="1" name=""/>
+        <p:cNvGrpSpPr/>
+        <p:nvPr/>
+      </p:nvGrpSpPr>
+      <p:grpSpPr>
+        <a:xfrm>
+          <a:off x="0" y="0"/>
+          <a:ext cx="0" cy="0"/>
+          <a:chOff x="0" y="0"/>
+          <a:chExt cx="0" cy="0"/>
+        </a:xfrm>
+      </p:grpSpPr>
+      <p:sp>
+        <p:nvSpPr>
+          <p:cNvPr id="2" name="1 Título"/>
+          <p:cNvSpPr>
+            <a:spLocks noGrp="1"/>
+          </p:cNvSpPr>
+          <p:nvPr>
+            <p:ph type="title"/>
+          </p:nvPr>
+        </p:nvSpPr>
+        <p:spPr/>
+        <p:txBody>
+          <a:bodyPr/>
+          <a:lstStyle/>
+          <a:p>
+            <a:endParaRPr lang="es-MX"/>
+          </a:p>
+        </p:txBody>
+      </p:sp>
+      <p:sp>
+        <p:nvSpPr>
+          <p:cNvPr id="3" name="2 Marcador de contenido"/>
+          <p:cNvSpPr>
+            <a:spLocks noGrp="1"/>
+          </p:cNvSpPr>
+          <p:nvPr>
+            <p:ph idx="1"/>
+          </p:nvPr>
+        </p:nvSpPr>
+        <p:spPr/>
+        <p:txBody>
+          <a:bodyPr/>
+          <a:lstStyle/>
+          <a:p>
+            <a:endParaRPr lang="es-MX"/>
+          </a:p>
+        </p:txBody>
+      </p:sp>
+      <p:sp>
+        <p:nvSpPr>
+          <p:cNvPr id="4" name="Rectángulo 3"/>
+          <p:cNvSpPr/>
+          <p:nvPr/>
+        </p:nvSpPr>
+        <p:spPr>
+          <a:xfrm>
+            <a:off x="0" y="0"/>
+            <a:ext cx="12192000" cy="6858000"/>
+          </a:xfrm>
+          <a:prstGeom prst="rect">
+            <a:avLst/>
+          </a:prstGeom>
+          <a:solidFill>
+            <a:schemeClr val="accent5">
+              <a:lumMod val="40000"/>
+              <a:lumOff val="60000"/>
+            </a:schemeClr>
+          </a:solidFill>
+          <a:ln>
+            <a:solidFill>
+              <a:schemeClr val="tx1"/>
+            </a:solidFill>
+          </a:ln>
+        </p:spPr>
+        <p:style>
+          <a:lnRef idx="2">
+            <a:schemeClr val="accent1">
+              <a:shade val="50000"/>
+            </a:schemeClr>
+          </a:lnRef>
+          <a:fillRef idx="1">
+            <a:schemeClr val="accent1"/>
+          </a:fillRef>
+          <a:effectRef idx="0">
+            <a:schemeClr val="accent1"/>
+          </a:effectRef>
+          <a:fontRef idx="minor">
+            <a:schemeClr val="lt1"/>
+          </a:fontRef>
+        </p:style>
+        <p:txBody>
+          <a:bodyPr rtlCol="0" anchor="ctr"/>
+          <a:lstStyle/>
+          <a:p>
+            <a:pPr algn="ctr"/>
+            <a:endParaRPr lang="es-MX"/>
+          </a:p>
+        </p:txBody>
+      </p:sp>
+      <p:sp>
+        <p:nvSpPr>
+          <p:cNvPr id="5" name="Título 1"/>
+          <p:cNvSpPr txBox="1">
+            <a:spLocks/>
+          </p:cNvSpPr>
+          <p:nvPr/>
+        </p:nvSpPr>
+        <p:spPr>
+          <a:xfrm>
+            <a:off x="298704" y="999744"/>
+            <a:ext cx="11594592" cy="5693664"/>
+          </a:xfrm>
+          <a:prstGeom prst="rect">
+            <a:avLst/>
+          </a:prstGeom>
+        </p:spPr>
+        <p:txBody>
+          <a:bodyPr vert="horz" lIns="91440" tIns="45720" rIns="91440" bIns="45720" rtlCol="0" anchor="ctr">
+            <a:normAutofit/>
+          </a:bodyPr>
+          <a:lstStyle>
+            <a:lvl1pPr algn="l" defTabSz="914400" rtl="0" eaLnBrk="1" latinLnBrk="0" hangingPunct="1">
+              <a:lnSpc>
+                <a:spcPct val="90000"/>
+              </a:lnSpc>
+              <a:spcBef>
+                <a:spcPct val="0"/>
+              </a:spcBef>
+              <a:buNone/>
+              <a:defRPr sz="4400" kern="1200">
+                <a:solidFill>
+                  <a:schemeClr val="tx1"/>
+                </a:solidFill>
+                <a:latin typeface="+mj-lt"/>
+                <a:ea typeface="+mj-ea"/>
+                <a:cs typeface="+mj-cs"/>
+              </a:defRPr>
+            </a:lvl1pPr>
+          </a:lstStyle>
+          <a:p>
+            <a:pPr marL="742950" indent="-742950">
+              <a:buAutoNum type="arabicPeriod"/>
+            </a:pPr>
+            <a:r>
+              <a:rPr lang="es-MX" b="1" dirty="0" smtClean="0">
+                <a:latin typeface="Adobe Gothic Std B" pitchFamily="34" charset="-128"/>
+                <a:ea typeface="Adobe Gothic Std B" pitchFamily="34" charset="-128"/>
+              </a:rPr>
+              <a:t>Dado que las funciones disponibles en R para implementar análisis factoriales solicitan especificar el número de factores, algunos autores recomiendan comenzar por análisis descriptivos más generales para explorar el número de factores más conveniente, </a:t>
+            </a:r>
+            <a:r>
+              <a:rPr lang="es-MX" b="1" dirty="0" err="1" smtClean="0">
+                <a:latin typeface="Adobe Gothic Std B" pitchFamily="34" charset="-128"/>
+                <a:ea typeface="Adobe Gothic Std B" pitchFamily="34" charset="-128"/>
+              </a:rPr>
+              <a:t>such</a:t>
+            </a:r>
+            <a:r>
+              <a:rPr lang="es-MX" b="1" dirty="0" smtClean="0">
+                <a:latin typeface="Adobe Gothic Std B" pitchFamily="34" charset="-128"/>
+                <a:ea typeface="Adobe Gothic Std B" pitchFamily="34" charset="-128"/>
+              </a:rPr>
+              <a:t> as:</a:t>
+            </a:r>
+          </a:p>
+          <a:p>
+            <a:pPr marL="1200150" lvl="1" indent="-742950">
+              <a:buAutoNum type="arabicPeriod"/>
+            </a:pPr>
+            <a:endParaRPr lang="es-MX" b="1" dirty="0">
+              <a:latin typeface="Adobe Gothic Std B" pitchFamily="34" charset="-128"/>
+              <a:ea typeface="Adobe Gothic Std B" pitchFamily="34" charset="-128"/>
+            </a:endParaRPr>
+          </a:p>
+          <a:p>
+            <a:pPr marL="1200150" lvl="1" indent="-742950">
+              <a:buAutoNum type="arabicPeriod"/>
+            </a:pPr>
+            <a:r>
+              <a:rPr lang="es-MX" b="1" dirty="0" smtClean="0">
+                <a:latin typeface="Adobe Gothic Std B" pitchFamily="34" charset="-128"/>
+                <a:ea typeface="Adobe Gothic Std B" pitchFamily="34" charset="-128"/>
+              </a:rPr>
+              <a:t>Análisis de Componentes Principales (PCA)</a:t>
+            </a:r>
+          </a:p>
+          <a:p>
+            <a:pPr marL="1200150" lvl="1" indent="-742950">
+              <a:buAutoNum type="arabicPeriod"/>
+            </a:pPr>
+            <a:r>
+              <a:rPr lang="es-MX" b="1" dirty="0" smtClean="0">
+                <a:latin typeface="Adobe Gothic Std B" pitchFamily="34" charset="-128"/>
+                <a:ea typeface="Adobe Gothic Std B" pitchFamily="34" charset="-128"/>
+              </a:rPr>
+              <a:t>Análisis Paralelo (PA)</a:t>
+            </a:r>
+          </a:p>
+          <a:p>
+            <a:pPr marL="1200150" lvl="1" indent="-742950">
+              <a:buAutoNum type="arabicPeriod"/>
+            </a:pPr>
+            <a:r>
+              <a:rPr lang="es-MX" b="1" dirty="0" smtClean="0">
+                <a:latin typeface="Adobe Gothic Std B" pitchFamily="34" charset="-128"/>
+                <a:ea typeface="Adobe Gothic Std B" pitchFamily="34" charset="-128"/>
+              </a:rPr>
+              <a:t>VSS (</a:t>
+            </a:r>
+            <a:r>
+              <a:rPr lang="es-MX" b="1" dirty="0" err="1" smtClean="0">
+                <a:latin typeface="Adobe Gothic Std B" pitchFamily="34" charset="-128"/>
+                <a:ea typeface="Adobe Gothic Std B" pitchFamily="34" charset="-128"/>
+              </a:rPr>
+              <a:t>Very</a:t>
+            </a:r>
+            <a:r>
+              <a:rPr lang="es-MX" b="1" dirty="0" smtClean="0">
+                <a:latin typeface="Adobe Gothic Std B" pitchFamily="34" charset="-128"/>
+                <a:ea typeface="Adobe Gothic Std B" pitchFamily="34" charset="-128"/>
+              </a:rPr>
+              <a:t> Simple </a:t>
+            </a:r>
+            <a:r>
+              <a:rPr lang="es-MX" b="1" dirty="0" err="1" smtClean="0">
+                <a:latin typeface="Adobe Gothic Std B" pitchFamily="34" charset="-128"/>
+                <a:ea typeface="Adobe Gothic Std B" pitchFamily="34" charset="-128"/>
+              </a:rPr>
+              <a:t>Structure</a:t>
+            </a:r>
+            <a:endParaRPr lang="es-MX" b="1" dirty="0" smtClean="0">
+              <a:latin typeface="Adobe Gothic Std B" pitchFamily="34" charset="-128"/>
+              <a:ea typeface="Adobe Gothic Std B" pitchFamily="34" charset="-128"/>
+            </a:endParaRPr>
+          </a:p>
+          <a:p>
+            <a:pPr marL="1200150" lvl="1" indent="-742950">
+              <a:buAutoNum type="arabicPeriod"/>
+            </a:pPr>
+            <a:endParaRPr lang="es-MX" b="1" dirty="0" smtClean="0">
+              <a:solidFill>
+                <a:schemeClr val="bg1"/>
+              </a:solidFill>
+              <a:latin typeface="Adobe Gothic Std B" pitchFamily="34" charset="-128"/>
+              <a:ea typeface="Adobe Gothic Std B" pitchFamily="34" charset="-128"/>
+            </a:endParaRPr>
+          </a:p>
+          <a:p>
+            <a:pPr marL="742950" indent="-742950">
+              <a:buAutoNum type="arabicPeriod"/>
+            </a:pPr>
+            <a:endParaRPr lang="es-MX" b="1" dirty="0" smtClean="0">
+              <a:solidFill>
+                <a:schemeClr val="bg1"/>
+              </a:solidFill>
+              <a:latin typeface="Adobe Gothic Std B" pitchFamily="34" charset="-128"/>
+              <a:ea typeface="Adobe Gothic Std B" pitchFamily="34" charset="-128"/>
+            </a:endParaRPr>
+          </a:p>
+          <a:p>
+            <a:pPr algn="ctr"/>
+            <a:endParaRPr lang="es-MX" b="1" dirty="0">
+              <a:solidFill>
+                <a:schemeClr val="bg1"/>
+              </a:solidFill>
+              <a:latin typeface="Adobe Gothic Std B" pitchFamily="34" charset="-128"/>
+              <a:ea typeface="Adobe Gothic Std B" pitchFamily="34" charset="-128"/>
+            </a:endParaRPr>
+          </a:p>
+        </p:txBody>
+      </p:sp>
+    </p:spTree>
+    <p:extLst>
+      <p:ext uri="{BB962C8B-B14F-4D97-AF65-F5344CB8AC3E}">
+        <p14:creationId xmlns:p14="http://schemas.microsoft.com/office/powerpoint/2010/main" val="1163442750"/>
+      </p:ext>
+    </p:extLst>
+  </p:cSld>
+  <p:clrMapOvr>
+    <a:masterClrMapping/>
+  </p:clrMapOvr>
+</p:sld>
+</file>
+
+<file path=ppt/slides/slide9.xml><?xml version="1.0" encoding="utf-8"?>
+<p:sld xmlns:a="http://schemas.openxmlformats.org/drawingml/2006/main" xmlns:r="http://schemas.openxmlformats.org/officeDocument/2006/relationships" xmlns:p="http://schemas.openxmlformats.org/presentationml/2006/main">
+  <p:cSld>
+    <p:spTree>
+      <p:nvGrpSpPr>
+        <p:cNvPr id="1" name=""/>
+        <p:cNvGrpSpPr/>
+        <p:nvPr/>
+      </p:nvGrpSpPr>
+      <p:grpSpPr>
+        <a:xfrm>
+          <a:off x="0" y="0"/>
+          <a:ext cx="0" cy="0"/>
+          <a:chOff x="0" y="0"/>
+          <a:chExt cx="0" cy="0"/>
+        </a:xfrm>
+      </p:grpSpPr>
+      <p:pic>
+        <p:nvPicPr>
+          <p:cNvPr id="2050" name="Picture 2"/>
+          <p:cNvPicPr>
+            <a:picLocks noChangeAspect="1" noChangeArrowheads="1"/>
+          </p:cNvPicPr>
+          <p:nvPr/>
+        </p:nvPicPr>
+        <p:blipFill>
+          <a:blip r:embed="rId2">
+            <a:extLst>
+              <a:ext uri="{28A0092B-C50C-407E-A947-70E740481C1C}">
+                <a14:useLocalDpi xmlns:a14="http://schemas.microsoft.com/office/drawing/2010/main" val="0"/>
+              </a:ext>
+            </a:extLst>
+          </a:blip>
+          <a:srcRect/>
+          <a:stretch>
+            <a:fillRect/>
+          </a:stretch>
+        </p:blipFill>
+        <p:spPr bwMode="auto">
+          <a:xfrm>
+            <a:off x="3686479" y="68896"/>
+            <a:ext cx="8505521" cy="6606540"/>
+          </a:xfrm>
+          <a:prstGeom prst="rect">
+            <a:avLst/>
+          </a:prstGeom>
+          <a:noFill/>
+          <a:ln>
+            <a:noFill/>
+          </a:ln>
+          <a:effectLst/>
+          <a:extLst>
+            <a:ext uri="{909E8E84-426E-40DD-AFC4-6F175D3DCCD1}">
+              <a14:hiddenFill xmlns:a14="http://schemas.microsoft.com/office/drawing/2010/main">
+                <a:solidFill>
+                  <a:schemeClr val="accent1"/>
+                </a:solidFill>
+              </a14:hiddenFill>
+            </a:ext>
+            <a:ext uri="{91240B29-F687-4F45-9708-019B960494DF}">
+              <a14:hiddenLine xmlns:a14="http://schemas.microsoft.com/office/drawing/2010/main" w="9525">
+                <a:solidFill>
+                  <a:schemeClr val="tx1"/>
+                </a:solidFill>
+                <a:miter lim="800000"/>
+                <a:headEnd/>
+                <a:tailEnd/>
+              </a14:hiddenLine>
+            </a:ext>
+            <a:ext uri="{AF507438-7753-43E0-B8FC-AC1667EBCBE1}">
+              <a14:hiddenEffects xmlns:a14="http://schemas.microsoft.com/office/drawing/2010/main">
+                <a:effectLst>
+                  <a:outerShdw dist="35921" dir="2700000" algn="ctr" rotWithShape="0">
+                    <a:schemeClr val="bg2"/>
+                  </a:outerShdw>
+                </a:effectLst>
+              </a14:hiddenEffects>
+            </a:ext>
+          </a:extLst>
+        </p:spPr>
+      </p:pic>
+      <p:sp>
+        <p:nvSpPr>
+          <p:cNvPr id="2" name="1 Título"/>
+          <p:cNvSpPr>
+            <a:spLocks noGrp="1"/>
+          </p:cNvSpPr>
+          <p:nvPr>
+            <p:ph type="title"/>
+          </p:nvPr>
+        </p:nvSpPr>
+        <p:spPr/>
+        <p:txBody>
+          <a:bodyPr/>
+          <a:lstStyle/>
+          <a:p>
+            <a:endParaRPr lang="es-MX"/>
+          </a:p>
+        </p:txBody>
+      </p:sp>
+      <p:sp>
+        <p:nvSpPr>
+          <p:cNvPr id="3" name="2 Marcador de contenido"/>
+          <p:cNvSpPr>
+            <a:spLocks noGrp="1"/>
+          </p:cNvSpPr>
+          <p:nvPr>
+            <p:ph idx="1"/>
+          </p:nvPr>
+        </p:nvSpPr>
+        <p:spPr/>
+        <p:txBody>
+          <a:bodyPr/>
+          <a:lstStyle/>
+          <a:p>
+            <a:endParaRPr lang="es-MX"/>
+          </a:p>
+        </p:txBody>
+      </p:sp>
+      <p:sp>
+        <p:nvSpPr>
+          <p:cNvPr id="4" name="Rectángulo 5"/>
+          <p:cNvSpPr/>
+          <p:nvPr/>
+        </p:nvSpPr>
+        <p:spPr>
+          <a:xfrm>
+            <a:off x="0" y="0"/>
+            <a:ext cx="12192000" cy="365125"/>
+          </a:xfrm>
+          <a:prstGeom prst="rect">
+            <a:avLst/>
+          </a:prstGeom>
+          <a:solidFill>
+            <a:schemeClr val="accent5">
+              <a:lumMod val="40000"/>
+              <a:lumOff val="60000"/>
+            </a:schemeClr>
+          </a:solidFill>
+        </p:spPr>
+        <p:style>
+          <a:lnRef idx="2">
+            <a:schemeClr val="accent1">
+              <a:shade val="50000"/>
+            </a:schemeClr>
+          </a:lnRef>
+          <a:fillRef idx="1">
+            <a:schemeClr val="accent1"/>
+          </a:fillRef>
+          <a:effectRef idx="0">
+            <a:schemeClr val="accent1"/>
+          </a:effectRef>
+          <a:fontRef idx="minor">
+            <a:schemeClr val="lt1"/>
+          </a:fontRef>
+        </p:style>
+        <p:txBody>
+          <a:bodyPr rtlCol="0" anchor="ctr"/>
+          <a:lstStyle/>
+          <a:p>
+            <a:pPr algn="ctr"/>
+            <a:endParaRPr lang="es-MX"/>
+          </a:p>
+        </p:txBody>
+      </p:sp>
+      <p:sp>
+        <p:nvSpPr>
+          <p:cNvPr id="5" name="Rectángulo 6"/>
+          <p:cNvSpPr/>
+          <p:nvPr/>
+        </p:nvSpPr>
+        <p:spPr>
+          <a:xfrm>
+            <a:off x="0" y="6492875"/>
+            <a:ext cx="12192000" cy="365125"/>
+          </a:xfrm>
+          <a:prstGeom prst="rect">
+            <a:avLst/>
+          </a:prstGeom>
+          <a:solidFill>
+            <a:schemeClr val="accent6">
+              <a:lumMod val="75000"/>
+            </a:schemeClr>
+          </a:solidFill>
+        </p:spPr>
+        <p:style>
+          <a:lnRef idx="2">
+            <a:schemeClr val="accent1">
+              <a:shade val="50000"/>
+            </a:schemeClr>
+          </a:lnRef>
+          <a:fillRef idx="1">
+            <a:schemeClr val="accent1"/>
+          </a:fillRef>
+          <a:effectRef idx="0">
+            <a:schemeClr val="accent1"/>
+          </a:effectRef>
+          <a:fontRef idx="minor">
+            <a:schemeClr val="lt1"/>
+          </a:fontRef>
+        </p:style>
+        <p:txBody>
+          <a:bodyPr rtlCol="0" anchor="ctr"/>
+          <a:lstStyle/>
+          <a:p>
+            <a:pPr algn="ctr"/>
+            <a:endParaRPr lang="es-MX"/>
+          </a:p>
+        </p:txBody>
+      </p:sp>
+      <p:sp>
+        <p:nvSpPr>
+          <p:cNvPr id="7" name="Rectángulo 5"/>
+          <p:cNvSpPr/>
+          <p:nvPr/>
+        </p:nvSpPr>
+        <p:spPr>
+          <a:xfrm>
+            <a:off x="0" y="-1"/>
+            <a:ext cx="12192000" cy="365125"/>
+          </a:xfrm>
+          <a:prstGeom prst="rect">
+            <a:avLst/>
+          </a:prstGeom>
+          <a:solidFill>
+            <a:schemeClr val="accent5">
+              <a:lumMod val="40000"/>
+              <a:lumOff val="60000"/>
+            </a:schemeClr>
+          </a:solidFill>
+          <a:ln>
+            <a:solidFill>
+              <a:schemeClr val="accent1"/>
+            </a:solidFill>
+          </a:ln>
+        </p:spPr>
+        <p:style>
+          <a:lnRef idx="2">
+            <a:schemeClr val="accent1">
+              <a:shade val="50000"/>
+            </a:schemeClr>
+          </a:lnRef>
+          <a:fillRef idx="1">
+            <a:schemeClr val="accent1"/>
+          </a:fillRef>
+          <a:effectRef idx="0">
+            <a:schemeClr val="accent1"/>
+          </a:effectRef>
+          <a:fontRef idx="minor">
+            <a:schemeClr val="lt1"/>
+          </a:fontRef>
+        </p:style>
+        <p:txBody>
+          <a:bodyPr rtlCol="0" anchor="ctr"/>
+          <a:lstStyle/>
+          <a:p>
+            <a:pPr algn="ctr"/>
+            <a:endParaRPr lang="es-MX"/>
+          </a:p>
+        </p:txBody>
+      </p:sp>
+      <p:sp>
+        <p:nvSpPr>
+          <p:cNvPr id="8" name="Rectángulo 6"/>
+          <p:cNvSpPr/>
+          <p:nvPr/>
+        </p:nvSpPr>
+        <p:spPr>
+          <a:xfrm>
+            <a:off x="0" y="6492874"/>
+            <a:ext cx="12192000" cy="365125"/>
+          </a:xfrm>
+          <a:prstGeom prst="rect">
+            <a:avLst/>
+          </a:prstGeom>
+          <a:solidFill>
+            <a:schemeClr val="accent5">
+              <a:lumMod val="40000"/>
+              <a:lumOff val="60000"/>
+            </a:schemeClr>
+          </a:solidFill>
+          <a:ln>
+            <a:solidFill>
+              <a:schemeClr val="accent1"/>
+            </a:solidFill>
+          </a:ln>
+        </p:spPr>
+        <p:style>
+          <a:lnRef idx="2">
+            <a:schemeClr val="accent1">
+              <a:shade val="50000"/>
+            </a:schemeClr>
+          </a:lnRef>
+          <a:fillRef idx="1">
+            <a:schemeClr val="accent1"/>
+          </a:fillRef>
+          <a:effectRef idx="0">
+            <a:schemeClr val="accent1"/>
+          </a:effectRef>
+          <a:fontRef idx="minor">
+            <a:schemeClr val="lt1"/>
+          </a:fontRef>
+        </p:style>
+        <p:txBody>
+          <a:bodyPr rtlCol="0" anchor="ctr"/>
+          <a:lstStyle/>
+          <a:p>
+            <a:pPr algn="ctr"/>
+            <a:endParaRPr lang="es-MX"/>
+          </a:p>
+        </p:txBody>
+      </p:sp>
+      <p:sp>
+        <p:nvSpPr>
+          <p:cNvPr id="9" name="Rectángulo 3"/>
+          <p:cNvSpPr/>
+          <p:nvPr/>
+        </p:nvSpPr>
+        <p:spPr>
+          <a:xfrm>
+            <a:off x="8900160" y="0"/>
+            <a:ext cx="3291840" cy="963168"/>
+          </a:xfrm>
+          <a:prstGeom prst="rect">
+            <a:avLst/>
+          </a:prstGeom>
+          <a:solidFill>
+            <a:schemeClr val="accent5">
+              <a:lumMod val="40000"/>
+              <a:lumOff val="60000"/>
+            </a:schemeClr>
+          </a:solidFill>
+          <a:ln>
+            <a:solidFill>
+              <a:schemeClr val="tx1"/>
+            </a:solidFill>
+          </a:ln>
+        </p:spPr>
+        <p:style>
+          <a:lnRef idx="2">
+            <a:schemeClr val="accent1">
+              <a:shade val="50000"/>
+            </a:schemeClr>
+          </a:lnRef>
+          <a:fillRef idx="1">
+            <a:schemeClr val="accent1"/>
+          </a:fillRef>
+          <a:effectRef idx="0">
+            <a:schemeClr val="accent1"/>
+          </a:effectRef>
+          <a:fontRef idx="minor">
+            <a:schemeClr val="lt1"/>
+          </a:fontRef>
+        </p:style>
+        <p:txBody>
+          <a:bodyPr rtlCol="0" anchor="ctr"/>
+          <a:lstStyle/>
+          <a:p>
+            <a:pPr algn="ctr"/>
+            <a:r>
+              <a:rPr lang="es-MX" sz="5000" b="1" dirty="0" smtClean="0"/>
+              <a:t>PCA</a:t>
+            </a:r>
+            <a:endParaRPr lang="es-MX" sz="5000" b="1" dirty="0"/>
+          </a:p>
+        </p:txBody>
+      </p:sp>
+    </p:spTree>
+    <p:extLst>
+      <p:ext uri="{BB962C8B-B14F-4D97-AF65-F5344CB8AC3E}">
+        <p14:creationId xmlns:p14="http://schemas.microsoft.com/office/powerpoint/2010/main" val="1569702266"/>
+      </p:ext>
+    </p:extLst>
+  </p:cSld>
+  <p:clrMapOvr>
+    <a:masterClrMapping/>
+  </p:clrMapOvr>
+</p:sld>
+</file>
+
 <file path=ppt/theme/theme1.xml><?xml version="1.0" encoding="utf-8"?>
 <a:theme xmlns:a="http://schemas.openxmlformats.org/drawingml/2006/main" name="Tema de Office">
   <a:themeElements>
@@ -4386,7 +6143,7 @@
     </a:clrScheme>
     <a:fontScheme name="Office">
       <a:majorFont>
-        <a:latin typeface="Calibri Light" panose="020F0302020204030204"/>
+        <a:latin typeface="Calibri Light"/>
         <a:ea typeface=""/>
         <a:cs typeface=""/>
         <a:font script="Jpan" typeface="ＭＳ Ｐゴシック"/>
@@ -4421,7 +6178,7 @@
         <a:font script="Geor" typeface="Sylfaen"/>
       </a:majorFont>
       <a:minorFont>
-        <a:latin typeface="Calibri" panose="020F0502020204030204"/>
+        <a:latin typeface="Calibri"/>
         <a:ea typeface=""/>
         <a:cs typeface=""/>
         <a:font script="Jpan" typeface="ＭＳ Ｐゴシック"/>
@@ -4598,7 +6355,7 @@
   <a:extraClrSchemeLst/>
   <a:extLst>
     <a:ext uri="{05A4C25C-085E-4340-85A3-A5531E510DB2}">
-      <thm15:themeFamily xmlns:thm15="http://schemas.microsoft.com/office/thememl/2012/main" name="Office Theme" id="{62F939B6-93AF-4DB8-9C6B-D6C7DFDC589F}" vid="{4A3C46E8-61CC-4603-A589-7422A47A8E4A}"/>
+      <thm15:themeFamily xmlns:thm15="http://schemas.microsoft.com/office/thememl/2012/main" xmlns="" name="Office Theme" id="{62F939B6-93AF-4DB8-9C6B-D6C7DFDC589F}" vid="{4A3C46E8-61CC-4603-A589-7422A47A8E4A}"/>
     </a:ext>
   </a:extLst>
 </a:theme>

--- a/RIMEDIE/Mat09_2015/Assessing the Model/Reporte_Resumen_Indices_TCT_AFC_AFE_MAT09.pptx
+++ b/RIMEDIE/Mat09_2015/Assessing the Model/Reporte_Resumen_Indices_TCT_AFC_AFE_MAT09.pptx
@@ -4,19 +4,31 @@
   <p:sldMasterIdLst>
     <p:sldMasterId id="2147483648" r:id="rId1"/>
   </p:sldMasterIdLst>
+  <p:notesMasterIdLst>
+    <p:notesMasterId r:id="rId23"/>
+  </p:notesMasterIdLst>
   <p:sldIdLst>
     <p:sldId id="256" r:id="rId2"/>
     <p:sldId id="258" r:id="rId3"/>
     <p:sldId id="257" r:id="rId4"/>
     <p:sldId id="259" r:id="rId5"/>
-    <p:sldId id="260" r:id="rId6"/>
-    <p:sldId id="261" r:id="rId7"/>
-    <p:sldId id="263" r:id="rId8"/>
-    <p:sldId id="265" r:id="rId9"/>
-    <p:sldId id="264" r:id="rId10"/>
-    <p:sldId id="266" r:id="rId11"/>
-    <p:sldId id="262" r:id="rId12"/>
-    <p:sldId id="267" r:id="rId13"/>
+    <p:sldId id="268" r:id="rId6"/>
+    <p:sldId id="260" r:id="rId7"/>
+    <p:sldId id="261" r:id="rId8"/>
+    <p:sldId id="263" r:id="rId9"/>
+    <p:sldId id="265" r:id="rId10"/>
+    <p:sldId id="264" r:id="rId11"/>
+    <p:sldId id="269" r:id="rId12"/>
+    <p:sldId id="270" r:id="rId13"/>
+    <p:sldId id="271" r:id="rId14"/>
+    <p:sldId id="272" r:id="rId15"/>
+    <p:sldId id="275" r:id="rId16"/>
+    <p:sldId id="274" r:id="rId17"/>
+    <p:sldId id="281" r:id="rId18"/>
+    <p:sldId id="278" r:id="rId19"/>
+    <p:sldId id="279" r:id="rId20"/>
+    <p:sldId id="280" r:id="rId21"/>
+    <p:sldId id="276" r:id="rId22"/>
   </p:sldIdLst>
   <p:sldSz cx="12192000" cy="6858000"/>
   <p:notesSz cx="6858000" cy="9144000"/>
@@ -117,7 +129,7 @@
   </p:defaultTextStyle>
   <p:extLst>
     <p:ext uri="{EFAFB233-063F-42B5-8137-9DF3F51BA10A}">
-      <p15:sldGuideLst xmlns:p15="http://schemas.microsoft.com/office/powerpoint/2012/main" xmlns="">
+      <p15:sldGuideLst xmlns:p15="http://schemas.microsoft.com/office/powerpoint/2012/main">
         <p15:guide id="1" orient="horz" pos="2160" userDrawn="1">
           <p15:clr>
             <a:srgbClr val="A4A3A4"/>
@@ -132,6 +144,548 @@
     </p:ext>
   </p:extLst>
 </p:presentation>
+</file>
+
+<file path=ppt/commentAuthors.xml><?xml version="1.0" encoding="utf-8"?>
+<p:cmAuthorLst xmlns:a="http://schemas.openxmlformats.org/drawingml/2006/main" xmlns:r="http://schemas.openxmlformats.org/officeDocument/2006/relationships" xmlns:p="http://schemas.openxmlformats.org/presentationml/2006/main">
+  <p:cmAuthor id="1" name="Alejandro" initials="A" lastIdx="1" clrIdx="0">
+    <p:extLst>
+      <p:ext uri="{19B8F6BF-5375-455C-9EA6-DF929625EA0E}">
+        <p15:presenceInfo xmlns:p15="http://schemas.microsoft.com/office/powerpoint/2012/main" userId="Alejandro" providerId="None"/>
+      </p:ext>
+    </p:extLst>
+  </p:cmAuthor>
+</p:cmAuthorLst>
+</file>
+
+<file path=ppt/notesMasters/notesMaster1.xml><?xml version="1.0" encoding="utf-8"?>
+<p:notesMaster xmlns:a="http://schemas.openxmlformats.org/drawingml/2006/main" xmlns:r="http://schemas.openxmlformats.org/officeDocument/2006/relationships" xmlns:p="http://schemas.openxmlformats.org/presentationml/2006/main">
+  <p:cSld>
+    <p:bg>
+      <p:bgRef idx="1001">
+        <a:schemeClr val="bg1"/>
+      </p:bgRef>
+    </p:bg>
+    <p:spTree>
+      <p:nvGrpSpPr>
+        <p:cNvPr id="1" name=""/>
+        <p:cNvGrpSpPr/>
+        <p:nvPr/>
+      </p:nvGrpSpPr>
+      <p:grpSpPr>
+        <a:xfrm>
+          <a:off x="0" y="0"/>
+          <a:ext cx="0" cy="0"/>
+          <a:chOff x="0" y="0"/>
+          <a:chExt cx="0" cy="0"/>
+        </a:xfrm>
+      </p:grpSpPr>
+      <p:sp>
+        <p:nvSpPr>
+          <p:cNvPr id="2" name="Marcador de encabezado 1"/>
+          <p:cNvSpPr>
+            <a:spLocks noGrp="1"/>
+          </p:cNvSpPr>
+          <p:nvPr>
+            <p:ph type="hdr" sz="quarter"/>
+          </p:nvPr>
+        </p:nvSpPr>
+        <p:spPr>
+          <a:xfrm>
+            <a:off x="0" y="0"/>
+            <a:ext cx="2971800" cy="458788"/>
+          </a:xfrm>
+          <a:prstGeom prst="rect">
+            <a:avLst/>
+          </a:prstGeom>
+        </p:spPr>
+        <p:txBody>
+          <a:bodyPr vert="horz" lIns="91440" tIns="45720" rIns="91440" bIns="45720" rtlCol="0"/>
+          <a:lstStyle>
+            <a:lvl1pPr algn="l">
+              <a:defRPr sz="1200"/>
+            </a:lvl1pPr>
+          </a:lstStyle>
+          <a:p>
+            <a:endParaRPr lang="es-MX"/>
+          </a:p>
+        </p:txBody>
+      </p:sp>
+      <p:sp>
+        <p:nvSpPr>
+          <p:cNvPr id="3" name="Marcador de fecha 2"/>
+          <p:cNvSpPr>
+            <a:spLocks noGrp="1"/>
+          </p:cNvSpPr>
+          <p:nvPr>
+            <p:ph type="dt" idx="1"/>
+          </p:nvPr>
+        </p:nvSpPr>
+        <p:spPr>
+          <a:xfrm>
+            <a:off x="3884613" y="0"/>
+            <a:ext cx="2971800" cy="458788"/>
+          </a:xfrm>
+          <a:prstGeom prst="rect">
+            <a:avLst/>
+          </a:prstGeom>
+        </p:spPr>
+        <p:txBody>
+          <a:bodyPr vert="horz" lIns="91440" tIns="45720" rIns="91440" bIns="45720" rtlCol="0"/>
+          <a:lstStyle>
+            <a:lvl1pPr algn="r">
+              <a:defRPr sz="1200"/>
+            </a:lvl1pPr>
+          </a:lstStyle>
+          <a:p>
+            <a:fld id="{7D8E1B7C-8669-4E25-B134-25394EE3466F}" type="datetimeFigureOut">
+              <a:rPr lang="es-MX" smtClean="0"/>
+              <a:t>15/04/2019</a:t>
+            </a:fld>
+            <a:endParaRPr lang="es-MX"/>
+          </a:p>
+        </p:txBody>
+      </p:sp>
+      <p:sp>
+        <p:nvSpPr>
+          <p:cNvPr id="4" name="Marcador de imagen de diapositiva 3"/>
+          <p:cNvSpPr>
+            <a:spLocks noGrp="1" noRot="1" noChangeAspect="1"/>
+          </p:cNvSpPr>
+          <p:nvPr>
+            <p:ph type="sldImg" idx="2"/>
+          </p:nvPr>
+        </p:nvSpPr>
+        <p:spPr>
+          <a:xfrm>
+            <a:off x="685800" y="1143000"/>
+            <a:ext cx="5486400" cy="3086100"/>
+          </a:xfrm>
+          <a:prstGeom prst="rect">
+            <a:avLst/>
+          </a:prstGeom>
+          <a:noFill/>
+          <a:ln w="12700">
+            <a:solidFill>
+              <a:prstClr val="black"/>
+            </a:solidFill>
+          </a:ln>
+        </p:spPr>
+        <p:txBody>
+          <a:bodyPr vert="horz" lIns="91440" tIns="45720" rIns="91440" bIns="45720" rtlCol="0" anchor="ctr"/>
+          <a:lstStyle/>
+          <a:p>
+            <a:endParaRPr lang="es-MX"/>
+          </a:p>
+        </p:txBody>
+      </p:sp>
+      <p:sp>
+        <p:nvSpPr>
+          <p:cNvPr id="5" name="Marcador de notas 4"/>
+          <p:cNvSpPr>
+            <a:spLocks noGrp="1"/>
+          </p:cNvSpPr>
+          <p:nvPr>
+            <p:ph type="body" sz="quarter" idx="3"/>
+          </p:nvPr>
+        </p:nvSpPr>
+        <p:spPr>
+          <a:xfrm>
+            <a:off x="685800" y="4400550"/>
+            <a:ext cx="5486400" cy="3600450"/>
+          </a:xfrm>
+          <a:prstGeom prst="rect">
+            <a:avLst/>
+          </a:prstGeom>
+        </p:spPr>
+        <p:txBody>
+          <a:bodyPr vert="horz" lIns="91440" tIns="45720" rIns="91440" bIns="45720" rtlCol="0"/>
+          <a:lstStyle/>
+          <a:p>
+            <a:pPr lvl="0"/>
+            <a:r>
+              <a:rPr lang="es-ES" smtClean="0"/>
+              <a:t>Haga clic para modificar el estilo de texto del patrón</a:t>
+            </a:r>
+          </a:p>
+          <a:p>
+            <a:pPr lvl="1"/>
+            <a:r>
+              <a:rPr lang="es-ES" smtClean="0"/>
+              <a:t>Segundo nivel</a:t>
+            </a:r>
+          </a:p>
+          <a:p>
+            <a:pPr lvl="2"/>
+            <a:r>
+              <a:rPr lang="es-ES" smtClean="0"/>
+              <a:t>Tercer nivel</a:t>
+            </a:r>
+          </a:p>
+          <a:p>
+            <a:pPr lvl="3"/>
+            <a:r>
+              <a:rPr lang="es-ES" smtClean="0"/>
+              <a:t>Cuarto nivel</a:t>
+            </a:r>
+          </a:p>
+          <a:p>
+            <a:pPr lvl="4"/>
+            <a:r>
+              <a:rPr lang="es-ES" smtClean="0"/>
+              <a:t>Quinto nivel</a:t>
+            </a:r>
+            <a:endParaRPr lang="es-MX"/>
+          </a:p>
+        </p:txBody>
+      </p:sp>
+      <p:sp>
+        <p:nvSpPr>
+          <p:cNvPr id="6" name="Marcador de pie de página 5"/>
+          <p:cNvSpPr>
+            <a:spLocks noGrp="1"/>
+          </p:cNvSpPr>
+          <p:nvPr>
+            <p:ph type="ftr" sz="quarter" idx="4"/>
+          </p:nvPr>
+        </p:nvSpPr>
+        <p:spPr>
+          <a:xfrm>
+            <a:off x="0" y="8685213"/>
+            <a:ext cx="2971800" cy="458787"/>
+          </a:xfrm>
+          <a:prstGeom prst="rect">
+            <a:avLst/>
+          </a:prstGeom>
+        </p:spPr>
+        <p:txBody>
+          <a:bodyPr vert="horz" lIns="91440" tIns="45720" rIns="91440" bIns="45720" rtlCol="0" anchor="b"/>
+          <a:lstStyle>
+            <a:lvl1pPr algn="l">
+              <a:defRPr sz="1200"/>
+            </a:lvl1pPr>
+          </a:lstStyle>
+          <a:p>
+            <a:endParaRPr lang="es-MX"/>
+          </a:p>
+        </p:txBody>
+      </p:sp>
+      <p:sp>
+        <p:nvSpPr>
+          <p:cNvPr id="7" name="Marcador de número de diapositiva 6"/>
+          <p:cNvSpPr>
+            <a:spLocks noGrp="1"/>
+          </p:cNvSpPr>
+          <p:nvPr>
+            <p:ph type="sldNum" sz="quarter" idx="5"/>
+          </p:nvPr>
+        </p:nvSpPr>
+        <p:spPr>
+          <a:xfrm>
+            <a:off x="3884613" y="8685213"/>
+            <a:ext cx="2971800" cy="458787"/>
+          </a:xfrm>
+          <a:prstGeom prst="rect">
+            <a:avLst/>
+          </a:prstGeom>
+        </p:spPr>
+        <p:txBody>
+          <a:bodyPr vert="horz" lIns="91440" tIns="45720" rIns="91440" bIns="45720" rtlCol="0" anchor="b"/>
+          <a:lstStyle>
+            <a:lvl1pPr algn="r">
+              <a:defRPr sz="1200"/>
+            </a:lvl1pPr>
+          </a:lstStyle>
+          <a:p>
+            <a:fld id="{3D428392-C5D2-4ED9-9997-D625745375D7}" type="slidenum">
+              <a:rPr lang="es-MX" smtClean="0"/>
+              <a:t>‹Nº›</a:t>
+            </a:fld>
+            <a:endParaRPr lang="es-MX"/>
+          </a:p>
+        </p:txBody>
+      </p:sp>
+    </p:spTree>
+    <p:extLst>
+      <p:ext uri="{BB962C8B-B14F-4D97-AF65-F5344CB8AC3E}">
+        <p14:creationId xmlns:p14="http://schemas.microsoft.com/office/powerpoint/2010/main" val="1832596160"/>
+      </p:ext>
+    </p:extLst>
+  </p:cSld>
+  <p:clrMap bg1="lt1" tx1="dk1" bg2="lt2" tx2="dk2" accent1="accent1" accent2="accent2" accent3="accent3" accent4="accent4" accent5="accent5" accent6="accent6" hlink="hlink" folHlink="folHlink"/>
+  <p:notesStyle>
+    <a:lvl1pPr marL="0" algn="l" defTabSz="914400" rtl="0" eaLnBrk="1" latinLnBrk="0" hangingPunct="1">
+      <a:defRPr sz="1200" kern="1200">
+        <a:solidFill>
+          <a:schemeClr val="tx1"/>
+        </a:solidFill>
+        <a:latin typeface="+mn-lt"/>
+        <a:ea typeface="+mn-ea"/>
+        <a:cs typeface="+mn-cs"/>
+      </a:defRPr>
+    </a:lvl1pPr>
+    <a:lvl2pPr marL="457200" algn="l" defTabSz="914400" rtl="0" eaLnBrk="1" latinLnBrk="0" hangingPunct="1">
+      <a:defRPr sz="1200" kern="1200">
+        <a:solidFill>
+          <a:schemeClr val="tx1"/>
+        </a:solidFill>
+        <a:latin typeface="+mn-lt"/>
+        <a:ea typeface="+mn-ea"/>
+        <a:cs typeface="+mn-cs"/>
+      </a:defRPr>
+    </a:lvl2pPr>
+    <a:lvl3pPr marL="914400" algn="l" defTabSz="914400" rtl="0" eaLnBrk="1" latinLnBrk="0" hangingPunct="1">
+      <a:defRPr sz="1200" kern="1200">
+        <a:solidFill>
+          <a:schemeClr val="tx1"/>
+        </a:solidFill>
+        <a:latin typeface="+mn-lt"/>
+        <a:ea typeface="+mn-ea"/>
+        <a:cs typeface="+mn-cs"/>
+      </a:defRPr>
+    </a:lvl3pPr>
+    <a:lvl4pPr marL="1371600" algn="l" defTabSz="914400" rtl="0" eaLnBrk="1" latinLnBrk="0" hangingPunct="1">
+      <a:defRPr sz="1200" kern="1200">
+        <a:solidFill>
+          <a:schemeClr val="tx1"/>
+        </a:solidFill>
+        <a:latin typeface="+mn-lt"/>
+        <a:ea typeface="+mn-ea"/>
+        <a:cs typeface="+mn-cs"/>
+      </a:defRPr>
+    </a:lvl4pPr>
+    <a:lvl5pPr marL="1828800" algn="l" defTabSz="914400" rtl="0" eaLnBrk="1" latinLnBrk="0" hangingPunct="1">
+      <a:defRPr sz="1200" kern="1200">
+        <a:solidFill>
+          <a:schemeClr val="tx1"/>
+        </a:solidFill>
+        <a:latin typeface="+mn-lt"/>
+        <a:ea typeface="+mn-ea"/>
+        <a:cs typeface="+mn-cs"/>
+      </a:defRPr>
+    </a:lvl5pPr>
+    <a:lvl6pPr marL="2286000" algn="l" defTabSz="914400" rtl="0" eaLnBrk="1" latinLnBrk="0" hangingPunct="1">
+      <a:defRPr sz="1200" kern="1200">
+        <a:solidFill>
+          <a:schemeClr val="tx1"/>
+        </a:solidFill>
+        <a:latin typeface="+mn-lt"/>
+        <a:ea typeface="+mn-ea"/>
+        <a:cs typeface="+mn-cs"/>
+      </a:defRPr>
+    </a:lvl6pPr>
+    <a:lvl7pPr marL="2743200" algn="l" defTabSz="914400" rtl="0" eaLnBrk="1" latinLnBrk="0" hangingPunct="1">
+      <a:defRPr sz="1200" kern="1200">
+        <a:solidFill>
+          <a:schemeClr val="tx1"/>
+        </a:solidFill>
+        <a:latin typeface="+mn-lt"/>
+        <a:ea typeface="+mn-ea"/>
+        <a:cs typeface="+mn-cs"/>
+      </a:defRPr>
+    </a:lvl7pPr>
+    <a:lvl8pPr marL="3200400" algn="l" defTabSz="914400" rtl="0" eaLnBrk="1" latinLnBrk="0" hangingPunct="1">
+      <a:defRPr sz="1200" kern="1200">
+        <a:solidFill>
+          <a:schemeClr val="tx1"/>
+        </a:solidFill>
+        <a:latin typeface="+mn-lt"/>
+        <a:ea typeface="+mn-ea"/>
+        <a:cs typeface="+mn-cs"/>
+      </a:defRPr>
+    </a:lvl8pPr>
+    <a:lvl9pPr marL="3657600" algn="l" defTabSz="914400" rtl="0" eaLnBrk="1" latinLnBrk="0" hangingPunct="1">
+      <a:defRPr sz="1200" kern="1200">
+        <a:solidFill>
+          <a:schemeClr val="tx1"/>
+        </a:solidFill>
+        <a:latin typeface="+mn-lt"/>
+        <a:ea typeface="+mn-ea"/>
+        <a:cs typeface="+mn-cs"/>
+      </a:defRPr>
+    </a:lvl9pPr>
+  </p:notesStyle>
+</p:notesMaster>
+</file>
+
+<file path=ppt/notesSlides/notesSlide1.xml><?xml version="1.0" encoding="utf-8"?>
+<p:notes xmlns:a="http://schemas.openxmlformats.org/drawingml/2006/main" xmlns:r="http://schemas.openxmlformats.org/officeDocument/2006/relationships" xmlns:p="http://schemas.openxmlformats.org/presentationml/2006/main">
+  <p:cSld>
+    <p:spTree>
+      <p:nvGrpSpPr>
+        <p:cNvPr id="1" name=""/>
+        <p:cNvGrpSpPr/>
+        <p:nvPr/>
+      </p:nvGrpSpPr>
+      <p:grpSpPr>
+        <a:xfrm>
+          <a:off x="0" y="0"/>
+          <a:ext cx="0" cy="0"/>
+          <a:chOff x="0" y="0"/>
+          <a:chExt cx="0" cy="0"/>
+        </a:xfrm>
+      </p:grpSpPr>
+      <p:sp>
+        <p:nvSpPr>
+          <p:cNvPr id="2" name="Marcador de imagen de diapositiva 1"/>
+          <p:cNvSpPr>
+            <a:spLocks noGrp="1" noRot="1" noChangeAspect="1"/>
+          </p:cNvSpPr>
+          <p:nvPr>
+            <p:ph type="sldImg"/>
+          </p:nvPr>
+        </p:nvSpPr>
+        <p:spPr/>
+      </p:sp>
+      <p:sp>
+        <p:nvSpPr>
+          <p:cNvPr id="3" name="Marcador de notas 2"/>
+          <p:cNvSpPr>
+            <a:spLocks noGrp="1"/>
+          </p:cNvSpPr>
+          <p:nvPr>
+            <p:ph type="body" idx="1"/>
+          </p:nvPr>
+        </p:nvSpPr>
+        <p:spPr/>
+        <p:txBody>
+          <a:bodyPr/>
+          <a:lstStyle/>
+          <a:p>
+            <a:r>
+              <a:rPr lang="es-MX" dirty="0" smtClean="0">
+                <a:hlinkClick r:id="rId3"/>
+              </a:rPr>
+              <a:t>https://sakaluk.wordpress.com/2016/05/26/11-make-it-pretty-scree-plots-and-parallel-analysis-using-psych-and-ggplot2/#parallel</a:t>
+            </a:r>
+            <a:endParaRPr lang="es-MX" dirty="0"/>
+          </a:p>
+        </p:txBody>
+      </p:sp>
+      <p:sp>
+        <p:nvSpPr>
+          <p:cNvPr id="4" name="Marcador de número de diapositiva 3"/>
+          <p:cNvSpPr>
+            <a:spLocks noGrp="1"/>
+          </p:cNvSpPr>
+          <p:nvPr>
+            <p:ph type="sldNum" sz="quarter" idx="10"/>
+          </p:nvPr>
+        </p:nvSpPr>
+        <p:spPr/>
+        <p:txBody>
+          <a:bodyPr/>
+          <a:lstStyle/>
+          <a:p>
+            <a:fld id="{3D428392-C5D2-4ED9-9997-D625745375D7}" type="slidenum">
+              <a:rPr lang="es-MX" smtClean="0"/>
+              <a:t>11</a:t>
+            </a:fld>
+            <a:endParaRPr lang="es-MX"/>
+          </a:p>
+        </p:txBody>
+      </p:sp>
+    </p:spTree>
+    <p:extLst>
+      <p:ext uri="{BB962C8B-B14F-4D97-AF65-F5344CB8AC3E}">
+        <p14:creationId xmlns:p14="http://schemas.microsoft.com/office/powerpoint/2010/main" val="2655994562"/>
+      </p:ext>
+    </p:extLst>
+  </p:cSld>
+  <p:clrMapOvr>
+    <a:masterClrMapping/>
+  </p:clrMapOvr>
+</p:notes>
+</file>
+
+<file path=ppt/notesSlides/notesSlide2.xml><?xml version="1.0" encoding="utf-8"?>
+<p:notes xmlns:a="http://schemas.openxmlformats.org/drawingml/2006/main" xmlns:r="http://schemas.openxmlformats.org/officeDocument/2006/relationships" xmlns:p="http://schemas.openxmlformats.org/presentationml/2006/main">
+  <p:cSld>
+    <p:spTree>
+      <p:nvGrpSpPr>
+        <p:cNvPr id="1" name=""/>
+        <p:cNvGrpSpPr/>
+        <p:nvPr/>
+      </p:nvGrpSpPr>
+      <p:grpSpPr>
+        <a:xfrm>
+          <a:off x="0" y="0"/>
+          <a:ext cx="0" cy="0"/>
+          <a:chOff x="0" y="0"/>
+          <a:chExt cx="0" cy="0"/>
+        </a:xfrm>
+      </p:grpSpPr>
+      <p:sp>
+        <p:nvSpPr>
+          <p:cNvPr id="2" name="Marcador de imagen de diapositiva 1"/>
+          <p:cNvSpPr>
+            <a:spLocks noGrp="1" noRot="1" noChangeAspect="1"/>
+          </p:cNvSpPr>
+          <p:nvPr>
+            <p:ph type="sldImg"/>
+          </p:nvPr>
+        </p:nvSpPr>
+        <p:spPr/>
+      </p:sp>
+      <p:sp>
+        <p:nvSpPr>
+          <p:cNvPr id="3" name="Marcador de notas 2"/>
+          <p:cNvSpPr>
+            <a:spLocks noGrp="1"/>
+          </p:cNvSpPr>
+          <p:nvPr>
+            <p:ph type="body" idx="1"/>
+          </p:nvPr>
+        </p:nvSpPr>
+        <p:spPr/>
+        <p:txBody>
+          <a:bodyPr/>
+          <a:lstStyle/>
+          <a:p>
+            <a:r>
+              <a:rPr lang="es-MX" dirty="0" smtClean="0">
+                <a:hlinkClick r:id="rId3"/>
+              </a:rPr>
+              <a:t>https://sakaluk.wordpress.com/2016/05/26/11-make-it-pretty-scree-plots-and-parallel-analysis-using-psych-and-ggplot2/#parallel</a:t>
+            </a:r>
+            <a:endParaRPr lang="es-MX" dirty="0"/>
+          </a:p>
+        </p:txBody>
+      </p:sp>
+      <p:sp>
+        <p:nvSpPr>
+          <p:cNvPr id="4" name="Marcador de número de diapositiva 3"/>
+          <p:cNvSpPr>
+            <a:spLocks noGrp="1"/>
+          </p:cNvSpPr>
+          <p:nvPr>
+            <p:ph type="sldNum" sz="quarter" idx="10"/>
+          </p:nvPr>
+        </p:nvSpPr>
+        <p:spPr/>
+        <p:txBody>
+          <a:bodyPr/>
+          <a:lstStyle/>
+          <a:p>
+            <a:fld id="{3D428392-C5D2-4ED9-9997-D625745375D7}" type="slidenum">
+              <a:rPr lang="es-MX" smtClean="0"/>
+              <a:t>12</a:t>
+            </a:fld>
+            <a:endParaRPr lang="es-MX"/>
+          </a:p>
+        </p:txBody>
+      </p:sp>
+    </p:spTree>
+    <p:extLst>
+      <p:ext uri="{BB962C8B-B14F-4D97-AF65-F5344CB8AC3E}">
+        <p14:creationId xmlns:p14="http://schemas.microsoft.com/office/powerpoint/2010/main" val="2642851962"/>
+      </p:ext>
+    </p:extLst>
+  </p:cSld>
+  <p:clrMapOvr>
+    <a:masterClrMapping/>
+  </p:clrMapOvr>
+</p:notes>
 </file>
 
 <file path=ppt/slideLayouts/slideLayout1.xml><?xml version="1.0" encoding="utf-8"?>
@@ -3149,7 +3703,7 @@
       </p:grpSpPr>
       <p:pic>
         <p:nvPicPr>
-          <p:cNvPr id="7" name="Picture 2"/>
+          <p:cNvPr id="2050" name="Picture 2"/>
           <p:cNvPicPr>
             <a:picLocks noChangeAspect="1" noChangeArrowheads="1"/>
           </p:cNvPicPr>
@@ -3170,425 +3724,8 @@
         </p:blipFill>
         <p:spPr bwMode="auto">
           <a:xfrm>
-            <a:off x="4486655" y="757364"/>
-            <a:ext cx="7384123" cy="5735510"/>
-          </a:xfrm>
-          <a:prstGeom prst="rect">
-            <a:avLst/>
-          </a:prstGeom>
-          <a:noFill/>
-          <a:ln w="9525">
-            <a:solidFill>
-              <a:schemeClr val="tx1"/>
-            </a:solidFill>
-            <a:miter lim="800000"/>
-            <a:headEnd/>
-            <a:tailEnd/>
-          </a:ln>
-          <a:effectLst/>
-          <a:extLst>
-            <a:ext uri="{909E8E84-426E-40DD-AFC4-6F175D3DCCD1}">
-              <a14:hiddenFill xmlns:a14="http://schemas.microsoft.com/office/drawing/2010/main">
-                <a:solidFill>
-                  <a:schemeClr val="accent1"/>
-                </a:solidFill>
-              </a14:hiddenFill>
-            </a:ext>
-            <a:ext uri="{AF507438-7753-43E0-B8FC-AC1667EBCBE1}">
-              <a14:hiddenEffects xmlns:a14="http://schemas.microsoft.com/office/drawing/2010/main">
-                <a:effectLst>
-                  <a:outerShdw dist="35921" dir="2700000" algn="ctr" rotWithShape="0">
-                    <a:schemeClr val="bg2"/>
-                  </a:outerShdw>
-                </a:effectLst>
-              </a14:hiddenEffects>
-            </a:ext>
-          </a:extLst>
-        </p:spPr>
-      </p:pic>
-      <p:sp>
-        <p:nvSpPr>
-          <p:cNvPr id="2" name="1 Título"/>
-          <p:cNvSpPr>
-            <a:spLocks noGrp="1"/>
-          </p:cNvSpPr>
-          <p:nvPr>
-            <p:ph type="title"/>
-          </p:nvPr>
-        </p:nvSpPr>
-        <p:spPr/>
-        <p:txBody>
-          <a:bodyPr/>
-          <a:lstStyle/>
-          <a:p>
-            <a:endParaRPr lang="es-MX" dirty="0"/>
-          </a:p>
-        </p:txBody>
-      </p:sp>
-      <p:sp>
-        <p:nvSpPr>
-          <p:cNvPr id="3" name="2 Marcador de contenido"/>
-          <p:cNvSpPr>
-            <a:spLocks noGrp="1"/>
-          </p:cNvSpPr>
-          <p:nvPr>
-            <p:ph idx="1"/>
-          </p:nvPr>
-        </p:nvSpPr>
-        <p:spPr>
-          <a:xfrm>
-            <a:off x="691896" y="1886585"/>
-            <a:ext cx="10515600" cy="4351338"/>
-          </a:xfrm>
-        </p:spPr>
-        <p:txBody>
-          <a:bodyPr/>
-          <a:lstStyle/>
-          <a:p>
-            <a:endParaRPr lang="es-MX" dirty="0"/>
-          </a:p>
-        </p:txBody>
-      </p:sp>
-      <p:sp>
-        <p:nvSpPr>
-          <p:cNvPr id="4" name="Rectángulo 5"/>
-          <p:cNvSpPr/>
-          <p:nvPr/>
-        </p:nvSpPr>
-        <p:spPr>
-          <a:xfrm>
-            <a:off x="0" y="-1"/>
-            <a:ext cx="12192000" cy="365125"/>
-          </a:xfrm>
-          <a:prstGeom prst="rect">
-            <a:avLst/>
-          </a:prstGeom>
-          <a:solidFill>
-            <a:schemeClr val="accent5">
-              <a:lumMod val="40000"/>
-              <a:lumOff val="60000"/>
-            </a:schemeClr>
-          </a:solidFill>
-          <a:ln>
-            <a:solidFill>
-              <a:schemeClr val="accent1"/>
-            </a:solidFill>
-          </a:ln>
-        </p:spPr>
-        <p:style>
-          <a:lnRef idx="2">
-            <a:schemeClr val="accent1">
-              <a:shade val="50000"/>
-            </a:schemeClr>
-          </a:lnRef>
-          <a:fillRef idx="1">
-            <a:schemeClr val="accent1"/>
-          </a:fillRef>
-          <a:effectRef idx="0">
-            <a:schemeClr val="accent1"/>
-          </a:effectRef>
-          <a:fontRef idx="minor">
-            <a:schemeClr val="lt1"/>
-          </a:fontRef>
-        </p:style>
-        <p:txBody>
-          <a:bodyPr rtlCol="0" anchor="ctr"/>
-          <a:lstStyle/>
-          <a:p>
-            <a:pPr algn="ctr"/>
-            <a:endParaRPr lang="es-MX"/>
-          </a:p>
-        </p:txBody>
-      </p:sp>
-      <p:sp>
-        <p:nvSpPr>
-          <p:cNvPr id="5" name="Rectángulo 6"/>
-          <p:cNvSpPr/>
-          <p:nvPr/>
-        </p:nvSpPr>
-        <p:spPr>
-          <a:xfrm>
-            <a:off x="0" y="6492874"/>
-            <a:ext cx="12192000" cy="365125"/>
-          </a:xfrm>
-          <a:prstGeom prst="rect">
-            <a:avLst/>
-          </a:prstGeom>
-          <a:solidFill>
-            <a:schemeClr val="accent5">
-              <a:lumMod val="40000"/>
-              <a:lumOff val="60000"/>
-            </a:schemeClr>
-          </a:solidFill>
-          <a:ln>
-            <a:solidFill>
-              <a:schemeClr val="accent1"/>
-            </a:solidFill>
-          </a:ln>
-        </p:spPr>
-        <p:style>
-          <a:lnRef idx="2">
-            <a:schemeClr val="accent1">
-              <a:shade val="50000"/>
-            </a:schemeClr>
-          </a:lnRef>
-          <a:fillRef idx="1">
-            <a:schemeClr val="accent1"/>
-          </a:fillRef>
-          <a:effectRef idx="0">
-            <a:schemeClr val="accent1"/>
-          </a:effectRef>
-          <a:fontRef idx="minor">
-            <a:schemeClr val="lt1"/>
-          </a:fontRef>
-        </p:style>
-        <p:txBody>
-          <a:bodyPr rtlCol="0" anchor="ctr"/>
-          <a:lstStyle/>
-          <a:p>
-            <a:pPr algn="ctr"/>
-            <a:endParaRPr lang="es-MX"/>
-          </a:p>
-        </p:txBody>
-      </p:sp>
-      <p:sp>
-        <p:nvSpPr>
-          <p:cNvPr id="6" name="Rectángulo 3"/>
-          <p:cNvSpPr/>
-          <p:nvPr/>
-        </p:nvSpPr>
-        <p:spPr>
-          <a:xfrm>
-            <a:off x="8900160" y="0"/>
-            <a:ext cx="3291840" cy="963168"/>
-          </a:xfrm>
-          <a:prstGeom prst="rect">
-            <a:avLst/>
-          </a:prstGeom>
-          <a:solidFill>
-            <a:schemeClr val="accent5">
-              <a:lumMod val="40000"/>
-              <a:lumOff val="60000"/>
-            </a:schemeClr>
-          </a:solidFill>
-          <a:ln>
-            <a:solidFill>
-              <a:schemeClr val="tx1"/>
-            </a:solidFill>
-          </a:ln>
-        </p:spPr>
-        <p:style>
-          <a:lnRef idx="2">
-            <a:schemeClr val="accent1">
-              <a:shade val="50000"/>
-            </a:schemeClr>
-          </a:lnRef>
-          <a:fillRef idx="1">
-            <a:schemeClr val="accent1"/>
-          </a:fillRef>
-          <a:effectRef idx="0">
-            <a:schemeClr val="accent1"/>
-          </a:effectRef>
-          <a:fontRef idx="minor">
-            <a:schemeClr val="lt1"/>
-          </a:fontRef>
-        </p:style>
-        <p:txBody>
-          <a:bodyPr rtlCol="0" anchor="ctr"/>
-          <a:lstStyle/>
-          <a:p>
-            <a:pPr algn="ctr"/>
-            <a:r>
-              <a:rPr lang="es-MX" sz="5000" b="1" dirty="0" smtClean="0"/>
-              <a:t>PA</a:t>
-            </a:r>
-            <a:endParaRPr lang="es-MX" sz="5000" b="1" dirty="0"/>
-          </a:p>
-        </p:txBody>
-      </p:sp>
-    </p:spTree>
-    <p:extLst>
-      <p:ext uri="{BB962C8B-B14F-4D97-AF65-F5344CB8AC3E}">
-        <p14:creationId xmlns:p14="http://schemas.microsoft.com/office/powerpoint/2010/main" val="537098628"/>
-      </p:ext>
-    </p:extLst>
-  </p:cSld>
-  <p:clrMapOvr>
-    <a:masterClrMapping/>
-  </p:clrMapOvr>
-</p:sld>
-</file>
-
-<file path=ppt/slides/slide11.xml><?xml version="1.0" encoding="utf-8"?>
-<p:sld xmlns:a="http://schemas.openxmlformats.org/drawingml/2006/main" xmlns:r="http://schemas.openxmlformats.org/officeDocument/2006/relationships" xmlns:p="http://schemas.openxmlformats.org/presentationml/2006/main">
-  <p:cSld>
-    <p:spTree>
-      <p:nvGrpSpPr>
-        <p:cNvPr id="1" name=""/>
-        <p:cNvGrpSpPr/>
-        <p:nvPr/>
-      </p:nvGrpSpPr>
-      <p:grpSpPr>
-        <a:xfrm>
-          <a:off x="0" y="0"/>
-          <a:ext cx="0" cy="0"/>
-          <a:chOff x="0" y="0"/>
-          <a:chExt cx="0" cy="0"/>
-        </a:xfrm>
-      </p:grpSpPr>
-      <p:sp>
-        <p:nvSpPr>
-          <p:cNvPr id="2" name="1 Título"/>
-          <p:cNvSpPr>
-            <a:spLocks noGrp="1"/>
-          </p:cNvSpPr>
-          <p:nvPr>
-            <p:ph type="title"/>
-          </p:nvPr>
-        </p:nvSpPr>
-        <p:spPr/>
-        <p:txBody>
-          <a:bodyPr/>
-          <a:lstStyle/>
-          <a:p>
-            <a:endParaRPr lang="es-MX"/>
-          </a:p>
-        </p:txBody>
-      </p:sp>
-      <p:sp>
-        <p:nvSpPr>
-          <p:cNvPr id="3" name="2 Marcador de contenido"/>
-          <p:cNvSpPr>
-            <a:spLocks noGrp="1"/>
-          </p:cNvSpPr>
-          <p:nvPr>
-            <p:ph idx="1"/>
-          </p:nvPr>
-        </p:nvSpPr>
-        <p:spPr/>
-        <p:txBody>
-          <a:bodyPr/>
-          <a:lstStyle/>
-          <a:p>
-            <a:endParaRPr lang="es-MX"/>
-          </a:p>
-        </p:txBody>
-      </p:sp>
-      <p:sp>
-        <p:nvSpPr>
-          <p:cNvPr id="5" name="Rectángulo 5"/>
-          <p:cNvSpPr/>
-          <p:nvPr/>
-        </p:nvSpPr>
-        <p:spPr>
-          <a:xfrm>
-            <a:off x="0" y="0"/>
-            <a:ext cx="12192000" cy="365125"/>
-          </a:xfrm>
-          <a:prstGeom prst="rect">
-            <a:avLst/>
-          </a:prstGeom>
-          <a:solidFill>
-            <a:schemeClr val="accent6">
-              <a:lumMod val="75000"/>
-            </a:schemeClr>
-          </a:solidFill>
-        </p:spPr>
-        <p:style>
-          <a:lnRef idx="2">
-            <a:schemeClr val="accent1">
-              <a:shade val="50000"/>
-            </a:schemeClr>
-          </a:lnRef>
-          <a:fillRef idx="1">
-            <a:schemeClr val="accent1"/>
-          </a:fillRef>
-          <a:effectRef idx="0">
-            <a:schemeClr val="accent1"/>
-          </a:effectRef>
-          <a:fontRef idx="minor">
-            <a:schemeClr val="lt1"/>
-          </a:fontRef>
-        </p:style>
-        <p:txBody>
-          <a:bodyPr rtlCol="0" anchor="ctr"/>
-          <a:lstStyle/>
-          <a:p>
-            <a:pPr algn="ctr"/>
-            <a:endParaRPr lang="es-MX"/>
-          </a:p>
-        </p:txBody>
-      </p:sp>
-      <p:sp>
-        <p:nvSpPr>
-          <p:cNvPr id="6" name="Rectángulo 6"/>
-          <p:cNvSpPr/>
-          <p:nvPr/>
-        </p:nvSpPr>
-        <p:spPr>
-          <a:xfrm>
-            <a:off x="0" y="6492875"/>
-            <a:ext cx="12192000" cy="365125"/>
-          </a:xfrm>
-          <a:prstGeom prst="rect">
-            <a:avLst/>
-          </a:prstGeom>
-          <a:solidFill>
-            <a:schemeClr val="accent6">
-              <a:lumMod val="75000"/>
-            </a:schemeClr>
-          </a:solidFill>
-        </p:spPr>
-        <p:style>
-          <a:lnRef idx="2">
-            <a:schemeClr val="accent1">
-              <a:shade val="50000"/>
-            </a:schemeClr>
-          </a:lnRef>
-          <a:fillRef idx="1">
-            <a:schemeClr val="accent1"/>
-          </a:fillRef>
-          <a:effectRef idx="0">
-            <a:schemeClr val="accent1"/>
-          </a:effectRef>
-          <a:fontRef idx="minor">
-            <a:schemeClr val="lt1"/>
-          </a:fontRef>
-        </p:style>
-        <p:txBody>
-          <a:bodyPr rtlCol="0" anchor="ctr"/>
-          <a:lstStyle/>
-          <a:p>
-            <a:pPr algn="ctr"/>
-            <a:endParaRPr lang="es-MX"/>
-          </a:p>
-        </p:txBody>
-      </p:sp>
-      <p:pic>
-        <p:nvPicPr>
-          <p:cNvPr id="1027" name="Picture 3"/>
-          <p:cNvPicPr>
-            <a:picLocks noChangeAspect="1" noChangeArrowheads="1"/>
-          </p:cNvPicPr>
-          <p:nvPr/>
-        </p:nvPicPr>
-        <p:blipFill>
-          <a:blip r:embed="rId2">
-            <a:extLst>
-              <a:ext uri="{28A0092B-C50C-407E-A947-70E740481C1C}">
-                <a14:useLocalDpi xmlns:a14="http://schemas.microsoft.com/office/drawing/2010/main" val="0"/>
-              </a:ext>
-            </a:extLst>
-          </a:blip>
-          <a:srcRect/>
-          <a:stretch>
-            <a:fillRect/>
-          </a:stretch>
-        </p:blipFill>
-        <p:spPr bwMode="auto">
-          <a:xfrm>
-            <a:off x="3405877" y="299023"/>
-            <a:ext cx="7974211" cy="6193852"/>
+            <a:off x="4724400" y="68896"/>
+            <a:ext cx="7467600" cy="6606540"/>
           </a:xfrm>
           <a:prstGeom prst="rect">
             <a:avLst/>
@@ -3630,13 +3767,66 @@
       </p:pic>
       <p:sp>
         <p:nvSpPr>
-          <p:cNvPr id="8" name="Rectángulo 5"/>
+          <p:cNvPr id="2" name="1 Título"/>
+          <p:cNvSpPr>
+            <a:spLocks noGrp="1"/>
+          </p:cNvSpPr>
+          <p:nvPr>
+            <p:ph type="title"/>
+          </p:nvPr>
+        </p:nvSpPr>
+        <p:spPr/>
+        <p:txBody>
+          <a:bodyPr/>
+          <a:lstStyle/>
+          <a:p>
+            <a:r>
+              <a:rPr lang="es-MX" dirty="0" smtClean="0"/>
+              <a:t/>
+            </a:r>
+            <a:br>
+              <a:rPr lang="es-MX" dirty="0" smtClean="0"/>
+            </a:br>
+            <a:endParaRPr lang="es-MX" dirty="0"/>
+          </a:p>
+        </p:txBody>
+      </p:sp>
+      <p:sp>
+        <p:nvSpPr>
+          <p:cNvPr id="3" name="2 Marcador de contenido"/>
+          <p:cNvSpPr>
+            <a:spLocks noGrp="1"/>
+          </p:cNvSpPr>
+          <p:nvPr>
+            <p:ph idx="1"/>
+          </p:nvPr>
+        </p:nvSpPr>
+        <p:spPr>
+          <a:xfrm>
+            <a:off x="838200" y="1825625"/>
+            <a:ext cx="3324225" cy="4351338"/>
+          </a:xfrm>
+        </p:spPr>
+        <p:txBody>
+          <a:bodyPr/>
+          <a:lstStyle/>
+          <a:p>
+            <a:endParaRPr lang="es-MX" dirty="0" smtClean="0"/>
+          </a:p>
+          <a:p>
+            <a:endParaRPr lang="es-MX" dirty="0"/>
+          </a:p>
+        </p:txBody>
+      </p:sp>
+      <p:sp>
+        <p:nvSpPr>
+          <p:cNvPr id="4" name="Rectángulo 5"/>
           <p:cNvSpPr/>
           <p:nvPr/>
         </p:nvSpPr>
         <p:spPr>
           <a:xfrm>
-            <a:off x="0" y="-1"/>
+            <a:off x="0" y="0"/>
             <a:ext cx="12192000" cy="365125"/>
           </a:xfrm>
           <a:prstGeom prst="rect">
@@ -3648,11 +3838,6 @@
               <a:lumOff val="60000"/>
             </a:schemeClr>
           </a:solidFill>
-          <a:ln>
-            <a:solidFill>
-              <a:schemeClr val="accent1"/>
-            </a:solidFill>
-          </a:ln>
         </p:spPr>
         <p:style>
           <a:lnRef idx="2">
@@ -3681,29 +3866,23 @@
       </p:sp>
       <p:sp>
         <p:nvSpPr>
-          <p:cNvPr id="9" name="Rectángulo 6"/>
+          <p:cNvPr id="5" name="Rectángulo 6"/>
           <p:cNvSpPr/>
           <p:nvPr/>
         </p:nvSpPr>
         <p:spPr>
           <a:xfrm>
-            <a:off x="0" y="6492874"/>
+            <a:off x="0" y="6492875"/>
             <a:ext cx="12192000" cy="365125"/>
           </a:xfrm>
           <a:prstGeom prst="rect">
             <a:avLst/>
           </a:prstGeom>
           <a:solidFill>
-            <a:schemeClr val="accent5">
-              <a:lumMod val="40000"/>
-              <a:lumOff val="60000"/>
+            <a:schemeClr val="accent6">
+              <a:lumMod val="75000"/>
             </a:schemeClr>
           </a:solidFill>
-          <a:ln>
-            <a:solidFill>
-              <a:schemeClr val="accent1"/>
-            </a:solidFill>
-          </a:ln>
         </p:spPr>
         <p:style>
           <a:lnRef idx="2">
@@ -3732,14 +3911,14 @@
       </p:sp>
       <p:sp>
         <p:nvSpPr>
-          <p:cNvPr id="10" name="Rectángulo 3"/>
+          <p:cNvPr id="7" name="Rectángulo 5"/>
           <p:cNvSpPr/>
           <p:nvPr/>
         </p:nvSpPr>
         <p:spPr>
           <a:xfrm>
-            <a:off x="8900160" y="0"/>
-            <a:ext cx="3291840" cy="963168"/>
+            <a:off x="0" y="-1"/>
+            <a:ext cx="12192000" cy="365125"/>
           </a:xfrm>
           <a:prstGeom prst="rect">
             <a:avLst/>
@@ -3752,7 +3931,7 @@
           </a:solidFill>
           <a:ln>
             <a:solidFill>
-              <a:schemeClr val="tx1"/>
+              <a:schemeClr val="accent1"/>
             </a:solidFill>
           </a:ln>
         </p:spPr>
@@ -3777,18 +3956,1074 @@
           <a:lstStyle/>
           <a:p>
             <a:pPr algn="ctr"/>
+            <a:endParaRPr lang="es-MX"/>
+          </a:p>
+        </p:txBody>
+      </p:sp>
+      <p:sp>
+        <p:nvSpPr>
+          <p:cNvPr id="8" name="Rectángulo 6"/>
+          <p:cNvSpPr/>
+          <p:nvPr/>
+        </p:nvSpPr>
+        <p:spPr>
+          <a:xfrm>
+            <a:off x="0" y="6492874"/>
+            <a:ext cx="12192000" cy="365125"/>
+          </a:xfrm>
+          <a:prstGeom prst="rect">
+            <a:avLst/>
+          </a:prstGeom>
+          <a:solidFill>
+            <a:schemeClr val="accent5">
+              <a:lumMod val="40000"/>
+              <a:lumOff val="60000"/>
+            </a:schemeClr>
+          </a:solidFill>
+          <a:ln>
+            <a:solidFill>
+              <a:schemeClr val="accent1"/>
+            </a:solidFill>
+          </a:ln>
+        </p:spPr>
+        <p:style>
+          <a:lnRef idx="2">
+            <a:schemeClr val="accent1">
+              <a:shade val="50000"/>
+            </a:schemeClr>
+          </a:lnRef>
+          <a:fillRef idx="1">
+            <a:schemeClr val="accent1"/>
+          </a:fillRef>
+          <a:effectRef idx="0">
+            <a:schemeClr val="accent1"/>
+          </a:effectRef>
+          <a:fontRef idx="minor">
+            <a:schemeClr val="lt1"/>
+          </a:fontRef>
+        </p:style>
+        <p:txBody>
+          <a:bodyPr rtlCol="0" anchor="ctr"/>
+          <a:lstStyle/>
+          <a:p>
+            <a:pPr algn="ctr"/>
+            <a:endParaRPr lang="es-MX"/>
+          </a:p>
+        </p:txBody>
+      </p:sp>
+      <p:sp>
+        <p:nvSpPr>
+          <p:cNvPr id="9" name="Rectángulo 3"/>
+          <p:cNvSpPr/>
+          <p:nvPr/>
+        </p:nvSpPr>
+        <p:spPr>
+          <a:xfrm>
+            <a:off x="8900160" y="0"/>
+            <a:ext cx="3291840" cy="963168"/>
+          </a:xfrm>
+          <a:prstGeom prst="rect">
+            <a:avLst/>
+          </a:prstGeom>
+          <a:solidFill>
+            <a:schemeClr val="accent5">
+              <a:lumMod val="40000"/>
+              <a:lumOff val="60000"/>
+            </a:schemeClr>
+          </a:solidFill>
+          <a:ln>
+            <a:solidFill>
+              <a:schemeClr val="tx1"/>
+            </a:solidFill>
+          </a:ln>
+        </p:spPr>
+        <p:style>
+          <a:lnRef idx="2">
+            <a:schemeClr val="accent1">
+              <a:shade val="50000"/>
+            </a:schemeClr>
+          </a:lnRef>
+          <a:fillRef idx="1">
+            <a:schemeClr val="accent1"/>
+          </a:fillRef>
+          <a:effectRef idx="0">
+            <a:schemeClr val="accent1"/>
+          </a:effectRef>
+          <a:fontRef idx="minor">
+            <a:schemeClr val="lt1"/>
+          </a:fontRef>
+        </p:style>
+        <p:txBody>
+          <a:bodyPr rtlCol="0" anchor="ctr"/>
+          <a:lstStyle/>
+          <a:p>
+            <a:pPr algn="ctr"/>
             <a:r>
               <a:rPr lang="es-MX" sz="5000" b="1" dirty="0" smtClean="0"/>
-              <a:t>VSS</a:t>
+              <a:t>PCA</a:t>
             </a:r>
             <a:endParaRPr lang="es-MX" sz="5000" b="1" dirty="0"/>
+          </a:p>
+        </p:txBody>
+      </p:sp>
+      <p:sp>
+        <p:nvSpPr>
+          <p:cNvPr id="10" name="Marcador de contenido 2"/>
+          <p:cNvSpPr txBox="1">
+            <a:spLocks/>
+          </p:cNvSpPr>
+          <p:nvPr/>
+        </p:nvSpPr>
+        <p:spPr>
+          <a:xfrm>
+            <a:off x="157162" y="365124"/>
+            <a:ext cx="4567237" cy="4351338"/>
+          </a:xfrm>
+          <a:prstGeom prst="rect">
+            <a:avLst/>
+          </a:prstGeom>
+        </p:spPr>
+        <p:txBody>
+          <a:bodyPr vert="horz" lIns="91440" tIns="45720" rIns="91440" bIns="45720" rtlCol="0">
+            <a:normAutofit/>
+          </a:bodyPr>
+          <a:lstStyle>
+            <a:lvl1pPr marL="228600" indent="-228600" algn="l" defTabSz="914400" rtl="0" eaLnBrk="1" latinLnBrk="0" hangingPunct="1">
+              <a:lnSpc>
+                <a:spcPct val="90000"/>
+              </a:lnSpc>
+              <a:spcBef>
+                <a:spcPts val="1000"/>
+              </a:spcBef>
+              <a:buFont typeface="Arial" panose="020B0604020202020204" pitchFamily="34" charset="0"/>
+              <a:buChar char="•"/>
+              <a:defRPr sz="2800" kern="1200">
+                <a:solidFill>
+                  <a:schemeClr val="tx1"/>
+                </a:solidFill>
+                <a:latin typeface="+mn-lt"/>
+                <a:ea typeface="+mn-ea"/>
+                <a:cs typeface="+mn-cs"/>
+              </a:defRPr>
+            </a:lvl1pPr>
+            <a:lvl2pPr marL="685800" indent="-228600" algn="l" defTabSz="914400" rtl="0" eaLnBrk="1" latinLnBrk="0" hangingPunct="1">
+              <a:lnSpc>
+                <a:spcPct val="90000"/>
+              </a:lnSpc>
+              <a:spcBef>
+                <a:spcPts val="500"/>
+              </a:spcBef>
+              <a:buFont typeface="Arial" panose="020B0604020202020204" pitchFamily="34" charset="0"/>
+              <a:buChar char="•"/>
+              <a:defRPr sz="2400" kern="1200">
+                <a:solidFill>
+                  <a:schemeClr val="tx1"/>
+                </a:solidFill>
+                <a:latin typeface="+mn-lt"/>
+                <a:ea typeface="+mn-ea"/>
+                <a:cs typeface="+mn-cs"/>
+              </a:defRPr>
+            </a:lvl2pPr>
+            <a:lvl3pPr marL="1143000" indent="-228600" algn="l" defTabSz="914400" rtl="0" eaLnBrk="1" latinLnBrk="0" hangingPunct="1">
+              <a:lnSpc>
+                <a:spcPct val="90000"/>
+              </a:lnSpc>
+              <a:spcBef>
+                <a:spcPts val="500"/>
+              </a:spcBef>
+              <a:buFont typeface="Arial" panose="020B0604020202020204" pitchFamily="34" charset="0"/>
+              <a:buChar char="•"/>
+              <a:defRPr sz="2000" kern="1200">
+                <a:solidFill>
+                  <a:schemeClr val="tx1"/>
+                </a:solidFill>
+                <a:latin typeface="+mn-lt"/>
+                <a:ea typeface="+mn-ea"/>
+                <a:cs typeface="+mn-cs"/>
+              </a:defRPr>
+            </a:lvl3pPr>
+            <a:lvl4pPr marL="1600200" indent="-228600" algn="l" defTabSz="914400" rtl="0" eaLnBrk="1" latinLnBrk="0" hangingPunct="1">
+              <a:lnSpc>
+                <a:spcPct val="90000"/>
+              </a:lnSpc>
+              <a:spcBef>
+                <a:spcPts val="500"/>
+              </a:spcBef>
+              <a:buFont typeface="Arial" panose="020B0604020202020204" pitchFamily="34" charset="0"/>
+              <a:buChar char="•"/>
+              <a:defRPr sz="1800" kern="1200">
+                <a:solidFill>
+                  <a:schemeClr val="tx1"/>
+                </a:solidFill>
+                <a:latin typeface="+mn-lt"/>
+                <a:ea typeface="+mn-ea"/>
+                <a:cs typeface="+mn-cs"/>
+              </a:defRPr>
+            </a:lvl4pPr>
+            <a:lvl5pPr marL="2057400" indent="-228600" algn="l" defTabSz="914400" rtl="0" eaLnBrk="1" latinLnBrk="0" hangingPunct="1">
+              <a:lnSpc>
+                <a:spcPct val="90000"/>
+              </a:lnSpc>
+              <a:spcBef>
+                <a:spcPts val="500"/>
+              </a:spcBef>
+              <a:buFont typeface="Arial" panose="020B0604020202020204" pitchFamily="34" charset="0"/>
+              <a:buChar char="•"/>
+              <a:defRPr sz="1800" kern="1200">
+                <a:solidFill>
+                  <a:schemeClr val="tx1"/>
+                </a:solidFill>
+                <a:latin typeface="+mn-lt"/>
+                <a:ea typeface="+mn-ea"/>
+                <a:cs typeface="+mn-cs"/>
+              </a:defRPr>
+            </a:lvl5pPr>
+            <a:lvl6pPr marL="2514600" indent="-228600" algn="l" defTabSz="914400" rtl="0" eaLnBrk="1" latinLnBrk="0" hangingPunct="1">
+              <a:lnSpc>
+                <a:spcPct val="90000"/>
+              </a:lnSpc>
+              <a:spcBef>
+                <a:spcPts val="500"/>
+              </a:spcBef>
+              <a:buFont typeface="Arial" panose="020B0604020202020204" pitchFamily="34" charset="0"/>
+              <a:buChar char="•"/>
+              <a:defRPr sz="1800" kern="1200">
+                <a:solidFill>
+                  <a:schemeClr val="tx1"/>
+                </a:solidFill>
+                <a:latin typeface="+mn-lt"/>
+                <a:ea typeface="+mn-ea"/>
+                <a:cs typeface="+mn-cs"/>
+              </a:defRPr>
+            </a:lvl6pPr>
+            <a:lvl7pPr marL="2971800" indent="-228600" algn="l" defTabSz="914400" rtl="0" eaLnBrk="1" latinLnBrk="0" hangingPunct="1">
+              <a:lnSpc>
+                <a:spcPct val="90000"/>
+              </a:lnSpc>
+              <a:spcBef>
+                <a:spcPts val="500"/>
+              </a:spcBef>
+              <a:buFont typeface="Arial" panose="020B0604020202020204" pitchFamily="34" charset="0"/>
+              <a:buChar char="•"/>
+              <a:defRPr sz="1800" kern="1200">
+                <a:solidFill>
+                  <a:schemeClr val="tx1"/>
+                </a:solidFill>
+                <a:latin typeface="+mn-lt"/>
+                <a:ea typeface="+mn-ea"/>
+                <a:cs typeface="+mn-cs"/>
+              </a:defRPr>
+            </a:lvl7pPr>
+            <a:lvl8pPr marL="3429000" indent="-228600" algn="l" defTabSz="914400" rtl="0" eaLnBrk="1" latinLnBrk="0" hangingPunct="1">
+              <a:lnSpc>
+                <a:spcPct val="90000"/>
+              </a:lnSpc>
+              <a:spcBef>
+                <a:spcPts val="500"/>
+              </a:spcBef>
+              <a:buFont typeface="Arial" panose="020B0604020202020204" pitchFamily="34" charset="0"/>
+              <a:buChar char="•"/>
+              <a:defRPr sz="1800" kern="1200">
+                <a:solidFill>
+                  <a:schemeClr val="tx1"/>
+                </a:solidFill>
+                <a:latin typeface="+mn-lt"/>
+                <a:ea typeface="+mn-ea"/>
+                <a:cs typeface="+mn-cs"/>
+              </a:defRPr>
+            </a:lvl8pPr>
+            <a:lvl9pPr marL="3886200" indent="-228600" algn="l" defTabSz="914400" rtl="0" eaLnBrk="1" latinLnBrk="0" hangingPunct="1">
+              <a:lnSpc>
+                <a:spcPct val="90000"/>
+              </a:lnSpc>
+              <a:spcBef>
+                <a:spcPts val="500"/>
+              </a:spcBef>
+              <a:buFont typeface="Arial" panose="020B0604020202020204" pitchFamily="34" charset="0"/>
+              <a:buChar char="•"/>
+              <a:defRPr sz="1800" kern="1200">
+                <a:solidFill>
+                  <a:schemeClr val="tx1"/>
+                </a:solidFill>
+                <a:latin typeface="+mn-lt"/>
+                <a:ea typeface="+mn-ea"/>
+                <a:cs typeface="+mn-cs"/>
+              </a:defRPr>
+            </a:lvl9pPr>
+          </a:lstStyle>
+          <a:p>
+            <a:pPr marL="0" indent="0" algn="ctr">
+              <a:buFont typeface="Arial" panose="020B0604020202020204" pitchFamily="34" charset="0"/>
+              <a:buNone/>
+            </a:pPr>
+            <a:r>
+              <a:rPr lang="es-MX" sz="3000" b="1" u="sng" dirty="0" smtClean="0"/>
+              <a:t>Análisis de Componentes Principales</a:t>
+            </a:r>
+          </a:p>
+          <a:p>
+            <a:endParaRPr lang="es-MX" sz="2000" dirty="0" smtClean="0"/>
+          </a:p>
+          <a:p>
+            <a:pPr algn="just"/>
+            <a:r>
+              <a:rPr lang="es-MX" sz="2000" dirty="0" smtClean="0"/>
+              <a:t>El ACP tiene por objetivo resumir la información disponible en el conjunto de datos a analizar y reducirla/concentrarla en unos cuantos componentes.</a:t>
+            </a:r>
+          </a:p>
+          <a:p>
+            <a:pPr lvl="1"/>
+            <a:r>
+              <a:rPr lang="es-MX" sz="1600" dirty="0" smtClean="0"/>
+              <a:t>Se asume que no hay error de medición</a:t>
+            </a:r>
+          </a:p>
+        </p:txBody>
+      </p:sp>
+      <p:pic>
+        <p:nvPicPr>
+          <p:cNvPr id="6" name="Imagen 5"/>
+          <p:cNvPicPr>
+            <a:picLocks noChangeAspect="1"/>
+          </p:cNvPicPr>
+          <p:nvPr/>
+        </p:nvPicPr>
+        <p:blipFill>
+          <a:blip r:embed="rId3"/>
+          <a:stretch>
+            <a:fillRect/>
+          </a:stretch>
+        </p:blipFill>
+        <p:spPr>
+          <a:xfrm>
+            <a:off x="766763" y="3647533"/>
+            <a:ext cx="3395662" cy="2664367"/>
+          </a:xfrm>
+          <a:prstGeom prst="rect">
+            <a:avLst/>
+          </a:prstGeom>
+        </p:spPr>
+      </p:pic>
+      <p:sp>
+        <p:nvSpPr>
+          <p:cNvPr id="11" name="CuadroTexto 10"/>
+          <p:cNvSpPr txBox="1"/>
+          <p:nvPr/>
+        </p:nvSpPr>
+        <p:spPr>
+          <a:xfrm>
+            <a:off x="6972300" y="1825625"/>
+            <a:ext cx="4610100" cy="1200329"/>
+          </a:xfrm>
+          <a:prstGeom prst="rect">
+            <a:avLst/>
+          </a:prstGeom>
+          <a:solidFill>
+            <a:schemeClr val="accent4">
+              <a:lumMod val="20000"/>
+              <a:lumOff val="80000"/>
+            </a:schemeClr>
+          </a:solidFill>
+        </p:spPr>
+        <p:txBody>
+          <a:bodyPr wrap="square" rtlCol="0">
+            <a:spAutoFit/>
+          </a:bodyPr>
+          <a:lstStyle/>
+          <a:p>
+            <a:r>
+              <a:rPr lang="es-MX" dirty="0" smtClean="0"/>
+              <a:t>De acuerdo con el análisis de componentes principales realizado con la base de PLANEA </a:t>
+            </a:r>
+            <a:r>
+              <a:rPr lang="es-MX" dirty="0" smtClean="0">
+                <a:ln>
+                  <a:solidFill>
+                    <a:sysClr val="windowText" lastClr="000000"/>
+                  </a:solidFill>
+                </a:ln>
+              </a:rPr>
+              <a:t>MAT06</a:t>
+            </a:r>
+            <a:r>
+              <a:rPr lang="es-MX" dirty="0" smtClean="0"/>
+              <a:t>,  hay una mayor varianza contenida en </a:t>
+            </a:r>
+            <a:r>
+              <a:rPr lang="es-MX" b="1" dirty="0" smtClean="0"/>
+              <a:t>el primer componente. </a:t>
+            </a:r>
+            <a:endParaRPr lang="es-MX" b="1" dirty="0"/>
           </a:p>
         </p:txBody>
       </p:sp>
     </p:spTree>
     <p:extLst>
       <p:ext uri="{BB962C8B-B14F-4D97-AF65-F5344CB8AC3E}">
-        <p14:creationId xmlns:p14="http://schemas.microsoft.com/office/powerpoint/2010/main" val="2582997543"/>
+        <p14:creationId xmlns:p14="http://schemas.microsoft.com/office/powerpoint/2010/main" val="1569702266"/>
+      </p:ext>
+    </p:extLst>
+  </p:cSld>
+  <p:clrMapOvr>
+    <a:masterClrMapping/>
+  </p:clrMapOvr>
+</p:sld>
+</file>
+
+<file path=ppt/slides/slide11.xml><?xml version="1.0" encoding="utf-8"?>
+<p:sld xmlns:a="http://schemas.openxmlformats.org/drawingml/2006/main" xmlns:r="http://schemas.openxmlformats.org/officeDocument/2006/relationships" xmlns:p="http://schemas.openxmlformats.org/presentationml/2006/main">
+  <p:cSld>
+    <p:spTree>
+      <p:nvGrpSpPr>
+        <p:cNvPr id="1" name=""/>
+        <p:cNvGrpSpPr/>
+        <p:nvPr/>
+      </p:nvGrpSpPr>
+      <p:grpSpPr>
+        <a:xfrm>
+          <a:off x="0" y="0"/>
+          <a:ext cx="0" cy="0"/>
+          <a:chOff x="0" y="0"/>
+          <a:chExt cx="0" cy="0"/>
+        </a:xfrm>
+      </p:grpSpPr>
+      <p:pic>
+        <p:nvPicPr>
+          <p:cNvPr id="11" name="Imagen 10"/>
+          <p:cNvPicPr>
+            <a:picLocks noChangeAspect="1"/>
+          </p:cNvPicPr>
+          <p:nvPr/>
+        </p:nvPicPr>
+        <p:blipFill>
+          <a:blip r:embed="rId3"/>
+          <a:stretch>
+            <a:fillRect/>
+          </a:stretch>
+        </p:blipFill>
+        <p:spPr>
+          <a:xfrm>
+            <a:off x="5815013" y="776812"/>
+            <a:ext cx="6376987" cy="5399625"/>
+          </a:xfrm>
+          <a:prstGeom prst="rect">
+            <a:avLst/>
+          </a:prstGeom>
+        </p:spPr>
+      </p:pic>
+      <p:pic>
+        <p:nvPicPr>
+          <p:cNvPr id="9" name="Imagen 8"/>
+          <p:cNvPicPr>
+            <a:picLocks noChangeAspect="1"/>
+          </p:cNvPicPr>
+          <p:nvPr/>
+        </p:nvPicPr>
+        <p:blipFill>
+          <a:blip r:embed="rId4"/>
+          <a:stretch>
+            <a:fillRect/>
+          </a:stretch>
+        </p:blipFill>
+        <p:spPr>
+          <a:xfrm>
+            <a:off x="2894796" y="4514496"/>
+            <a:ext cx="2570047" cy="2016558"/>
+          </a:xfrm>
+          <a:prstGeom prst="rect">
+            <a:avLst/>
+          </a:prstGeom>
+        </p:spPr>
+      </p:pic>
+      <p:pic>
+        <p:nvPicPr>
+          <p:cNvPr id="10" name="Imagen 9"/>
+          <p:cNvPicPr>
+            <a:picLocks noChangeAspect="1"/>
+          </p:cNvPicPr>
+          <p:nvPr/>
+        </p:nvPicPr>
+        <p:blipFill>
+          <a:blip r:embed="rId5"/>
+          <a:stretch>
+            <a:fillRect/>
+          </a:stretch>
+        </p:blipFill>
+        <p:spPr>
+          <a:xfrm>
+            <a:off x="250640" y="4456162"/>
+            <a:ext cx="2393516" cy="2107723"/>
+          </a:xfrm>
+          <a:prstGeom prst="rect">
+            <a:avLst/>
+          </a:prstGeom>
+        </p:spPr>
+      </p:pic>
+      <p:sp>
+        <p:nvSpPr>
+          <p:cNvPr id="2" name="1 Título"/>
+          <p:cNvSpPr>
+            <a:spLocks noGrp="1"/>
+          </p:cNvSpPr>
+          <p:nvPr>
+            <p:ph type="title"/>
+          </p:nvPr>
+        </p:nvSpPr>
+        <p:spPr/>
+        <p:txBody>
+          <a:bodyPr/>
+          <a:lstStyle/>
+          <a:p>
+            <a:r>
+              <a:rPr lang="es-MX" dirty="0" smtClean="0"/>
+              <a:t/>
+            </a:r>
+            <a:br>
+              <a:rPr lang="es-MX" dirty="0" smtClean="0"/>
+            </a:br>
+            <a:endParaRPr lang="es-MX" dirty="0"/>
+          </a:p>
+        </p:txBody>
+      </p:sp>
+      <p:sp>
+        <p:nvSpPr>
+          <p:cNvPr id="3" name="2 Marcador de contenido"/>
+          <p:cNvSpPr>
+            <a:spLocks noGrp="1"/>
+          </p:cNvSpPr>
+          <p:nvPr>
+            <p:ph idx="1"/>
+          </p:nvPr>
+        </p:nvSpPr>
+        <p:spPr>
+          <a:xfrm>
+            <a:off x="691896" y="1886585"/>
+            <a:ext cx="10515600" cy="4351338"/>
+          </a:xfrm>
+        </p:spPr>
+        <p:txBody>
+          <a:bodyPr/>
+          <a:lstStyle/>
+          <a:p>
+            <a:endParaRPr lang="es-MX" dirty="0" smtClean="0"/>
+          </a:p>
+          <a:p>
+            <a:endParaRPr lang="es-MX" dirty="0" smtClean="0"/>
+          </a:p>
+          <a:p>
+            <a:endParaRPr lang="es-MX" dirty="0"/>
+          </a:p>
+        </p:txBody>
+      </p:sp>
+      <p:sp>
+        <p:nvSpPr>
+          <p:cNvPr id="4" name="Rectángulo 5"/>
+          <p:cNvSpPr/>
+          <p:nvPr/>
+        </p:nvSpPr>
+        <p:spPr>
+          <a:xfrm>
+            <a:off x="0" y="-1"/>
+            <a:ext cx="12192000" cy="365125"/>
+          </a:xfrm>
+          <a:prstGeom prst="rect">
+            <a:avLst/>
+          </a:prstGeom>
+          <a:solidFill>
+            <a:schemeClr val="accent5">
+              <a:lumMod val="40000"/>
+              <a:lumOff val="60000"/>
+            </a:schemeClr>
+          </a:solidFill>
+          <a:ln>
+            <a:solidFill>
+              <a:schemeClr val="accent1"/>
+            </a:solidFill>
+          </a:ln>
+        </p:spPr>
+        <p:style>
+          <a:lnRef idx="2">
+            <a:schemeClr val="accent1">
+              <a:shade val="50000"/>
+            </a:schemeClr>
+          </a:lnRef>
+          <a:fillRef idx="1">
+            <a:schemeClr val="accent1"/>
+          </a:fillRef>
+          <a:effectRef idx="0">
+            <a:schemeClr val="accent1"/>
+          </a:effectRef>
+          <a:fontRef idx="minor">
+            <a:schemeClr val="lt1"/>
+          </a:fontRef>
+        </p:style>
+        <p:txBody>
+          <a:bodyPr rtlCol="0" anchor="ctr"/>
+          <a:lstStyle/>
+          <a:p>
+            <a:pPr algn="ctr"/>
+            <a:endParaRPr lang="es-MX"/>
+          </a:p>
+        </p:txBody>
+      </p:sp>
+      <p:sp>
+        <p:nvSpPr>
+          <p:cNvPr id="5" name="Rectángulo 6"/>
+          <p:cNvSpPr/>
+          <p:nvPr/>
+        </p:nvSpPr>
+        <p:spPr>
+          <a:xfrm>
+            <a:off x="0" y="6492874"/>
+            <a:ext cx="12192000" cy="365125"/>
+          </a:xfrm>
+          <a:prstGeom prst="rect">
+            <a:avLst/>
+          </a:prstGeom>
+          <a:solidFill>
+            <a:schemeClr val="accent5">
+              <a:lumMod val="40000"/>
+              <a:lumOff val="60000"/>
+            </a:schemeClr>
+          </a:solidFill>
+          <a:ln>
+            <a:solidFill>
+              <a:schemeClr val="accent1"/>
+            </a:solidFill>
+          </a:ln>
+        </p:spPr>
+        <p:style>
+          <a:lnRef idx="2">
+            <a:schemeClr val="accent1">
+              <a:shade val="50000"/>
+            </a:schemeClr>
+          </a:lnRef>
+          <a:fillRef idx="1">
+            <a:schemeClr val="accent1"/>
+          </a:fillRef>
+          <a:effectRef idx="0">
+            <a:schemeClr val="accent1"/>
+          </a:effectRef>
+          <a:fontRef idx="minor">
+            <a:schemeClr val="lt1"/>
+          </a:fontRef>
+        </p:style>
+        <p:txBody>
+          <a:bodyPr rtlCol="0" anchor="ctr"/>
+          <a:lstStyle/>
+          <a:p>
+            <a:pPr algn="ctr"/>
+            <a:endParaRPr lang="es-MX"/>
+          </a:p>
+        </p:txBody>
+      </p:sp>
+      <p:sp>
+        <p:nvSpPr>
+          <p:cNvPr id="6" name="Rectángulo 3"/>
+          <p:cNvSpPr/>
+          <p:nvPr/>
+        </p:nvSpPr>
+        <p:spPr>
+          <a:xfrm>
+            <a:off x="8900160" y="0"/>
+            <a:ext cx="3291840" cy="963168"/>
+          </a:xfrm>
+          <a:prstGeom prst="rect">
+            <a:avLst/>
+          </a:prstGeom>
+          <a:solidFill>
+            <a:schemeClr val="accent5">
+              <a:lumMod val="40000"/>
+              <a:lumOff val="60000"/>
+            </a:schemeClr>
+          </a:solidFill>
+          <a:ln>
+            <a:solidFill>
+              <a:schemeClr val="tx1"/>
+            </a:solidFill>
+          </a:ln>
+        </p:spPr>
+        <p:style>
+          <a:lnRef idx="2">
+            <a:schemeClr val="accent1">
+              <a:shade val="50000"/>
+            </a:schemeClr>
+          </a:lnRef>
+          <a:fillRef idx="1">
+            <a:schemeClr val="accent1"/>
+          </a:fillRef>
+          <a:effectRef idx="0">
+            <a:schemeClr val="accent1"/>
+          </a:effectRef>
+          <a:fontRef idx="minor">
+            <a:schemeClr val="lt1"/>
+          </a:fontRef>
+        </p:style>
+        <p:txBody>
+          <a:bodyPr rtlCol="0" anchor="ctr"/>
+          <a:lstStyle/>
+          <a:p>
+            <a:pPr algn="ctr"/>
+            <a:r>
+              <a:rPr lang="es-MX" sz="5000" b="1" dirty="0" smtClean="0"/>
+              <a:t>PA</a:t>
+            </a:r>
+            <a:endParaRPr lang="es-MX" sz="5000" b="1" dirty="0"/>
+          </a:p>
+        </p:txBody>
+      </p:sp>
+      <p:sp>
+        <p:nvSpPr>
+          <p:cNvPr id="8" name="Marcador de contenido 2"/>
+          <p:cNvSpPr txBox="1">
+            <a:spLocks/>
+          </p:cNvSpPr>
+          <p:nvPr/>
+        </p:nvSpPr>
+        <p:spPr>
+          <a:xfrm>
+            <a:off x="28613" y="365124"/>
+            <a:ext cx="5757785" cy="4351338"/>
+          </a:xfrm>
+          <a:prstGeom prst="rect">
+            <a:avLst/>
+          </a:prstGeom>
+        </p:spPr>
+        <p:txBody>
+          <a:bodyPr vert="horz" lIns="91440" tIns="45720" rIns="91440" bIns="45720" rtlCol="0">
+            <a:normAutofit lnSpcReduction="10000"/>
+          </a:bodyPr>
+          <a:lstStyle>
+            <a:lvl1pPr marL="228600" indent="-228600" algn="l" defTabSz="914400" rtl="0" eaLnBrk="1" latinLnBrk="0" hangingPunct="1">
+              <a:lnSpc>
+                <a:spcPct val="90000"/>
+              </a:lnSpc>
+              <a:spcBef>
+                <a:spcPts val="1000"/>
+              </a:spcBef>
+              <a:buFont typeface="Arial" panose="020B0604020202020204" pitchFamily="34" charset="0"/>
+              <a:buChar char="•"/>
+              <a:defRPr sz="2800" kern="1200">
+                <a:solidFill>
+                  <a:schemeClr val="tx1"/>
+                </a:solidFill>
+                <a:latin typeface="+mn-lt"/>
+                <a:ea typeface="+mn-ea"/>
+                <a:cs typeface="+mn-cs"/>
+              </a:defRPr>
+            </a:lvl1pPr>
+            <a:lvl2pPr marL="685800" indent="-228600" algn="l" defTabSz="914400" rtl="0" eaLnBrk="1" latinLnBrk="0" hangingPunct="1">
+              <a:lnSpc>
+                <a:spcPct val="90000"/>
+              </a:lnSpc>
+              <a:spcBef>
+                <a:spcPts val="500"/>
+              </a:spcBef>
+              <a:buFont typeface="Arial" panose="020B0604020202020204" pitchFamily="34" charset="0"/>
+              <a:buChar char="•"/>
+              <a:defRPr sz="2400" kern="1200">
+                <a:solidFill>
+                  <a:schemeClr val="tx1"/>
+                </a:solidFill>
+                <a:latin typeface="+mn-lt"/>
+                <a:ea typeface="+mn-ea"/>
+                <a:cs typeface="+mn-cs"/>
+              </a:defRPr>
+            </a:lvl2pPr>
+            <a:lvl3pPr marL="1143000" indent="-228600" algn="l" defTabSz="914400" rtl="0" eaLnBrk="1" latinLnBrk="0" hangingPunct="1">
+              <a:lnSpc>
+                <a:spcPct val="90000"/>
+              </a:lnSpc>
+              <a:spcBef>
+                <a:spcPts val="500"/>
+              </a:spcBef>
+              <a:buFont typeface="Arial" panose="020B0604020202020204" pitchFamily="34" charset="0"/>
+              <a:buChar char="•"/>
+              <a:defRPr sz="2000" kern="1200">
+                <a:solidFill>
+                  <a:schemeClr val="tx1"/>
+                </a:solidFill>
+                <a:latin typeface="+mn-lt"/>
+                <a:ea typeface="+mn-ea"/>
+                <a:cs typeface="+mn-cs"/>
+              </a:defRPr>
+            </a:lvl3pPr>
+            <a:lvl4pPr marL="1600200" indent="-228600" algn="l" defTabSz="914400" rtl="0" eaLnBrk="1" latinLnBrk="0" hangingPunct="1">
+              <a:lnSpc>
+                <a:spcPct val="90000"/>
+              </a:lnSpc>
+              <a:spcBef>
+                <a:spcPts val="500"/>
+              </a:spcBef>
+              <a:buFont typeface="Arial" panose="020B0604020202020204" pitchFamily="34" charset="0"/>
+              <a:buChar char="•"/>
+              <a:defRPr sz="1800" kern="1200">
+                <a:solidFill>
+                  <a:schemeClr val="tx1"/>
+                </a:solidFill>
+                <a:latin typeface="+mn-lt"/>
+                <a:ea typeface="+mn-ea"/>
+                <a:cs typeface="+mn-cs"/>
+              </a:defRPr>
+            </a:lvl4pPr>
+            <a:lvl5pPr marL="2057400" indent="-228600" algn="l" defTabSz="914400" rtl="0" eaLnBrk="1" latinLnBrk="0" hangingPunct="1">
+              <a:lnSpc>
+                <a:spcPct val="90000"/>
+              </a:lnSpc>
+              <a:spcBef>
+                <a:spcPts val="500"/>
+              </a:spcBef>
+              <a:buFont typeface="Arial" panose="020B0604020202020204" pitchFamily="34" charset="0"/>
+              <a:buChar char="•"/>
+              <a:defRPr sz="1800" kern="1200">
+                <a:solidFill>
+                  <a:schemeClr val="tx1"/>
+                </a:solidFill>
+                <a:latin typeface="+mn-lt"/>
+                <a:ea typeface="+mn-ea"/>
+                <a:cs typeface="+mn-cs"/>
+              </a:defRPr>
+            </a:lvl5pPr>
+            <a:lvl6pPr marL="2514600" indent="-228600" algn="l" defTabSz="914400" rtl="0" eaLnBrk="1" latinLnBrk="0" hangingPunct="1">
+              <a:lnSpc>
+                <a:spcPct val="90000"/>
+              </a:lnSpc>
+              <a:spcBef>
+                <a:spcPts val="500"/>
+              </a:spcBef>
+              <a:buFont typeface="Arial" panose="020B0604020202020204" pitchFamily="34" charset="0"/>
+              <a:buChar char="•"/>
+              <a:defRPr sz="1800" kern="1200">
+                <a:solidFill>
+                  <a:schemeClr val="tx1"/>
+                </a:solidFill>
+                <a:latin typeface="+mn-lt"/>
+                <a:ea typeface="+mn-ea"/>
+                <a:cs typeface="+mn-cs"/>
+              </a:defRPr>
+            </a:lvl6pPr>
+            <a:lvl7pPr marL="2971800" indent="-228600" algn="l" defTabSz="914400" rtl="0" eaLnBrk="1" latinLnBrk="0" hangingPunct="1">
+              <a:lnSpc>
+                <a:spcPct val="90000"/>
+              </a:lnSpc>
+              <a:spcBef>
+                <a:spcPts val="500"/>
+              </a:spcBef>
+              <a:buFont typeface="Arial" panose="020B0604020202020204" pitchFamily="34" charset="0"/>
+              <a:buChar char="•"/>
+              <a:defRPr sz="1800" kern="1200">
+                <a:solidFill>
+                  <a:schemeClr val="tx1"/>
+                </a:solidFill>
+                <a:latin typeface="+mn-lt"/>
+                <a:ea typeface="+mn-ea"/>
+                <a:cs typeface="+mn-cs"/>
+              </a:defRPr>
+            </a:lvl7pPr>
+            <a:lvl8pPr marL="3429000" indent="-228600" algn="l" defTabSz="914400" rtl="0" eaLnBrk="1" latinLnBrk="0" hangingPunct="1">
+              <a:lnSpc>
+                <a:spcPct val="90000"/>
+              </a:lnSpc>
+              <a:spcBef>
+                <a:spcPts val="500"/>
+              </a:spcBef>
+              <a:buFont typeface="Arial" panose="020B0604020202020204" pitchFamily="34" charset="0"/>
+              <a:buChar char="•"/>
+              <a:defRPr sz="1800" kern="1200">
+                <a:solidFill>
+                  <a:schemeClr val="tx1"/>
+                </a:solidFill>
+                <a:latin typeface="+mn-lt"/>
+                <a:ea typeface="+mn-ea"/>
+                <a:cs typeface="+mn-cs"/>
+              </a:defRPr>
+            </a:lvl8pPr>
+            <a:lvl9pPr marL="3886200" indent="-228600" algn="l" defTabSz="914400" rtl="0" eaLnBrk="1" latinLnBrk="0" hangingPunct="1">
+              <a:lnSpc>
+                <a:spcPct val="90000"/>
+              </a:lnSpc>
+              <a:spcBef>
+                <a:spcPts val="500"/>
+              </a:spcBef>
+              <a:buFont typeface="Arial" panose="020B0604020202020204" pitchFamily="34" charset="0"/>
+              <a:buChar char="•"/>
+              <a:defRPr sz="1800" kern="1200">
+                <a:solidFill>
+                  <a:schemeClr val="tx1"/>
+                </a:solidFill>
+                <a:latin typeface="+mn-lt"/>
+                <a:ea typeface="+mn-ea"/>
+                <a:cs typeface="+mn-cs"/>
+              </a:defRPr>
+            </a:lvl9pPr>
+          </a:lstStyle>
+          <a:p>
+            <a:pPr marL="0" indent="0" algn="ctr">
+              <a:buFont typeface="Arial" panose="020B0604020202020204" pitchFamily="34" charset="0"/>
+              <a:buNone/>
+            </a:pPr>
+            <a:r>
+              <a:rPr lang="es-MX" sz="3000" b="1" u="sng" dirty="0" smtClean="0"/>
+              <a:t>Análisis Paralelo</a:t>
+            </a:r>
+          </a:p>
+          <a:p>
+            <a:pPr algn="just"/>
+            <a:r>
+              <a:rPr lang="es-MX" sz="2000" dirty="0" smtClean="0"/>
+              <a:t>El AP funciona a partir de la simulación de un conjunto de datos aleatorios que comparten las mismas dimensiones y escala que la matriz de datos real. Se obtienen los </a:t>
+            </a:r>
+            <a:r>
+              <a:rPr lang="es-MX" sz="2000" dirty="0" err="1" smtClean="0"/>
+              <a:t>Eigenvalues</a:t>
+            </a:r>
+            <a:r>
+              <a:rPr lang="es-MX" sz="2000" dirty="0" smtClean="0"/>
+              <a:t> para la matriz simulada y para la matriz real y se </a:t>
+            </a:r>
+            <a:r>
+              <a:rPr lang="es-MX" sz="2000" dirty="0" err="1" smtClean="0"/>
+              <a:t>plotean</a:t>
+            </a:r>
+            <a:r>
+              <a:rPr lang="es-MX" sz="2000" dirty="0" smtClean="0"/>
+              <a:t> en el </a:t>
+            </a:r>
+            <a:r>
+              <a:rPr lang="es-MX" sz="2000" dirty="0" err="1" smtClean="0"/>
+              <a:t>Screeplot</a:t>
+            </a:r>
+            <a:r>
+              <a:rPr lang="es-MX" sz="2000" dirty="0" smtClean="0"/>
+              <a:t>, de manera que sólo se puedan conservar los factores donde </a:t>
+            </a:r>
+            <a:r>
+              <a:rPr lang="es-MX" sz="2000" dirty="0" err="1" smtClean="0"/>
+              <a:t>Eigenvalues</a:t>
+            </a:r>
+            <a:r>
+              <a:rPr lang="es-MX" sz="2000" dirty="0" smtClean="0"/>
+              <a:t>(Real) &gt; </a:t>
+            </a:r>
+            <a:r>
+              <a:rPr lang="es-MX" sz="2000" dirty="0" err="1" smtClean="0"/>
+              <a:t>Eigenvalues</a:t>
+            </a:r>
+            <a:r>
+              <a:rPr lang="es-MX" sz="2000" dirty="0" smtClean="0"/>
+              <a:t>(Simulación)</a:t>
+            </a:r>
+          </a:p>
+          <a:p>
+            <a:pPr algn="just"/>
+            <a:endParaRPr lang="es-MX" sz="2000" dirty="0"/>
+          </a:p>
+          <a:p>
+            <a:pPr algn="just"/>
+            <a:r>
+              <a:rPr lang="es-MX" sz="2000" dirty="0" smtClean="0"/>
+              <a:t>La función empleada en R repite este mismo procedimiento con un análisis factorial y un análisis de componentes principales, recordando que estos difieren en sus supuestos centrales de la siguiente forma:</a:t>
+            </a:r>
+          </a:p>
+        </p:txBody>
+      </p:sp>
+      <p:sp>
+        <p:nvSpPr>
+          <p:cNvPr id="12" name="CuadroTexto 11"/>
+          <p:cNvSpPr txBox="1"/>
+          <p:nvPr/>
+        </p:nvSpPr>
+        <p:spPr>
+          <a:xfrm>
+            <a:off x="7260679" y="3429000"/>
+            <a:ext cx="4610100" cy="923330"/>
+          </a:xfrm>
+          <a:prstGeom prst="rect">
+            <a:avLst/>
+          </a:prstGeom>
+          <a:solidFill>
+            <a:schemeClr val="accent4">
+              <a:lumMod val="20000"/>
+              <a:lumOff val="80000"/>
+            </a:schemeClr>
+          </a:solidFill>
+        </p:spPr>
+        <p:txBody>
+          <a:bodyPr wrap="square" rtlCol="0">
+            <a:spAutoFit/>
+          </a:bodyPr>
+          <a:lstStyle/>
+          <a:p>
+            <a:r>
+              <a:rPr lang="es-MX" dirty="0" smtClean="0"/>
+              <a:t>De acuerdo con el PA realizado a partir de un Análisis de Componentes Principales (PC), </a:t>
+            </a:r>
+            <a:r>
+              <a:rPr lang="es-MX" b="1" dirty="0" smtClean="0"/>
+              <a:t>no </a:t>
+            </a:r>
+            <a:r>
+              <a:rPr lang="es-MX" dirty="0" smtClean="0"/>
+              <a:t>se recomendaría usar más de </a:t>
+            </a:r>
+            <a:r>
+              <a:rPr lang="es-MX" b="1" dirty="0" smtClean="0"/>
+              <a:t>5 factores</a:t>
+            </a:r>
+            <a:endParaRPr lang="es-MX" b="1" dirty="0"/>
+          </a:p>
+        </p:txBody>
+      </p:sp>
+      <p:sp>
+        <p:nvSpPr>
+          <p:cNvPr id="7" name="Elipse 6"/>
+          <p:cNvSpPr/>
+          <p:nvPr/>
+        </p:nvSpPr>
+        <p:spPr>
+          <a:xfrm>
+            <a:off x="6877050" y="4456162"/>
+            <a:ext cx="238126" cy="344438"/>
+          </a:xfrm>
+          <a:prstGeom prst="ellipse">
+            <a:avLst/>
+          </a:prstGeom>
+          <a:noFill/>
+          <a:ln>
+            <a:solidFill>
+              <a:srgbClr val="FF0000"/>
+            </a:solidFill>
+          </a:ln>
+        </p:spPr>
+        <p:style>
+          <a:lnRef idx="2">
+            <a:schemeClr val="accent1">
+              <a:shade val="50000"/>
+            </a:schemeClr>
+          </a:lnRef>
+          <a:fillRef idx="1">
+            <a:schemeClr val="accent1"/>
+          </a:fillRef>
+          <a:effectRef idx="0">
+            <a:schemeClr val="accent1"/>
+          </a:effectRef>
+          <a:fontRef idx="minor">
+            <a:schemeClr val="lt1"/>
+          </a:fontRef>
+        </p:style>
+        <p:txBody>
+          <a:bodyPr rtlCol="0" anchor="ctr"/>
+          <a:lstStyle/>
+          <a:p>
+            <a:pPr algn="ctr"/>
+            <a:endParaRPr lang="es-MX"/>
+          </a:p>
+        </p:txBody>
+      </p:sp>
+    </p:spTree>
+    <p:extLst>
+      <p:ext uri="{BB962C8B-B14F-4D97-AF65-F5344CB8AC3E}">
+        <p14:creationId xmlns:p14="http://schemas.microsoft.com/office/powerpoint/2010/main" val="3463147494"/>
       </p:ext>
     </p:extLst>
   </p:cSld>
@@ -3815,6 +5050,78 @@
           <a:chExt cx="0" cy="0"/>
         </a:xfrm>
       </p:grpSpPr>
+      <p:pic>
+        <p:nvPicPr>
+          <p:cNvPr id="11" name="Imagen 10"/>
+          <p:cNvPicPr>
+            <a:picLocks noChangeAspect="1"/>
+          </p:cNvPicPr>
+          <p:nvPr/>
+        </p:nvPicPr>
+        <p:blipFill>
+          <a:blip r:embed="rId3"/>
+          <a:stretch>
+            <a:fillRect/>
+          </a:stretch>
+        </p:blipFill>
+        <p:spPr>
+          <a:xfrm>
+            <a:off x="5815013" y="776812"/>
+            <a:ext cx="6376987" cy="5399625"/>
+          </a:xfrm>
+          <a:prstGeom prst="rect">
+            <a:avLst/>
+          </a:prstGeom>
+        </p:spPr>
+      </p:pic>
+      <p:pic>
+        <p:nvPicPr>
+          <p:cNvPr id="9" name="Imagen 8"/>
+          <p:cNvPicPr>
+            <a:picLocks noChangeAspect="1"/>
+          </p:cNvPicPr>
+          <p:nvPr/>
+        </p:nvPicPr>
+        <p:blipFill>
+          <a:blip r:embed="rId4"/>
+          <a:stretch>
+            <a:fillRect/>
+          </a:stretch>
+        </p:blipFill>
+        <p:spPr>
+          <a:xfrm>
+            <a:off x="2894796" y="4514496"/>
+            <a:ext cx="2570047" cy="2016558"/>
+          </a:xfrm>
+          <a:prstGeom prst="rect">
+            <a:avLst/>
+          </a:prstGeom>
+        </p:spPr>
+      </p:pic>
+      <p:pic>
+        <p:nvPicPr>
+          <p:cNvPr id="10" name="Imagen 9"/>
+          <p:cNvPicPr>
+            <a:picLocks noChangeAspect="1"/>
+          </p:cNvPicPr>
+          <p:nvPr/>
+        </p:nvPicPr>
+        <p:blipFill>
+          <a:blip r:embed="rId5"/>
+          <a:stretch>
+            <a:fillRect/>
+          </a:stretch>
+        </p:blipFill>
+        <p:spPr>
+          <a:xfrm>
+            <a:off x="250640" y="4456162"/>
+            <a:ext cx="2393516" cy="2107723"/>
+          </a:xfrm>
+          <a:prstGeom prst="rect">
+            <a:avLst/>
+          </a:prstGeom>
+        </p:spPr>
+      </p:pic>
       <p:sp>
         <p:nvSpPr>
           <p:cNvPr id="2" name="1 Título"/>
@@ -3830,7 +5137,14 @@
           <a:bodyPr/>
           <a:lstStyle/>
           <a:p>
-            <a:endParaRPr lang="es-MX"/>
+            <a:r>
+              <a:rPr lang="es-MX" dirty="0" smtClean="0"/>
+              <a:t/>
+            </a:r>
+            <a:br>
+              <a:rPr lang="es-MX" dirty="0" smtClean="0"/>
+            </a:br>
+            <a:endParaRPr lang="es-MX" dirty="0"/>
           </a:p>
         </p:txBody>
       </p:sp>
@@ -3844,37 +5158,49 @@
             <p:ph idx="1"/>
           </p:nvPr>
         </p:nvSpPr>
-        <p:spPr/>
+        <p:spPr>
+          <a:xfrm>
+            <a:off x="691896" y="1886585"/>
+            <a:ext cx="10515600" cy="4351338"/>
+          </a:xfrm>
+        </p:spPr>
         <p:txBody>
           <a:bodyPr/>
           <a:lstStyle/>
           <a:p>
-            <a:endParaRPr lang="es-MX"/>
-          </a:p>
-        </p:txBody>
-      </p:sp>
-      <p:sp>
-        <p:nvSpPr>
-          <p:cNvPr id="4" name="Rectángulo 3"/>
+            <a:endParaRPr lang="es-MX" dirty="0" smtClean="0"/>
+          </a:p>
+          <a:p>
+            <a:endParaRPr lang="es-MX" dirty="0" smtClean="0"/>
+          </a:p>
+          <a:p>
+            <a:endParaRPr lang="es-MX" dirty="0"/>
+          </a:p>
+        </p:txBody>
+      </p:sp>
+      <p:sp>
+        <p:nvSpPr>
+          <p:cNvPr id="4" name="Rectángulo 5"/>
           <p:cNvSpPr/>
           <p:nvPr/>
         </p:nvSpPr>
         <p:spPr>
           <a:xfrm>
-            <a:off x="0" y="0"/>
-            <a:ext cx="12192000" cy="6858000"/>
+            <a:off x="0" y="-1"/>
+            <a:ext cx="12192000" cy="365125"/>
           </a:xfrm>
           <a:prstGeom prst="rect">
             <a:avLst/>
           </a:prstGeom>
           <a:solidFill>
-            <a:schemeClr val="bg1">
-              <a:lumMod val="50000"/>
+            <a:schemeClr val="accent5">
+              <a:lumMod val="40000"/>
+              <a:lumOff val="60000"/>
             </a:schemeClr>
           </a:solidFill>
           <a:ln>
             <a:solidFill>
-              <a:schemeClr val="tx1"/>
+              <a:schemeClr val="accent1"/>
             </a:solidFill>
           </a:ln>
         </p:spPr>
@@ -3905,6 +5231,708 @@
       </p:sp>
       <p:sp>
         <p:nvSpPr>
+          <p:cNvPr id="5" name="Rectángulo 6"/>
+          <p:cNvSpPr/>
+          <p:nvPr/>
+        </p:nvSpPr>
+        <p:spPr>
+          <a:xfrm>
+            <a:off x="0" y="6492874"/>
+            <a:ext cx="12192000" cy="365125"/>
+          </a:xfrm>
+          <a:prstGeom prst="rect">
+            <a:avLst/>
+          </a:prstGeom>
+          <a:solidFill>
+            <a:schemeClr val="accent5">
+              <a:lumMod val="40000"/>
+              <a:lumOff val="60000"/>
+            </a:schemeClr>
+          </a:solidFill>
+          <a:ln>
+            <a:solidFill>
+              <a:schemeClr val="accent1"/>
+            </a:solidFill>
+          </a:ln>
+        </p:spPr>
+        <p:style>
+          <a:lnRef idx="2">
+            <a:schemeClr val="accent1">
+              <a:shade val="50000"/>
+            </a:schemeClr>
+          </a:lnRef>
+          <a:fillRef idx="1">
+            <a:schemeClr val="accent1"/>
+          </a:fillRef>
+          <a:effectRef idx="0">
+            <a:schemeClr val="accent1"/>
+          </a:effectRef>
+          <a:fontRef idx="minor">
+            <a:schemeClr val="lt1"/>
+          </a:fontRef>
+        </p:style>
+        <p:txBody>
+          <a:bodyPr rtlCol="0" anchor="ctr"/>
+          <a:lstStyle/>
+          <a:p>
+            <a:pPr algn="ctr"/>
+            <a:endParaRPr lang="es-MX"/>
+          </a:p>
+        </p:txBody>
+      </p:sp>
+      <p:sp>
+        <p:nvSpPr>
+          <p:cNvPr id="6" name="Rectángulo 3"/>
+          <p:cNvSpPr/>
+          <p:nvPr/>
+        </p:nvSpPr>
+        <p:spPr>
+          <a:xfrm>
+            <a:off x="8900160" y="0"/>
+            <a:ext cx="3291840" cy="963168"/>
+          </a:xfrm>
+          <a:prstGeom prst="rect">
+            <a:avLst/>
+          </a:prstGeom>
+          <a:solidFill>
+            <a:schemeClr val="accent5">
+              <a:lumMod val="40000"/>
+              <a:lumOff val="60000"/>
+            </a:schemeClr>
+          </a:solidFill>
+          <a:ln>
+            <a:solidFill>
+              <a:schemeClr val="tx1"/>
+            </a:solidFill>
+          </a:ln>
+        </p:spPr>
+        <p:style>
+          <a:lnRef idx="2">
+            <a:schemeClr val="accent1">
+              <a:shade val="50000"/>
+            </a:schemeClr>
+          </a:lnRef>
+          <a:fillRef idx="1">
+            <a:schemeClr val="accent1"/>
+          </a:fillRef>
+          <a:effectRef idx="0">
+            <a:schemeClr val="accent1"/>
+          </a:effectRef>
+          <a:fontRef idx="minor">
+            <a:schemeClr val="lt1"/>
+          </a:fontRef>
+        </p:style>
+        <p:txBody>
+          <a:bodyPr rtlCol="0" anchor="ctr"/>
+          <a:lstStyle/>
+          <a:p>
+            <a:pPr algn="ctr"/>
+            <a:r>
+              <a:rPr lang="es-MX" sz="5000" b="1" dirty="0" smtClean="0"/>
+              <a:t>PA</a:t>
+            </a:r>
+            <a:endParaRPr lang="es-MX" sz="5000" b="1" dirty="0"/>
+          </a:p>
+        </p:txBody>
+      </p:sp>
+      <p:sp>
+        <p:nvSpPr>
+          <p:cNvPr id="8" name="Marcador de contenido 2"/>
+          <p:cNvSpPr txBox="1">
+            <a:spLocks/>
+          </p:cNvSpPr>
+          <p:nvPr/>
+        </p:nvSpPr>
+        <p:spPr>
+          <a:xfrm>
+            <a:off x="28613" y="365124"/>
+            <a:ext cx="5757785" cy="4351338"/>
+          </a:xfrm>
+          <a:prstGeom prst="rect">
+            <a:avLst/>
+          </a:prstGeom>
+        </p:spPr>
+        <p:txBody>
+          <a:bodyPr vert="horz" lIns="91440" tIns="45720" rIns="91440" bIns="45720" rtlCol="0">
+            <a:normAutofit lnSpcReduction="10000"/>
+          </a:bodyPr>
+          <a:lstStyle>
+            <a:lvl1pPr marL="228600" indent="-228600" algn="l" defTabSz="914400" rtl="0" eaLnBrk="1" latinLnBrk="0" hangingPunct="1">
+              <a:lnSpc>
+                <a:spcPct val="90000"/>
+              </a:lnSpc>
+              <a:spcBef>
+                <a:spcPts val="1000"/>
+              </a:spcBef>
+              <a:buFont typeface="Arial" panose="020B0604020202020204" pitchFamily="34" charset="0"/>
+              <a:buChar char="•"/>
+              <a:defRPr sz="2800" kern="1200">
+                <a:solidFill>
+                  <a:schemeClr val="tx1"/>
+                </a:solidFill>
+                <a:latin typeface="+mn-lt"/>
+                <a:ea typeface="+mn-ea"/>
+                <a:cs typeface="+mn-cs"/>
+              </a:defRPr>
+            </a:lvl1pPr>
+            <a:lvl2pPr marL="685800" indent="-228600" algn="l" defTabSz="914400" rtl="0" eaLnBrk="1" latinLnBrk="0" hangingPunct="1">
+              <a:lnSpc>
+                <a:spcPct val="90000"/>
+              </a:lnSpc>
+              <a:spcBef>
+                <a:spcPts val="500"/>
+              </a:spcBef>
+              <a:buFont typeface="Arial" panose="020B0604020202020204" pitchFamily="34" charset="0"/>
+              <a:buChar char="•"/>
+              <a:defRPr sz="2400" kern="1200">
+                <a:solidFill>
+                  <a:schemeClr val="tx1"/>
+                </a:solidFill>
+                <a:latin typeface="+mn-lt"/>
+                <a:ea typeface="+mn-ea"/>
+                <a:cs typeface="+mn-cs"/>
+              </a:defRPr>
+            </a:lvl2pPr>
+            <a:lvl3pPr marL="1143000" indent="-228600" algn="l" defTabSz="914400" rtl="0" eaLnBrk="1" latinLnBrk="0" hangingPunct="1">
+              <a:lnSpc>
+                <a:spcPct val="90000"/>
+              </a:lnSpc>
+              <a:spcBef>
+                <a:spcPts val="500"/>
+              </a:spcBef>
+              <a:buFont typeface="Arial" panose="020B0604020202020204" pitchFamily="34" charset="0"/>
+              <a:buChar char="•"/>
+              <a:defRPr sz="2000" kern="1200">
+                <a:solidFill>
+                  <a:schemeClr val="tx1"/>
+                </a:solidFill>
+                <a:latin typeface="+mn-lt"/>
+                <a:ea typeface="+mn-ea"/>
+                <a:cs typeface="+mn-cs"/>
+              </a:defRPr>
+            </a:lvl3pPr>
+            <a:lvl4pPr marL="1600200" indent="-228600" algn="l" defTabSz="914400" rtl="0" eaLnBrk="1" latinLnBrk="0" hangingPunct="1">
+              <a:lnSpc>
+                <a:spcPct val="90000"/>
+              </a:lnSpc>
+              <a:spcBef>
+                <a:spcPts val="500"/>
+              </a:spcBef>
+              <a:buFont typeface="Arial" panose="020B0604020202020204" pitchFamily="34" charset="0"/>
+              <a:buChar char="•"/>
+              <a:defRPr sz="1800" kern="1200">
+                <a:solidFill>
+                  <a:schemeClr val="tx1"/>
+                </a:solidFill>
+                <a:latin typeface="+mn-lt"/>
+                <a:ea typeface="+mn-ea"/>
+                <a:cs typeface="+mn-cs"/>
+              </a:defRPr>
+            </a:lvl4pPr>
+            <a:lvl5pPr marL="2057400" indent="-228600" algn="l" defTabSz="914400" rtl="0" eaLnBrk="1" latinLnBrk="0" hangingPunct="1">
+              <a:lnSpc>
+                <a:spcPct val="90000"/>
+              </a:lnSpc>
+              <a:spcBef>
+                <a:spcPts val="500"/>
+              </a:spcBef>
+              <a:buFont typeface="Arial" panose="020B0604020202020204" pitchFamily="34" charset="0"/>
+              <a:buChar char="•"/>
+              <a:defRPr sz="1800" kern="1200">
+                <a:solidFill>
+                  <a:schemeClr val="tx1"/>
+                </a:solidFill>
+                <a:latin typeface="+mn-lt"/>
+                <a:ea typeface="+mn-ea"/>
+                <a:cs typeface="+mn-cs"/>
+              </a:defRPr>
+            </a:lvl5pPr>
+            <a:lvl6pPr marL="2514600" indent="-228600" algn="l" defTabSz="914400" rtl="0" eaLnBrk="1" latinLnBrk="0" hangingPunct="1">
+              <a:lnSpc>
+                <a:spcPct val="90000"/>
+              </a:lnSpc>
+              <a:spcBef>
+                <a:spcPts val="500"/>
+              </a:spcBef>
+              <a:buFont typeface="Arial" panose="020B0604020202020204" pitchFamily="34" charset="0"/>
+              <a:buChar char="•"/>
+              <a:defRPr sz="1800" kern="1200">
+                <a:solidFill>
+                  <a:schemeClr val="tx1"/>
+                </a:solidFill>
+                <a:latin typeface="+mn-lt"/>
+                <a:ea typeface="+mn-ea"/>
+                <a:cs typeface="+mn-cs"/>
+              </a:defRPr>
+            </a:lvl6pPr>
+            <a:lvl7pPr marL="2971800" indent="-228600" algn="l" defTabSz="914400" rtl="0" eaLnBrk="1" latinLnBrk="0" hangingPunct="1">
+              <a:lnSpc>
+                <a:spcPct val="90000"/>
+              </a:lnSpc>
+              <a:spcBef>
+                <a:spcPts val="500"/>
+              </a:spcBef>
+              <a:buFont typeface="Arial" panose="020B0604020202020204" pitchFamily="34" charset="0"/>
+              <a:buChar char="•"/>
+              <a:defRPr sz="1800" kern="1200">
+                <a:solidFill>
+                  <a:schemeClr val="tx1"/>
+                </a:solidFill>
+                <a:latin typeface="+mn-lt"/>
+                <a:ea typeface="+mn-ea"/>
+                <a:cs typeface="+mn-cs"/>
+              </a:defRPr>
+            </a:lvl7pPr>
+            <a:lvl8pPr marL="3429000" indent="-228600" algn="l" defTabSz="914400" rtl="0" eaLnBrk="1" latinLnBrk="0" hangingPunct="1">
+              <a:lnSpc>
+                <a:spcPct val="90000"/>
+              </a:lnSpc>
+              <a:spcBef>
+                <a:spcPts val="500"/>
+              </a:spcBef>
+              <a:buFont typeface="Arial" panose="020B0604020202020204" pitchFamily="34" charset="0"/>
+              <a:buChar char="•"/>
+              <a:defRPr sz="1800" kern="1200">
+                <a:solidFill>
+                  <a:schemeClr val="tx1"/>
+                </a:solidFill>
+                <a:latin typeface="+mn-lt"/>
+                <a:ea typeface="+mn-ea"/>
+                <a:cs typeface="+mn-cs"/>
+              </a:defRPr>
+            </a:lvl8pPr>
+            <a:lvl9pPr marL="3886200" indent="-228600" algn="l" defTabSz="914400" rtl="0" eaLnBrk="1" latinLnBrk="0" hangingPunct="1">
+              <a:lnSpc>
+                <a:spcPct val="90000"/>
+              </a:lnSpc>
+              <a:spcBef>
+                <a:spcPts val="500"/>
+              </a:spcBef>
+              <a:buFont typeface="Arial" panose="020B0604020202020204" pitchFamily="34" charset="0"/>
+              <a:buChar char="•"/>
+              <a:defRPr sz="1800" kern="1200">
+                <a:solidFill>
+                  <a:schemeClr val="tx1"/>
+                </a:solidFill>
+                <a:latin typeface="+mn-lt"/>
+                <a:ea typeface="+mn-ea"/>
+                <a:cs typeface="+mn-cs"/>
+              </a:defRPr>
+            </a:lvl9pPr>
+          </a:lstStyle>
+          <a:p>
+            <a:pPr marL="0" indent="0" algn="ctr">
+              <a:buFont typeface="Arial" panose="020B0604020202020204" pitchFamily="34" charset="0"/>
+              <a:buNone/>
+            </a:pPr>
+            <a:r>
+              <a:rPr lang="es-MX" sz="3000" b="1" u="sng" dirty="0" smtClean="0"/>
+              <a:t>Análisis Paralelo</a:t>
+            </a:r>
+          </a:p>
+          <a:p>
+            <a:pPr algn="just"/>
+            <a:r>
+              <a:rPr lang="es-MX" sz="2000" dirty="0" smtClean="0"/>
+              <a:t>El AP funciona a partir de la simulación de un conjunto de datos aleatorios que comparten las mismas dimensiones y escala que la matriz de datos real. Se obtienen los </a:t>
+            </a:r>
+            <a:r>
+              <a:rPr lang="es-MX" sz="2000" dirty="0" err="1" smtClean="0"/>
+              <a:t>Eigenvalues</a:t>
+            </a:r>
+            <a:r>
+              <a:rPr lang="es-MX" sz="2000" dirty="0" smtClean="0"/>
+              <a:t> para la matriz simulada y para la matriz real y se </a:t>
+            </a:r>
+            <a:r>
+              <a:rPr lang="es-MX" sz="2000" dirty="0" err="1" smtClean="0"/>
+              <a:t>plotean</a:t>
+            </a:r>
+            <a:r>
+              <a:rPr lang="es-MX" sz="2000" dirty="0" smtClean="0"/>
+              <a:t> en el </a:t>
+            </a:r>
+            <a:r>
+              <a:rPr lang="es-MX" sz="2000" dirty="0" err="1" smtClean="0"/>
+              <a:t>Screeplot</a:t>
+            </a:r>
+            <a:r>
+              <a:rPr lang="es-MX" sz="2000" dirty="0" smtClean="0"/>
+              <a:t>, de manera que sólo se puedan conservar los factores donde </a:t>
+            </a:r>
+            <a:r>
+              <a:rPr lang="es-MX" sz="2000" dirty="0" err="1" smtClean="0"/>
+              <a:t>Eigenvalues</a:t>
+            </a:r>
+            <a:r>
+              <a:rPr lang="es-MX" sz="2000" dirty="0" smtClean="0"/>
+              <a:t>(Real) &gt; </a:t>
+            </a:r>
+            <a:r>
+              <a:rPr lang="es-MX" sz="2000" dirty="0" err="1" smtClean="0"/>
+              <a:t>Eigenvalues</a:t>
+            </a:r>
+            <a:r>
+              <a:rPr lang="es-MX" sz="2000" dirty="0" smtClean="0"/>
+              <a:t>(Simulación)</a:t>
+            </a:r>
+          </a:p>
+          <a:p>
+            <a:pPr algn="just"/>
+            <a:endParaRPr lang="es-MX" sz="2000" dirty="0"/>
+          </a:p>
+          <a:p>
+            <a:pPr algn="just"/>
+            <a:r>
+              <a:rPr lang="es-MX" sz="2000" dirty="0" smtClean="0"/>
+              <a:t>La función empleada en R repite este mismo procedimiento con un análisis factorial y un análisis de componentes principales, recordando que estos difieren en sus supuestos centrales de la siguiente forma:</a:t>
+            </a:r>
+          </a:p>
+        </p:txBody>
+      </p:sp>
+      <p:sp>
+        <p:nvSpPr>
+          <p:cNvPr id="12" name="CuadroTexto 11"/>
+          <p:cNvSpPr txBox="1"/>
+          <p:nvPr/>
+        </p:nvSpPr>
+        <p:spPr>
+          <a:xfrm>
+            <a:off x="7163672" y="2892061"/>
+            <a:ext cx="4610100" cy="2031325"/>
+          </a:xfrm>
+          <a:prstGeom prst="rect">
+            <a:avLst/>
+          </a:prstGeom>
+          <a:solidFill>
+            <a:schemeClr val="accent4">
+              <a:lumMod val="20000"/>
+              <a:lumOff val="80000"/>
+            </a:schemeClr>
+          </a:solidFill>
+        </p:spPr>
+        <p:txBody>
+          <a:bodyPr wrap="square" rtlCol="0">
+            <a:spAutoFit/>
+          </a:bodyPr>
+          <a:lstStyle/>
+          <a:p>
+            <a:r>
+              <a:rPr lang="es-MX" dirty="0" smtClean="0"/>
+              <a:t>De acuerdo con el PA realizado a partir de un Análisis Factorial (FA), se pueden soportar hasta </a:t>
+            </a:r>
+            <a:r>
+              <a:rPr lang="es-MX" b="1" dirty="0" smtClean="0"/>
+              <a:t>18 factores </a:t>
+            </a:r>
+            <a:r>
+              <a:rPr lang="es-MX" dirty="0" smtClean="0"/>
+              <a:t>(donde se pierde la relación Real &gt; Simulación), sin embargo, consistente con lo que se revisaba para PC, parece ser mucho más indicado un número menor de factores (Como máximo, </a:t>
+            </a:r>
+            <a:r>
+              <a:rPr lang="es-MX" b="1" dirty="0" smtClean="0"/>
+              <a:t>5</a:t>
+            </a:r>
+            <a:r>
+              <a:rPr lang="es-MX" dirty="0" smtClean="0"/>
+              <a:t>)</a:t>
+            </a:r>
+            <a:endParaRPr lang="es-MX" b="1" dirty="0"/>
+          </a:p>
+        </p:txBody>
+      </p:sp>
+      <p:sp>
+        <p:nvSpPr>
+          <p:cNvPr id="7" name="Elipse 6"/>
+          <p:cNvSpPr/>
+          <p:nvPr/>
+        </p:nvSpPr>
+        <p:spPr>
+          <a:xfrm>
+            <a:off x="8098043" y="5178337"/>
+            <a:ext cx="238126" cy="344438"/>
+          </a:xfrm>
+          <a:prstGeom prst="ellipse">
+            <a:avLst/>
+          </a:prstGeom>
+          <a:noFill/>
+          <a:ln>
+            <a:solidFill>
+              <a:srgbClr val="FF0000"/>
+            </a:solidFill>
+          </a:ln>
+        </p:spPr>
+        <p:style>
+          <a:lnRef idx="2">
+            <a:schemeClr val="accent1">
+              <a:shade val="50000"/>
+            </a:schemeClr>
+          </a:lnRef>
+          <a:fillRef idx="1">
+            <a:schemeClr val="accent1"/>
+          </a:fillRef>
+          <a:effectRef idx="0">
+            <a:schemeClr val="accent1"/>
+          </a:effectRef>
+          <a:fontRef idx="minor">
+            <a:schemeClr val="lt1"/>
+          </a:fontRef>
+        </p:style>
+        <p:txBody>
+          <a:bodyPr rtlCol="0" anchor="ctr"/>
+          <a:lstStyle/>
+          <a:p>
+            <a:pPr algn="ctr"/>
+            <a:endParaRPr lang="es-MX"/>
+          </a:p>
+        </p:txBody>
+      </p:sp>
+      <p:sp>
+        <p:nvSpPr>
+          <p:cNvPr id="13" name="Elipse 12"/>
+          <p:cNvSpPr/>
+          <p:nvPr/>
+        </p:nvSpPr>
+        <p:spPr>
+          <a:xfrm>
+            <a:off x="6886884" y="5088011"/>
+            <a:ext cx="238126" cy="344438"/>
+          </a:xfrm>
+          <a:prstGeom prst="ellipse">
+            <a:avLst/>
+          </a:prstGeom>
+          <a:noFill/>
+          <a:ln>
+            <a:solidFill>
+              <a:srgbClr val="FF0000"/>
+            </a:solidFill>
+          </a:ln>
+        </p:spPr>
+        <p:style>
+          <a:lnRef idx="2">
+            <a:schemeClr val="accent1">
+              <a:shade val="50000"/>
+            </a:schemeClr>
+          </a:lnRef>
+          <a:fillRef idx="1">
+            <a:schemeClr val="accent1"/>
+          </a:fillRef>
+          <a:effectRef idx="0">
+            <a:schemeClr val="accent1"/>
+          </a:effectRef>
+          <a:fontRef idx="minor">
+            <a:schemeClr val="lt1"/>
+          </a:fontRef>
+        </p:style>
+        <p:txBody>
+          <a:bodyPr rtlCol="0" anchor="ctr"/>
+          <a:lstStyle/>
+          <a:p>
+            <a:pPr algn="ctr"/>
+            <a:endParaRPr lang="es-MX"/>
+          </a:p>
+        </p:txBody>
+      </p:sp>
+      <p:cxnSp>
+        <p:nvCxnSpPr>
+          <p:cNvPr id="15" name="Conector recto de flecha 14"/>
+          <p:cNvCxnSpPr/>
+          <p:nvPr/>
+        </p:nvCxnSpPr>
+        <p:spPr>
+          <a:xfrm>
+            <a:off x="8217106" y="3724275"/>
+            <a:ext cx="0" cy="1363736"/>
+          </a:xfrm>
+          <a:prstGeom prst="straightConnector1">
+            <a:avLst/>
+          </a:prstGeom>
+          <a:ln>
+            <a:solidFill>
+              <a:srgbClr val="FF0000"/>
+            </a:solidFill>
+            <a:tailEnd type="triangle"/>
+          </a:ln>
+        </p:spPr>
+        <p:style>
+          <a:lnRef idx="1">
+            <a:schemeClr val="accent1"/>
+          </a:lnRef>
+          <a:fillRef idx="0">
+            <a:schemeClr val="accent1"/>
+          </a:fillRef>
+          <a:effectRef idx="0">
+            <a:schemeClr val="accent1"/>
+          </a:effectRef>
+          <a:fontRef idx="minor">
+            <a:schemeClr val="tx1"/>
+          </a:fontRef>
+        </p:style>
+      </p:cxnSp>
+      <p:cxnSp>
+        <p:nvCxnSpPr>
+          <p:cNvPr id="16" name="Conector recto de flecha 15"/>
+          <p:cNvCxnSpPr/>
+          <p:nvPr/>
+        </p:nvCxnSpPr>
+        <p:spPr>
+          <a:xfrm flipH="1">
+            <a:off x="7153625" y="4819650"/>
+            <a:ext cx="2419001" cy="299633"/>
+          </a:xfrm>
+          <a:prstGeom prst="straightConnector1">
+            <a:avLst/>
+          </a:prstGeom>
+          <a:ln>
+            <a:solidFill>
+              <a:srgbClr val="FF0000"/>
+            </a:solidFill>
+            <a:tailEnd type="triangle"/>
+          </a:ln>
+        </p:spPr>
+        <p:style>
+          <a:lnRef idx="1">
+            <a:schemeClr val="accent1"/>
+          </a:lnRef>
+          <a:fillRef idx="0">
+            <a:schemeClr val="accent1"/>
+          </a:fillRef>
+          <a:effectRef idx="0">
+            <a:schemeClr val="accent1"/>
+          </a:effectRef>
+          <a:fontRef idx="minor">
+            <a:schemeClr val="tx1"/>
+          </a:fontRef>
+        </p:style>
+      </p:cxnSp>
+    </p:spTree>
+    <p:extLst>
+      <p:ext uri="{BB962C8B-B14F-4D97-AF65-F5344CB8AC3E}">
+        <p14:creationId xmlns:p14="http://schemas.microsoft.com/office/powerpoint/2010/main" val="3070595816"/>
+      </p:ext>
+    </p:extLst>
+  </p:cSld>
+  <p:clrMapOvr>
+    <a:masterClrMapping/>
+  </p:clrMapOvr>
+  <p:timing>
+    <p:tnLst>
+      <p:par>
+        <p:cTn id="1" dur="indefinite" restart="never" nodeType="tmRoot"/>
+      </p:par>
+    </p:tnLst>
+  </p:timing>
+</p:sld>
+</file>
+
+<file path=ppt/slides/slide13.xml><?xml version="1.0" encoding="utf-8"?>
+<p:sld xmlns:a="http://schemas.openxmlformats.org/drawingml/2006/main" xmlns:r="http://schemas.openxmlformats.org/officeDocument/2006/relationships" xmlns:p="http://schemas.openxmlformats.org/presentationml/2006/main">
+  <p:cSld>
+    <p:spTree>
+      <p:nvGrpSpPr>
+        <p:cNvPr id="1" name=""/>
+        <p:cNvGrpSpPr/>
+        <p:nvPr/>
+      </p:nvGrpSpPr>
+      <p:grpSpPr>
+        <a:xfrm>
+          <a:off x="0" y="0"/>
+          <a:ext cx="0" cy="0"/>
+          <a:chOff x="0" y="0"/>
+          <a:chExt cx="0" cy="0"/>
+        </a:xfrm>
+      </p:grpSpPr>
+      <p:sp>
+        <p:nvSpPr>
+          <p:cNvPr id="2" name="1 Título"/>
+          <p:cNvSpPr>
+            <a:spLocks noGrp="1"/>
+          </p:cNvSpPr>
+          <p:nvPr>
+            <p:ph type="title"/>
+          </p:nvPr>
+        </p:nvSpPr>
+        <p:spPr/>
+        <p:txBody>
+          <a:bodyPr/>
+          <a:lstStyle/>
+          <a:p>
+            <a:endParaRPr lang="es-MX"/>
+          </a:p>
+        </p:txBody>
+      </p:sp>
+      <p:sp>
+        <p:nvSpPr>
+          <p:cNvPr id="3" name="2 Marcador de contenido"/>
+          <p:cNvSpPr>
+            <a:spLocks noGrp="1"/>
+          </p:cNvSpPr>
+          <p:nvPr>
+            <p:ph idx="1"/>
+          </p:nvPr>
+        </p:nvSpPr>
+        <p:spPr/>
+        <p:txBody>
+          <a:bodyPr/>
+          <a:lstStyle/>
+          <a:p>
+            <a:endParaRPr lang="es-MX"/>
+          </a:p>
+        </p:txBody>
+      </p:sp>
+      <p:sp>
+        <p:nvSpPr>
+          <p:cNvPr id="4" name="Rectángulo 3"/>
+          <p:cNvSpPr/>
+          <p:nvPr/>
+        </p:nvSpPr>
+        <p:spPr>
+          <a:xfrm>
+            <a:off x="0" y="0"/>
+            <a:ext cx="12192000" cy="6858000"/>
+          </a:xfrm>
+          <a:prstGeom prst="rect">
+            <a:avLst/>
+          </a:prstGeom>
+          <a:solidFill>
+            <a:schemeClr val="accent5">
+              <a:lumMod val="40000"/>
+              <a:lumOff val="60000"/>
+            </a:schemeClr>
+          </a:solidFill>
+          <a:ln>
+            <a:solidFill>
+              <a:schemeClr val="tx1"/>
+            </a:solidFill>
+          </a:ln>
+        </p:spPr>
+        <p:style>
+          <a:lnRef idx="2">
+            <a:schemeClr val="accent1">
+              <a:shade val="50000"/>
+            </a:schemeClr>
+          </a:lnRef>
+          <a:fillRef idx="1">
+            <a:schemeClr val="accent1"/>
+          </a:fillRef>
+          <a:effectRef idx="0">
+            <a:schemeClr val="accent1"/>
+          </a:effectRef>
+          <a:fontRef idx="minor">
+            <a:schemeClr val="lt1"/>
+          </a:fontRef>
+        </p:style>
+        <p:txBody>
+          <a:bodyPr rtlCol="0" anchor="ctr"/>
+          <a:lstStyle/>
+          <a:p>
+            <a:pPr algn="ctr"/>
+            <a:endParaRPr lang="es-MX"/>
+          </a:p>
+        </p:txBody>
+      </p:sp>
+      <p:sp>
+        <p:nvSpPr>
           <p:cNvPr id="5" name="Título 1"/>
           <p:cNvSpPr txBox="1">
             <a:spLocks/>
@@ -3913,8 +5941,8 @@
         </p:nvSpPr>
         <p:spPr>
           <a:xfrm>
-            <a:off x="1524000" y="1122362"/>
-            <a:ext cx="9144000" cy="3437445"/>
+            <a:off x="298704" y="999744"/>
+            <a:ext cx="11594592" cy="5693664"/>
           </a:xfrm>
           <a:prstGeom prst="rect">
             <a:avLst/>
@@ -3944,20 +5972,13 @@
             </a:lvl1pPr>
           </a:lstStyle>
           <a:p>
-            <a:pPr algn="ctr"/>
             <a:r>
               <a:rPr lang="es-MX" b="1" dirty="0" smtClean="0">
-                <a:solidFill>
-                  <a:schemeClr val="bg1"/>
-                </a:solidFill>
                 <a:latin typeface="Adobe Gothic Std B" pitchFamily="34" charset="-128"/>
                 <a:ea typeface="Adobe Gothic Std B" pitchFamily="34" charset="-128"/>
               </a:rPr>
-              <a:t>Análisis de estructura interna</a:t>
-            </a:r>
-          </a:p>
-          <a:p>
-            <a:pPr algn="ctr"/>
+              <a:t>2. Corremos el análisis factorial en R probando los números de factores sugeridos por los análisis previos y cotejamos la consistencia del modelo propuesto por nuestra Matriz Q.</a:t>
+            </a:r>
             <a:endParaRPr lang="es-MX" b="1" dirty="0" smtClean="0">
               <a:solidFill>
                 <a:schemeClr val="bg1"/>
@@ -3967,17 +5988,16 @@
             </a:endParaRPr>
           </a:p>
           <a:p>
-            <a:pPr algn="ctr"/>
-            <a:r>
-              <a:rPr lang="es-MX" b="1" dirty="0" smtClean="0">
-                <a:solidFill>
-                  <a:schemeClr val="bg1"/>
-                </a:solidFill>
-                <a:latin typeface="Adobe Gothic Std B" pitchFamily="34" charset="-128"/>
-                <a:ea typeface="Adobe Gothic Std B" pitchFamily="34" charset="-128"/>
-              </a:rPr>
-              <a:t>(en SPSS)</a:t>
-            </a:r>
+            <a:pPr marL="742950" indent="-742950">
+              <a:buAutoNum type="arabicPeriod"/>
+            </a:pPr>
+            <a:endParaRPr lang="es-MX" b="1" dirty="0" smtClean="0">
+              <a:solidFill>
+                <a:schemeClr val="bg1"/>
+              </a:solidFill>
+              <a:latin typeface="Adobe Gothic Std B" pitchFamily="34" charset="-128"/>
+              <a:ea typeface="Adobe Gothic Std B" pitchFamily="34" charset="-128"/>
+            </a:endParaRPr>
           </a:p>
           <a:p>
             <a:pPr algn="ctr"/>
@@ -3994,13 +6014,3470 @@
     </p:spTree>
     <p:extLst>
       <p:ext uri="{BB962C8B-B14F-4D97-AF65-F5344CB8AC3E}">
-        <p14:creationId xmlns:p14="http://schemas.microsoft.com/office/powerpoint/2010/main" val="1074760785"/>
+        <p14:creationId xmlns:p14="http://schemas.microsoft.com/office/powerpoint/2010/main" val="1843545421"/>
       </p:ext>
     </p:extLst>
   </p:cSld>
   <p:clrMapOvr>
     <a:masterClrMapping/>
   </p:clrMapOvr>
+  <p:timing>
+    <p:tnLst>
+      <p:par>
+        <p:cTn id="1" dur="indefinite" restart="never" nodeType="tmRoot"/>
+      </p:par>
+    </p:tnLst>
+  </p:timing>
+</p:sld>
+</file>
+
+<file path=ppt/slides/slide14.xml><?xml version="1.0" encoding="utf-8"?>
+<p:sld xmlns:a="http://schemas.openxmlformats.org/drawingml/2006/main" xmlns:r="http://schemas.openxmlformats.org/officeDocument/2006/relationships" xmlns:p="http://schemas.openxmlformats.org/presentationml/2006/main">
+  <p:cSld>
+    <p:spTree>
+      <p:nvGrpSpPr>
+        <p:cNvPr id="1" name=""/>
+        <p:cNvGrpSpPr/>
+        <p:nvPr/>
+      </p:nvGrpSpPr>
+      <p:grpSpPr>
+        <a:xfrm>
+          <a:off x="0" y="0"/>
+          <a:ext cx="0" cy="0"/>
+          <a:chOff x="0" y="0"/>
+          <a:chExt cx="0" cy="0"/>
+        </a:xfrm>
+      </p:grpSpPr>
+      <p:sp>
+        <p:nvSpPr>
+          <p:cNvPr id="2" name="Título 1"/>
+          <p:cNvSpPr>
+            <a:spLocks noGrp="1"/>
+          </p:cNvSpPr>
+          <p:nvPr>
+            <p:ph type="title"/>
+          </p:nvPr>
+        </p:nvSpPr>
+        <p:spPr/>
+        <p:txBody>
+          <a:bodyPr/>
+          <a:lstStyle/>
+          <a:p>
+            <a:r>
+              <a:rPr lang="es-MX" dirty="0" smtClean="0"/>
+              <a:t>Análisis Factorial </a:t>
+            </a:r>
+            <a:endParaRPr lang="es-MX" dirty="0"/>
+          </a:p>
+        </p:txBody>
+      </p:sp>
+      <p:sp>
+        <p:nvSpPr>
+          <p:cNvPr id="3" name="Marcador de contenido 2"/>
+          <p:cNvSpPr>
+            <a:spLocks noGrp="1"/>
+          </p:cNvSpPr>
+          <p:nvPr>
+            <p:ph idx="1"/>
+          </p:nvPr>
+        </p:nvSpPr>
+        <p:spPr>
+          <a:xfrm>
+            <a:off x="133350" y="1323974"/>
+            <a:ext cx="11830050" cy="5267325"/>
+          </a:xfrm>
+        </p:spPr>
+        <p:txBody>
+          <a:bodyPr>
+            <a:normAutofit fontScale="92500" lnSpcReduction="10000"/>
+          </a:bodyPr>
+          <a:lstStyle/>
+          <a:p>
+            <a:pPr algn="just"/>
+            <a:r>
+              <a:rPr lang="es-MX" dirty="0" smtClean="0"/>
+              <a:t>Primero, se realizó un análisis factorial con </a:t>
+            </a:r>
+            <a:r>
+              <a:rPr lang="es-MX" b="1" dirty="0" smtClean="0"/>
+              <a:t>3 factores</a:t>
+            </a:r>
+            <a:r>
+              <a:rPr lang="es-MX" dirty="0" smtClean="0"/>
+              <a:t> para evaluar la consistencia del modelo sugerido por la Matriz Q.</a:t>
+            </a:r>
+          </a:p>
+          <a:p>
+            <a:pPr lvl="1" algn="just"/>
+            <a:r>
+              <a:rPr lang="es-MX" dirty="0" smtClean="0"/>
+              <a:t>Este primer factorial mostró una consistencia prácticamente nula con el agrupamiento de ítems sugerido por la Matriz Q</a:t>
+            </a:r>
+          </a:p>
+          <a:p>
+            <a:pPr algn="just"/>
+            <a:endParaRPr lang="es-MX" dirty="0"/>
+          </a:p>
+          <a:p>
+            <a:pPr algn="just"/>
+            <a:r>
+              <a:rPr lang="es-MX" dirty="0" smtClean="0"/>
+              <a:t>Después, de acuerdo con lo sugerido por el </a:t>
+            </a:r>
+            <a:r>
+              <a:rPr lang="es-MX" b="1" dirty="0" smtClean="0"/>
+              <a:t>Análisis Paralelo</a:t>
+            </a:r>
+            <a:r>
+              <a:rPr lang="es-MX" dirty="0" smtClean="0"/>
+              <a:t>, se realizó un análisis factorial con </a:t>
+            </a:r>
+            <a:r>
+              <a:rPr lang="es-MX" b="1" dirty="0" smtClean="0"/>
+              <a:t>5 factores</a:t>
+            </a:r>
+            <a:r>
+              <a:rPr lang="es-MX" dirty="0" smtClean="0"/>
+              <a:t>.</a:t>
+            </a:r>
+          </a:p>
+          <a:p>
+            <a:pPr lvl="1" algn="just"/>
+            <a:r>
+              <a:rPr lang="es-MX" dirty="0" smtClean="0"/>
+              <a:t>Curiosamente, a pesar de evaluar 5 factores, la gran mayoría de los ítems presentaron una carga mayor para los </a:t>
+            </a:r>
+            <a:r>
+              <a:rPr lang="es-MX" b="1" dirty="0" smtClean="0"/>
+              <a:t>3 primeros factores</a:t>
+            </a:r>
+            <a:r>
+              <a:rPr lang="es-MX" dirty="0" smtClean="0"/>
+              <a:t>. </a:t>
+            </a:r>
+          </a:p>
+          <a:p>
+            <a:pPr lvl="1" algn="just"/>
+            <a:r>
+              <a:rPr lang="es-MX" dirty="0" smtClean="0"/>
+              <a:t>Al tomar en cuenta únicamente estos 3 primeros factores (siendo el caso que los </a:t>
+            </a:r>
+            <a:r>
+              <a:rPr lang="es-MX" b="1" dirty="0" smtClean="0"/>
+              <a:t>4</a:t>
+            </a:r>
+            <a:r>
+              <a:rPr lang="es-MX" dirty="0" smtClean="0"/>
+              <a:t> ítems asignados al Factor 4 y los </a:t>
+            </a:r>
+            <a:r>
+              <a:rPr lang="es-MX" b="1" dirty="0" smtClean="0"/>
+              <a:t>3</a:t>
+            </a:r>
+            <a:r>
+              <a:rPr lang="es-MX" dirty="0" smtClean="0"/>
+              <a:t> ítems asignados al Factor 5 fueron reasignados al segundo factor al que más hubieran carga), se comienza a replicar el agrupamiento sugerido por la Matriz Q.</a:t>
+            </a:r>
+          </a:p>
+          <a:p>
+            <a:endParaRPr lang="es-MX" dirty="0"/>
+          </a:p>
+          <a:p>
+            <a:r>
+              <a:rPr lang="es-MX" dirty="0" smtClean="0"/>
+              <a:t>Los factoriales aquí reportados fueron obtenidos con la función </a:t>
+            </a:r>
+            <a:r>
+              <a:rPr lang="es-MX" b="1" dirty="0" err="1" smtClean="0"/>
+              <a:t>factanal</a:t>
+            </a:r>
+            <a:r>
+              <a:rPr lang="es-MX" b="1" dirty="0" smtClean="0"/>
+              <a:t>()</a:t>
+            </a:r>
+            <a:r>
+              <a:rPr lang="es-MX" dirty="0"/>
+              <a:t> </a:t>
+            </a:r>
+            <a:r>
+              <a:rPr lang="es-MX" dirty="0" smtClean="0"/>
+              <a:t>de </a:t>
+            </a:r>
+            <a:r>
+              <a:rPr lang="es-MX" b="1" dirty="0" smtClean="0"/>
+              <a:t>R</a:t>
+            </a:r>
+            <a:r>
+              <a:rPr lang="es-MX" dirty="0" smtClean="0"/>
+              <a:t>.</a:t>
+            </a:r>
+            <a:endParaRPr lang="es-MX" dirty="0"/>
+          </a:p>
+        </p:txBody>
+      </p:sp>
+      <p:sp>
+        <p:nvSpPr>
+          <p:cNvPr id="4" name="Rectángulo 5"/>
+          <p:cNvSpPr/>
+          <p:nvPr/>
+        </p:nvSpPr>
+        <p:spPr>
+          <a:xfrm>
+            <a:off x="0" y="-1"/>
+            <a:ext cx="12192000" cy="500063"/>
+          </a:xfrm>
+          <a:prstGeom prst="rect">
+            <a:avLst/>
+          </a:prstGeom>
+          <a:solidFill>
+            <a:schemeClr val="accent5">
+              <a:lumMod val="40000"/>
+              <a:lumOff val="60000"/>
+            </a:schemeClr>
+          </a:solidFill>
+          <a:ln>
+            <a:solidFill>
+              <a:schemeClr val="accent1"/>
+            </a:solidFill>
+          </a:ln>
+        </p:spPr>
+        <p:style>
+          <a:lnRef idx="2">
+            <a:schemeClr val="accent1">
+              <a:shade val="50000"/>
+            </a:schemeClr>
+          </a:lnRef>
+          <a:fillRef idx="1">
+            <a:schemeClr val="accent1"/>
+          </a:fillRef>
+          <a:effectRef idx="0">
+            <a:schemeClr val="accent1"/>
+          </a:effectRef>
+          <a:fontRef idx="minor">
+            <a:schemeClr val="lt1"/>
+          </a:fontRef>
+        </p:style>
+        <p:txBody>
+          <a:bodyPr rtlCol="0" anchor="ctr"/>
+          <a:lstStyle/>
+          <a:p>
+            <a:pPr algn="ctr"/>
+            <a:endParaRPr lang="es-MX"/>
+          </a:p>
+        </p:txBody>
+      </p:sp>
+      <p:sp>
+        <p:nvSpPr>
+          <p:cNvPr id="5" name="Rectángulo 6"/>
+          <p:cNvSpPr/>
+          <p:nvPr/>
+        </p:nvSpPr>
+        <p:spPr>
+          <a:xfrm>
+            <a:off x="0" y="6492874"/>
+            <a:ext cx="12192000" cy="365125"/>
+          </a:xfrm>
+          <a:prstGeom prst="rect">
+            <a:avLst/>
+          </a:prstGeom>
+          <a:solidFill>
+            <a:schemeClr val="accent5">
+              <a:lumMod val="40000"/>
+              <a:lumOff val="60000"/>
+            </a:schemeClr>
+          </a:solidFill>
+          <a:ln>
+            <a:solidFill>
+              <a:schemeClr val="accent1"/>
+            </a:solidFill>
+          </a:ln>
+        </p:spPr>
+        <p:style>
+          <a:lnRef idx="2">
+            <a:schemeClr val="accent1">
+              <a:shade val="50000"/>
+            </a:schemeClr>
+          </a:lnRef>
+          <a:fillRef idx="1">
+            <a:schemeClr val="accent1"/>
+          </a:fillRef>
+          <a:effectRef idx="0">
+            <a:schemeClr val="accent1"/>
+          </a:effectRef>
+          <a:fontRef idx="minor">
+            <a:schemeClr val="lt1"/>
+          </a:fontRef>
+        </p:style>
+        <p:txBody>
+          <a:bodyPr rtlCol="0" anchor="ctr"/>
+          <a:lstStyle/>
+          <a:p>
+            <a:pPr algn="ctr"/>
+            <a:endParaRPr lang="es-MX"/>
+          </a:p>
+        </p:txBody>
+      </p:sp>
+    </p:spTree>
+    <p:extLst>
+      <p:ext uri="{BB962C8B-B14F-4D97-AF65-F5344CB8AC3E}">
+        <p14:creationId xmlns:p14="http://schemas.microsoft.com/office/powerpoint/2010/main" val="192086831"/>
+      </p:ext>
+    </p:extLst>
+  </p:cSld>
+  <p:clrMapOvr>
+    <a:masterClrMapping/>
+  </p:clrMapOvr>
+  <p:timing>
+    <p:tnLst>
+      <p:par>
+        <p:cTn id="1" dur="indefinite" restart="never" nodeType="tmRoot"/>
+      </p:par>
+    </p:tnLst>
+  </p:timing>
+</p:sld>
+</file>
+
+<file path=ppt/slides/slide15.xml><?xml version="1.0" encoding="utf-8"?>
+<p:sld xmlns:a="http://schemas.openxmlformats.org/drawingml/2006/main" xmlns:r="http://schemas.openxmlformats.org/officeDocument/2006/relationships" xmlns:p="http://schemas.openxmlformats.org/presentationml/2006/main">
+  <p:cSld>
+    <p:spTree>
+      <p:nvGrpSpPr>
+        <p:cNvPr id="1" name=""/>
+        <p:cNvGrpSpPr/>
+        <p:nvPr/>
+      </p:nvGrpSpPr>
+      <p:grpSpPr>
+        <a:xfrm>
+          <a:off x="0" y="0"/>
+          <a:ext cx="0" cy="0"/>
+          <a:chOff x="0" y="0"/>
+          <a:chExt cx="0" cy="0"/>
+        </a:xfrm>
+      </p:grpSpPr>
+      <p:sp>
+        <p:nvSpPr>
+          <p:cNvPr id="2" name="Título 1"/>
+          <p:cNvSpPr>
+            <a:spLocks noGrp="1"/>
+          </p:cNvSpPr>
+          <p:nvPr>
+            <p:ph type="title"/>
+          </p:nvPr>
+        </p:nvSpPr>
+        <p:spPr>
+          <a:xfrm>
+            <a:off x="838200" y="153191"/>
+            <a:ext cx="10515600" cy="1325563"/>
+          </a:xfrm>
+        </p:spPr>
+        <p:txBody>
+          <a:bodyPr/>
+          <a:lstStyle/>
+          <a:p>
+            <a:r>
+              <a:rPr lang="es-MX" dirty="0" smtClean="0"/>
+              <a:t>Análisis Factorial </a:t>
+            </a:r>
+            <a:r>
+              <a:rPr lang="es-MX" b="1" dirty="0" smtClean="0"/>
+              <a:t>con 3 factores</a:t>
+            </a:r>
+            <a:r>
+              <a:rPr lang="es-MX" dirty="0" smtClean="0"/>
+              <a:t> </a:t>
+            </a:r>
+            <a:endParaRPr lang="es-MX" dirty="0"/>
+          </a:p>
+        </p:txBody>
+      </p:sp>
+      <p:sp>
+        <p:nvSpPr>
+          <p:cNvPr id="3" name="Marcador de contenido 2"/>
+          <p:cNvSpPr>
+            <a:spLocks noGrp="1"/>
+          </p:cNvSpPr>
+          <p:nvPr>
+            <p:ph idx="1"/>
+          </p:nvPr>
+        </p:nvSpPr>
+        <p:spPr>
+          <a:xfrm>
+            <a:off x="190500" y="1253331"/>
+            <a:ext cx="9715500" cy="4909344"/>
+          </a:xfrm>
+        </p:spPr>
+        <p:txBody>
+          <a:bodyPr>
+            <a:normAutofit/>
+          </a:bodyPr>
+          <a:lstStyle/>
+          <a:p>
+            <a:r>
+              <a:rPr lang="es-MX" dirty="0" smtClean="0"/>
+              <a:t>Función: </a:t>
+            </a:r>
+            <a:r>
+              <a:rPr lang="es-MX" dirty="0" err="1" smtClean="0"/>
+              <a:t>factanal</a:t>
+            </a:r>
+            <a:r>
+              <a:rPr lang="es-MX" dirty="0" smtClean="0"/>
+              <a:t>(Datos, método=“</a:t>
+            </a:r>
+            <a:r>
+              <a:rPr lang="es-MX" dirty="0" err="1" smtClean="0"/>
+              <a:t>mle</a:t>
+            </a:r>
+            <a:r>
+              <a:rPr lang="es-MX" dirty="0" smtClean="0"/>
+              <a:t>”)</a:t>
+            </a:r>
+          </a:p>
+          <a:p>
+            <a:r>
+              <a:rPr lang="es-MX" dirty="0" smtClean="0"/>
+              <a:t>Podemos ver que en cada uno de los 3 factores identificados por el análisis, aparecen ítems identificados en la Matriz Q en los tres distintos ejes, sin un patrón evidente.</a:t>
+            </a:r>
+          </a:p>
+          <a:p>
+            <a:endParaRPr lang="es-MX" dirty="0"/>
+          </a:p>
+          <a:p>
+            <a:endParaRPr lang="es-MX" dirty="0" smtClean="0"/>
+          </a:p>
+          <a:p>
+            <a:endParaRPr lang="es-MX" dirty="0"/>
+          </a:p>
+          <a:p>
+            <a:endParaRPr lang="es-MX" dirty="0" smtClean="0"/>
+          </a:p>
+          <a:p>
+            <a:endParaRPr lang="es-MX" dirty="0"/>
+          </a:p>
+          <a:p>
+            <a:r>
+              <a:rPr lang="es-MX" dirty="0" smtClean="0"/>
+              <a:t>1 ítem  </a:t>
+            </a:r>
+            <a:r>
+              <a:rPr lang="es-MX" b="1" dirty="0" smtClean="0"/>
+              <a:t>(SMB17)</a:t>
+            </a:r>
+            <a:r>
+              <a:rPr lang="es-MX" dirty="0" smtClean="0"/>
+              <a:t> no fue asignado a ningún Factor</a:t>
+            </a:r>
+            <a:endParaRPr lang="es-MX" dirty="0"/>
+          </a:p>
+          <a:p>
+            <a:endParaRPr lang="es-MX" dirty="0" smtClean="0"/>
+          </a:p>
+          <a:p>
+            <a:endParaRPr lang="es-MX" dirty="0"/>
+          </a:p>
+        </p:txBody>
+      </p:sp>
+      <p:sp>
+        <p:nvSpPr>
+          <p:cNvPr id="4" name="Rectángulo 5"/>
+          <p:cNvSpPr/>
+          <p:nvPr/>
+        </p:nvSpPr>
+        <p:spPr>
+          <a:xfrm>
+            <a:off x="0" y="-1"/>
+            <a:ext cx="12192000" cy="500063"/>
+          </a:xfrm>
+          <a:prstGeom prst="rect">
+            <a:avLst/>
+          </a:prstGeom>
+          <a:solidFill>
+            <a:schemeClr val="accent5">
+              <a:lumMod val="40000"/>
+              <a:lumOff val="60000"/>
+            </a:schemeClr>
+          </a:solidFill>
+          <a:ln>
+            <a:solidFill>
+              <a:schemeClr val="accent1"/>
+            </a:solidFill>
+          </a:ln>
+        </p:spPr>
+        <p:style>
+          <a:lnRef idx="2">
+            <a:schemeClr val="accent1">
+              <a:shade val="50000"/>
+            </a:schemeClr>
+          </a:lnRef>
+          <a:fillRef idx="1">
+            <a:schemeClr val="accent1"/>
+          </a:fillRef>
+          <a:effectRef idx="0">
+            <a:schemeClr val="accent1"/>
+          </a:effectRef>
+          <a:fontRef idx="minor">
+            <a:schemeClr val="lt1"/>
+          </a:fontRef>
+        </p:style>
+        <p:txBody>
+          <a:bodyPr rtlCol="0" anchor="ctr"/>
+          <a:lstStyle/>
+          <a:p>
+            <a:pPr algn="ctr"/>
+            <a:endParaRPr lang="es-MX"/>
+          </a:p>
+        </p:txBody>
+      </p:sp>
+      <p:sp>
+        <p:nvSpPr>
+          <p:cNvPr id="5" name="Rectángulo 6"/>
+          <p:cNvSpPr/>
+          <p:nvPr/>
+        </p:nvSpPr>
+        <p:spPr>
+          <a:xfrm>
+            <a:off x="0" y="6492874"/>
+            <a:ext cx="12192000" cy="365125"/>
+          </a:xfrm>
+          <a:prstGeom prst="rect">
+            <a:avLst/>
+          </a:prstGeom>
+          <a:solidFill>
+            <a:schemeClr val="accent5">
+              <a:lumMod val="40000"/>
+              <a:lumOff val="60000"/>
+            </a:schemeClr>
+          </a:solidFill>
+          <a:ln>
+            <a:solidFill>
+              <a:schemeClr val="accent1"/>
+            </a:solidFill>
+          </a:ln>
+        </p:spPr>
+        <p:style>
+          <a:lnRef idx="2">
+            <a:schemeClr val="accent1">
+              <a:shade val="50000"/>
+            </a:schemeClr>
+          </a:lnRef>
+          <a:fillRef idx="1">
+            <a:schemeClr val="accent1"/>
+          </a:fillRef>
+          <a:effectRef idx="0">
+            <a:schemeClr val="accent1"/>
+          </a:effectRef>
+          <a:fontRef idx="minor">
+            <a:schemeClr val="lt1"/>
+          </a:fontRef>
+        </p:style>
+        <p:txBody>
+          <a:bodyPr rtlCol="0" anchor="ctr"/>
+          <a:lstStyle/>
+          <a:p>
+            <a:pPr algn="ctr"/>
+            <a:endParaRPr lang="es-MX"/>
+          </a:p>
+        </p:txBody>
+      </p:sp>
+      <p:graphicFrame>
+        <p:nvGraphicFramePr>
+          <p:cNvPr id="6" name="Tabla 5"/>
+          <p:cNvGraphicFramePr>
+            <a:graphicFrameLocks noGrp="1"/>
+          </p:cNvGraphicFramePr>
+          <p:nvPr>
+            <p:extLst>
+              <p:ext uri="{D42A27DB-BD31-4B8C-83A1-F6EECF244321}">
+                <p14:modId xmlns:p14="http://schemas.microsoft.com/office/powerpoint/2010/main" val="812230414"/>
+              </p:ext>
+            </p:extLst>
+          </p:nvPr>
+        </p:nvGraphicFramePr>
+        <p:xfrm>
+          <a:off x="771525" y="3346133"/>
+          <a:ext cx="8410575" cy="1818957"/>
+        </p:xfrm>
+        <a:graphic>
+          <a:graphicData uri="http://schemas.openxmlformats.org/drawingml/2006/table">
+            <a:tbl>
+              <a:tblPr firstRow="1" bandRow="1">
+                <a:tableStyleId>{5C22544A-7EE6-4342-B048-85BDC9FD1C3A}</a:tableStyleId>
+              </a:tblPr>
+              <a:tblGrid>
+                <a:gridCol w="2731691"/>
+                <a:gridCol w="2875359"/>
+                <a:gridCol w="2803525"/>
+              </a:tblGrid>
+              <a:tr h="370840">
+                <a:tc>
+                  <a:txBody>
+                    <a:bodyPr/>
+                    <a:lstStyle/>
+                    <a:p>
+                      <a:r>
+                        <a:rPr lang="es-MX" dirty="0" smtClean="0"/>
+                        <a:t>“Factor 1”</a:t>
+                      </a:r>
+                    </a:p>
+                    <a:p>
+                      <a:r>
+                        <a:rPr lang="es-MX" dirty="0" smtClean="0"/>
+                        <a:t>14 ítems</a:t>
+                      </a:r>
+                      <a:endParaRPr lang="es-MX" dirty="0"/>
+                    </a:p>
+                  </a:txBody>
+                  <a:tcPr/>
+                </a:tc>
+                <a:tc>
+                  <a:txBody>
+                    <a:bodyPr/>
+                    <a:lstStyle/>
+                    <a:p>
+                      <a:r>
+                        <a:rPr lang="es-MX" dirty="0" smtClean="0"/>
+                        <a:t>“Factor 2”</a:t>
+                      </a:r>
+                    </a:p>
+                    <a:p>
+                      <a:r>
+                        <a:rPr lang="es-MX" dirty="0" smtClean="0"/>
+                        <a:t>18 ítems</a:t>
+                      </a:r>
+                      <a:endParaRPr lang="es-MX" dirty="0"/>
+                    </a:p>
+                  </a:txBody>
+                  <a:tcPr/>
+                </a:tc>
+                <a:tc>
+                  <a:txBody>
+                    <a:bodyPr/>
+                    <a:lstStyle/>
+                    <a:p>
+                      <a:r>
+                        <a:rPr lang="es-MX" dirty="0" smtClean="0"/>
+                        <a:t>“Factor 3”</a:t>
+                      </a:r>
+                    </a:p>
+                    <a:p>
+                      <a:r>
+                        <a:rPr lang="es-MX" dirty="0" smtClean="0"/>
+                        <a:t>17 ítems</a:t>
+                      </a:r>
+                      <a:endParaRPr lang="es-MX" dirty="0"/>
+                    </a:p>
+                  </a:txBody>
+                  <a:tcPr/>
+                </a:tc>
+              </a:tr>
+              <a:tr h="370840">
+                <a:tc>
+                  <a:txBody>
+                    <a:bodyPr/>
+                    <a:lstStyle/>
+                    <a:p>
+                      <a:r>
+                        <a:rPr lang="es-MX" dirty="0" smtClean="0"/>
+                        <a:t>5 ítems del Eje SNPA</a:t>
+                      </a:r>
+                      <a:endParaRPr lang="es-MX" dirty="0"/>
+                    </a:p>
+                  </a:txBody>
+                  <a:tcPr/>
+                </a:tc>
+                <a:tc>
+                  <a:txBody>
+                    <a:bodyPr/>
+                    <a:lstStyle/>
+                    <a:p>
+                      <a:r>
+                        <a:rPr lang="es-MX" dirty="0" smtClean="0"/>
+                        <a:t>8 ítems del Eje SNPA</a:t>
+                      </a:r>
+                      <a:endParaRPr lang="es-MX" dirty="0"/>
+                    </a:p>
+                  </a:txBody>
+                  <a:tcPr>
+                    <a:solidFill>
+                      <a:schemeClr val="accent4">
+                        <a:lumMod val="40000"/>
+                        <a:lumOff val="60000"/>
+                      </a:schemeClr>
+                    </a:solidFill>
+                  </a:tcPr>
+                </a:tc>
+                <a:tc>
+                  <a:txBody>
+                    <a:bodyPr/>
+                    <a:lstStyle/>
+                    <a:p>
+                      <a:r>
+                        <a:rPr lang="es-MX" dirty="0" smtClean="0">
+                          <a:solidFill>
+                            <a:schemeClr val="tx1"/>
+                          </a:solidFill>
+                        </a:rPr>
+                        <a:t>7 ítems</a:t>
+                      </a:r>
+                      <a:r>
+                        <a:rPr lang="es-MX" baseline="0" dirty="0" smtClean="0">
+                          <a:solidFill>
+                            <a:schemeClr val="tx1"/>
+                          </a:solidFill>
+                        </a:rPr>
+                        <a:t> del Eje SNPA</a:t>
+                      </a:r>
+                      <a:endParaRPr lang="es-MX" dirty="0">
+                        <a:solidFill>
+                          <a:schemeClr val="tx1"/>
+                        </a:solidFill>
+                      </a:endParaRPr>
+                    </a:p>
+                  </a:txBody>
+                  <a:tcPr>
+                    <a:solidFill>
+                      <a:schemeClr val="accent4">
+                        <a:lumMod val="40000"/>
+                        <a:lumOff val="60000"/>
+                      </a:schemeClr>
+                    </a:solidFill>
+                  </a:tcPr>
+                </a:tc>
+              </a:tr>
+              <a:tr h="437197">
+                <a:tc>
+                  <a:txBody>
+                    <a:bodyPr/>
+                    <a:lstStyle/>
+                    <a:p>
+                      <a:pPr marL="0" marR="0" indent="0" algn="l" defTabSz="914400" rtl="0" eaLnBrk="1" fontAlgn="auto" latinLnBrk="0" hangingPunct="1">
+                        <a:lnSpc>
+                          <a:spcPct val="100000"/>
+                        </a:lnSpc>
+                        <a:spcBef>
+                          <a:spcPts val="0"/>
+                        </a:spcBef>
+                        <a:spcAft>
+                          <a:spcPts val="0"/>
+                        </a:spcAft>
+                        <a:buClrTx/>
+                        <a:buSzTx/>
+                        <a:buFontTx/>
+                        <a:buNone/>
+                        <a:tabLst/>
+                        <a:defRPr/>
+                      </a:pPr>
+                      <a:r>
+                        <a:rPr lang="es-MX" dirty="0" smtClean="0"/>
+                        <a:t>7 ítems del Eje</a:t>
+                      </a:r>
+                      <a:r>
+                        <a:rPr lang="es-MX" baseline="0" dirty="0" smtClean="0"/>
+                        <a:t> MI</a:t>
+                      </a:r>
+                    </a:p>
+                  </a:txBody>
+                  <a:tcPr>
+                    <a:solidFill>
+                      <a:schemeClr val="accent4">
+                        <a:lumMod val="40000"/>
+                        <a:lumOff val="60000"/>
+                      </a:schemeClr>
+                    </a:solidFill>
+                  </a:tcPr>
+                </a:tc>
+                <a:tc>
+                  <a:txBody>
+                    <a:bodyPr/>
+                    <a:lstStyle/>
+                    <a:p>
+                      <a:r>
+                        <a:rPr lang="es-MX" dirty="0" smtClean="0"/>
+                        <a:t>2 ítems del Eje</a:t>
+                      </a:r>
+                      <a:r>
+                        <a:rPr lang="es-MX" baseline="0" dirty="0" smtClean="0"/>
+                        <a:t> MI</a:t>
+                      </a:r>
+                      <a:endParaRPr lang="es-MX" dirty="0"/>
+                    </a:p>
+                  </a:txBody>
+                  <a:tcPr/>
+                </a:tc>
+                <a:tc>
+                  <a:txBody>
+                    <a:bodyPr/>
+                    <a:lstStyle/>
+                    <a:p>
+                      <a:r>
+                        <a:rPr lang="es-MX" dirty="0" smtClean="0"/>
+                        <a:t>5 ítems del Eje MI</a:t>
+                      </a:r>
+                      <a:endParaRPr lang="es-MX" dirty="0"/>
+                    </a:p>
+                  </a:txBody>
+                  <a:tcPr>
+                    <a:noFill/>
+                  </a:tcPr>
+                </a:tc>
+              </a:tr>
+              <a:tr h="370840">
+                <a:tc>
+                  <a:txBody>
+                    <a:bodyPr/>
+                    <a:lstStyle/>
+                    <a:p>
+                      <a:pPr marL="0" marR="0" indent="0" algn="l" defTabSz="914400" rtl="0" eaLnBrk="1" fontAlgn="auto" latinLnBrk="0" hangingPunct="1">
+                        <a:lnSpc>
+                          <a:spcPct val="100000"/>
+                        </a:lnSpc>
+                        <a:spcBef>
+                          <a:spcPts val="0"/>
+                        </a:spcBef>
+                        <a:spcAft>
+                          <a:spcPts val="0"/>
+                        </a:spcAft>
+                        <a:buClrTx/>
+                        <a:buSzTx/>
+                        <a:buFontTx/>
+                        <a:buNone/>
+                        <a:tabLst/>
+                        <a:defRPr/>
+                      </a:pPr>
+                      <a:r>
+                        <a:rPr lang="es-MX" dirty="0" smtClean="0"/>
+                        <a:t>2 ítems del Eje FEM</a:t>
+                      </a:r>
+                    </a:p>
+                  </a:txBody>
+                  <a:tcPr/>
+                </a:tc>
+                <a:tc>
+                  <a:txBody>
+                    <a:bodyPr/>
+                    <a:lstStyle/>
+                    <a:p>
+                      <a:r>
+                        <a:rPr lang="es-MX" dirty="0" smtClean="0"/>
+                        <a:t>8 ítems del Eje FEM</a:t>
+                      </a:r>
+                    </a:p>
+                  </a:txBody>
+                  <a:tcPr>
+                    <a:solidFill>
+                      <a:schemeClr val="accent4">
+                        <a:lumMod val="40000"/>
+                        <a:lumOff val="60000"/>
+                      </a:schemeClr>
+                    </a:solidFill>
+                  </a:tcPr>
+                </a:tc>
+                <a:tc>
+                  <a:txBody>
+                    <a:bodyPr/>
+                    <a:lstStyle/>
+                    <a:p>
+                      <a:r>
+                        <a:rPr lang="es-MX" dirty="0" smtClean="0"/>
+                        <a:t>5</a:t>
+                      </a:r>
+                      <a:r>
+                        <a:rPr lang="es-MX" baseline="0" dirty="0" smtClean="0"/>
+                        <a:t> ítems del Eje FEM</a:t>
+                      </a:r>
+                      <a:endParaRPr lang="es-MX" dirty="0"/>
+                    </a:p>
+                  </a:txBody>
+                  <a:tcPr/>
+                </a:tc>
+              </a:tr>
+            </a:tbl>
+          </a:graphicData>
+        </a:graphic>
+      </p:graphicFrame>
+      <p:pic>
+        <p:nvPicPr>
+          <p:cNvPr id="7" name="Imagen 6"/>
+          <p:cNvPicPr>
+            <a:picLocks noChangeAspect="1"/>
+          </p:cNvPicPr>
+          <p:nvPr/>
+        </p:nvPicPr>
+        <p:blipFill>
+          <a:blip r:embed="rId2"/>
+          <a:stretch>
+            <a:fillRect/>
+          </a:stretch>
+        </p:blipFill>
+        <p:spPr>
+          <a:xfrm>
+            <a:off x="9942972" y="144126"/>
+            <a:ext cx="2249028" cy="6531310"/>
+          </a:xfrm>
+          <a:prstGeom prst="rect">
+            <a:avLst/>
+          </a:prstGeom>
+        </p:spPr>
+      </p:pic>
+    </p:spTree>
+    <p:extLst>
+      <p:ext uri="{BB962C8B-B14F-4D97-AF65-F5344CB8AC3E}">
+        <p14:creationId xmlns:p14="http://schemas.microsoft.com/office/powerpoint/2010/main" val="2880000651"/>
+      </p:ext>
+    </p:extLst>
+  </p:cSld>
+  <p:clrMapOvr>
+    <a:masterClrMapping/>
+  </p:clrMapOvr>
+  <p:timing>
+    <p:tnLst>
+      <p:par>
+        <p:cTn id="1" dur="indefinite" restart="never" nodeType="tmRoot"/>
+      </p:par>
+    </p:tnLst>
+  </p:timing>
+</p:sld>
+</file>
+
+<file path=ppt/slides/slide16.xml><?xml version="1.0" encoding="utf-8"?>
+<p:sld xmlns:a="http://schemas.openxmlformats.org/drawingml/2006/main" xmlns:r="http://schemas.openxmlformats.org/officeDocument/2006/relationships" xmlns:p="http://schemas.openxmlformats.org/presentationml/2006/main">
+  <p:cSld>
+    <p:spTree>
+      <p:nvGrpSpPr>
+        <p:cNvPr id="1" name=""/>
+        <p:cNvGrpSpPr/>
+        <p:nvPr/>
+      </p:nvGrpSpPr>
+      <p:grpSpPr>
+        <a:xfrm>
+          <a:off x="0" y="0"/>
+          <a:ext cx="0" cy="0"/>
+          <a:chOff x="0" y="0"/>
+          <a:chExt cx="0" cy="0"/>
+        </a:xfrm>
+      </p:grpSpPr>
+      <p:sp>
+        <p:nvSpPr>
+          <p:cNvPr id="2" name="Título 1"/>
+          <p:cNvSpPr>
+            <a:spLocks noGrp="1"/>
+          </p:cNvSpPr>
+          <p:nvPr>
+            <p:ph type="title"/>
+          </p:nvPr>
+        </p:nvSpPr>
+        <p:spPr>
+          <a:xfrm>
+            <a:off x="838200" y="153191"/>
+            <a:ext cx="10515600" cy="1325563"/>
+          </a:xfrm>
+        </p:spPr>
+        <p:txBody>
+          <a:bodyPr/>
+          <a:lstStyle/>
+          <a:p>
+            <a:r>
+              <a:rPr lang="es-MX" dirty="0" smtClean="0"/>
+              <a:t>Análisis Factorial </a:t>
+            </a:r>
+            <a:r>
+              <a:rPr lang="es-MX" b="1" dirty="0" smtClean="0"/>
+              <a:t>con 3 factores</a:t>
+            </a:r>
+            <a:r>
+              <a:rPr lang="es-MX" dirty="0" smtClean="0"/>
+              <a:t> </a:t>
+            </a:r>
+            <a:endParaRPr lang="es-MX" dirty="0"/>
+          </a:p>
+        </p:txBody>
+      </p:sp>
+      <p:sp>
+        <p:nvSpPr>
+          <p:cNvPr id="3" name="Marcador de contenido 2"/>
+          <p:cNvSpPr>
+            <a:spLocks noGrp="1"/>
+          </p:cNvSpPr>
+          <p:nvPr>
+            <p:ph idx="1"/>
+          </p:nvPr>
+        </p:nvSpPr>
+        <p:spPr>
+          <a:xfrm>
+            <a:off x="190501" y="1253331"/>
+            <a:ext cx="9620250" cy="4351338"/>
+          </a:xfrm>
+        </p:spPr>
+        <p:txBody>
+          <a:bodyPr/>
+          <a:lstStyle/>
+          <a:p>
+            <a:r>
+              <a:rPr lang="es-MX" dirty="0" smtClean="0"/>
+              <a:t>De la misma forma, los ítems identificados en la Matriz Q como parte de cada Eje se distribuyen a lo largo de los 3 factores evaluados, sin que haya una patrón/relación evidente</a:t>
+            </a:r>
+          </a:p>
+          <a:p>
+            <a:endParaRPr lang="es-MX" dirty="0"/>
+          </a:p>
+          <a:p>
+            <a:endParaRPr lang="es-MX" dirty="0" smtClean="0"/>
+          </a:p>
+          <a:p>
+            <a:endParaRPr lang="es-MX" dirty="0"/>
+          </a:p>
+        </p:txBody>
+      </p:sp>
+      <p:sp>
+        <p:nvSpPr>
+          <p:cNvPr id="4" name="Rectángulo 5"/>
+          <p:cNvSpPr/>
+          <p:nvPr/>
+        </p:nvSpPr>
+        <p:spPr>
+          <a:xfrm>
+            <a:off x="0" y="-1"/>
+            <a:ext cx="12192000" cy="500063"/>
+          </a:xfrm>
+          <a:prstGeom prst="rect">
+            <a:avLst/>
+          </a:prstGeom>
+          <a:solidFill>
+            <a:schemeClr val="accent5">
+              <a:lumMod val="40000"/>
+              <a:lumOff val="60000"/>
+            </a:schemeClr>
+          </a:solidFill>
+          <a:ln>
+            <a:solidFill>
+              <a:schemeClr val="accent1"/>
+            </a:solidFill>
+          </a:ln>
+        </p:spPr>
+        <p:style>
+          <a:lnRef idx="2">
+            <a:schemeClr val="accent1">
+              <a:shade val="50000"/>
+            </a:schemeClr>
+          </a:lnRef>
+          <a:fillRef idx="1">
+            <a:schemeClr val="accent1"/>
+          </a:fillRef>
+          <a:effectRef idx="0">
+            <a:schemeClr val="accent1"/>
+          </a:effectRef>
+          <a:fontRef idx="minor">
+            <a:schemeClr val="lt1"/>
+          </a:fontRef>
+        </p:style>
+        <p:txBody>
+          <a:bodyPr rtlCol="0" anchor="ctr"/>
+          <a:lstStyle/>
+          <a:p>
+            <a:pPr algn="ctr"/>
+            <a:endParaRPr lang="es-MX"/>
+          </a:p>
+        </p:txBody>
+      </p:sp>
+      <p:sp>
+        <p:nvSpPr>
+          <p:cNvPr id="5" name="Rectángulo 6"/>
+          <p:cNvSpPr/>
+          <p:nvPr/>
+        </p:nvSpPr>
+        <p:spPr>
+          <a:xfrm>
+            <a:off x="0" y="6492874"/>
+            <a:ext cx="12192000" cy="365125"/>
+          </a:xfrm>
+          <a:prstGeom prst="rect">
+            <a:avLst/>
+          </a:prstGeom>
+          <a:solidFill>
+            <a:schemeClr val="accent5">
+              <a:lumMod val="40000"/>
+              <a:lumOff val="60000"/>
+            </a:schemeClr>
+          </a:solidFill>
+          <a:ln>
+            <a:solidFill>
+              <a:schemeClr val="accent1"/>
+            </a:solidFill>
+          </a:ln>
+        </p:spPr>
+        <p:style>
+          <a:lnRef idx="2">
+            <a:schemeClr val="accent1">
+              <a:shade val="50000"/>
+            </a:schemeClr>
+          </a:lnRef>
+          <a:fillRef idx="1">
+            <a:schemeClr val="accent1"/>
+          </a:fillRef>
+          <a:effectRef idx="0">
+            <a:schemeClr val="accent1"/>
+          </a:effectRef>
+          <a:fontRef idx="minor">
+            <a:schemeClr val="lt1"/>
+          </a:fontRef>
+        </p:style>
+        <p:txBody>
+          <a:bodyPr rtlCol="0" anchor="ctr"/>
+          <a:lstStyle/>
+          <a:p>
+            <a:pPr algn="ctr"/>
+            <a:endParaRPr lang="es-MX"/>
+          </a:p>
+        </p:txBody>
+      </p:sp>
+      <p:graphicFrame>
+        <p:nvGraphicFramePr>
+          <p:cNvPr id="6" name="Tabla 5"/>
+          <p:cNvGraphicFramePr>
+            <a:graphicFrameLocks noGrp="1"/>
+          </p:cNvGraphicFramePr>
+          <p:nvPr>
+            <p:extLst>
+              <p:ext uri="{D42A27DB-BD31-4B8C-83A1-F6EECF244321}">
+                <p14:modId xmlns:p14="http://schemas.microsoft.com/office/powerpoint/2010/main" val="276737934"/>
+              </p:ext>
+            </p:extLst>
+          </p:nvPr>
+        </p:nvGraphicFramePr>
+        <p:xfrm>
+          <a:off x="400050" y="2736533"/>
+          <a:ext cx="9248775" cy="3383280"/>
+        </p:xfrm>
+        <a:graphic>
+          <a:graphicData uri="http://schemas.openxmlformats.org/drawingml/2006/table">
+            <a:tbl>
+              <a:tblPr firstRow="1" bandRow="1">
+                <a:tableStyleId>{5C22544A-7EE6-4342-B048-85BDC9FD1C3A}</a:tableStyleId>
+              </a:tblPr>
+              <a:tblGrid>
+                <a:gridCol w="3003932"/>
+                <a:gridCol w="3161918"/>
+                <a:gridCol w="3082925"/>
+              </a:tblGrid>
+              <a:tr h="370840">
+                <a:tc>
+                  <a:txBody>
+                    <a:bodyPr/>
+                    <a:lstStyle/>
+                    <a:p>
+                      <a:r>
+                        <a:rPr lang="es-MX" dirty="0" smtClean="0"/>
+                        <a:t>De los </a:t>
+                      </a:r>
+                      <a:r>
+                        <a:rPr lang="es-MX" b="1" u="sng" dirty="0" smtClean="0"/>
+                        <a:t>20</a:t>
+                      </a:r>
+                      <a:r>
+                        <a:rPr lang="es-MX" b="1" u="sng" baseline="0" dirty="0" smtClean="0"/>
+                        <a:t> reactivos </a:t>
+                      </a:r>
+                      <a:r>
+                        <a:rPr lang="es-MX" b="1" baseline="0" dirty="0" smtClean="0"/>
+                        <a:t>identificados en la Matriz Q en el Eje 1 SNPA</a:t>
+                      </a:r>
+                      <a:endParaRPr lang="es-MX" dirty="0"/>
+                    </a:p>
+                  </a:txBody>
+                  <a:tcPr/>
+                </a:tc>
+                <a:tc>
+                  <a:txBody>
+                    <a:bodyPr/>
+                    <a:lstStyle/>
+                    <a:p>
+                      <a:r>
+                        <a:rPr lang="es-MX" dirty="0" smtClean="0"/>
+                        <a:t>De</a:t>
+                      </a:r>
+                      <a:r>
+                        <a:rPr lang="es-MX" baseline="0" dirty="0" smtClean="0"/>
+                        <a:t> los </a:t>
+                      </a:r>
+                      <a:r>
+                        <a:rPr lang="es-MX" u="sng" baseline="0" dirty="0" smtClean="0"/>
+                        <a:t>14 ítems </a:t>
+                      </a:r>
+                      <a:r>
+                        <a:rPr lang="es-MX" baseline="0" dirty="0" smtClean="0"/>
+                        <a:t>identificados en la matriz Q como Eje 2 MI</a:t>
+                      </a:r>
+                      <a:endParaRPr lang="es-MX" dirty="0"/>
+                    </a:p>
+                  </a:txBody>
+                  <a:tcPr/>
+                </a:tc>
+                <a:tc>
+                  <a:txBody>
+                    <a:bodyPr/>
+                    <a:lstStyle/>
+                    <a:p>
+                      <a:r>
+                        <a:rPr lang="es-MX" dirty="0" smtClean="0"/>
+                        <a:t>De los </a:t>
+                      </a:r>
+                      <a:r>
+                        <a:rPr lang="es-MX" u="sng" dirty="0" smtClean="0"/>
+                        <a:t>16 ítems </a:t>
+                      </a:r>
+                      <a:r>
+                        <a:rPr lang="es-MX" dirty="0" smtClean="0"/>
+                        <a:t>identificados en la Matriz Q como Eje 3</a:t>
+                      </a:r>
+                      <a:r>
+                        <a:rPr lang="es-MX" baseline="0" dirty="0" smtClean="0"/>
+                        <a:t> FEM</a:t>
+                      </a:r>
+                      <a:endParaRPr lang="es-MX" dirty="0"/>
+                    </a:p>
+                  </a:txBody>
+                  <a:tcPr/>
+                </a:tc>
+              </a:tr>
+              <a:tr h="370840">
+                <a:tc>
+                  <a:txBody>
+                    <a:bodyPr/>
+                    <a:lstStyle/>
+                    <a:p>
+                      <a:r>
+                        <a:rPr lang="es-MX" dirty="0" smtClean="0"/>
+                        <a:t>5 aportaron</a:t>
+                      </a:r>
+                      <a:r>
+                        <a:rPr lang="es-MX" baseline="0" dirty="0" smtClean="0"/>
+                        <a:t> una mayor varianza en el “Factor 1”</a:t>
+                      </a:r>
+                      <a:endParaRPr lang="es-MX" dirty="0"/>
+                    </a:p>
+                  </a:txBody>
+                  <a:tcPr/>
+                </a:tc>
+                <a:tc>
+                  <a:txBody>
+                    <a:bodyPr/>
+                    <a:lstStyle/>
+                    <a:p>
+                      <a:r>
+                        <a:rPr lang="es-MX" dirty="0" smtClean="0"/>
+                        <a:t>7 aportaron mayor varianza en el Factor</a:t>
+                      </a:r>
+                      <a:r>
+                        <a:rPr lang="es-MX" baseline="0" dirty="0" smtClean="0"/>
+                        <a:t> 1</a:t>
+                      </a:r>
+                      <a:endParaRPr lang="es-MX" dirty="0"/>
+                    </a:p>
+                  </a:txBody>
+                  <a:tcPr>
+                    <a:solidFill>
+                      <a:schemeClr val="accent4">
+                        <a:lumMod val="40000"/>
+                        <a:lumOff val="60000"/>
+                      </a:schemeClr>
+                    </a:solidFill>
+                  </a:tcPr>
+                </a:tc>
+                <a:tc>
+                  <a:txBody>
+                    <a:bodyPr/>
+                    <a:lstStyle/>
+                    <a:p>
+                      <a:r>
+                        <a:rPr lang="es-MX" dirty="0" smtClean="0">
+                          <a:solidFill>
+                            <a:srgbClr val="FF0000"/>
+                          </a:solidFill>
+                        </a:rPr>
+                        <a:t>1 reactivo no embonó con ningún Factor</a:t>
+                      </a:r>
+                    </a:p>
+                    <a:p>
+                      <a:r>
+                        <a:rPr lang="es-MX" dirty="0" smtClean="0">
+                          <a:solidFill>
+                            <a:schemeClr val="tx1"/>
+                          </a:solidFill>
+                        </a:rPr>
+                        <a:t>2 reactivos cayeron en el Factor 1</a:t>
+                      </a:r>
+                      <a:endParaRPr lang="es-MX" dirty="0">
+                        <a:solidFill>
+                          <a:schemeClr val="tx1"/>
+                        </a:solidFill>
+                      </a:endParaRPr>
+                    </a:p>
+                  </a:txBody>
+                  <a:tcPr/>
+                </a:tc>
+              </a:tr>
+              <a:tr h="437197">
+                <a:tc>
+                  <a:txBody>
+                    <a:bodyPr/>
+                    <a:lstStyle/>
+                    <a:p>
+                      <a:pPr marL="0" marR="0" indent="0" algn="l" defTabSz="914400" rtl="0" eaLnBrk="1" fontAlgn="auto" latinLnBrk="0" hangingPunct="1">
+                        <a:lnSpc>
+                          <a:spcPct val="100000"/>
+                        </a:lnSpc>
+                        <a:spcBef>
+                          <a:spcPts val="0"/>
+                        </a:spcBef>
+                        <a:spcAft>
+                          <a:spcPts val="0"/>
+                        </a:spcAft>
+                        <a:buClrTx/>
+                        <a:buSzTx/>
+                        <a:buFontTx/>
+                        <a:buNone/>
+                        <a:tabLst/>
+                        <a:defRPr/>
+                      </a:pPr>
+                      <a:r>
+                        <a:rPr lang="es-MX" dirty="0" smtClean="0"/>
+                        <a:t>8 aportaron</a:t>
+                      </a:r>
+                      <a:r>
+                        <a:rPr lang="es-MX" baseline="0" dirty="0" smtClean="0"/>
+                        <a:t> una mayor varianza en el “Factor 2”</a:t>
+                      </a:r>
+                      <a:endParaRPr lang="es-MX" dirty="0" smtClean="0"/>
+                    </a:p>
+                  </a:txBody>
+                  <a:tcPr>
+                    <a:solidFill>
+                      <a:schemeClr val="accent4">
+                        <a:lumMod val="40000"/>
+                        <a:lumOff val="60000"/>
+                      </a:schemeClr>
+                    </a:solidFill>
+                  </a:tcPr>
+                </a:tc>
+                <a:tc>
+                  <a:txBody>
+                    <a:bodyPr/>
+                    <a:lstStyle/>
+                    <a:p>
+                      <a:r>
+                        <a:rPr lang="es-MX" dirty="0" smtClean="0"/>
+                        <a:t>2 aportaron</a:t>
+                      </a:r>
+                      <a:r>
+                        <a:rPr lang="es-MX" baseline="0" dirty="0" smtClean="0"/>
+                        <a:t> mayor varianza en el Factor 2</a:t>
+                      </a:r>
+                      <a:endParaRPr lang="es-MX" dirty="0"/>
+                    </a:p>
+                  </a:txBody>
+                  <a:tcPr/>
+                </a:tc>
+                <a:tc>
+                  <a:txBody>
+                    <a:bodyPr/>
+                    <a:lstStyle/>
+                    <a:p>
+                      <a:r>
+                        <a:rPr lang="es-MX" dirty="0" smtClean="0"/>
+                        <a:t>8 reactivos cayeron en</a:t>
+                      </a:r>
+                      <a:r>
+                        <a:rPr lang="es-MX" baseline="0" dirty="0" smtClean="0"/>
+                        <a:t> el Factor 2</a:t>
+                      </a:r>
+                      <a:endParaRPr lang="es-MX" dirty="0"/>
+                    </a:p>
+                  </a:txBody>
+                  <a:tcPr>
+                    <a:solidFill>
+                      <a:schemeClr val="accent4">
+                        <a:lumMod val="40000"/>
+                        <a:lumOff val="60000"/>
+                      </a:schemeClr>
+                    </a:solidFill>
+                  </a:tcPr>
+                </a:tc>
+              </a:tr>
+              <a:tr h="370840">
+                <a:tc>
+                  <a:txBody>
+                    <a:bodyPr/>
+                    <a:lstStyle/>
+                    <a:p>
+                      <a:pPr marL="0" marR="0" indent="0" algn="l" defTabSz="914400" rtl="0" eaLnBrk="1" fontAlgn="auto" latinLnBrk="0" hangingPunct="1">
+                        <a:lnSpc>
+                          <a:spcPct val="100000"/>
+                        </a:lnSpc>
+                        <a:spcBef>
+                          <a:spcPts val="0"/>
+                        </a:spcBef>
+                        <a:spcAft>
+                          <a:spcPts val="0"/>
+                        </a:spcAft>
+                        <a:buClrTx/>
+                        <a:buSzTx/>
+                        <a:buFontTx/>
+                        <a:buNone/>
+                        <a:tabLst/>
+                        <a:defRPr/>
+                      </a:pPr>
+                      <a:r>
+                        <a:rPr lang="es-MX" dirty="0" smtClean="0"/>
+                        <a:t>7 aportaron</a:t>
+                      </a:r>
+                      <a:r>
+                        <a:rPr lang="es-MX" baseline="0" dirty="0" smtClean="0"/>
+                        <a:t> una mayor varianza en el “Factor 3”</a:t>
+                      </a:r>
+                      <a:endParaRPr lang="es-MX" dirty="0" smtClean="0"/>
+                    </a:p>
+                  </a:txBody>
+                  <a:tcPr/>
+                </a:tc>
+                <a:tc>
+                  <a:txBody>
+                    <a:bodyPr/>
+                    <a:lstStyle/>
+                    <a:p>
+                      <a:r>
+                        <a:rPr lang="es-MX" dirty="0" smtClean="0"/>
+                        <a:t>5 aportaron</a:t>
+                      </a:r>
+                      <a:r>
+                        <a:rPr lang="es-MX" baseline="0" dirty="0" smtClean="0"/>
+                        <a:t> mayor varianza en el Factor 3</a:t>
+                      </a:r>
+                      <a:endParaRPr lang="es-MX" dirty="0"/>
+                    </a:p>
+                  </a:txBody>
+                  <a:tcPr/>
+                </a:tc>
+                <a:tc>
+                  <a:txBody>
+                    <a:bodyPr/>
+                    <a:lstStyle/>
+                    <a:p>
+                      <a:r>
+                        <a:rPr lang="es-MX" dirty="0" smtClean="0"/>
+                        <a:t>5</a:t>
+                      </a:r>
+                      <a:r>
+                        <a:rPr lang="es-MX" baseline="0" dirty="0" smtClean="0"/>
+                        <a:t> reactivos cayeron en el Factor 3</a:t>
+                      </a:r>
+                      <a:endParaRPr lang="es-MX" dirty="0"/>
+                    </a:p>
+                  </a:txBody>
+                  <a:tcPr/>
+                </a:tc>
+              </a:tr>
+            </a:tbl>
+          </a:graphicData>
+        </a:graphic>
+      </p:graphicFrame>
+      <p:pic>
+        <p:nvPicPr>
+          <p:cNvPr id="7" name="Imagen 6"/>
+          <p:cNvPicPr>
+            <a:picLocks noChangeAspect="1"/>
+          </p:cNvPicPr>
+          <p:nvPr/>
+        </p:nvPicPr>
+        <p:blipFill>
+          <a:blip r:embed="rId2"/>
+          <a:stretch>
+            <a:fillRect/>
+          </a:stretch>
+        </p:blipFill>
+        <p:spPr>
+          <a:xfrm>
+            <a:off x="9953062" y="144126"/>
+            <a:ext cx="2249028" cy="6531310"/>
+          </a:xfrm>
+          <a:prstGeom prst="rect">
+            <a:avLst/>
+          </a:prstGeom>
+        </p:spPr>
+      </p:pic>
+      <p:cxnSp>
+        <p:nvCxnSpPr>
+          <p:cNvPr id="8" name="Conector recto de flecha 7"/>
+          <p:cNvCxnSpPr/>
+          <p:nvPr/>
+        </p:nvCxnSpPr>
+        <p:spPr>
+          <a:xfrm>
+            <a:off x="8620125" y="3924301"/>
+            <a:ext cx="1332937" cy="1680368"/>
+          </a:xfrm>
+          <a:prstGeom prst="straightConnector1">
+            <a:avLst/>
+          </a:prstGeom>
+          <a:ln>
+            <a:solidFill>
+              <a:srgbClr val="C00000"/>
+            </a:solidFill>
+            <a:tailEnd type="triangle"/>
+          </a:ln>
+        </p:spPr>
+        <p:style>
+          <a:lnRef idx="1">
+            <a:schemeClr val="accent1"/>
+          </a:lnRef>
+          <a:fillRef idx="0">
+            <a:schemeClr val="accent1"/>
+          </a:fillRef>
+          <a:effectRef idx="0">
+            <a:schemeClr val="accent1"/>
+          </a:effectRef>
+          <a:fontRef idx="minor">
+            <a:schemeClr val="tx1"/>
+          </a:fontRef>
+        </p:style>
+      </p:cxnSp>
+    </p:spTree>
+    <p:extLst>
+      <p:ext uri="{BB962C8B-B14F-4D97-AF65-F5344CB8AC3E}">
+        <p14:creationId xmlns:p14="http://schemas.microsoft.com/office/powerpoint/2010/main" val="1570318870"/>
+      </p:ext>
+    </p:extLst>
+  </p:cSld>
+  <p:clrMapOvr>
+    <a:masterClrMapping/>
+  </p:clrMapOvr>
+  <p:timing>
+    <p:tnLst>
+      <p:par>
+        <p:cTn id="1" dur="indefinite" restart="never" nodeType="tmRoot"/>
+      </p:par>
+    </p:tnLst>
+  </p:timing>
+</p:sld>
+</file>
+
+<file path=ppt/slides/slide17.xml><?xml version="1.0" encoding="utf-8"?>
+<p:sld xmlns:a="http://schemas.openxmlformats.org/drawingml/2006/main" xmlns:r="http://schemas.openxmlformats.org/officeDocument/2006/relationships" xmlns:p="http://schemas.openxmlformats.org/presentationml/2006/main">
+  <p:cSld>
+    <p:spTree>
+      <p:nvGrpSpPr>
+        <p:cNvPr id="1" name=""/>
+        <p:cNvGrpSpPr/>
+        <p:nvPr/>
+      </p:nvGrpSpPr>
+      <p:grpSpPr>
+        <a:xfrm>
+          <a:off x="0" y="0"/>
+          <a:ext cx="0" cy="0"/>
+          <a:chOff x="0" y="0"/>
+          <a:chExt cx="0" cy="0"/>
+        </a:xfrm>
+      </p:grpSpPr>
+      <p:sp>
+        <p:nvSpPr>
+          <p:cNvPr id="2" name="Título 1"/>
+          <p:cNvSpPr>
+            <a:spLocks noGrp="1"/>
+          </p:cNvSpPr>
+          <p:nvPr>
+            <p:ph type="title"/>
+          </p:nvPr>
+        </p:nvSpPr>
+        <p:spPr>
+          <a:xfrm>
+            <a:off x="838200" y="153191"/>
+            <a:ext cx="10515600" cy="1325563"/>
+          </a:xfrm>
+        </p:spPr>
+        <p:txBody>
+          <a:bodyPr/>
+          <a:lstStyle/>
+          <a:p>
+            <a:r>
+              <a:rPr lang="es-MX" dirty="0" smtClean="0"/>
+              <a:t>Análisis Factorial </a:t>
+            </a:r>
+            <a:r>
+              <a:rPr lang="es-MX" b="1" dirty="0" smtClean="0"/>
+              <a:t>con 5 factores</a:t>
+            </a:r>
+            <a:r>
+              <a:rPr lang="es-MX" dirty="0" smtClean="0"/>
+              <a:t> </a:t>
+            </a:r>
+            <a:endParaRPr lang="es-MX" dirty="0"/>
+          </a:p>
+        </p:txBody>
+      </p:sp>
+      <p:sp>
+        <p:nvSpPr>
+          <p:cNvPr id="3" name="Marcador de contenido 2"/>
+          <p:cNvSpPr>
+            <a:spLocks noGrp="1"/>
+          </p:cNvSpPr>
+          <p:nvPr>
+            <p:ph idx="1"/>
+          </p:nvPr>
+        </p:nvSpPr>
+        <p:spPr>
+          <a:xfrm>
+            <a:off x="190501" y="1253331"/>
+            <a:ext cx="11630024" cy="4351338"/>
+          </a:xfrm>
+        </p:spPr>
+        <p:txBody>
+          <a:bodyPr/>
+          <a:lstStyle/>
+          <a:p>
+            <a:r>
+              <a:rPr lang="es-MX" dirty="0" smtClean="0"/>
+              <a:t>Función: </a:t>
+            </a:r>
+            <a:r>
+              <a:rPr lang="es-MX" dirty="0" err="1" smtClean="0"/>
+              <a:t>factanal</a:t>
+            </a:r>
+            <a:r>
+              <a:rPr lang="es-MX" dirty="0" smtClean="0"/>
+              <a:t>(Datos, método=“</a:t>
+            </a:r>
+            <a:r>
+              <a:rPr lang="es-MX" dirty="0" err="1" smtClean="0"/>
+              <a:t>mle</a:t>
+            </a:r>
+            <a:r>
+              <a:rPr lang="es-MX" dirty="0" smtClean="0"/>
+              <a:t>”)</a:t>
+            </a:r>
+          </a:p>
+          <a:p>
+            <a:r>
+              <a:rPr lang="es-MX" dirty="0" smtClean="0"/>
+              <a:t>De acuerdo con el Análisis Paralelo, </a:t>
+            </a:r>
+          </a:p>
+          <a:p>
+            <a:r>
+              <a:rPr lang="es-MX" dirty="0" smtClean="0"/>
+              <a:t>Algo</a:t>
+            </a:r>
+            <a:r>
+              <a:rPr lang="es-MX" b="1" dirty="0" smtClean="0"/>
+              <a:t> curioso pasó:</a:t>
+            </a:r>
+          </a:p>
+          <a:p>
+            <a:pPr lvl="1"/>
+            <a:r>
+              <a:rPr lang="es-MX" dirty="0" smtClean="0"/>
+              <a:t>1.- Primero, </a:t>
+            </a:r>
+          </a:p>
+          <a:p>
+            <a:pPr lvl="1"/>
+            <a:endParaRPr lang="es-MX" dirty="0" smtClean="0"/>
+          </a:p>
+          <a:p>
+            <a:endParaRPr lang="es-MX" dirty="0"/>
+          </a:p>
+          <a:p>
+            <a:endParaRPr lang="es-MX" dirty="0" smtClean="0"/>
+          </a:p>
+          <a:p>
+            <a:endParaRPr lang="es-MX" dirty="0"/>
+          </a:p>
+        </p:txBody>
+      </p:sp>
+      <p:sp>
+        <p:nvSpPr>
+          <p:cNvPr id="4" name="Rectángulo 5"/>
+          <p:cNvSpPr/>
+          <p:nvPr/>
+        </p:nvSpPr>
+        <p:spPr>
+          <a:xfrm>
+            <a:off x="0" y="-1"/>
+            <a:ext cx="12192000" cy="500063"/>
+          </a:xfrm>
+          <a:prstGeom prst="rect">
+            <a:avLst/>
+          </a:prstGeom>
+          <a:solidFill>
+            <a:schemeClr val="accent5">
+              <a:lumMod val="40000"/>
+              <a:lumOff val="60000"/>
+            </a:schemeClr>
+          </a:solidFill>
+          <a:ln>
+            <a:solidFill>
+              <a:schemeClr val="accent1"/>
+            </a:solidFill>
+          </a:ln>
+        </p:spPr>
+        <p:style>
+          <a:lnRef idx="2">
+            <a:schemeClr val="accent1">
+              <a:shade val="50000"/>
+            </a:schemeClr>
+          </a:lnRef>
+          <a:fillRef idx="1">
+            <a:schemeClr val="accent1"/>
+          </a:fillRef>
+          <a:effectRef idx="0">
+            <a:schemeClr val="accent1"/>
+          </a:effectRef>
+          <a:fontRef idx="minor">
+            <a:schemeClr val="lt1"/>
+          </a:fontRef>
+        </p:style>
+        <p:txBody>
+          <a:bodyPr rtlCol="0" anchor="ctr"/>
+          <a:lstStyle/>
+          <a:p>
+            <a:pPr algn="ctr"/>
+            <a:endParaRPr lang="es-MX"/>
+          </a:p>
+        </p:txBody>
+      </p:sp>
+      <p:sp>
+        <p:nvSpPr>
+          <p:cNvPr id="5" name="Rectángulo 6"/>
+          <p:cNvSpPr/>
+          <p:nvPr/>
+        </p:nvSpPr>
+        <p:spPr>
+          <a:xfrm>
+            <a:off x="0" y="6492874"/>
+            <a:ext cx="12192000" cy="365125"/>
+          </a:xfrm>
+          <a:prstGeom prst="rect">
+            <a:avLst/>
+          </a:prstGeom>
+          <a:solidFill>
+            <a:schemeClr val="accent5">
+              <a:lumMod val="40000"/>
+              <a:lumOff val="60000"/>
+            </a:schemeClr>
+          </a:solidFill>
+          <a:ln>
+            <a:solidFill>
+              <a:schemeClr val="accent1"/>
+            </a:solidFill>
+          </a:ln>
+        </p:spPr>
+        <p:style>
+          <a:lnRef idx="2">
+            <a:schemeClr val="accent1">
+              <a:shade val="50000"/>
+            </a:schemeClr>
+          </a:lnRef>
+          <a:fillRef idx="1">
+            <a:schemeClr val="accent1"/>
+          </a:fillRef>
+          <a:effectRef idx="0">
+            <a:schemeClr val="accent1"/>
+          </a:effectRef>
+          <a:fontRef idx="minor">
+            <a:schemeClr val="lt1"/>
+          </a:fontRef>
+        </p:style>
+        <p:txBody>
+          <a:bodyPr rtlCol="0" anchor="ctr"/>
+          <a:lstStyle/>
+          <a:p>
+            <a:pPr algn="ctr"/>
+            <a:endParaRPr lang="es-MX"/>
+          </a:p>
+        </p:txBody>
+      </p:sp>
+    </p:spTree>
+    <p:extLst>
+      <p:ext uri="{BB962C8B-B14F-4D97-AF65-F5344CB8AC3E}">
+        <p14:creationId xmlns:p14="http://schemas.microsoft.com/office/powerpoint/2010/main" val="2878102237"/>
+      </p:ext>
+    </p:extLst>
+  </p:cSld>
+  <p:clrMapOvr>
+    <a:masterClrMapping/>
+  </p:clrMapOvr>
+  <p:timing>
+    <p:tnLst>
+      <p:par>
+        <p:cTn id="1" dur="indefinite" restart="never" nodeType="tmRoot"/>
+      </p:par>
+    </p:tnLst>
+  </p:timing>
+</p:sld>
+</file>
+
+<file path=ppt/slides/slide18.xml><?xml version="1.0" encoding="utf-8"?>
+<p:sld xmlns:a="http://schemas.openxmlformats.org/drawingml/2006/main" xmlns:r="http://schemas.openxmlformats.org/officeDocument/2006/relationships" xmlns:p="http://schemas.openxmlformats.org/presentationml/2006/main">
+  <p:cSld>
+    <p:spTree>
+      <p:nvGrpSpPr>
+        <p:cNvPr id="1" name=""/>
+        <p:cNvGrpSpPr/>
+        <p:nvPr/>
+      </p:nvGrpSpPr>
+      <p:grpSpPr>
+        <a:xfrm>
+          <a:off x="0" y="0"/>
+          <a:ext cx="0" cy="0"/>
+          <a:chOff x="0" y="0"/>
+          <a:chExt cx="0" cy="0"/>
+        </a:xfrm>
+      </p:grpSpPr>
+      <p:sp>
+        <p:nvSpPr>
+          <p:cNvPr id="2" name="Título 1"/>
+          <p:cNvSpPr>
+            <a:spLocks noGrp="1"/>
+          </p:cNvSpPr>
+          <p:nvPr>
+            <p:ph type="title"/>
+          </p:nvPr>
+        </p:nvSpPr>
+        <p:spPr>
+          <a:xfrm>
+            <a:off x="257176" y="554433"/>
+            <a:ext cx="7305675" cy="779464"/>
+          </a:xfrm>
+        </p:spPr>
+        <p:txBody>
+          <a:bodyPr/>
+          <a:lstStyle/>
+          <a:p>
+            <a:r>
+              <a:rPr lang="es-MX" dirty="0" smtClean="0"/>
+              <a:t>Análisis Factorial </a:t>
+            </a:r>
+            <a:r>
+              <a:rPr lang="es-MX" b="1" dirty="0" smtClean="0"/>
+              <a:t>con 5 factores</a:t>
+            </a:r>
+            <a:r>
+              <a:rPr lang="es-MX" dirty="0" smtClean="0"/>
+              <a:t> </a:t>
+            </a:r>
+            <a:endParaRPr lang="es-MX" dirty="0"/>
+          </a:p>
+        </p:txBody>
+      </p:sp>
+      <p:sp>
+        <p:nvSpPr>
+          <p:cNvPr id="3" name="Marcador de contenido 2"/>
+          <p:cNvSpPr>
+            <a:spLocks noGrp="1"/>
+          </p:cNvSpPr>
+          <p:nvPr>
+            <p:ph idx="1"/>
+          </p:nvPr>
+        </p:nvSpPr>
+        <p:spPr>
+          <a:xfrm>
+            <a:off x="41433" y="1171575"/>
+            <a:ext cx="9775983" cy="5686424"/>
+          </a:xfrm>
+        </p:spPr>
+        <p:txBody>
+          <a:bodyPr>
+            <a:normAutofit/>
+          </a:bodyPr>
+          <a:lstStyle/>
+          <a:p>
+            <a:r>
+              <a:rPr lang="es-MX" dirty="0" smtClean="0"/>
+              <a:t>Los ítems identificados en cada Eje en la Matriz Q cayeron en los cinco factores evaluados de la siguiente manera:</a:t>
+            </a:r>
+          </a:p>
+          <a:p>
+            <a:pPr marL="0" indent="0">
+              <a:buNone/>
+            </a:pPr>
+            <a:r>
+              <a:rPr lang="es-MX" dirty="0" smtClean="0"/>
+              <a:t>.</a:t>
+            </a:r>
+          </a:p>
+          <a:p>
+            <a:pPr marL="0" indent="0">
+              <a:buNone/>
+            </a:pPr>
+            <a:r>
+              <a:rPr lang="es-MX" dirty="0" smtClean="0"/>
+              <a:t>.</a:t>
+            </a:r>
+          </a:p>
+          <a:p>
+            <a:pPr marL="0" indent="0">
+              <a:buNone/>
+            </a:pPr>
+            <a:r>
+              <a:rPr lang="es-MX" dirty="0" smtClean="0"/>
+              <a:t>.</a:t>
+            </a:r>
+          </a:p>
+          <a:p>
+            <a:pPr marL="0" indent="0">
+              <a:buNone/>
+            </a:pPr>
+            <a:r>
+              <a:rPr lang="es-MX" dirty="0" smtClean="0"/>
+              <a:t>.</a:t>
+            </a:r>
+          </a:p>
+          <a:p>
+            <a:pPr marL="0" indent="0">
+              <a:buNone/>
+            </a:pPr>
+            <a:r>
+              <a:rPr lang="es-MX" dirty="0" smtClean="0"/>
+              <a:t>.</a:t>
+            </a:r>
+          </a:p>
+          <a:p>
+            <a:pPr marL="0" indent="0">
+              <a:buNone/>
+            </a:pPr>
+            <a:r>
+              <a:rPr lang="es-MX" dirty="0" smtClean="0"/>
+              <a:t>.</a:t>
+            </a:r>
+          </a:p>
+          <a:p>
+            <a:pPr marL="0" indent="0">
+              <a:buNone/>
+            </a:pPr>
+            <a:r>
+              <a:rPr lang="es-MX" dirty="0" smtClean="0"/>
+              <a:t>.</a:t>
+            </a:r>
+          </a:p>
+          <a:p>
+            <a:r>
+              <a:rPr lang="es-MX" u="sng" dirty="0" smtClean="0"/>
+              <a:t>Solamente 4 ítems cayeron en los Factores 4 y 5, respectivamente</a:t>
+            </a:r>
+            <a:endParaRPr lang="es-MX" u="sng" dirty="0"/>
+          </a:p>
+          <a:p>
+            <a:endParaRPr lang="es-MX" dirty="0" smtClean="0"/>
+          </a:p>
+          <a:p>
+            <a:endParaRPr lang="es-MX" dirty="0"/>
+          </a:p>
+        </p:txBody>
+      </p:sp>
+      <p:sp>
+        <p:nvSpPr>
+          <p:cNvPr id="4" name="Rectángulo 5"/>
+          <p:cNvSpPr/>
+          <p:nvPr/>
+        </p:nvSpPr>
+        <p:spPr>
+          <a:xfrm>
+            <a:off x="0" y="0"/>
+            <a:ext cx="12192000" cy="500063"/>
+          </a:xfrm>
+          <a:prstGeom prst="rect">
+            <a:avLst/>
+          </a:prstGeom>
+          <a:solidFill>
+            <a:schemeClr val="accent5">
+              <a:lumMod val="40000"/>
+              <a:lumOff val="60000"/>
+            </a:schemeClr>
+          </a:solidFill>
+          <a:ln>
+            <a:solidFill>
+              <a:schemeClr val="accent1"/>
+            </a:solidFill>
+          </a:ln>
+        </p:spPr>
+        <p:style>
+          <a:lnRef idx="2">
+            <a:schemeClr val="accent1">
+              <a:shade val="50000"/>
+            </a:schemeClr>
+          </a:lnRef>
+          <a:fillRef idx="1">
+            <a:schemeClr val="accent1"/>
+          </a:fillRef>
+          <a:effectRef idx="0">
+            <a:schemeClr val="accent1"/>
+          </a:effectRef>
+          <a:fontRef idx="minor">
+            <a:schemeClr val="lt1"/>
+          </a:fontRef>
+        </p:style>
+        <p:txBody>
+          <a:bodyPr rtlCol="0" anchor="ctr"/>
+          <a:lstStyle/>
+          <a:p>
+            <a:pPr algn="ctr"/>
+            <a:endParaRPr lang="es-MX"/>
+          </a:p>
+        </p:txBody>
+      </p:sp>
+      <p:sp>
+        <p:nvSpPr>
+          <p:cNvPr id="5" name="Rectángulo 6"/>
+          <p:cNvSpPr/>
+          <p:nvPr/>
+        </p:nvSpPr>
+        <p:spPr>
+          <a:xfrm>
+            <a:off x="0" y="6492874"/>
+            <a:ext cx="12192000" cy="365125"/>
+          </a:xfrm>
+          <a:prstGeom prst="rect">
+            <a:avLst/>
+          </a:prstGeom>
+          <a:solidFill>
+            <a:schemeClr val="accent5">
+              <a:lumMod val="40000"/>
+              <a:lumOff val="60000"/>
+            </a:schemeClr>
+          </a:solidFill>
+          <a:ln>
+            <a:solidFill>
+              <a:schemeClr val="accent1"/>
+            </a:solidFill>
+          </a:ln>
+        </p:spPr>
+        <p:style>
+          <a:lnRef idx="2">
+            <a:schemeClr val="accent1">
+              <a:shade val="50000"/>
+            </a:schemeClr>
+          </a:lnRef>
+          <a:fillRef idx="1">
+            <a:schemeClr val="accent1"/>
+          </a:fillRef>
+          <a:effectRef idx="0">
+            <a:schemeClr val="accent1"/>
+          </a:effectRef>
+          <a:fontRef idx="minor">
+            <a:schemeClr val="lt1"/>
+          </a:fontRef>
+        </p:style>
+        <p:txBody>
+          <a:bodyPr rtlCol="0" anchor="ctr"/>
+          <a:lstStyle/>
+          <a:p>
+            <a:pPr algn="ctr"/>
+            <a:endParaRPr lang="es-MX"/>
+          </a:p>
+        </p:txBody>
+      </p:sp>
+      <p:graphicFrame>
+        <p:nvGraphicFramePr>
+          <p:cNvPr id="6" name="Tabla 5"/>
+          <p:cNvGraphicFramePr>
+            <a:graphicFrameLocks noGrp="1"/>
+          </p:cNvGraphicFramePr>
+          <p:nvPr>
+            <p:extLst>
+              <p:ext uri="{D42A27DB-BD31-4B8C-83A1-F6EECF244321}">
+                <p14:modId xmlns:p14="http://schemas.microsoft.com/office/powerpoint/2010/main" val="1934201934"/>
+              </p:ext>
+            </p:extLst>
+          </p:nvPr>
+        </p:nvGraphicFramePr>
+        <p:xfrm>
+          <a:off x="155733" y="2151618"/>
+          <a:ext cx="9277351" cy="3307397"/>
+        </p:xfrm>
+        <a:graphic>
+          <a:graphicData uri="http://schemas.openxmlformats.org/drawingml/2006/table">
+            <a:tbl>
+              <a:tblPr firstRow="1" bandRow="1">
+                <a:tableStyleId>{5C22544A-7EE6-4342-B048-85BDC9FD1C3A}</a:tableStyleId>
+              </a:tblPr>
+              <a:tblGrid>
+                <a:gridCol w="3032508"/>
+                <a:gridCol w="3161918"/>
+                <a:gridCol w="3082925"/>
+              </a:tblGrid>
+              <a:tr h="370840">
+                <a:tc>
+                  <a:txBody>
+                    <a:bodyPr/>
+                    <a:lstStyle/>
+                    <a:p>
+                      <a:pPr algn="ctr"/>
+                      <a:r>
+                        <a:rPr lang="es-MX" sz="1500" dirty="0" smtClean="0"/>
+                        <a:t>De los </a:t>
+                      </a:r>
+                      <a:r>
+                        <a:rPr lang="es-MX" sz="1500" b="1" u="sng" dirty="0" smtClean="0"/>
+                        <a:t>20</a:t>
+                      </a:r>
+                      <a:r>
+                        <a:rPr lang="es-MX" sz="1500" b="1" u="sng" baseline="0" dirty="0" smtClean="0"/>
+                        <a:t> reactivos </a:t>
+                      </a:r>
+                      <a:r>
+                        <a:rPr lang="es-MX" sz="1500" b="1" baseline="0" dirty="0" smtClean="0"/>
+                        <a:t>identificados en la Matriz Q en el Eje 1 SNPA</a:t>
+                      </a:r>
+                      <a:endParaRPr lang="es-MX" sz="1500" dirty="0"/>
+                    </a:p>
+                  </a:txBody>
+                  <a:tcPr/>
+                </a:tc>
+                <a:tc>
+                  <a:txBody>
+                    <a:bodyPr/>
+                    <a:lstStyle/>
+                    <a:p>
+                      <a:pPr algn="ctr"/>
+                      <a:r>
+                        <a:rPr lang="es-MX" sz="1500" dirty="0" smtClean="0"/>
+                        <a:t>De</a:t>
+                      </a:r>
+                      <a:r>
+                        <a:rPr lang="es-MX" sz="1500" baseline="0" dirty="0" smtClean="0"/>
+                        <a:t> los </a:t>
+                      </a:r>
+                      <a:r>
+                        <a:rPr lang="es-MX" sz="1500" u="sng" baseline="0" dirty="0" smtClean="0"/>
+                        <a:t>14 ítems </a:t>
+                      </a:r>
+                      <a:r>
+                        <a:rPr lang="es-MX" sz="1500" baseline="0" dirty="0" smtClean="0"/>
+                        <a:t>identificados en la matriz Q como Eje 2 MI</a:t>
+                      </a:r>
+                      <a:endParaRPr lang="es-MX" sz="1500" dirty="0"/>
+                    </a:p>
+                  </a:txBody>
+                  <a:tcPr/>
+                </a:tc>
+                <a:tc>
+                  <a:txBody>
+                    <a:bodyPr/>
+                    <a:lstStyle/>
+                    <a:p>
+                      <a:pPr algn="ctr"/>
+                      <a:r>
+                        <a:rPr lang="es-MX" sz="1500" dirty="0" smtClean="0"/>
+                        <a:t>De los </a:t>
+                      </a:r>
+                      <a:r>
+                        <a:rPr lang="es-MX" sz="1500" u="sng" dirty="0" smtClean="0"/>
+                        <a:t>16 ítems </a:t>
+                      </a:r>
+                      <a:r>
+                        <a:rPr lang="es-MX" sz="1500" dirty="0" smtClean="0"/>
+                        <a:t>identificados en la Matriz Q como Eje 3</a:t>
+                      </a:r>
+                      <a:r>
+                        <a:rPr lang="es-MX" sz="1500" baseline="0" dirty="0" smtClean="0"/>
+                        <a:t> FEM</a:t>
+                      </a:r>
+                      <a:endParaRPr lang="es-MX" sz="1500" dirty="0"/>
+                    </a:p>
+                  </a:txBody>
+                  <a:tcPr/>
+                </a:tc>
+              </a:tr>
+              <a:tr h="370840">
+                <a:tc>
+                  <a:txBody>
+                    <a:bodyPr/>
+                    <a:lstStyle/>
+                    <a:p>
+                      <a:r>
+                        <a:rPr lang="es-MX" sz="1100" dirty="0" smtClean="0"/>
+                        <a:t>5 aportaron</a:t>
+                      </a:r>
+                      <a:r>
+                        <a:rPr lang="es-MX" sz="1100" baseline="0" dirty="0" smtClean="0"/>
+                        <a:t> una mayor varianza en el “Factor 1”</a:t>
+                      </a:r>
+                      <a:endParaRPr lang="es-MX" sz="1100" dirty="0"/>
+                    </a:p>
+                  </a:txBody>
+                  <a:tcPr anchor="ctr"/>
+                </a:tc>
+                <a:tc>
+                  <a:txBody>
+                    <a:bodyPr/>
+                    <a:lstStyle/>
+                    <a:p>
+                      <a:r>
+                        <a:rPr lang="es-MX" sz="1100" dirty="0" smtClean="0"/>
+                        <a:t>7 aportaron mayor varianza en el Factor</a:t>
+                      </a:r>
+                      <a:r>
+                        <a:rPr lang="es-MX" sz="1100" baseline="0" dirty="0" smtClean="0"/>
+                        <a:t> 1</a:t>
+                      </a:r>
+                      <a:endParaRPr lang="es-MX" sz="1100" dirty="0"/>
+                    </a:p>
+                  </a:txBody>
+                  <a:tcPr anchor="ctr">
+                    <a:solidFill>
+                      <a:schemeClr val="accent4">
+                        <a:lumMod val="40000"/>
+                        <a:lumOff val="60000"/>
+                      </a:schemeClr>
+                    </a:solidFill>
+                  </a:tcPr>
+                </a:tc>
+                <a:tc>
+                  <a:txBody>
+                    <a:bodyPr/>
+                    <a:lstStyle/>
+                    <a:p>
+                      <a:r>
+                        <a:rPr lang="es-MX" sz="1100" dirty="0" smtClean="0">
+                          <a:solidFill>
+                            <a:srgbClr val="FF0000"/>
+                          </a:solidFill>
+                        </a:rPr>
+                        <a:t>1 reactivo no embonó con ningún Factor</a:t>
+                      </a:r>
+                    </a:p>
+                    <a:p>
+                      <a:r>
+                        <a:rPr lang="es-MX" sz="1100" dirty="0" smtClean="0">
+                          <a:solidFill>
+                            <a:schemeClr val="tx1"/>
+                          </a:solidFill>
+                        </a:rPr>
+                        <a:t>1 reactivos cayeron en el Factor 1</a:t>
+                      </a:r>
+                      <a:endParaRPr lang="es-MX" sz="1100" dirty="0">
+                        <a:solidFill>
+                          <a:schemeClr val="tx1"/>
+                        </a:solidFill>
+                      </a:endParaRPr>
+                    </a:p>
+                  </a:txBody>
+                  <a:tcPr anchor="ctr"/>
+                </a:tc>
+              </a:tr>
+              <a:tr h="437197">
+                <a:tc>
+                  <a:txBody>
+                    <a:bodyPr/>
+                    <a:lstStyle/>
+                    <a:p>
+                      <a:pPr marL="0" marR="0" indent="0" algn="l" defTabSz="914400" rtl="0" eaLnBrk="1" fontAlgn="auto" latinLnBrk="0" hangingPunct="1">
+                        <a:lnSpc>
+                          <a:spcPct val="100000"/>
+                        </a:lnSpc>
+                        <a:spcBef>
+                          <a:spcPts val="0"/>
+                        </a:spcBef>
+                        <a:spcAft>
+                          <a:spcPts val="0"/>
+                        </a:spcAft>
+                        <a:buClrTx/>
+                        <a:buSzTx/>
+                        <a:buFontTx/>
+                        <a:buNone/>
+                        <a:tabLst/>
+                        <a:defRPr/>
+                      </a:pPr>
+                      <a:r>
+                        <a:rPr lang="es-MX" sz="1100" dirty="0" smtClean="0"/>
+                        <a:t>10 aportaron</a:t>
+                      </a:r>
+                      <a:r>
+                        <a:rPr lang="es-MX" sz="1100" baseline="0" dirty="0" smtClean="0"/>
+                        <a:t> una mayor varianza en el “Factor 2”</a:t>
+                      </a:r>
+                      <a:endParaRPr lang="es-MX" sz="1100" dirty="0" smtClean="0"/>
+                    </a:p>
+                  </a:txBody>
+                  <a:tcPr anchor="ctr">
+                    <a:solidFill>
+                      <a:schemeClr val="accent4">
+                        <a:lumMod val="40000"/>
+                        <a:lumOff val="60000"/>
+                      </a:schemeClr>
+                    </a:solidFill>
+                  </a:tcPr>
+                </a:tc>
+                <a:tc>
+                  <a:txBody>
+                    <a:bodyPr/>
+                    <a:lstStyle/>
+                    <a:p>
+                      <a:r>
+                        <a:rPr lang="es-MX" sz="1100" dirty="0" smtClean="0"/>
+                        <a:t>5 aportaron</a:t>
+                      </a:r>
+                      <a:r>
+                        <a:rPr lang="es-MX" sz="1100" baseline="0" dirty="0" smtClean="0"/>
+                        <a:t> mayor varianza en el Factor 2</a:t>
+                      </a:r>
+                      <a:endParaRPr lang="es-MX" sz="1100" dirty="0"/>
+                    </a:p>
+                  </a:txBody>
+                  <a:tcPr anchor="ctr"/>
+                </a:tc>
+                <a:tc>
+                  <a:txBody>
+                    <a:bodyPr/>
+                    <a:lstStyle/>
+                    <a:p>
+                      <a:r>
+                        <a:rPr lang="es-MX" sz="1100" dirty="0" smtClean="0"/>
+                        <a:t>5 reactivos cayeron en</a:t>
+                      </a:r>
+                      <a:r>
+                        <a:rPr lang="es-MX" sz="1100" baseline="0" dirty="0" smtClean="0"/>
+                        <a:t> el Factor 2</a:t>
+                      </a:r>
+                      <a:endParaRPr lang="es-MX" sz="1100" dirty="0"/>
+                    </a:p>
+                  </a:txBody>
+                  <a:tcPr anchor="ctr">
+                    <a:solidFill>
+                      <a:schemeClr val="accent4">
+                        <a:lumMod val="40000"/>
+                        <a:lumOff val="60000"/>
+                      </a:schemeClr>
+                    </a:solidFill>
+                  </a:tcPr>
+                </a:tc>
+              </a:tr>
+              <a:tr h="370840">
+                <a:tc>
+                  <a:txBody>
+                    <a:bodyPr/>
+                    <a:lstStyle/>
+                    <a:p>
+                      <a:pPr marL="0" marR="0" indent="0" algn="l" defTabSz="914400" rtl="0" eaLnBrk="1" fontAlgn="auto" latinLnBrk="0" hangingPunct="1">
+                        <a:lnSpc>
+                          <a:spcPct val="100000"/>
+                        </a:lnSpc>
+                        <a:spcBef>
+                          <a:spcPts val="0"/>
+                        </a:spcBef>
+                        <a:spcAft>
+                          <a:spcPts val="0"/>
+                        </a:spcAft>
+                        <a:buClrTx/>
+                        <a:buSzTx/>
+                        <a:buFontTx/>
+                        <a:buNone/>
+                        <a:tabLst/>
+                        <a:defRPr/>
+                      </a:pPr>
+                      <a:r>
+                        <a:rPr lang="es-MX" sz="1100" dirty="0" smtClean="0"/>
+                        <a:t>3 aportaron</a:t>
+                      </a:r>
+                      <a:r>
+                        <a:rPr lang="es-MX" sz="1100" baseline="0" dirty="0" smtClean="0"/>
+                        <a:t> una mayor varianza en el “Factor 3”</a:t>
+                      </a:r>
+                      <a:endParaRPr lang="es-MX" sz="1100" dirty="0" smtClean="0"/>
+                    </a:p>
+                  </a:txBody>
+                  <a:tcPr anchor="ctr"/>
+                </a:tc>
+                <a:tc>
+                  <a:txBody>
+                    <a:bodyPr/>
+                    <a:lstStyle/>
+                    <a:p>
+                      <a:r>
+                        <a:rPr lang="es-MX" sz="1100" dirty="0" smtClean="0"/>
+                        <a:t>1 aportaron</a:t>
+                      </a:r>
+                      <a:r>
+                        <a:rPr lang="es-MX" sz="1100" baseline="0" dirty="0" smtClean="0"/>
+                        <a:t> mayor varianza en el Factor 3</a:t>
+                      </a:r>
+                      <a:endParaRPr lang="es-MX" sz="1100" dirty="0"/>
+                    </a:p>
+                  </a:txBody>
+                  <a:tcPr anchor="ctr"/>
+                </a:tc>
+                <a:tc>
+                  <a:txBody>
+                    <a:bodyPr/>
+                    <a:lstStyle/>
+                    <a:p>
+                      <a:r>
+                        <a:rPr lang="es-MX" sz="1100" baseline="0" dirty="0" smtClean="0"/>
+                        <a:t>4 reactivos cayeron en el Factor 3</a:t>
+                      </a:r>
+                      <a:endParaRPr lang="es-MX" sz="1100" dirty="0"/>
+                    </a:p>
+                  </a:txBody>
+                  <a:tcPr anchor="ctr"/>
+                </a:tc>
+              </a:tr>
+              <a:tr h="370840">
+                <a:tc>
+                  <a:txBody>
+                    <a:bodyPr/>
+                    <a:lstStyle/>
+                    <a:p>
+                      <a:pPr marL="0" marR="0" indent="0" algn="ctr" defTabSz="914400" rtl="0" eaLnBrk="1" fontAlgn="auto" latinLnBrk="0" hangingPunct="1">
+                        <a:lnSpc>
+                          <a:spcPct val="100000"/>
+                        </a:lnSpc>
+                        <a:spcBef>
+                          <a:spcPts val="0"/>
+                        </a:spcBef>
+                        <a:spcAft>
+                          <a:spcPts val="0"/>
+                        </a:spcAft>
+                        <a:buClrTx/>
+                        <a:buSzTx/>
+                        <a:buFontTx/>
+                        <a:buNone/>
+                        <a:tabLst/>
+                        <a:defRPr/>
+                      </a:pPr>
+                      <a:r>
+                        <a:rPr lang="es-MX" sz="1100" dirty="0" smtClean="0"/>
+                        <a:t>Ningún ítem en el “Factor 4”</a:t>
+                      </a:r>
+                    </a:p>
+                  </a:txBody>
+                  <a:tcPr anchor="ctr"/>
+                </a:tc>
+                <a:tc>
+                  <a:txBody>
+                    <a:bodyPr/>
+                    <a:lstStyle/>
+                    <a:p>
+                      <a:pPr marL="0" marR="0" indent="0" algn="ctr" defTabSz="914400" rtl="0" eaLnBrk="1" fontAlgn="auto" latinLnBrk="0" hangingPunct="1">
+                        <a:lnSpc>
+                          <a:spcPct val="100000"/>
+                        </a:lnSpc>
+                        <a:spcBef>
+                          <a:spcPts val="0"/>
+                        </a:spcBef>
+                        <a:spcAft>
+                          <a:spcPts val="0"/>
+                        </a:spcAft>
+                        <a:buClrTx/>
+                        <a:buSzTx/>
+                        <a:buFontTx/>
+                        <a:buNone/>
+                        <a:tabLst/>
+                        <a:defRPr/>
+                      </a:pPr>
+                      <a:r>
+                        <a:rPr lang="es-MX" sz="1100" dirty="0" smtClean="0"/>
+                        <a:t>Ningún ítem en el “Factor 4”</a:t>
+                      </a:r>
+                    </a:p>
+                    <a:p>
+                      <a:pPr algn="ctr"/>
+                      <a:endParaRPr lang="es-MX" sz="1100" dirty="0"/>
+                    </a:p>
+                  </a:txBody>
+                  <a:tcPr anchor="ctr"/>
+                </a:tc>
+                <a:tc>
+                  <a:txBody>
+                    <a:bodyPr/>
+                    <a:lstStyle/>
+                    <a:p>
+                      <a:r>
+                        <a:rPr lang="es-MX" sz="1100" dirty="0" smtClean="0"/>
+                        <a:t>1 reactivo cayó en Factor 4 (con</a:t>
+                      </a:r>
+                      <a:r>
+                        <a:rPr lang="es-MX" sz="1100" baseline="0" dirty="0" smtClean="0"/>
+                        <a:t> “Factor 1” como segunda opción)</a:t>
+                      </a:r>
+                    </a:p>
+                    <a:p>
+                      <a:pPr marL="0" marR="0" indent="0" algn="l" defTabSz="914400" rtl="0" eaLnBrk="1" fontAlgn="auto" latinLnBrk="0" hangingPunct="1">
+                        <a:lnSpc>
+                          <a:spcPct val="100000"/>
+                        </a:lnSpc>
+                        <a:spcBef>
+                          <a:spcPts val="0"/>
+                        </a:spcBef>
+                        <a:spcAft>
+                          <a:spcPts val="0"/>
+                        </a:spcAft>
+                        <a:buClrTx/>
+                        <a:buSzTx/>
+                        <a:buFontTx/>
+                        <a:buNone/>
+                        <a:tabLst/>
+                        <a:defRPr/>
+                      </a:pPr>
+                      <a:r>
+                        <a:rPr lang="es-MX" sz="1100" dirty="0" smtClean="0"/>
+                        <a:t>1 reactivo cayó en Factor 4 (con</a:t>
+                      </a:r>
+                      <a:r>
+                        <a:rPr lang="es-MX" sz="1100" baseline="0" dirty="0" smtClean="0"/>
+                        <a:t> “Factor 2” como segunda opción)</a:t>
+                      </a:r>
+                    </a:p>
+                    <a:p>
+                      <a:pPr marL="0" marR="0" indent="0" algn="l" defTabSz="914400" rtl="0" eaLnBrk="1" fontAlgn="auto" latinLnBrk="0" hangingPunct="1">
+                        <a:lnSpc>
+                          <a:spcPct val="100000"/>
+                        </a:lnSpc>
+                        <a:spcBef>
+                          <a:spcPts val="0"/>
+                        </a:spcBef>
+                        <a:spcAft>
+                          <a:spcPts val="0"/>
+                        </a:spcAft>
+                        <a:buClrTx/>
+                        <a:buSzTx/>
+                        <a:buFontTx/>
+                        <a:buNone/>
+                        <a:tabLst/>
+                        <a:defRPr/>
+                      </a:pPr>
+                      <a:r>
+                        <a:rPr lang="es-MX" sz="1100" dirty="0" smtClean="0"/>
+                        <a:t>2 reactivos cayeron en Factor 4 (con “Factor 3”</a:t>
+                      </a:r>
+                      <a:r>
+                        <a:rPr lang="es-MX" sz="1100" baseline="0" dirty="0" smtClean="0"/>
+                        <a:t> como segunda opción)</a:t>
+                      </a:r>
+                      <a:endParaRPr lang="es-MX" sz="1100" dirty="0"/>
+                    </a:p>
+                  </a:txBody>
+                  <a:tcPr anchor="ctr"/>
+                </a:tc>
+              </a:tr>
+              <a:tr h="370840">
+                <a:tc>
+                  <a:txBody>
+                    <a:bodyPr/>
+                    <a:lstStyle/>
+                    <a:p>
+                      <a:pPr marL="0" marR="0" indent="0" algn="l" defTabSz="914400" rtl="0" eaLnBrk="1" fontAlgn="auto" latinLnBrk="0" hangingPunct="1">
+                        <a:lnSpc>
+                          <a:spcPct val="100000"/>
+                        </a:lnSpc>
+                        <a:spcBef>
+                          <a:spcPts val="0"/>
+                        </a:spcBef>
+                        <a:spcAft>
+                          <a:spcPts val="0"/>
+                        </a:spcAft>
+                        <a:buClrTx/>
+                        <a:buSzTx/>
+                        <a:buFontTx/>
+                        <a:buNone/>
+                        <a:tabLst/>
+                        <a:defRPr/>
+                      </a:pPr>
+                      <a:r>
+                        <a:rPr lang="es-MX" sz="1100" dirty="0" smtClean="0"/>
+                        <a:t>2 aportaron al “Factor 5”</a:t>
+                      </a:r>
+                    </a:p>
+                    <a:p>
+                      <a:pPr marL="0" marR="0" indent="0" algn="l" defTabSz="914400" rtl="0" eaLnBrk="1" fontAlgn="auto" latinLnBrk="0" hangingPunct="1">
+                        <a:lnSpc>
+                          <a:spcPct val="100000"/>
+                        </a:lnSpc>
+                        <a:spcBef>
+                          <a:spcPts val="0"/>
+                        </a:spcBef>
+                        <a:spcAft>
+                          <a:spcPts val="0"/>
+                        </a:spcAft>
+                        <a:buClrTx/>
+                        <a:buSzTx/>
+                        <a:buFontTx/>
+                        <a:buNone/>
+                        <a:tabLst/>
+                        <a:defRPr/>
+                      </a:pPr>
+                      <a:r>
+                        <a:rPr lang="es-MX" sz="1100" dirty="0" smtClean="0"/>
+                        <a:t>(con</a:t>
+                      </a:r>
+                      <a:r>
+                        <a:rPr lang="es-MX" sz="1100" baseline="0" dirty="0" smtClean="0"/>
+                        <a:t> el Factor 3 como segundo lugar)</a:t>
+                      </a:r>
+                      <a:endParaRPr lang="es-MX" sz="1100" dirty="0" smtClean="0"/>
+                    </a:p>
+                  </a:txBody>
+                  <a:tcPr anchor="ctr"/>
+                </a:tc>
+                <a:tc>
+                  <a:txBody>
+                    <a:bodyPr/>
+                    <a:lstStyle/>
+                    <a:p>
+                      <a:r>
+                        <a:rPr lang="es-MX" sz="1100" dirty="0" smtClean="0"/>
+                        <a:t>1 aportó al “Factor 5” (con el Factor 2 como segundo lugar)</a:t>
+                      </a:r>
+                      <a:endParaRPr lang="es-MX" sz="1100" dirty="0"/>
+                    </a:p>
+                  </a:txBody>
+                  <a:tcPr anchor="ctr"/>
+                </a:tc>
+                <a:tc>
+                  <a:txBody>
+                    <a:bodyPr/>
+                    <a:lstStyle/>
+                    <a:p>
+                      <a:r>
+                        <a:rPr lang="es-MX" sz="1100" dirty="0" smtClean="0"/>
+                        <a:t>1 reactivo cayó en el “Factor 5” sin</a:t>
+                      </a:r>
+                      <a:r>
+                        <a:rPr lang="es-MX" sz="1100" baseline="0" dirty="0" smtClean="0"/>
+                        <a:t> cargar a ningún otro factor</a:t>
+                      </a:r>
+                      <a:endParaRPr lang="es-MX" sz="1100" dirty="0"/>
+                    </a:p>
+                  </a:txBody>
+                  <a:tcPr anchor="ctr"/>
+                </a:tc>
+              </a:tr>
+            </a:tbl>
+          </a:graphicData>
+        </a:graphic>
+      </p:graphicFrame>
+      <p:pic>
+        <p:nvPicPr>
+          <p:cNvPr id="8" name="Imagen 7"/>
+          <p:cNvPicPr>
+            <a:picLocks noChangeAspect="1"/>
+          </p:cNvPicPr>
+          <p:nvPr/>
+        </p:nvPicPr>
+        <p:blipFill>
+          <a:blip r:embed="rId2"/>
+          <a:stretch>
+            <a:fillRect/>
+          </a:stretch>
+        </p:blipFill>
+        <p:spPr>
+          <a:xfrm>
+            <a:off x="9775983" y="863203"/>
+            <a:ext cx="2416017" cy="5131594"/>
+          </a:xfrm>
+          <a:prstGeom prst="rect">
+            <a:avLst/>
+          </a:prstGeom>
+        </p:spPr>
+      </p:pic>
+      <p:cxnSp>
+        <p:nvCxnSpPr>
+          <p:cNvPr id="10" name="Conector recto de flecha 9"/>
+          <p:cNvCxnSpPr/>
+          <p:nvPr/>
+        </p:nvCxnSpPr>
+        <p:spPr>
+          <a:xfrm flipV="1">
+            <a:off x="9324975" y="4943475"/>
+            <a:ext cx="451008" cy="295275"/>
+          </a:xfrm>
+          <a:prstGeom prst="straightConnector1">
+            <a:avLst/>
+          </a:prstGeom>
+          <a:ln>
+            <a:solidFill>
+              <a:srgbClr val="C00000"/>
+            </a:solidFill>
+            <a:tailEnd type="triangle"/>
+          </a:ln>
+        </p:spPr>
+        <p:style>
+          <a:lnRef idx="1">
+            <a:schemeClr val="accent1"/>
+          </a:lnRef>
+          <a:fillRef idx="0">
+            <a:schemeClr val="accent1"/>
+          </a:fillRef>
+          <a:effectRef idx="0">
+            <a:schemeClr val="accent1"/>
+          </a:effectRef>
+          <a:fontRef idx="minor">
+            <a:schemeClr val="tx1"/>
+          </a:fontRef>
+        </p:style>
+      </p:cxnSp>
+      <p:cxnSp>
+        <p:nvCxnSpPr>
+          <p:cNvPr id="11" name="Conector recto de flecha 10"/>
+          <p:cNvCxnSpPr/>
+          <p:nvPr/>
+        </p:nvCxnSpPr>
+        <p:spPr>
+          <a:xfrm>
+            <a:off x="8782050" y="2876550"/>
+            <a:ext cx="993933" cy="2247900"/>
+          </a:xfrm>
+          <a:prstGeom prst="straightConnector1">
+            <a:avLst/>
+          </a:prstGeom>
+          <a:ln>
+            <a:solidFill>
+              <a:srgbClr val="C00000"/>
+            </a:solidFill>
+            <a:tailEnd type="triangle"/>
+          </a:ln>
+        </p:spPr>
+        <p:style>
+          <a:lnRef idx="1">
+            <a:schemeClr val="accent1"/>
+          </a:lnRef>
+          <a:fillRef idx="0">
+            <a:schemeClr val="accent1"/>
+          </a:fillRef>
+          <a:effectRef idx="0">
+            <a:schemeClr val="accent1"/>
+          </a:effectRef>
+          <a:fontRef idx="minor">
+            <a:schemeClr val="tx1"/>
+          </a:fontRef>
+        </p:style>
+      </p:cxnSp>
+    </p:spTree>
+    <p:extLst>
+      <p:ext uri="{BB962C8B-B14F-4D97-AF65-F5344CB8AC3E}">
+        <p14:creationId xmlns:p14="http://schemas.microsoft.com/office/powerpoint/2010/main" val="1047018692"/>
+      </p:ext>
+    </p:extLst>
+  </p:cSld>
+  <p:clrMapOvr>
+    <a:masterClrMapping/>
+  </p:clrMapOvr>
+  <p:timing>
+    <p:tnLst>
+      <p:par>
+        <p:cTn id="1" dur="indefinite" restart="never" nodeType="tmRoot"/>
+      </p:par>
+    </p:tnLst>
+  </p:timing>
+</p:sld>
+</file>
+
+<file path=ppt/slides/slide19.xml><?xml version="1.0" encoding="utf-8"?>
+<p:sld xmlns:a="http://schemas.openxmlformats.org/drawingml/2006/main" xmlns:r="http://schemas.openxmlformats.org/officeDocument/2006/relationships" xmlns:p="http://schemas.openxmlformats.org/presentationml/2006/main">
+  <p:cSld>
+    <p:spTree>
+      <p:nvGrpSpPr>
+        <p:cNvPr id="1" name=""/>
+        <p:cNvGrpSpPr/>
+        <p:nvPr/>
+      </p:nvGrpSpPr>
+      <p:grpSpPr>
+        <a:xfrm>
+          <a:off x="0" y="0"/>
+          <a:ext cx="0" cy="0"/>
+          <a:chOff x="0" y="0"/>
+          <a:chExt cx="0" cy="0"/>
+        </a:xfrm>
+      </p:grpSpPr>
+      <p:sp>
+        <p:nvSpPr>
+          <p:cNvPr id="2" name="Título 1"/>
+          <p:cNvSpPr>
+            <a:spLocks noGrp="1"/>
+          </p:cNvSpPr>
+          <p:nvPr>
+            <p:ph type="title"/>
+          </p:nvPr>
+        </p:nvSpPr>
+        <p:spPr>
+          <a:xfrm>
+            <a:off x="838200" y="153191"/>
+            <a:ext cx="10515600" cy="1325563"/>
+          </a:xfrm>
+        </p:spPr>
+        <p:txBody>
+          <a:bodyPr/>
+          <a:lstStyle/>
+          <a:p>
+            <a:r>
+              <a:rPr lang="es-MX" dirty="0" smtClean="0"/>
+              <a:t>Análisis Factorial </a:t>
+            </a:r>
+            <a:r>
+              <a:rPr lang="es-MX" b="1" dirty="0" smtClean="0"/>
+              <a:t>con 5 factores</a:t>
+            </a:r>
+            <a:r>
+              <a:rPr lang="es-MX" dirty="0" smtClean="0"/>
+              <a:t> </a:t>
+            </a:r>
+            <a:endParaRPr lang="es-MX" dirty="0"/>
+          </a:p>
+        </p:txBody>
+      </p:sp>
+      <p:sp>
+        <p:nvSpPr>
+          <p:cNvPr id="3" name="Marcador de contenido 2"/>
+          <p:cNvSpPr>
+            <a:spLocks noGrp="1"/>
+          </p:cNvSpPr>
+          <p:nvPr>
+            <p:ph idx="1"/>
+          </p:nvPr>
+        </p:nvSpPr>
+        <p:spPr>
+          <a:xfrm>
+            <a:off x="190501" y="1253330"/>
+            <a:ext cx="9620250" cy="5104607"/>
+          </a:xfrm>
+        </p:spPr>
+        <p:txBody>
+          <a:bodyPr/>
+          <a:lstStyle/>
+          <a:p>
+            <a:r>
+              <a:rPr lang="es-MX" dirty="0" err="1" smtClean="0"/>
+              <a:t>What</a:t>
+            </a:r>
+            <a:r>
+              <a:rPr lang="es-MX" dirty="0" smtClean="0"/>
+              <a:t> </a:t>
+            </a:r>
+            <a:r>
+              <a:rPr lang="es-MX" dirty="0" err="1" smtClean="0"/>
+              <a:t>if</a:t>
+            </a:r>
+            <a:r>
+              <a:rPr lang="es-MX" dirty="0" smtClean="0"/>
+              <a:t>…sólo tomamos en cuenta los 3 primeros factores y reasignamos estos 4 y 3 ítems al segundo factor al que más hayan aportado:</a:t>
+            </a:r>
+          </a:p>
+          <a:p>
+            <a:endParaRPr lang="es-MX" dirty="0"/>
+          </a:p>
+          <a:p>
+            <a:endParaRPr lang="es-MX" dirty="0" smtClean="0"/>
+          </a:p>
+          <a:p>
+            <a:endParaRPr lang="es-MX" dirty="0"/>
+          </a:p>
+          <a:p>
+            <a:endParaRPr lang="es-MX" dirty="0" smtClean="0"/>
+          </a:p>
+          <a:p>
+            <a:endParaRPr lang="es-MX" dirty="0"/>
+          </a:p>
+          <a:p>
+            <a:r>
+              <a:rPr lang="es-MX" dirty="0" smtClean="0"/>
+              <a:t>El problema es que el reactivo SMB15 (Factor 5) no carga para ninguno de los tres primeros factores.</a:t>
+            </a:r>
+          </a:p>
+          <a:p>
+            <a:endParaRPr lang="es-MX" dirty="0"/>
+          </a:p>
+          <a:p>
+            <a:endParaRPr lang="es-MX" dirty="0" smtClean="0"/>
+          </a:p>
+          <a:p>
+            <a:endParaRPr lang="es-MX" dirty="0"/>
+          </a:p>
+        </p:txBody>
+      </p:sp>
+      <p:sp>
+        <p:nvSpPr>
+          <p:cNvPr id="4" name="Rectángulo 5"/>
+          <p:cNvSpPr/>
+          <p:nvPr/>
+        </p:nvSpPr>
+        <p:spPr>
+          <a:xfrm>
+            <a:off x="0" y="-1"/>
+            <a:ext cx="12192000" cy="500063"/>
+          </a:xfrm>
+          <a:prstGeom prst="rect">
+            <a:avLst/>
+          </a:prstGeom>
+          <a:solidFill>
+            <a:schemeClr val="accent5">
+              <a:lumMod val="40000"/>
+              <a:lumOff val="60000"/>
+            </a:schemeClr>
+          </a:solidFill>
+          <a:ln>
+            <a:solidFill>
+              <a:schemeClr val="accent1"/>
+            </a:solidFill>
+          </a:ln>
+        </p:spPr>
+        <p:style>
+          <a:lnRef idx="2">
+            <a:schemeClr val="accent1">
+              <a:shade val="50000"/>
+            </a:schemeClr>
+          </a:lnRef>
+          <a:fillRef idx="1">
+            <a:schemeClr val="accent1"/>
+          </a:fillRef>
+          <a:effectRef idx="0">
+            <a:schemeClr val="accent1"/>
+          </a:effectRef>
+          <a:fontRef idx="minor">
+            <a:schemeClr val="lt1"/>
+          </a:fontRef>
+        </p:style>
+        <p:txBody>
+          <a:bodyPr rtlCol="0" anchor="ctr"/>
+          <a:lstStyle/>
+          <a:p>
+            <a:pPr algn="ctr"/>
+            <a:endParaRPr lang="es-MX"/>
+          </a:p>
+        </p:txBody>
+      </p:sp>
+      <p:sp>
+        <p:nvSpPr>
+          <p:cNvPr id="5" name="Rectángulo 6"/>
+          <p:cNvSpPr/>
+          <p:nvPr/>
+        </p:nvSpPr>
+        <p:spPr>
+          <a:xfrm>
+            <a:off x="0" y="6492874"/>
+            <a:ext cx="12192000" cy="365125"/>
+          </a:xfrm>
+          <a:prstGeom prst="rect">
+            <a:avLst/>
+          </a:prstGeom>
+          <a:solidFill>
+            <a:schemeClr val="accent5">
+              <a:lumMod val="40000"/>
+              <a:lumOff val="60000"/>
+            </a:schemeClr>
+          </a:solidFill>
+          <a:ln>
+            <a:solidFill>
+              <a:schemeClr val="accent1"/>
+            </a:solidFill>
+          </a:ln>
+        </p:spPr>
+        <p:style>
+          <a:lnRef idx="2">
+            <a:schemeClr val="accent1">
+              <a:shade val="50000"/>
+            </a:schemeClr>
+          </a:lnRef>
+          <a:fillRef idx="1">
+            <a:schemeClr val="accent1"/>
+          </a:fillRef>
+          <a:effectRef idx="0">
+            <a:schemeClr val="accent1"/>
+          </a:effectRef>
+          <a:fontRef idx="minor">
+            <a:schemeClr val="lt1"/>
+          </a:fontRef>
+        </p:style>
+        <p:txBody>
+          <a:bodyPr rtlCol="0" anchor="ctr"/>
+          <a:lstStyle/>
+          <a:p>
+            <a:pPr algn="ctr"/>
+            <a:endParaRPr lang="es-MX"/>
+          </a:p>
+        </p:txBody>
+      </p:sp>
+      <p:graphicFrame>
+        <p:nvGraphicFramePr>
+          <p:cNvPr id="6" name="Tabla 5"/>
+          <p:cNvGraphicFramePr>
+            <a:graphicFrameLocks noGrp="1"/>
+          </p:cNvGraphicFramePr>
+          <p:nvPr>
+            <p:extLst>
+              <p:ext uri="{D42A27DB-BD31-4B8C-83A1-F6EECF244321}">
+                <p14:modId xmlns:p14="http://schemas.microsoft.com/office/powerpoint/2010/main" val="3289734449"/>
+              </p:ext>
+            </p:extLst>
+          </p:nvPr>
+        </p:nvGraphicFramePr>
+        <p:xfrm>
+          <a:off x="352425" y="2611517"/>
+          <a:ext cx="9248775" cy="2346960"/>
+        </p:xfrm>
+        <a:graphic>
+          <a:graphicData uri="http://schemas.openxmlformats.org/drawingml/2006/table">
+            <a:tbl>
+              <a:tblPr firstRow="1" bandRow="1">
+                <a:tableStyleId>{5C22544A-7EE6-4342-B048-85BDC9FD1C3A}</a:tableStyleId>
+              </a:tblPr>
+              <a:tblGrid>
+                <a:gridCol w="3003932"/>
+                <a:gridCol w="3161918"/>
+                <a:gridCol w="3082925"/>
+              </a:tblGrid>
+              <a:tr h="370840">
+                <a:tc>
+                  <a:txBody>
+                    <a:bodyPr/>
+                    <a:lstStyle/>
+                    <a:p>
+                      <a:pPr algn="ctr"/>
+                      <a:r>
+                        <a:rPr lang="es-MX" sz="1600" dirty="0" smtClean="0"/>
+                        <a:t>De los </a:t>
+                      </a:r>
+                      <a:r>
+                        <a:rPr lang="es-MX" sz="1600" b="1" u="sng" dirty="0" smtClean="0"/>
+                        <a:t>20</a:t>
+                      </a:r>
+                      <a:r>
+                        <a:rPr lang="es-MX" sz="1600" b="1" u="sng" baseline="0" dirty="0" smtClean="0"/>
+                        <a:t> reactivos </a:t>
+                      </a:r>
+                      <a:r>
+                        <a:rPr lang="es-MX" sz="1600" b="1" baseline="0" dirty="0" smtClean="0"/>
+                        <a:t>identificados en la Matriz Q en el Eje 1 SNPA</a:t>
+                      </a:r>
+                      <a:endParaRPr lang="es-MX" sz="1600" dirty="0"/>
+                    </a:p>
+                  </a:txBody>
+                  <a:tcPr/>
+                </a:tc>
+                <a:tc>
+                  <a:txBody>
+                    <a:bodyPr/>
+                    <a:lstStyle/>
+                    <a:p>
+                      <a:pPr algn="ctr"/>
+                      <a:r>
+                        <a:rPr lang="es-MX" sz="1600" dirty="0" smtClean="0"/>
+                        <a:t>De</a:t>
+                      </a:r>
+                      <a:r>
+                        <a:rPr lang="es-MX" sz="1600" baseline="0" dirty="0" smtClean="0"/>
+                        <a:t> los </a:t>
+                      </a:r>
+                      <a:r>
+                        <a:rPr lang="es-MX" sz="1600" u="sng" baseline="0" dirty="0" smtClean="0"/>
+                        <a:t>14 ítems </a:t>
+                      </a:r>
+                      <a:r>
+                        <a:rPr lang="es-MX" sz="1600" baseline="0" dirty="0" smtClean="0"/>
+                        <a:t>identificados en la matriz Q como Eje 2 MI</a:t>
+                      </a:r>
+                      <a:endParaRPr lang="es-MX" sz="1600" dirty="0"/>
+                    </a:p>
+                  </a:txBody>
+                  <a:tcPr/>
+                </a:tc>
+                <a:tc>
+                  <a:txBody>
+                    <a:bodyPr/>
+                    <a:lstStyle/>
+                    <a:p>
+                      <a:pPr algn="ctr"/>
+                      <a:r>
+                        <a:rPr lang="es-MX" sz="1600" dirty="0" smtClean="0"/>
+                        <a:t>De los </a:t>
+                      </a:r>
+                      <a:r>
+                        <a:rPr lang="es-MX" sz="1600" u="sng" dirty="0" smtClean="0"/>
+                        <a:t>16 ítems </a:t>
+                      </a:r>
+                      <a:r>
+                        <a:rPr lang="es-MX" sz="1600" dirty="0" smtClean="0"/>
+                        <a:t>identificados en la Matriz Q como Eje 3</a:t>
+                      </a:r>
+                      <a:r>
+                        <a:rPr lang="es-MX" sz="1600" baseline="0" dirty="0" smtClean="0"/>
+                        <a:t> FEM</a:t>
+                      </a:r>
+                      <a:endParaRPr lang="es-MX" sz="1600" dirty="0"/>
+                    </a:p>
+                  </a:txBody>
+                  <a:tcPr/>
+                </a:tc>
+              </a:tr>
+              <a:tr h="370840">
+                <a:tc>
+                  <a:txBody>
+                    <a:bodyPr/>
+                    <a:lstStyle/>
+                    <a:p>
+                      <a:r>
+                        <a:rPr lang="es-MX" sz="1400" dirty="0" smtClean="0"/>
+                        <a:t>5 aportaron</a:t>
+                      </a:r>
+                      <a:r>
+                        <a:rPr lang="es-MX" sz="1400" baseline="0" dirty="0" smtClean="0"/>
+                        <a:t> una mayor varianza en el “Factor 1”</a:t>
+                      </a:r>
+                      <a:endParaRPr lang="es-MX" sz="1400" dirty="0"/>
+                    </a:p>
+                  </a:txBody>
+                  <a:tcPr/>
+                </a:tc>
+                <a:tc>
+                  <a:txBody>
+                    <a:bodyPr/>
+                    <a:lstStyle/>
+                    <a:p>
+                      <a:r>
+                        <a:rPr lang="es-MX" sz="1400" dirty="0" smtClean="0"/>
+                        <a:t>7 aportaron mayor varianza en el Factor</a:t>
+                      </a:r>
+                      <a:r>
+                        <a:rPr lang="es-MX" sz="1400" baseline="0" dirty="0" smtClean="0"/>
+                        <a:t> 1</a:t>
+                      </a:r>
+                      <a:endParaRPr lang="es-MX" sz="1400" dirty="0"/>
+                    </a:p>
+                  </a:txBody>
+                  <a:tcPr>
+                    <a:solidFill>
+                      <a:schemeClr val="accent4">
+                        <a:lumMod val="40000"/>
+                        <a:lumOff val="60000"/>
+                      </a:schemeClr>
+                    </a:solidFill>
+                  </a:tcPr>
+                </a:tc>
+                <a:tc>
+                  <a:txBody>
+                    <a:bodyPr/>
+                    <a:lstStyle/>
+                    <a:p>
+                      <a:r>
+                        <a:rPr lang="es-MX" sz="1400" dirty="0" smtClean="0">
+                          <a:solidFill>
+                            <a:srgbClr val="FF0000"/>
+                          </a:solidFill>
+                        </a:rPr>
+                        <a:t>1 reactivo</a:t>
+                      </a:r>
+                      <a:r>
+                        <a:rPr lang="es-MX" sz="1400" baseline="0" dirty="0" smtClean="0">
+                          <a:solidFill>
+                            <a:srgbClr val="FF0000"/>
+                          </a:solidFill>
+                        </a:rPr>
+                        <a:t> </a:t>
+                      </a:r>
+                      <a:r>
+                        <a:rPr lang="es-MX" sz="1400" dirty="0" smtClean="0">
+                          <a:solidFill>
+                            <a:srgbClr val="FF0000"/>
+                          </a:solidFill>
+                        </a:rPr>
+                        <a:t>no embonó con ningún Factor</a:t>
+                      </a:r>
+                    </a:p>
+                    <a:p>
+                      <a:r>
+                        <a:rPr lang="es-MX" sz="1400" dirty="0" smtClean="0">
+                          <a:solidFill>
+                            <a:schemeClr val="tx1"/>
+                          </a:solidFill>
+                        </a:rPr>
+                        <a:t>2 reactivos cayeron en el Factor 1</a:t>
+                      </a:r>
+                      <a:endParaRPr lang="es-MX" sz="1400" dirty="0">
+                        <a:solidFill>
+                          <a:schemeClr val="tx1"/>
+                        </a:solidFill>
+                      </a:endParaRPr>
+                    </a:p>
+                  </a:txBody>
+                  <a:tcPr/>
+                </a:tc>
+              </a:tr>
+              <a:tr h="437197">
+                <a:tc>
+                  <a:txBody>
+                    <a:bodyPr/>
+                    <a:lstStyle/>
+                    <a:p>
+                      <a:pPr marL="0" marR="0" indent="0" algn="l" defTabSz="914400" rtl="0" eaLnBrk="1" fontAlgn="auto" latinLnBrk="0" hangingPunct="1">
+                        <a:lnSpc>
+                          <a:spcPct val="100000"/>
+                        </a:lnSpc>
+                        <a:spcBef>
+                          <a:spcPts val="0"/>
+                        </a:spcBef>
+                        <a:spcAft>
+                          <a:spcPts val="0"/>
+                        </a:spcAft>
+                        <a:buClrTx/>
+                        <a:buSzTx/>
+                        <a:buFontTx/>
+                        <a:buNone/>
+                        <a:tabLst/>
+                        <a:defRPr/>
+                      </a:pPr>
+                      <a:r>
+                        <a:rPr lang="es-MX" sz="1400" dirty="0" smtClean="0"/>
+                        <a:t>10 aportaron</a:t>
+                      </a:r>
+                      <a:r>
+                        <a:rPr lang="es-MX" sz="1400" baseline="0" dirty="0" smtClean="0"/>
+                        <a:t> una mayor varianza en el “Factor 2”</a:t>
+                      </a:r>
+                      <a:endParaRPr lang="es-MX" sz="1400" dirty="0" smtClean="0"/>
+                    </a:p>
+                  </a:txBody>
+                  <a:tcPr>
+                    <a:solidFill>
+                      <a:schemeClr val="accent4">
+                        <a:lumMod val="40000"/>
+                        <a:lumOff val="60000"/>
+                      </a:schemeClr>
+                    </a:solidFill>
+                  </a:tcPr>
+                </a:tc>
+                <a:tc>
+                  <a:txBody>
+                    <a:bodyPr/>
+                    <a:lstStyle/>
+                    <a:p>
+                      <a:r>
+                        <a:rPr lang="es-MX" sz="1400" dirty="0" smtClean="0"/>
+                        <a:t>6 aportaron</a:t>
+                      </a:r>
+                      <a:r>
+                        <a:rPr lang="es-MX" sz="1400" baseline="0" dirty="0" smtClean="0"/>
+                        <a:t> mayor varianza en el Factor 2</a:t>
+                      </a:r>
+                      <a:endParaRPr lang="es-MX" sz="1400" dirty="0"/>
+                    </a:p>
+                  </a:txBody>
+                  <a:tcPr/>
+                </a:tc>
+                <a:tc>
+                  <a:txBody>
+                    <a:bodyPr/>
+                    <a:lstStyle/>
+                    <a:p>
+                      <a:r>
+                        <a:rPr lang="es-MX" sz="1400" dirty="0" smtClean="0"/>
+                        <a:t>6 reactivos cayeron en</a:t>
+                      </a:r>
+                      <a:r>
+                        <a:rPr lang="es-MX" sz="1400" baseline="0" dirty="0" smtClean="0"/>
+                        <a:t> el Factor 2</a:t>
+                      </a:r>
+                      <a:endParaRPr lang="es-MX" sz="1400" dirty="0"/>
+                    </a:p>
+                  </a:txBody>
+                  <a:tcPr>
+                    <a:solidFill>
+                      <a:schemeClr val="accent4">
+                        <a:lumMod val="40000"/>
+                        <a:lumOff val="60000"/>
+                      </a:schemeClr>
+                    </a:solidFill>
+                  </a:tcPr>
+                </a:tc>
+              </a:tr>
+              <a:tr h="370840">
+                <a:tc>
+                  <a:txBody>
+                    <a:bodyPr/>
+                    <a:lstStyle/>
+                    <a:p>
+                      <a:pPr marL="0" marR="0" indent="0" algn="l" defTabSz="914400" rtl="0" eaLnBrk="1" fontAlgn="auto" latinLnBrk="0" hangingPunct="1">
+                        <a:lnSpc>
+                          <a:spcPct val="100000"/>
+                        </a:lnSpc>
+                        <a:spcBef>
+                          <a:spcPts val="0"/>
+                        </a:spcBef>
+                        <a:spcAft>
+                          <a:spcPts val="0"/>
+                        </a:spcAft>
+                        <a:buClrTx/>
+                        <a:buSzTx/>
+                        <a:buFontTx/>
+                        <a:buNone/>
+                        <a:tabLst/>
+                        <a:defRPr/>
+                      </a:pPr>
+                      <a:r>
+                        <a:rPr lang="es-MX" sz="1400" dirty="0" smtClean="0"/>
+                        <a:t>5 aportaron</a:t>
+                      </a:r>
+                      <a:r>
+                        <a:rPr lang="es-MX" sz="1400" baseline="0" dirty="0" smtClean="0"/>
+                        <a:t> una mayor varianza en el “Factor 3”</a:t>
+                      </a:r>
+                      <a:endParaRPr lang="es-MX" sz="1400" dirty="0" smtClean="0"/>
+                    </a:p>
+                  </a:txBody>
+                  <a:tcPr/>
+                </a:tc>
+                <a:tc>
+                  <a:txBody>
+                    <a:bodyPr/>
+                    <a:lstStyle/>
+                    <a:p>
+                      <a:r>
+                        <a:rPr lang="es-MX" sz="1400" dirty="0" smtClean="0"/>
+                        <a:t>1 aportaron</a:t>
+                      </a:r>
+                      <a:r>
+                        <a:rPr lang="es-MX" sz="1400" baseline="0" dirty="0" smtClean="0"/>
+                        <a:t> mayor varianza en el Factor 3</a:t>
+                      </a:r>
+                      <a:endParaRPr lang="es-MX" sz="1400" dirty="0"/>
+                    </a:p>
+                  </a:txBody>
+                  <a:tcPr/>
+                </a:tc>
+                <a:tc>
+                  <a:txBody>
+                    <a:bodyPr/>
+                    <a:lstStyle/>
+                    <a:p>
+                      <a:r>
+                        <a:rPr lang="es-MX" sz="1400" baseline="0" dirty="0" smtClean="0"/>
+                        <a:t>6 reactivos cayeron en el Factor 3</a:t>
+                      </a:r>
+                      <a:endParaRPr lang="es-MX" sz="1400" dirty="0"/>
+                    </a:p>
+                  </a:txBody>
+                  <a:tcPr>
+                    <a:solidFill>
+                      <a:schemeClr val="accent4">
+                        <a:lumMod val="40000"/>
+                        <a:lumOff val="60000"/>
+                      </a:schemeClr>
+                    </a:solidFill>
+                  </a:tcPr>
+                </a:tc>
+              </a:tr>
+            </a:tbl>
+          </a:graphicData>
+        </a:graphic>
+      </p:graphicFrame>
+      <p:pic>
+        <p:nvPicPr>
+          <p:cNvPr id="8" name="Imagen 7"/>
+          <p:cNvPicPr>
+            <a:picLocks noChangeAspect="1"/>
+          </p:cNvPicPr>
+          <p:nvPr/>
+        </p:nvPicPr>
+        <p:blipFill>
+          <a:blip r:embed="rId2"/>
+          <a:stretch>
+            <a:fillRect/>
+          </a:stretch>
+        </p:blipFill>
+        <p:spPr>
+          <a:xfrm>
+            <a:off x="9775983" y="863203"/>
+            <a:ext cx="2416017" cy="5131594"/>
+          </a:xfrm>
+          <a:prstGeom prst="rect">
+            <a:avLst/>
+          </a:prstGeom>
+        </p:spPr>
+      </p:pic>
+      <p:cxnSp>
+        <p:nvCxnSpPr>
+          <p:cNvPr id="10" name="Conector recto de flecha 9"/>
+          <p:cNvCxnSpPr/>
+          <p:nvPr/>
+        </p:nvCxnSpPr>
+        <p:spPr>
+          <a:xfrm>
+            <a:off x="8620125" y="3924301"/>
+            <a:ext cx="1155858" cy="1200149"/>
+          </a:xfrm>
+          <a:prstGeom prst="straightConnector1">
+            <a:avLst/>
+          </a:prstGeom>
+          <a:ln>
+            <a:solidFill>
+              <a:srgbClr val="C00000"/>
+            </a:solidFill>
+            <a:tailEnd type="triangle"/>
+          </a:ln>
+        </p:spPr>
+        <p:style>
+          <a:lnRef idx="1">
+            <a:schemeClr val="accent1"/>
+          </a:lnRef>
+          <a:fillRef idx="0">
+            <a:schemeClr val="accent1"/>
+          </a:fillRef>
+          <a:effectRef idx="0">
+            <a:schemeClr val="accent1"/>
+          </a:effectRef>
+          <a:fontRef idx="minor">
+            <a:schemeClr val="tx1"/>
+          </a:fontRef>
+        </p:style>
+      </p:cxnSp>
+      <p:cxnSp>
+        <p:nvCxnSpPr>
+          <p:cNvPr id="12" name="Conector recto de flecha 11"/>
+          <p:cNvCxnSpPr/>
+          <p:nvPr/>
+        </p:nvCxnSpPr>
+        <p:spPr>
+          <a:xfrm flipV="1">
+            <a:off x="9324975" y="4943475"/>
+            <a:ext cx="451008" cy="295275"/>
+          </a:xfrm>
+          <a:prstGeom prst="straightConnector1">
+            <a:avLst/>
+          </a:prstGeom>
+          <a:ln>
+            <a:solidFill>
+              <a:srgbClr val="C00000"/>
+            </a:solidFill>
+            <a:tailEnd type="triangle"/>
+          </a:ln>
+        </p:spPr>
+        <p:style>
+          <a:lnRef idx="1">
+            <a:schemeClr val="accent1"/>
+          </a:lnRef>
+          <a:fillRef idx="0">
+            <a:schemeClr val="accent1"/>
+          </a:fillRef>
+          <a:effectRef idx="0">
+            <a:schemeClr val="accent1"/>
+          </a:effectRef>
+          <a:fontRef idx="minor">
+            <a:schemeClr val="tx1"/>
+          </a:fontRef>
+        </p:style>
+      </p:cxnSp>
+    </p:spTree>
+    <p:extLst>
+      <p:ext uri="{BB962C8B-B14F-4D97-AF65-F5344CB8AC3E}">
+        <p14:creationId xmlns:p14="http://schemas.microsoft.com/office/powerpoint/2010/main" val="577157666"/>
+      </p:ext>
+    </p:extLst>
+  </p:cSld>
+  <p:clrMapOvr>
+    <a:masterClrMapping/>
+  </p:clrMapOvr>
+  <p:timing>
+    <p:tnLst>
+      <p:par>
+        <p:cTn id="1" dur="indefinite" restart="never" nodeType="tmRoot"/>
+      </p:par>
+    </p:tnLst>
+  </p:timing>
 </p:sld>
 </file>
 
@@ -4131,6 +9608,986 @@
     <p:extLst>
       <p:ext uri="{BB962C8B-B14F-4D97-AF65-F5344CB8AC3E}">
         <p14:creationId xmlns:p14="http://schemas.microsoft.com/office/powerpoint/2010/main" val="2556935711"/>
+      </p:ext>
+    </p:extLst>
+  </p:cSld>
+  <p:clrMapOvr>
+    <a:masterClrMapping/>
+  </p:clrMapOvr>
+</p:sld>
+</file>
+
+<file path=ppt/slides/slide20.xml><?xml version="1.0" encoding="utf-8"?>
+<p:sld xmlns:a="http://schemas.openxmlformats.org/drawingml/2006/main" xmlns:r="http://schemas.openxmlformats.org/officeDocument/2006/relationships" xmlns:p="http://schemas.openxmlformats.org/presentationml/2006/main">
+  <p:cSld>
+    <p:spTree>
+      <p:nvGrpSpPr>
+        <p:cNvPr id="1" name=""/>
+        <p:cNvGrpSpPr/>
+        <p:nvPr/>
+      </p:nvGrpSpPr>
+      <p:grpSpPr>
+        <a:xfrm>
+          <a:off x="0" y="0"/>
+          <a:ext cx="0" cy="0"/>
+          <a:chOff x="0" y="0"/>
+          <a:chExt cx="0" cy="0"/>
+        </a:xfrm>
+      </p:grpSpPr>
+      <p:sp>
+        <p:nvSpPr>
+          <p:cNvPr id="2" name="Título 1"/>
+          <p:cNvSpPr>
+            <a:spLocks noGrp="1"/>
+          </p:cNvSpPr>
+          <p:nvPr>
+            <p:ph type="title"/>
+          </p:nvPr>
+        </p:nvSpPr>
+        <p:spPr>
+          <a:xfrm>
+            <a:off x="838200" y="153191"/>
+            <a:ext cx="10515600" cy="1325563"/>
+          </a:xfrm>
+        </p:spPr>
+        <p:txBody>
+          <a:bodyPr/>
+          <a:lstStyle/>
+          <a:p>
+            <a:r>
+              <a:rPr lang="es-MX" dirty="0" smtClean="0"/>
+              <a:t>Análisis Factorial </a:t>
+            </a:r>
+            <a:r>
+              <a:rPr lang="es-MX" b="1" dirty="0" smtClean="0"/>
+              <a:t>con 5 factores</a:t>
+            </a:r>
+            <a:r>
+              <a:rPr lang="es-MX" dirty="0" smtClean="0"/>
+              <a:t> </a:t>
+            </a:r>
+            <a:endParaRPr lang="es-MX" dirty="0"/>
+          </a:p>
+        </p:txBody>
+      </p:sp>
+      <p:sp>
+        <p:nvSpPr>
+          <p:cNvPr id="3" name="Marcador de contenido 2"/>
+          <p:cNvSpPr>
+            <a:spLocks noGrp="1"/>
+          </p:cNvSpPr>
+          <p:nvPr>
+            <p:ph idx="1"/>
+          </p:nvPr>
+        </p:nvSpPr>
+        <p:spPr>
+          <a:xfrm>
+            <a:off x="190501" y="1253331"/>
+            <a:ext cx="9620250" cy="4351338"/>
+          </a:xfrm>
+        </p:spPr>
+        <p:txBody>
+          <a:bodyPr/>
+          <a:lstStyle/>
+          <a:p>
+            <a:r>
+              <a:rPr lang="es-MX" dirty="0" smtClean="0"/>
+              <a:t>Pero lo interesante es que si reasignamos de esta forma los ítems, y revisamos la proporción de ítems de cada Eje que caen en cada Factor, ahora sí podemos comenzar a observar una cierta tendencia.</a:t>
+            </a:r>
+          </a:p>
+          <a:p>
+            <a:endParaRPr lang="es-MX" dirty="0"/>
+          </a:p>
+          <a:p>
+            <a:endParaRPr lang="es-MX" dirty="0" smtClean="0"/>
+          </a:p>
+          <a:p>
+            <a:endParaRPr lang="es-MX" dirty="0"/>
+          </a:p>
+        </p:txBody>
+      </p:sp>
+      <p:sp>
+        <p:nvSpPr>
+          <p:cNvPr id="4" name="Rectángulo 5"/>
+          <p:cNvSpPr/>
+          <p:nvPr/>
+        </p:nvSpPr>
+        <p:spPr>
+          <a:xfrm>
+            <a:off x="0" y="-1"/>
+            <a:ext cx="12192000" cy="500063"/>
+          </a:xfrm>
+          <a:prstGeom prst="rect">
+            <a:avLst/>
+          </a:prstGeom>
+          <a:solidFill>
+            <a:schemeClr val="accent5">
+              <a:lumMod val="40000"/>
+              <a:lumOff val="60000"/>
+            </a:schemeClr>
+          </a:solidFill>
+          <a:ln>
+            <a:solidFill>
+              <a:schemeClr val="accent1"/>
+            </a:solidFill>
+          </a:ln>
+        </p:spPr>
+        <p:style>
+          <a:lnRef idx="2">
+            <a:schemeClr val="accent1">
+              <a:shade val="50000"/>
+            </a:schemeClr>
+          </a:lnRef>
+          <a:fillRef idx="1">
+            <a:schemeClr val="accent1"/>
+          </a:fillRef>
+          <a:effectRef idx="0">
+            <a:schemeClr val="accent1"/>
+          </a:effectRef>
+          <a:fontRef idx="minor">
+            <a:schemeClr val="lt1"/>
+          </a:fontRef>
+        </p:style>
+        <p:txBody>
+          <a:bodyPr rtlCol="0" anchor="ctr"/>
+          <a:lstStyle/>
+          <a:p>
+            <a:pPr algn="ctr"/>
+            <a:endParaRPr lang="es-MX"/>
+          </a:p>
+        </p:txBody>
+      </p:sp>
+      <p:sp>
+        <p:nvSpPr>
+          <p:cNvPr id="5" name="Rectángulo 6"/>
+          <p:cNvSpPr/>
+          <p:nvPr/>
+        </p:nvSpPr>
+        <p:spPr>
+          <a:xfrm>
+            <a:off x="0" y="6492874"/>
+            <a:ext cx="12192000" cy="365125"/>
+          </a:xfrm>
+          <a:prstGeom prst="rect">
+            <a:avLst/>
+          </a:prstGeom>
+          <a:solidFill>
+            <a:schemeClr val="accent5">
+              <a:lumMod val="40000"/>
+              <a:lumOff val="60000"/>
+            </a:schemeClr>
+          </a:solidFill>
+          <a:ln>
+            <a:solidFill>
+              <a:schemeClr val="accent1"/>
+            </a:solidFill>
+          </a:ln>
+        </p:spPr>
+        <p:style>
+          <a:lnRef idx="2">
+            <a:schemeClr val="accent1">
+              <a:shade val="50000"/>
+            </a:schemeClr>
+          </a:lnRef>
+          <a:fillRef idx="1">
+            <a:schemeClr val="accent1"/>
+          </a:fillRef>
+          <a:effectRef idx="0">
+            <a:schemeClr val="accent1"/>
+          </a:effectRef>
+          <a:fontRef idx="minor">
+            <a:schemeClr val="lt1"/>
+          </a:fontRef>
+        </p:style>
+        <p:txBody>
+          <a:bodyPr rtlCol="0" anchor="ctr"/>
+          <a:lstStyle/>
+          <a:p>
+            <a:pPr algn="ctr"/>
+            <a:endParaRPr lang="es-MX"/>
+          </a:p>
+        </p:txBody>
+      </p:sp>
+      <p:graphicFrame>
+        <p:nvGraphicFramePr>
+          <p:cNvPr id="6" name="Tabla 5"/>
+          <p:cNvGraphicFramePr>
+            <a:graphicFrameLocks noGrp="1"/>
+          </p:cNvGraphicFramePr>
+          <p:nvPr>
+            <p:extLst>
+              <p:ext uri="{D42A27DB-BD31-4B8C-83A1-F6EECF244321}">
+                <p14:modId xmlns:p14="http://schemas.microsoft.com/office/powerpoint/2010/main" val="421724046"/>
+              </p:ext>
+            </p:extLst>
+          </p:nvPr>
+        </p:nvGraphicFramePr>
+        <p:xfrm>
+          <a:off x="323850" y="3174683"/>
+          <a:ext cx="9248775" cy="1818957"/>
+        </p:xfrm>
+        <a:graphic>
+          <a:graphicData uri="http://schemas.openxmlformats.org/drawingml/2006/table">
+            <a:tbl>
+              <a:tblPr firstRow="1" bandRow="1">
+                <a:tableStyleId>{5C22544A-7EE6-4342-B048-85BDC9FD1C3A}</a:tableStyleId>
+              </a:tblPr>
+              <a:tblGrid>
+                <a:gridCol w="3003932"/>
+                <a:gridCol w="3161918"/>
+                <a:gridCol w="3082925"/>
+              </a:tblGrid>
+              <a:tr h="370840">
+                <a:tc>
+                  <a:txBody>
+                    <a:bodyPr/>
+                    <a:lstStyle/>
+                    <a:p>
+                      <a:r>
+                        <a:rPr lang="es-MX" dirty="0" smtClean="0"/>
+                        <a:t>“Factor 1”</a:t>
+                      </a:r>
+                    </a:p>
+                    <a:p>
+                      <a:r>
+                        <a:rPr lang="es-MX" dirty="0" smtClean="0"/>
+                        <a:t>14 ítems</a:t>
+                      </a:r>
+                      <a:endParaRPr lang="es-MX" dirty="0"/>
+                    </a:p>
+                  </a:txBody>
+                  <a:tcPr/>
+                </a:tc>
+                <a:tc>
+                  <a:txBody>
+                    <a:bodyPr/>
+                    <a:lstStyle/>
+                    <a:p>
+                      <a:r>
+                        <a:rPr lang="es-MX" baseline="0" dirty="0" smtClean="0"/>
+                        <a:t>“Factor 2”</a:t>
+                      </a:r>
+                    </a:p>
+                    <a:p>
+                      <a:r>
+                        <a:rPr lang="es-MX" baseline="0" dirty="0" smtClean="0"/>
+                        <a:t>22 ítems</a:t>
+                      </a:r>
+                      <a:endParaRPr lang="es-MX" dirty="0"/>
+                    </a:p>
+                  </a:txBody>
+                  <a:tcPr/>
+                </a:tc>
+                <a:tc>
+                  <a:txBody>
+                    <a:bodyPr/>
+                    <a:lstStyle/>
+                    <a:p>
+                      <a:r>
+                        <a:rPr lang="es-MX" dirty="0" smtClean="0"/>
+                        <a:t>“Factor 3”</a:t>
+                      </a:r>
+                    </a:p>
+                    <a:p>
+                      <a:r>
+                        <a:rPr lang="es-MX" dirty="0" smtClean="0"/>
+                        <a:t>12 ítems</a:t>
+                      </a:r>
+                      <a:endParaRPr lang="es-MX" dirty="0"/>
+                    </a:p>
+                  </a:txBody>
+                  <a:tcPr/>
+                </a:tc>
+              </a:tr>
+              <a:tr h="370840">
+                <a:tc>
+                  <a:txBody>
+                    <a:bodyPr/>
+                    <a:lstStyle/>
+                    <a:p>
+                      <a:r>
+                        <a:rPr lang="es-MX" dirty="0" smtClean="0"/>
+                        <a:t>5 ítems del Eje “SNPA”</a:t>
+                      </a:r>
+                      <a:endParaRPr lang="es-MX" dirty="0"/>
+                    </a:p>
+                  </a:txBody>
+                  <a:tcPr/>
+                </a:tc>
+                <a:tc>
+                  <a:txBody>
+                    <a:bodyPr/>
+                    <a:lstStyle/>
+                    <a:p>
+                      <a:r>
+                        <a:rPr lang="es-MX" dirty="0" smtClean="0"/>
+                        <a:t>10 ítems del Eje SNPA</a:t>
+                      </a:r>
+                      <a:endParaRPr lang="es-MX" dirty="0"/>
+                    </a:p>
+                  </a:txBody>
+                  <a:tcPr>
+                    <a:solidFill>
+                      <a:schemeClr val="accent4">
+                        <a:lumMod val="40000"/>
+                        <a:lumOff val="60000"/>
+                      </a:schemeClr>
+                    </a:solidFill>
+                  </a:tcPr>
+                </a:tc>
+                <a:tc>
+                  <a:txBody>
+                    <a:bodyPr/>
+                    <a:lstStyle/>
+                    <a:p>
+                      <a:r>
+                        <a:rPr lang="es-MX" dirty="0" smtClean="0">
+                          <a:solidFill>
+                            <a:schemeClr val="tx1"/>
+                          </a:solidFill>
+                        </a:rPr>
+                        <a:t>5 ítems del Eje SNPA</a:t>
+                      </a:r>
+                      <a:endParaRPr lang="es-MX" dirty="0">
+                        <a:solidFill>
+                          <a:schemeClr val="tx1"/>
+                        </a:solidFill>
+                      </a:endParaRPr>
+                    </a:p>
+                  </a:txBody>
+                  <a:tcPr/>
+                </a:tc>
+              </a:tr>
+              <a:tr h="437197">
+                <a:tc>
+                  <a:txBody>
+                    <a:bodyPr/>
+                    <a:lstStyle/>
+                    <a:p>
+                      <a:pPr marL="0" marR="0" indent="0" algn="l" defTabSz="914400" rtl="0" eaLnBrk="1" fontAlgn="auto" latinLnBrk="0" hangingPunct="1">
+                        <a:lnSpc>
+                          <a:spcPct val="100000"/>
+                        </a:lnSpc>
+                        <a:spcBef>
+                          <a:spcPts val="0"/>
+                        </a:spcBef>
+                        <a:spcAft>
+                          <a:spcPts val="0"/>
+                        </a:spcAft>
+                        <a:buClrTx/>
+                        <a:buSzTx/>
+                        <a:buFontTx/>
+                        <a:buNone/>
+                        <a:tabLst/>
+                        <a:defRPr/>
+                      </a:pPr>
+                      <a:r>
+                        <a:rPr lang="es-MX" dirty="0" smtClean="0"/>
+                        <a:t>7 ítems del Eje “MI”</a:t>
+                      </a:r>
+                    </a:p>
+                  </a:txBody>
+                  <a:tcPr>
+                    <a:solidFill>
+                      <a:schemeClr val="accent4">
+                        <a:lumMod val="40000"/>
+                        <a:lumOff val="60000"/>
+                      </a:schemeClr>
+                    </a:solidFill>
+                  </a:tcPr>
+                </a:tc>
+                <a:tc>
+                  <a:txBody>
+                    <a:bodyPr/>
+                    <a:lstStyle/>
+                    <a:p>
+                      <a:r>
+                        <a:rPr lang="es-MX" dirty="0" smtClean="0"/>
+                        <a:t>6 ítems del Eje MI</a:t>
+                      </a:r>
+                      <a:endParaRPr lang="es-MX" dirty="0"/>
+                    </a:p>
+                  </a:txBody>
+                  <a:tcPr/>
+                </a:tc>
+                <a:tc>
+                  <a:txBody>
+                    <a:bodyPr/>
+                    <a:lstStyle/>
+                    <a:p>
+                      <a:r>
+                        <a:rPr lang="es-MX" dirty="0" smtClean="0"/>
+                        <a:t>1 ítem del Eje</a:t>
+                      </a:r>
+                      <a:r>
+                        <a:rPr lang="es-MX" baseline="0" dirty="0" smtClean="0"/>
+                        <a:t> MI</a:t>
+                      </a:r>
+                      <a:endParaRPr lang="es-MX" dirty="0"/>
+                    </a:p>
+                  </a:txBody>
+                  <a:tcPr>
+                    <a:noFill/>
+                  </a:tcPr>
+                </a:tc>
+              </a:tr>
+              <a:tr h="370840">
+                <a:tc>
+                  <a:txBody>
+                    <a:bodyPr/>
+                    <a:lstStyle/>
+                    <a:p>
+                      <a:pPr marL="0" marR="0" indent="0" algn="l" defTabSz="914400" rtl="0" eaLnBrk="1" fontAlgn="auto" latinLnBrk="0" hangingPunct="1">
+                        <a:lnSpc>
+                          <a:spcPct val="100000"/>
+                        </a:lnSpc>
+                        <a:spcBef>
+                          <a:spcPts val="0"/>
+                        </a:spcBef>
+                        <a:spcAft>
+                          <a:spcPts val="0"/>
+                        </a:spcAft>
+                        <a:buClrTx/>
+                        <a:buSzTx/>
+                        <a:buFontTx/>
+                        <a:buNone/>
+                        <a:tabLst/>
+                        <a:defRPr/>
+                      </a:pPr>
+                      <a:r>
+                        <a:rPr lang="es-MX" dirty="0" smtClean="0"/>
+                        <a:t>2 ítems</a:t>
+                      </a:r>
+                      <a:r>
+                        <a:rPr lang="es-MX" baseline="0" dirty="0" smtClean="0"/>
+                        <a:t> del Eje “FEM”</a:t>
+                      </a:r>
+                      <a:endParaRPr lang="es-MX" dirty="0" smtClean="0"/>
+                    </a:p>
+                  </a:txBody>
+                  <a:tcPr/>
+                </a:tc>
+                <a:tc>
+                  <a:txBody>
+                    <a:bodyPr/>
+                    <a:lstStyle/>
+                    <a:p>
+                      <a:r>
+                        <a:rPr lang="es-MX" dirty="0" smtClean="0"/>
+                        <a:t>6 ítems del Eje FEM</a:t>
+                      </a:r>
+                    </a:p>
+                  </a:txBody>
+                  <a:tcPr/>
+                </a:tc>
+                <a:tc>
+                  <a:txBody>
+                    <a:bodyPr/>
+                    <a:lstStyle/>
+                    <a:p>
+                      <a:r>
+                        <a:rPr lang="es-MX" baseline="0" dirty="0" smtClean="0"/>
+                        <a:t>6 ítems del Eje FEM</a:t>
+                      </a:r>
+                      <a:endParaRPr lang="es-MX" dirty="0"/>
+                    </a:p>
+                  </a:txBody>
+                  <a:tcPr>
+                    <a:solidFill>
+                      <a:schemeClr val="accent4">
+                        <a:lumMod val="40000"/>
+                        <a:lumOff val="60000"/>
+                      </a:schemeClr>
+                    </a:solidFill>
+                  </a:tcPr>
+                </a:tc>
+              </a:tr>
+            </a:tbl>
+          </a:graphicData>
+        </a:graphic>
+      </p:graphicFrame>
+      <p:pic>
+        <p:nvPicPr>
+          <p:cNvPr id="8" name="Imagen 7"/>
+          <p:cNvPicPr>
+            <a:picLocks noChangeAspect="1"/>
+          </p:cNvPicPr>
+          <p:nvPr/>
+        </p:nvPicPr>
+        <p:blipFill>
+          <a:blip r:embed="rId2"/>
+          <a:stretch>
+            <a:fillRect/>
+          </a:stretch>
+        </p:blipFill>
+        <p:spPr>
+          <a:xfrm>
+            <a:off x="9775983" y="863203"/>
+            <a:ext cx="2416017" cy="5131594"/>
+          </a:xfrm>
+          <a:prstGeom prst="rect">
+            <a:avLst/>
+          </a:prstGeom>
+        </p:spPr>
+      </p:pic>
+      <p:sp>
+        <p:nvSpPr>
+          <p:cNvPr id="9" name="Flecha abajo 8"/>
+          <p:cNvSpPr/>
+          <p:nvPr/>
+        </p:nvSpPr>
+        <p:spPr>
+          <a:xfrm>
+            <a:off x="1419225" y="5143500"/>
+            <a:ext cx="419100" cy="381000"/>
+          </a:xfrm>
+          <a:prstGeom prst="downArrow">
+            <a:avLst/>
+          </a:prstGeom>
+        </p:spPr>
+        <p:style>
+          <a:lnRef idx="2">
+            <a:schemeClr val="accent1">
+              <a:shade val="50000"/>
+            </a:schemeClr>
+          </a:lnRef>
+          <a:fillRef idx="1">
+            <a:schemeClr val="accent1"/>
+          </a:fillRef>
+          <a:effectRef idx="0">
+            <a:schemeClr val="accent1"/>
+          </a:effectRef>
+          <a:fontRef idx="minor">
+            <a:schemeClr val="lt1"/>
+          </a:fontRef>
+        </p:style>
+        <p:txBody>
+          <a:bodyPr rtlCol="0" anchor="ctr"/>
+          <a:lstStyle/>
+          <a:p>
+            <a:pPr algn="ctr"/>
+            <a:endParaRPr lang="es-MX"/>
+          </a:p>
+        </p:txBody>
+      </p:sp>
+      <p:sp>
+        <p:nvSpPr>
+          <p:cNvPr id="10" name="Flecha abajo 9"/>
+          <p:cNvSpPr/>
+          <p:nvPr/>
+        </p:nvSpPr>
+        <p:spPr>
+          <a:xfrm>
+            <a:off x="4429125" y="5143500"/>
+            <a:ext cx="419100" cy="381000"/>
+          </a:xfrm>
+          <a:prstGeom prst="downArrow">
+            <a:avLst/>
+          </a:prstGeom>
+        </p:spPr>
+        <p:style>
+          <a:lnRef idx="2">
+            <a:schemeClr val="accent1">
+              <a:shade val="50000"/>
+            </a:schemeClr>
+          </a:lnRef>
+          <a:fillRef idx="1">
+            <a:schemeClr val="accent1"/>
+          </a:fillRef>
+          <a:effectRef idx="0">
+            <a:schemeClr val="accent1"/>
+          </a:effectRef>
+          <a:fontRef idx="minor">
+            <a:schemeClr val="lt1"/>
+          </a:fontRef>
+        </p:style>
+        <p:txBody>
+          <a:bodyPr rtlCol="0" anchor="ctr"/>
+          <a:lstStyle/>
+          <a:p>
+            <a:pPr algn="ctr"/>
+            <a:endParaRPr lang="es-MX"/>
+          </a:p>
+        </p:txBody>
+      </p:sp>
+      <p:sp>
+        <p:nvSpPr>
+          <p:cNvPr id="11" name="Flecha abajo 10"/>
+          <p:cNvSpPr/>
+          <p:nvPr/>
+        </p:nvSpPr>
+        <p:spPr>
+          <a:xfrm>
+            <a:off x="7439025" y="5143500"/>
+            <a:ext cx="419100" cy="381000"/>
+          </a:xfrm>
+          <a:prstGeom prst="downArrow">
+            <a:avLst/>
+          </a:prstGeom>
+        </p:spPr>
+        <p:style>
+          <a:lnRef idx="2">
+            <a:schemeClr val="accent1">
+              <a:shade val="50000"/>
+            </a:schemeClr>
+          </a:lnRef>
+          <a:fillRef idx="1">
+            <a:schemeClr val="accent1"/>
+          </a:fillRef>
+          <a:effectRef idx="0">
+            <a:schemeClr val="accent1"/>
+          </a:effectRef>
+          <a:fontRef idx="minor">
+            <a:schemeClr val="lt1"/>
+          </a:fontRef>
+        </p:style>
+        <p:txBody>
+          <a:bodyPr rtlCol="0" anchor="ctr"/>
+          <a:lstStyle/>
+          <a:p>
+            <a:pPr algn="ctr"/>
+            <a:endParaRPr lang="es-MX"/>
+          </a:p>
+        </p:txBody>
+      </p:sp>
+      <p:sp>
+        <p:nvSpPr>
+          <p:cNvPr id="12" name="CuadroTexto 11"/>
+          <p:cNvSpPr txBox="1"/>
+          <p:nvPr/>
+        </p:nvSpPr>
+        <p:spPr>
+          <a:xfrm>
+            <a:off x="595313" y="5524500"/>
+            <a:ext cx="2566987" cy="923330"/>
+          </a:xfrm>
+          <a:prstGeom prst="rect">
+            <a:avLst/>
+          </a:prstGeom>
+          <a:noFill/>
+        </p:spPr>
+        <p:txBody>
+          <a:bodyPr wrap="square" rtlCol="0">
+            <a:spAutoFit/>
+          </a:bodyPr>
+          <a:lstStyle/>
+          <a:p>
+            <a:r>
+              <a:rPr lang="es-MX" dirty="0" smtClean="0"/>
+              <a:t>La mayoría de los ítems vienen del Eje 2: Manejo de la Información</a:t>
+            </a:r>
+            <a:endParaRPr lang="es-MX" dirty="0"/>
+          </a:p>
+        </p:txBody>
+      </p:sp>
+      <p:sp>
+        <p:nvSpPr>
+          <p:cNvPr id="13" name="CuadroTexto 12"/>
+          <p:cNvSpPr txBox="1"/>
+          <p:nvPr/>
+        </p:nvSpPr>
+        <p:spPr>
+          <a:xfrm>
+            <a:off x="3328989" y="5434608"/>
+            <a:ext cx="3119436" cy="923330"/>
+          </a:xfrm>
+          <a:prstGeom prst="rect">
+            <a:avLst/>
+          </a:prstGeom>
+          <a:noFill/>
+        </p:spPr>
+        <p:txBody>
+          <a:bodyPr wrap="square" rtlCol="0">
+            <a:spAutoFit/>
+          </a:bodyPr>
+          <a:lstStyle/>
+          <a:p>
+            <a:r>
+              <a:rPr lang="es-MX" dirty="0" smtClean="0"/>
+              <a:t>La mayoría de los ítems vienen del Eje 1: Sentido Numérico y Pensamiento Algebraico</a:t>
+            </a:r>
+            <a:endParaRPr lang="es-MX" dirty="0"/>
+          </a:p>
+        </p:txBody>
+      </p:sp>
+      <p:sp>
+        <p:nvSpPr>
+          <p:cNvPr id="14" name="CuadroTexto 13"/>
+          <p:cNvSpPr txBox="1"/>
+          <p:nvPr/>
+        </p:nvSpPr>
+        <p:spPr>
+          <a:xfrm>
+            <a:off x="6574631" y="5489375"/>
+            <a:ext cx="2566987" cy="923330"/>
+          </a:xfrm>
+          <a:prstGeom prst="rect">
+            <a:avLst/>
+          </a:prstGeom>
+          <a:noFill/>
+        </p:spPr>
+        <p:txBody>
+          <a:bodyPr wrap="square" rtlCol="0">
+            <a:spAutoFit/>
+          </a:bodyPr>
+          <a:lstStyle/>
+          <a:p>
+            <a:r>
+              <a:rPr lang="es-MX" dirty="0" smtClean="0"/>
+              <a:t>La mayoría de los ítems vienen del Eje 3: Forma, Espacio y </a:t>
+            </a:r>
+            <a:r>
+              <a:rPr lang="es-MX" dirty="0" err="1" smtClean="0"/>
+              <a:t>MEdida</a:t>
+            </a:r>
+            <a:endParaRPr lang="es-MX" dirty="0"/>
+          </a:p>
+        </p:txBody>
+      </p:sp>
+    </p:spTree>
+    <p:extLst>
+      <p:ext uri="{BB962C8B-B14F-4D97-AF65-F5344CB8AC3E}">
+        <p14:creationId xmlns:p14="http://schemas.microsoft.com/office/powerpoint/2010/main" val="2190364070"/>
+      </p:ext>
+    </p:extLst>
+  </p:cSld>
+  <p:clrMapOvr>
+    <a:masterClrMapping/>
+  </p:clrMapOvr>
+  <p:timing>
+    <p:tnLst>
+      <p:par>
+        <p:cTn id="1" dur="indefinite" restart="never" nodeType="tmRoot"/>
+      </p:par>
+    </p:tnLst>
+  </p:timing>
+</p:sld>
+</file>
+
+<file path=ppt/slides/slide21.xml><?xml version="1.0" encoding="utf-8"?>
+<p:sld xmlns:a="http://schemas.openxmlformats.org/drawingml/2006/main" xmlns:r="http://schemas.openxmlformats.org/officeDocument/2006/relationships" xmlns:p="http://schemas.openxmlformats.org/presentationml/2006/main">
+  <p:cSld>
+    <p:spTree>
+      <p:nvGrpSpPr>
+        <p:cNvPr id="1" name=""/>
+        <p:cNvGrpSpPr/>
+        <p:nvPr/>
+      </p:nvGrpSpPr>
+      <p:grpSpPr>
+        <a:xfrm>
+          <a:off x="0" y="0"/>
+          <a:ext cx="0" cy="0"/>
+          <a:chOff x="0" y="0"/>
+          <a:chExt cx="0" cy="0"/>
+        </a:xfrm>
+      </p:grpSpPr>
+      <p:sp>
+        <p:nvSpPr>
+          <p:cNvPr id="2" name="Título 1"/>
+          <p:cNvSpPr>
+            <a:spLocks noGrp="1"/>
+          </p:cNvSpPr>
+          <p:nvPr>
+            <p:ph type="title"/>
+          </p:nvPr>
+        </p:nvSpPr>
+        <p:spPr>
+          <a:xfrm>
+            <a:off x="361950" y="0"/>
+            <a:ext cx="10515600" cy="1325563"/>
+          </a:xfrm>
+        </p:spPr>
+        <p:txBody>
+          <a:bodyPr/>
+          <a:lstStyle/>
+          <a:p>
+            <a:r>
+              <a:rPr lang="es-MX" dirty="0" smtClean="0"/>
+              <a:t/>
+            </a:r>
+            <a:br>
+              <a:rPr lang="es-MX" dirty="0" smtClean="0"/>
+            </a:br>
+            <a:r>
+              <a:rPr lang="es-MX" b="1" dirty="0" smtClean="0"/>
+              <a:t>Conclusiones / Puntos importantes: </a:t>
+            </a:r>
+            <a:endParaRPr lang="es-MX" b="1" dirty="0"/>
+          </a:p>
+        </p:txBody>
+      </p:sp>
+      <p:sp>
+        <p:nvSpPr>
+          <p:cNvPr id="3" name="Marcador de contenido 2"/>
+          <p:cNvSpPr>
+            <a:spLocks noGrp="1"/>
+          </p:cNvSpPr>
+          <p:nvPr>
+            <p:ph idx="1"/>
+          </p:nvPr>
+        </p:nvSpPr>
+        <p:spPr/>
+        <p:txBody>
+          <a:bodyPr>
+            <a:normAutofit lnSpcReduction="10000"/>
+          </a:bodyPr>
+          <a:lstStyle/>
+          <a:p>
+            <a:r>
+              <a:rPr lang="es-MX" dirty="0" smtClean="0"/>
+              <a:t>La prueba PLANEA MAT09 parece ser difícil (como demuestran los índices de dificultad y la distribución de puntajes totales).</a:t>
+            </a:r>
+          </a:p>
+          <a:p>
+            <a:r>
+              <a:rPr lang="es-MX" dirty="0" smtClean="0"/>
+              <a:t>Las correlaciones entre los ítems se mantienen en un rango bajo (entre -0.003 y 0.25)</a:t>
+            </a:r>
+          </a:p>
+          <a:p>
+            <a:r>
+              <a:rPr lang="es-MX" dirty="0" smtClean="0"/>
+              <a:t>El alfa de </a:t>
+            </a:r>
+            <a:r>
+              <a:rPr lang="es-MX" dirty="0" err="1" smtClean="0"/>
+              <a:t>Cronbach</a:t>
+            </a:r>
+            <a:r>
+              <a:rPr lang="es-MX" dirty="0" smtClean="0"/>
+              <a:t> para todo el instrumento resulta adecuado (0.82), no obstante, esto no ocurre para los ítems identificados en cada Eje.</a:t>
+            </a:r>
+          </a:p>
+          <a:p>
+            <a:r>
+              <a:rPr lang="es-MX" dirty="0" smtClean="0"/>
+              <a:t>De acuerdo con los ACP y AP, parece conveniente utilizar un número de factores = 5 para revisar los datos</a:t>
+            </a:r>
+          </a:p>
+          <a:p>
+            <a:r>
+              <a:rPr lang="es-MX" dirty="0" smtClean="0"/>
+              <a:t>Consistentemente, para todos los Análisis Factoriales probados (con </a:t>
+            </a:r>
+            <a:r>
+              <a:rPr lang="es-MX" dirty="0" err="1" smtClean="0"/>
+              <a:t>n.factores</a:t>
+            </a:r>
+            <a:r>
+              <a:rPr lang="es-MX" dirty="0" smtClean="0"/>
+              <a:t>=1, 3, 5) el </a:t>
+            </a:r>
+            <a:r>
+              <a:rPr lang="es-MX" b="1" dirty="0" smtClean="0"/>
+              <a:t>ítem SMB17 no aporta carga a ningún factor</a:t>
+            </a:r>
+          </a:p>
+        </p:txBody>
+      </p:sp>
+      <p:sp>
+        <p:nvSpPr>
+          <p:cNvPr id="4" name="Rectángulo 5"/>
+          <p:cNvSpPr/>
+          <p:nvPr/>
+        </p:nvSpPr>
+        <p:spPr>
+          <a:xfrm>
+            <a:off x="0" y="-1"/>
+            <a:ext cx="12192000" cy="500063"/>
+          </a:xfrm>
+          <a:prstGeom prst="rect">
+            <a:avLst/>
+          </a:prstGeom>
+          <a:solidFill>
+            <a:schemeClr val="accent4">
+              <a:lumMod val="75000"/>
+            </a:schemeClr>
+          </a:solidFill>
+          <a:ln>
+            <a:solidFill>
+              <a:srgbClr val="C00000"/>
+            </a:solidFill>
+          </a:ln>
+        </p:spPr>
+        <p:style>
+          <a:lnRef idx="2">
+            <a:schemeClr val="accent1">
+              <a:shade val="50000"/>
+            </a:schemeClr>
+          </a:lnRef>
+          <a:fillRef idx="1">
+            <a:schemeClr val="accent1"/>
+          </a:fillRef>
+          <a:effectRef idx="0">
+            <a:schemeClr val="accent1"/>
+          </a:effectRef>
+          <a:fontRef idx="minor">
+            <a:schemeClr val="lt1"/>
+          </a:fontRef>
+        </p:style>
+        <p:txBody>
+          <a:bodyPr rtlCol="0" anchor="ctr"/>
+          <a:lstStyle/>
+          <a:p>
+            <a:pPr algn="ctr"/>
+            <a:endParaRPr lang="es-MX"/>
+          </a:p>
+        </p:txBody>
+      </p:sp>
+      <p:sp>
+        <p:nvSpPr>
+          <p:cNvPr id="5" name="Rectángulo 6"/>
+          <p:cNvSpPr/>
+          <p:nvPr/>
+        </p:nvSpPr>
+        <p:spPr>
+          <a:xfrm>
+            <a:off x="0" y="6492874"/>
+            <a:ext cx="12192000" cy="365125"/>
+          </a:xfrm>
+          <a:prstGeom prst="rect">
+            <a:avLst/>
+          </a:prstGeom>
+          <a:solidFill>
+            <a:schemeClr val="accent4">
+              <a:lumMod val="75000"/>
+            </a:schemeClr>
+          </a:solidFill>
+          <a:ln>
+            <a:solidFill>
+              <a:srgbClr val="C00000"/>
+            </a:solidFill>
+          </a:ln>
+        </p:spPr>
+        <p:style>
+          <a:lnRef idx="2">
+            <a:schemeClr val="accent1">
+              <a:shade val="50000"/>
+            </a:schemeClr>
+          </a:lnRef>
+          <a:fillRef idx="1">
+            <a:schemeClr val="accent1"/>
+          </a:fillRef>
+          <a:effectRef idx="0">
+            <a:schemeClr val="accent1"/>
+          </a:effectRef>
+          <a:fontRef idx="minor">
+            <a:schemeClr val="lt1"/>
+          </a:fontRef>
+        </p:style>
+        <p:txBody>
+          <a:bodyPr rtlCol="0" anchor="ctr"/>
+          <a:lstStyle/>
+          <a:p>
+            <a:pPr algn="ctr"/>
+            <a:endParaRPr lang="es-MX"/>
+          </a:p>
+        </p:txBody>
+      </p:sp>
+    </p:spTree>
+    <p:extLst>
+      <p:ext uri="{BB962C8B-B14F-4D97-AF65-F5344CB8AC3E}">
+        <p14:creationId xmlns:p14="http://schemas.microsoft.com/office/powerpoint/2010/main" val="4026111400"/>
       </p:ext>
     </p:extLst>
   </p:cSld>
@@ -4700,28 +11157,183 @@
       </p:grpSpPr>
       <p:sp>
         <p:nvSpPr>
-          <p:cNvPr id="4" name="Rectángulo 3"/>
+          <p:cNvPr id="2" name="Título 1"/>
+          <p:cNvSpPr>
+            <a:spLocks noGrp="1"/>
+          </p:cNvSpPr>
+          <p:nvPr>
+            <p:ph type="title"/>
+          </p:nvPr>
+        </p:nvSpPr>
+        <p:spPr/>
+        <p:txBody>
+          <a:bodyPr/>
+          <a:lstStyle/>
+          <a:p>
+            <a:r>
+              <a:rPr lang="es-MX" dirty="0" smtClean="0"/>
+              <a:t/>
+            </a:r>
+            <a:br>
+              <a:rPr lang="es-MX" dirty="0" smtClean="0"/>
+            </a:br>
+            <a:endParaRPr lang="es-MX" dirty="0"/>
+          </a:p>
+        </p:txBody>
+      </p:sp>
+      <p:sp>
+        <p:nvSpPr>
+          <p:cNvPr id="3" name="Marcador de contenido 2"/>
+          <p:cNvSpPr>
+            <a:spLocks noGrp="1"/>
+          </p:cNvSpPr>
+          <p:nvPr>
+            <p:ph idx="1"/>
+          </p:nvPr>
+        </p:nvSpPr>
+        <p:spPr>
+          <a:xfrm>
+            <a:off x="0" y="815974"/>
+            <a:ext cx="4438650" cy="5127626"/>
+          </a:xfrm>
+        </p:spPr>
+        <p:txBody>
+          <a:bodyPr>
+            <a:normAutofit lnSpcReduction="10000"/>
+          </a:bodyPr>
+          <a:lstStyle/>
+          <a:p>
+            <a:pPr marL="0" indent="0" algn="ctr">
+              <a:buNone/>
+            </a:pPr>
+            <a:r>
+              <a:rPr lang="es-MX" sz="3000" b="1" u="sng" dirty="0" smtClean="0"/>
+              <a:t>Correlaciones</a:t>
+            </a:r>
+          </a:p>
+          <a:p>
+            <a:endParaRPr lang="es-MX" sz="2000" dirty="0" smtClean="0"/>
+          </a:p>
+          <a:p>
+            <a:r>
+              <a:rPr lang="es-MX" sz="2000" dirty="0" smtClean="0"/>
+              <a:t>En general, se observa que las correlaciones entre los ítems son casi todas positivas, y en su mayoría, pequeñas.</a:t>
+            </a:r>
+          </a:p>
+          <a:p>
+            <a:endParaRPr lang="es-MX" sz="2000" dirty="0"/>
+          </a:p>
+          <a:p>
+            <a:pPr marL="0" indent="0">
+              <a:buNone/>
+            </a:pPr>
+            <a:r>
+              <a:rPr lang="es-MX" sz="2000" dirty="0" smtClean="0"/>
+              <a:t>Correlación mínima:   -.003 	</a:t>
+            </a:r>
+            <a:r>
+              <a:rPr lang="es-MX" sz="2000" dirty="0"/>
+              <a:t> </a:t>
+            </a:r>
+            <a:r>
+              <a:rPr lang="es-MX" sz="2000" dirty="0" smtClean="0"/>
+              <a:t>                                                         		       (SMB22</a:t>
+            </a:r>
+            <a:r>
+              <a:rPr lang="es-MX" sz="2000" dirty="0" smtClean="0">
+                <a:solidFill>
+                  <a:srgbClr val="FF0000"/>
+                </a:solidFill>
+              </a:rPr>
+              <a:t>x</a:t>
+            </a:r>
+            <a:r>
+              <a:rPr lang="es-MX" sz="2000" dirty="0" smtClean="0"/>
+              <a:t>SMB23)</a:t>
+            </a:r>
+          </a:p>
+          <a:p>
+            <a:pPr marL="0" indent="0">
+              <a:buNone/>
+            </a:pPr>
+            <a:r>
+              <a:rPr lang="es-MX" sz="2000" dirty="0" smtClean="0"/>
+              <a:t>Correlación máxima:  0.25</a:t>
+            </a:r>
+          </a:p>
+          <a:p>
+            <a:pPr marL="0" indent="0">
+              <a:buNone/>
+            </a:pPr>
+            <a:endParaRPr lang="es-MX" sz="2000" dirty="0"/>
+          </a:p>
+          <a:p>
+            <a:pPr marL="0" indent="0">
+              <a:buNone/>
+            </a:pPr>
+            <a:endParaRPr lang="es-MX" sz="2000" dirty="0" smtClean="0"/>
+          </a:p>
+          <a:p>
+            <a:pPr marL="0" indent="0">
+              <a:buNone/>
+            </a:pPr>
+            <a:endParaRPr lang="es-MX" sz="2000" dirty="0"/>
+          </a:p>
+          <a:p>
+            <a:pPr marL="0" indent="0">
+              <a:buNone/>
+            </a:pPr>
+            <a:r>
+              <a:rPr lang="es-MX" sz="1600" dirty="0" smtClean="0"/>
+              <a:t>*Ver más detalles en el código de R</a:t>
+            </a:r>
+            <a:endParaRPr lang="es-MX" sz="1600" dirty="0"/>
+          </a:p>
+        </p:txBody>
+      </p:sp>
+      <p:pic>
+        <p:nvPicPr>
+          <p:cNvPr id="4" name="Imagen 3"/>
+          <p:cNvPicPr>
+            <a:picLocks noChangeAspect="1"/>
+          </p:cNvPicPr>
+          <p:nvPr/>
+        </p:nvPicPr>
+        <p:blipFill>
+          <a:blip r:embed="rId2"/>
+          <a:stretch>
+            <a:fillRect/>
+          </a:stretch>
+        </p:blipFill>
+        <p:spPr>
+          <a:xfrm>
+            <a:off x="4202483" y="119565"/>
+            <a:ext cx="7989517" cy="6618871"/>
+          </a:xfrm>
+          <a:prstGeom prst="rect">
+            <a:avLst/>
+          </a:prstGeom>
+        </p:spPr>
+      </p:pic>
+      <p:sp>
+        <p:nvSpPr>
+          <p:cNvPr id="5" name="Rectángulo 4"/>
           <p:cNvSpPr/>
           <p:nvPr/>
         </p:nvSpPr>
         <p:spPr>
           <a:xfrm>
             <a:off x="0" y="0"/>
-            <a:ext cx="12192000" cy="6858000"/>
+            <a:ext cx="12192000" cy="365125"/>
           </a:xfrm>
           <a:prstGeom prst="rect">
             <a:avLst/>
           </a:prstGeom>
           <a:solidFill>
-            <a:schemeClr val="accent6">
+            <a:schemeClr val="accent4">
               <a:lumMod val="75000"/>
             </a:schemeClr>
           </a:solidFill>
-          <a:ln>
-            <a:solidFill>
-              <a:schemeClr val="tx1"/>
-            </a:solidFill>
-          </a:ln>
         </p:spPr>
         <p:style>
           <a:lnRef idx="2">
@@ -4750,6 +11362,131 @@
       </p:sp>
       <p:sp>
         <p:nvSpPr>
+          <p:cNvPr id="6" name="Rectángulo 5"/>
+          <p:cNvSpPr/>
+          <p:nvPr/>
+        </p:nvSpPr>
+        <p:spPr>
+          <a:xfrm>
+            <a:off x="0" y="6492875"/>
+            <a:ext cx="12192000" cy="365125"/>
+          </a:xfrm>
+          <a:prstGeom prst="rect">
+            <a:avLst/>
+          </a:prstGeom>
+          <a:solidFill>
+            <a:schemeClr val="accent4">
+              <a:lumMod val="75000"/>
+            </a:schemeClr>
+          </a:solidFill>
+        </p:spPr>
+        <p:style>
+          <a:lnRef idx="2">
+            <a:schemeClr val="accent1">
+              <a:shade val="50000"/>
+            </a:schemeClr>
+          </a:lnRef>
+          <a:fillRef idx="1">
+            <a:schemeClr val="accent1"/>
+          </a:fillRef>
+          <a:effectRef idx="0">
+            <a:schemeClr val="accent1"/>
+          </a:effectRef>
+          <a:fontRef idx="minor">
+            <a:schemeClr val="lt1"/>
+          </a:fontRef>
+        </p:style>
+        <p:txBody>
+          <a:bodyPr rtlCol="0" anchor="ctr"/>
+          <a:lstStyle/>
+          <a:p>
+            <a:pPr algn="ctr"/>
+            <a:endParaRPr lang="es-MX"/>
+          </a:p>
+        </p:txBody>
+      </p:sp>
+    </p:spTree>
+    <p:extLst>
+      <p:ext uri="{BB962C8B-B14F-4D97-AF65-F5344CB8AC3E}">
+        <p14:creationId xmlns:p14="http://schemas.microsoft.com/office/powerpoint/2010/main" val="2834681514"/>
+      </p:ext>
+    </p:extLst>
+  </p:cSld>
+  <p:clrMapOvr>
+    <a:masterClrMapping/>
+  </p:clrMapOvr>
+</p:sld>
+</file>
+
+<file path=ppt/slides/slide6.xml><?xml version="1.0" encoding="utf-8"?>
+<p:sld xmlns:a="http://schemas.openxmlformats.org/drawingml/2006/main" xmlns:r="http://schemas.openxmlformats.org/officeDocument/2006/relationships" xmlns:p="http://schemas.openxmlformats.org/presentationml/2006/main">
+  <p:cSld>
+    <p:spTree>
+      <p:nvGrpSpPr>
+        <p:cNvPr id="1" name=""/>
+        <p:cNvGrpSpPr/>
+        <p:nvPr/>
+      </p:nvGrpSpPr>
+      <p:grpSpPr>
+        <a:xfrm>
+          <a:off x="0" y="0"/>
+          <a:ext cx="0" cy="0"/>
+          <a:chOff x="0" y="0"/>
+          <a:chExt cx="0" cy="0"/>
+        </a:xfrm>
+      </p:grpSpPr>
+      <p:sp>
+        <p:nvSpPr>
+          <p:cNvPr id="4" name="Rectángulo 3"/>
+          <p:cNvSpPr/>
+          <p:nvPr/>
+        </p:nvSpPr>
+        <p:spPr>
+          <a:xfrm>
+            <a:off x="0" y="0"/>
+            <a:ext cx="12192000" cy="6858000"/>
+          </a:xfrm>
+          <a:prstGeom prst="rect">
+            <a:avLst/>
+          </a:prstGeom>
+          <a:solidFill>
+            <a:schemeClr val="accent6">
+              <a:lumMod val="75000"/>
+            </a:schemeClr>
+          </a:solidFill>
+          <a:ln>
+            <a:solidFill>
+              <a:schemeClr val="tx1"/>
+            </a:solidFill>
+          </a:ln>
+        </p:spPr>
+        <p:style>
+          <a:lnRef idx="2">
+            <a:schemeClr val="accent1">
+              <a:shade val="50000"/>
+            </a:schemeClr>
+          </a:lnRef>
+          <a:fillRef idx="1">
+            <a:schemeClr val="accent1"/>
+          </a:fillRef>
+          <a:effectRef idx="0">
+            <a:schemeClr val="accent1"/>
+          </a:effectRef>
+          <a:fontRef idx="minor">
+            <a:schemeClr val="lt1"/>
+          </a:fontRef>
+        </p:style>
+        <p:txBody>
+          <a:bodyPr rtlCol="0" anchor="ctr"/>
+          <a:lstStyle/>
+          <a:p>
+            <a:pPr algn="ctr"/>
+            <a:endParaRPr lang="es-MX"/>
+          </a:p>
+        </p:txBody>
+      </p:sp>
+      <p:sp>
+        <p:nvSpPr>
           <p:cNvPr id="2" name="Título 1"/>
           <p:cNvSpPr>
             <a:spLocks noGrp="1"/>
@@ -4827,7 +11564,7 @@
 </p:sld>
 </file>
 
-<file path=ppt/slides/slide6.xml><?xml version="1.0" encoding="utf-8"?>
+<file path=ppt/slides/slide7.xml><?xml version="1.0" encoding="utf-8"?>
 <p:sld xmlns:a="http://schemas.openxmlformats.org/drawingml/2006/main" xmlns:r="http://schemas.openxmlformats.org/officeDocument/2006/relationships" xmlns:p="http://schemas.openxmlformats.org/presentationml/2006/main">
   <p:cSld>
     <p:spTree>
@@ -5223,7 +11960,7 @@
 </p:sld>
 </file>
 
-<file path=ppt/slides/slide7.xml><?xml version="1.0" encoding="utf-8"?>
+<file path=ppt/slides/slide8.xml><?xml version="1.0" encoding="utf-8"?>
 <p:sld xmlns:a="http://schemas.openxmlformats.org/drawingml/2006/main" xmlns:r="http://schemas.openxmlformats.org/officeDocument/2006/relationships" xmlns:p="http://schemas.openxmlformats.org/presentationml/2006/main">
   <p:cSld>
     <p:spTree>
@@ -5420,297 +12157,6 @@
     <p:extLst>
       <p:ext uri="{BB962C8B-B14F-4D97-AF65-F5344CB8AC3E}">
         <p14:creationId xmlns:p14="http://schemas.microsoft.com/office/powerpoint/2010/main" val="4238565451"/>
-      </p:ext>
-    </p:extLst>
-  </p:cSld>
-  <p:clrMapOvr>
-    <a:masterClrMapping/>
-  </p:clrMapOvr>
-</p:sld>
-</file>
-
-<file path=ppt/slides/slide8.xml><?xml version="1.0" encoding="utf-8"?>
-<p:sld xmlns:a="http://schemas.openxmlformats.org/drawingml/2006/main" xmlns:r="http://schemas.openxmlformats.org/officeDocument/2006/relationships" xmlns:p="http://schemas.openxmlformats.org/presentationml/2006/main">
-  <p:cSld>
-    <p:spTree>
-      <p:nvGrpSpPr>
-        <p:cNvPr id="1" name=""/>
-        <p:cNvGrpSpPr/>
-        <p:nvPr/>
-      </p:nvGrpSpPr>
-      <p:grpSpPr>
-        <a:xfrm>
-          <a:off x="0" y="0"/>
-          <a:ext cx="0" cy="0"/>
-          <a:chOff x="0" y="0"/>
-          <a:chExt cx="0" cy="0"/>
-        </a:xfrm>
-      </p:grpSpPr>
-      <p:sp>
-        <p:nvSpPr>
-          <p:cNvPr id="2" name="1 Título"/>
-          <p:cNvSpPr>
-            <a:spLocks noGrp="1"/>
-          </p:cNvSpPr>
-          <p:nvPr>
-            <p:ph type="title"/>
-          </p:nvPr>
-        </p:nvSpPr>
-        <p:spPr/>
-        <p:txBody>
-          <a:bodyPr/>
-          <a:lstStyle/>
-          <a:p>
-            <a:endParaRPr lang="es-MX"/>
-          </a:p>
-        </p:txBody>
-      </p:sp>
-      <p:sp>
-        <p:nvSpPr>
-          <p:cNvPr id="3" name="2 Marcador de contenido"/>
-          <p:cNvSpPr>
-            <a:spLocks noGrp="1"/>
-          </p:cNvSpPr>
-          <p:nvPr>
-            <p:ph idx="1"/>
-          </p:nvPr>
-        </p:nvSpPr>
-        <p:spPr/>
-        <p:txBody>
-          <a:bodyPr/>
-          <a:lstStyle/>
-          <a:p>
-            <a:endParaRPr lang="es-MX"/>
-          </a:p>
-        </p:txBody>
-      </p:sp>
-      <p:sp>
-        <p:nvSpPr>
-          <p:cNvPr id="4" name="Rectángulo 3"/>
-          <p:cNvSpPr/>
-          <p:nvPr/>
-        </p:nvSpPr>
-        <p:spPr>
-          <a:xfrm>
-            <a:off x="0" y="0"/>
-            <a:ext cx="12192000" cy="6858000"/>
-          </a:xfrm>
-          <a:prstGeom prst="rect">
-            <a:avLst/>
-          </a:prstGeom>
-          <a:solidFill>
-            <a:schemeClr val="accent5">
-              <a:lumMod val="40000"/>
-              <a:lumOff val="60000"/>
-            </a:schemeClr>
-          </a:solidFill>
-          <a:ln>
-            <a:solidFill>
-              <a:schemeClr val="tx1"/>
-            </a:solidFill>
-          </a:ln>
-        </p:spPr>
-        <p:style>
-          <a:lnRef idx="2">
-            <a:schemeClr val="accent1">
-              <a:shade val="50000"/>
-            </a:schemeClr>
-          </a:lnRef>
-          <a:fillRef idx="1">
-            <a:schemeClr val="accent1"/>
-          </a:fillRef>
-          <a:effectRef idx="0">
-            <a:schemeClr val="accent1"/>
-          </a:effectRef>
-          <a:fontRef idx="minor">
-            <a:schemeClr val="lt1"/>
-          </a:fontRef>
-        </p:style>
-        <p:txBody>
-          <a:bodyPr rtlCol="0" anchor="ctr"/>
-          <a:lstStyle/>
-          <a:p>
-            <a:pPr algn="ctr"/>
-            <a:endParaRPr lang="es-MX"/>
-          </a:p>
-        </p:txBody>
-      </p:sp>
-      <p:sp>
-        <p:nvSpPr>
-          <p:cNvPr id="5" name="Título 1"/>
-          <p:cNvSpPr txBox="1">
-            <a:spLocks/>
-          </p:cNvSpPr>
-          <p:nvPr/>
-        </p:nvSpPr>
-        <p:spPr>
-          <a:xfrm>
-            <a:off x="298704" y="999744"/>
-            <a:ext cx="11594592" cy="5693664"/>
-          </a:xfrm>
-          <a:prstGeom prst="rect">
-            <a:avLst/>
-          </a:prstGeom>
-        </p:spPr>
-        <p:txBody>
-          <a:bodyPr vert="horz" lIns="91440" tIns="45720" rIns="91440" bIns="45720" rtlCol="0" anchor="ctr">
-            <a:normAutofit/>
-          </a:bodyPr>
-          <a:lstStyle>
-            <a:lvl1pPr algn="l" defTabSz="914400" rtl="0" eaLnBrk="1" latinLnBrk="0" hangingPunct="1">
-              <a:lnSpc>
-                <a:spcPct val="90000"/>
-              </a:lnSpc>
-              <a:spcBef>
-                <a:spcPct val="0"/>
-              </a:spcBef>
-              <a:buNone/>
-              <a:defRPr sz="4400" kern="1200">
-                <a:solidFill>
-                  <a:schemeClr val="tx1"/>
-                </a:solidFill>
-                <a:latin typeface="+mj-lt"/>
-                <a:ea typeface="+mj-ea"/>
-                <a:cs typeface="+mj-cs"/>
-              </a:defRPr>
-            </a:lvl1pPr>
-          </a:lstStyle>
-          <a:p>
-            <a:pPr marL="742950" indent="-742950">
-              <a:buAutoNum type="arabicPeriod"/>
-            </a:pPr>
-            <a:r>
-              <a:rPr lang="es-MX" b="1" dirty="0" smtClean="0">
-                <a:latin typeface="Adobe Gothic Std B" pitchFamily="34" charset="-128"/>
-                <a:ea typeface="Adobe Gothic Std B" pitchFamily="34" charset="-128"/>
-              </a:rPr>
-              <a:t>Dado que las funciones disponibles en R para implementar análisis factoriales solicitan especificar el número de factores, algunos autores recomiendan comenzar por análisis descriptivos más generales para explorar el número de factores más conveniente, </a:t>
-            </a:r>
-            <a:r>
-              <a:rPr lang="es-MX" b="1" dirty="0" err="1" smtClean="0">
-                <a:latin typeface="Adobe Gothic Std B" pitchFamily="34" charset="-128"/>
-                <a:ea typeface="Adobe Gothic Std B" pitchFamily="34" charset="-128"/>
-              </a:rPr>
-              <a:t>such</a:t>
-            </a:r>
-            <a:r>
-              <a:rPr lang="es-MX" b="1" dirty="0" smtClean="0">
-                <a:latin typeface="Adobe Gothic Std B" pitchFamily="34" charset="-128"/>
-                <a:ea typeface="Adobe Gothic Std B" pitchFamily="34" charset="-128"/>
-              </a:rPr>
-              <a:t> as:</a:t>
-            </a:r>
-          </a:p>
-          <a:p>
-            <a:pPr marL="1200150" lvl="1" indent="-742950">
-              <a:buAutoNum type="arabicPeriod"/>
-            </a:pPr>
-            <a:endParaRPr lang="es-MX" b="1" dirty="0">
-              <a:latin typeface="Adobe Gothic Std B" pitchFamily="34" charset="-128"/>
-              <a:ea typeface="Adobe Gothic Std B" pitchFamily="34" charset="-128"/>
-            </a:endParaRPr>
-          </a:p>
-          <a:p>
-            <a:pPr marL="1200150" lvl="1" indent="-742950">
-              <a:buAutoNum type="arabicPeriod"/>
-            </a:pPr>
-            <a:r>
-              <a:rPr lang="es-MX" b="1" dirty="0" smtClean="0">
-                <a:latin typeface="Adobe Gothic Std B" pitchFamily="34" charset="-128"/>
-                <a:ea typeface="Adobe Gothic Std B" pitchFamily="34" charset="-128"/>
-              </a:rPr>
-              <a:t>Análisis de Componentes Principales (PCA)</a:t>
-            </a:r>
-          </a:p>
-          <a:p>
-            <a:pPr marL="1200150" lvl="1" indent="-742950">
-              <a:buAutoNum type="arabicPeriod"/>
-            </a:pPr>
-            <a:r>
-              <a:rPr lang="es-MX" b="1" dirty="0" smtClean="0">
-                <a:latin typeface="Adobe Gothic Std B" pitchFamily="34" charset="-128"/>
-                <a:ea typeface="Adobe Gothic Std B" pitchFamily="34" charset="-128"/>
-              </a:rPr>
-              <a:t>Análisis Paralelo (PA)</a:t>
-            </a:r>
-          </a:p>
-          <a:p>
-            <a:pPr marL="1200150" lvl="1" indent="-742950">
-              <a:buAutoNum type="arabicPeriod"/>
-            </a:pPr>
-            <a:r>
-              <a:rPr lang="es-MX" b="1" dirty="0" smtClean="0">
-                <a:latin typeface="Adobe Gothic Std B" pitchFamily="34" charset="-128"/>
-                <a:ea typeface="Adobe Gothic Std B" pitchFamily="34" charset="-128"/>
-              </a:rPr>
-              <a:t>VSS (</a:t>
-            </a:r>
-            <a:r>
-              <a:rPr lang="es-MX" b="1" dirty="0" err="1" smtClean="0">
-                <a:latin typeface="Adobe Gothic Std B" pitchFamily="34" charset="-128"/>
-                <a:ea typeface="Adobe Gothic Std B" pitchFamily="34" charset="-128"/>
-              </a:rPr>
-              <a:t>Very</a:t>
-            </a:r>
-            <a:r>
-              <a:rPr lang="es-MX" b="1" dirty="0" smtClean="0">
-                <a:latin typeface="Adobe Gothic Std B" pitchFamily="34" charset="-128"/>
-                <a:ea typeface="Adobe Gothic Std B" pitchFamily="34" charset="-128"/>
-              </a:rPr>
-              <a:t> Simple </a:t>
-            </a:r>
-            <a:r>
-              <a:rPr lang="es-MX" b="1" dirty="0" err="1" smtClean="0">
-                <a:latin typeface="Adobe Gothic Std B" pitchFamily="34" charset="-128"/>
-                <a:ea typeface="Adobe Gothic Std B" pitchFamily="34" charset="-128"/>
-              </a:rPr>
-              <a:t>Structure</a:t>
-            </a:r>
-            <a:endParaRPr lang="es-MX" b="1" dirty="0" smtClean="0">
-              <a:latin typeface="Adobe Gothic Std B" pitchFamily="34" charset="-128"/>
-              <a:ea typeface="Adobe Gothic Std B" pitchFamily="34" charset="-128"/>
-            </a:endParaRPr>
-          </a:p>
-          <a:p>
-            <a:pPr marL="1200150" lvl="1" indent="-742950">
-              <a:buAutoNum type="arabicPeriod"/>
-            </a:pPr>
-            <a:endParaRPr lang="es-MX" b="1" dirty="0" smtClean="0">
-              <a:solidFill>
-                <a:schemeClr val="bg1"/>
-              </a:solidFill>
-              <a:latin typeface="Adobe Gothic Std B" pitchFamily="34" charset="-128"/>
-              <a:ea typeface="Adobe Gothic Std B" pitchFamily="34" charset="-128"/>
-            </a:endParaRPr>
-          </a:p>
-          <a:p>
-            <a:pPr marL="742950" indent="-742950">
-              <a:buAutoNum type="arabicPeriod"/>
-            </a:pPr>
-            <a:endParaRPr lang="es-MX" b="1" dirty="0" smtClean="0">
-              <a:solidFill>
-                <a:schemeClr val="bg1"/>
-              </a:solidFill>
-              <a:latin typeface="Adobe Gothic Std B" pitchFamily="34" charset="-128"/>
-              <a:ea typeface="Adobe Gothic Std B" pitchFamily="34" charset="-128"/>
-            </a:endParaRPr>
-          </a:p>
-          <a:p>
-            <a:pPr algn="ctr"/>
-            <a:endParaRPr lang="es-MX" b="1" dirty="0">
-              <a:solidFill>
-                <a:schemeClr val="bg1"/>
-              </a:solidFill>
-              <a:latin typeface="Adobe Gothic Std B" pitchFamily="34" charset="-128"/>
-              <a:ea typeface="Adobe Gothic Std B" pitchFamily="34" charset="-128"/>
-            </a:endParaRPr>
-          </a:p>
-        </p:txBody>
-      </p:sp>
-    </p:spTree>
-    <p:extLst>
-      <p:ext uri="{BB962C8B-B14F-4D97-AF65-F5344CB8AC3E}">
-        <p14:creationId xmlns:p14="http://schemas.microsoft.com/office/powerpoint/2010/main" val="1163442750"/>
       </p:ext>
     </p:extLst>
   </p:cSld>
@@ -5737,70 +12183,6 @@
           <a:chExt cx="0" cy="0"/>
         </a:xfrm>
       </p:grpSpPr>
-      <p:pic>
-        <p:nvPicPr>
-          <p:cNvPr id="2050" name="Picture 2"/>
-          <p:cNvPicPr>
-            <a:picLocks noChangeAspect="1" noChangeArrowheads="1"/>
-          </p:cNvPicPr>
-          <p:nvPr/>
-        </p:nvPicPr>
-        <p:blipFill>
-          <a:blip r:embed="rId2">
-            <a:extLst>
-              <a:ext uri="{28A0092B-C50C-407E-A947-70E740481C1C}">
-                <a14:useLocalDpi xmlns:a14="http://schemas.microsoft.com/office/drawing/2010/main" val="0"/>
-              </a:ext>
-            </a:extLst>
-          </a:blip>
-          <a:srcRect/>
-          <a:stretch>
-            <a:fillRect/>
-          </a:stretch>
-        </p:blipFill>
-        <p:spPr bwMode="auto">
-          <a:xfrm>
-            <a:off x="3686479" y="68896"/>
-            <a:ext cx="8505521" cy="6606540"/>
-          </a:xfrm>
-          <a:prstGeom prst="rect">
-            <a:avLst/>
-          </a:prstGeom>
-          <a:noFill/>
-          <a:ln>
-            <a:noFill/>
-          </a:ln>
-          <a:effectLst/>
-          <a:extLst>
-            <a:ext uri="{909E8E84-426E-40DD-AFC4-6F175D3DCCD1}">
-              <a14:hiddenFill xmlns:a14="http://schemas.microsoft.com/office/drawing/2010/main">
-                <a:solidFill>
-                  <a:schemeClr val="accent1"/>
-                </a:solidFill>
-              </a14:hiddenFill>
-            </a:ext>
-            <a:ext uri="{91240B29-F687-4F45-9708-019B960494DF}">
-              <a14:hiddenLine xmlns:a14="http://schemas.microsoft.com/office/drawing/2010/main" w="9525">
-                <a:solidFill>
-                  <a:schemeClr val="tx1"/>
-                </a:solidFill>
-                <a:miter lim="800000"/>
-                <a:headEnd/>
-                <a:tailEnd/>
-              </a14:hiddenLine>
-            </a:ext>
-            <a:ext uri="{AF507438-7753-43E0-B8FC-AC1667EBCBE1}">
-              <a14:hiddenEffects xmlns:a14="http://schemas.microsoft.com/office/drawing/2010/main">
-                <a:effectLst>
-                  <a:outerShdw dist="35921" dir="2700000" algn="ctr" rotWithShape="0">
-                    <a:schemeClr val="bg2"/>
-                  </a:outerShdw>
-                </a:effectLst>
-              </a14:hiddenEffects>
-            </a:ext>
-          </a:extLst>
-        </p:spPr>
-      </p:pic>
       <p:sp>
         <p:nvSpPr>
           <p:cNvPr id="2" name="1 Título"/>
@@ -5841,14 +12223,14 @@
       </p:sp>
       <p:sp>
         <p:nvSpPr>
-          <p:cNvPr id="4" name="Rectángulo 5"/>
+          <p:cNvPr id="4" name="Rectángulo 3"/>
           <p:cNvSpPr/>
           <p:nvPr/>
         </p:nvSpPr>
         <p:spPr>
           <a:xfrm>
             <a:off x="0" y="0"/>
-            <a:ext cx="12192000" cy="365125"/>
+            <a:ext cx="12192000" cy="6858000"/>
           </a:xfrm>
           <a:prstGeom prst="rect">
             <a:avLst/>
@@ -5859,6 +12241,11 @@
               <a:lumOff val="60000"/>
             </a:schemeClr>
           </a:solidFill>
+          <a:ln>
+            <a:solidFill>
+              <a:schemeClr val="tx1"/>
+            </a:solidFill>
+          </a:ln>
         </p:spPr>
         <p:style>
           <a:lnRef idx="2">
@@ -5887,210 +12274,241 @@
       </p:sp>
       <p:sp>
         <p:nvSpPr>
-          <p:cNvPr id="5" name="Rectángulo 6"/>
-          <p:cNvSpPr/>
+          <p:cNvPr id="5" name="Título 1"/>
+          <p:cNvSpPr txBox="1">
+            <a:spLocks/>
+          </p:cNvSpPr>
           <p:nvPr/>
         </p:nvSpPr>
         <p:spPr>
           <a:xfrm>
-            <a:off x="0" y="6492875"/>
-            <a:ext cx="12192000" cy="365125"/>
+            <a:off x="298704" y="999744"/>
+            <a:ext cx="11594592" cy="5693664"/>
           </a:xfrm>
           <a:prstGeom prst="rect">
             <a:avLst/>
           </a:prstGeom>
-          <a:solidFill>
-            <a:schemeClr val="accent6">
-              <a:lumMod val="75000"/>
-            </a:schemeClr>
-          </a:solidFill>
-        </p:spPr>
-        <p:style>
-          <a:lnRef idx="2">
-            <a:schemeClr val="accent1">
-              <a:shade val="50000"/>
-            </a:schemeClr>
-          </a:lnRef>
-          <a:fillRef idx="1">
-            <a:schemeClr val="accent1"/>
-          </a:fillRef>
-          <a:effectRef idx="0">
-            <a:schemeClr val="accent1"/>
-          </a:effectRef>
-          <a:fontRef idx="minor">
-            <a:schemeClr val="lt1"/>
-          </a:fontRef>
-        </p:style>
-        <p:txBody>
-          <a:bodyPr rtlCol="0" anchor="ctr"/>
-          <a:lstStyle/>
+        </p:spPr>
+        <p:txBody>
+          <a:bodyPr vert="horz" lIns="91440" tIns="45720" rIns="91440" bIns="45720" rtlCol="0" anchor="ctr">
+            <a:normAutofit/>
+          </a:bodyPr>
+          <a:lstStyle>
+            <a:lvl1pPr algn="l" defTabSz="914400" rtl="0" eaLnBrk="1" latinLnBrk="0" hangingPunct="1">
+              <a:lnSpc>
+                <a:spcPct val="90000"/>
+              </a:lnSpc>
+              <a:spcBef>
+                <a:spcPct val="0"/>
+              </a:spcBef>
+              <a:buNone/>
+              <a:defRPr sz="4400" kern="1200">
+                <a:solidFill>
+                  <a:schemeClr val="tx1"/>
+                </a:solidFill>
+                <a:latin typeface="+mj-lt"/>
+                <a:ea typeface="+mj-ea"/>
+                <a:cs typeface="+mj-cs"/>
+              </a:defRPr>
+            </a:lvl1pPr>
+          </a:lstStyle>
+          <a:p>
+            <a:pPr marL="742950" indent="-742950">
+              <a:buAutoNum type="arabicPeriod"/>
+            </a:pPr>
+            <a:r>
+              <a:rPr lang="es-MX" b="1" dirty="0" smtClean="0">
+                <a:latin typeface="Adobe Gothic Std B" pitchFamily="34" charset="-128"/>
+                <a:ea typeface="Adobe Gothic Std B" pitchFamily="34" charset="-128"/>
+              </a:rPr>
+              <a:t>Dado que las funciones disponibles en R para implementar análisis factoriales solicitan especificar el número de factores, algunos autores recomiendan </a:t>
+            </a:r>
+            <a:r>
+              <a:rPr lang="es-MX" b="1" dirty="0" smtClean="0">
+                <a:latin typeface="Adobe Gothic Std B" pitchFamily="34" charset="-128"/>
+                <a:ea typeface="Adobe Gothic Std B" pitchFamily="34" charset="-128"/>
+              </a:rPr>
+              <a:t>realizar análisis de componentes </a:t>
+            </a:r>
+            <a:r>
+              <a:rPr lang="es-MX" b="1" dirty="0" smtClean="0">
+                <a:latin typeface="Adobe Gothic Std B" pitchFamily="34" charset="-128"/>
+                <a:ea typeface="Adobe Gothic Std B" pitchFamily="34" charset="-128"/>
+              </a:rPr>
+              <a:t>para explorar los datos y tener una idea de cuál podría ser un </a:t>
+            </a:r>
+            <a:r>
+              <a:rPr lang="es-MX" b="1" dirty="0" smtClean="0">
+                <a:latin typeface="Adobe Gothic Std B" pitchFamily="34" charset="-128"/>
+                <a:ea typeface="Adobe Gothic Std B" pitchFamily="34" charset="-128"/>
+              </a:rPr>
+              <a:t>número de </a:t>
+            </a:r>
+            <a:r>
+              <a:rPr lang="es-MX" b="1" dirty="0" smtClean="0">
+                <a:latin typeface="Adobe Gothic Std B" pitchFamily="34" charset="-128"/>
+                <a:ea typeface="Adobe Gothic Std B" pitchFamily="34" charset="-128"/>
+              </a:rPr>
+              <a:t>factores adecuado a los datos, </a:t>
+            </a:r>
+            <a:r>
+              <a:rPr lang="es-MX" b="1" dirty="0" err="1" smtClean="0">
+                <a:latin typeface="Adobe Gothic Std B" pitchFamily="34" charset="-128"/>
+                <a:ea typeface="Adobe Gothic Std B" pitchFamily="34" charset="-128"/>
+              </a:rPr>
+              <a:t>such</a:t>
+            </a:r>
+            <a:r>
+              <a:rPr lang="es-MX" b="1" dirty="0" smtClean="0">
+                <a:latin typeface="Adobe Gothic Std B" pitchFamily="34" charset="-128"/>
+                <a:ea typeface="Adobe Gothic Std B" pitchFamily="34" charset="-128"/>
+              </a:rPr>
+              <a:t> as:</a:t>
+            </a:r>
+          </a:p>
+          <a:p>
+            <a:pPr marL="1200150" lvl="1" indent="-742950">
+              <a:buAutoNum type="arabicPeriod"/>
+            </a:pPr>
+            <a:endParaRPr lang="es-MX" b="1" dirty="0">
+              <a:latin typeface="Adobe Gothic Std B" pitchFamily="34" charset="-128"/>
+              <a:ea typeface="Adobe Gothic Std B" pitchFamily="34" charset="-128"/>
+            </a:endParaRPr>
+          </a:p>
+          <a:p>
+            <a:pPr marL="1200150" lvl="1" indent="-742950">
+              <a:buAutoNum type="arabicPeriod"/>
+            </a:pPr>
+            <a:r>
+              <a:rPr lang="es-MX" b="1" dirty="0" smtClean="0">
+                <a:latin typeface="Adobe Gothic Std B" pitchFamily="34" charset="-128"/>
+                <a:ea typeface="Adobe Gothic Std B" pitchFamily="34" charset="-128"/>
+              </a:rPr>
+              <a:t>Análisis de Componentes Principales (PCA</a:t>
+            </a:r>
+            <a:r>
+              <a:rPr lang="es-MX" b="1" dirty="0" smtClean="0">
+                <a:latin typeface="Adobe Gothic Std B" pitchFamily="34" charset="-128"/>
+                <a:ea typeface="Adobe Gothic Std B" pitchFamily="34" charset="-128"/>
+              </a:rPr>
+              <a:t>)  </a:t>
+            </a:r>
+            <a:r>
+              <a:rPr lang="es-MX" dirty="0"/>
+              <a:t>✔</a:t>
+            </a:r>
+            <a:endParaRPr lang="es-MX" b="1" dirty="0" smtClean="0">
+              <a:latin typeface="Adobe Gothic Std B" pitchFamily="34" charset="-128"/>
+              <a:ea typeface="Adobe Gothic Std B" pitchFamily="34" charset="-128"/>
+            </a:endParaRPr>
+          </a:p>
+          <a:p>
+            <a:pPr marL="1200150" lvl="1" indent="-742950">
+              <a:buAutoNum type="arabicPeriod"/>
+            </a:pPr>
+            <a:r>
+              <a:rPr lang="es-MX" b="1" dirty="0" smtClean="0">
+                <a:latin typeface="Adobe Gothic Std B" pitchFamily="34" charset="-128"/>
+                <a:ea typeface="Adobe Gothic Std B" pitchFamily="34" charset="-128"/>
+              </a:rPr>
+              <a:t>Análisis Paralelo (PA</a:t>
+            </a:r>
+            <a:r>
+              <a:rPr lang="es-MX" b="1" dirty="0" smtClean="0">
+                <a:latin typeface="Adobe Gothic Std B" pitchFamily="34" charset="-128"/>
+                <a:ea typeface="Adobe Gothic Std B" pitchFamily="34" charset="-128"/>
+              </a:rPr>
+              <a:t>)  </a:t>
+            </a:r>
+            <a:r>
+              <a:rPr lang="es-MX" dirty="0"/>
+              <a:t>✔</a:t>
+            </a:r>
+            <a:endParaRPr lang="es-MX" b="1" dirty="0" smtClean="0">
+              <a:latin typeface="Adobe Gothic Std B" pitchFamily="34" charset="-128"/>
+              <a:ea typeface="Adobe Gothic Std B" pitchFamily="34" charset="-128"/>
+            </a:endParaRPr>
+          </a:p>
+          <a:p>
+            <a:pPr marL="1200150" lvl="1" indent="-742950">
+              <a:buAutoNum type="arabicPeriod"/>
+            </a:pPr>
+            <a:r>
+              <a:rPr lang="es-MX" b="1" dirty="0" smtClean="0">
+                <a:latin typeface="Adobe Gothic Std B" pitchFamily="34" charset="-128"/>
+                <a:ea typeface="Adobe Gothic Std B" pitchFamily="34" charset="-128"/>
+              </a:rPr>
+              <a:t>VSS (</a:t>
+            </a:r>
+            <a:r>
+              <a:rPr lang="es-MX" b="1" dirty="0" err="1" smtClean="0">
+                <a:latin typeface="Adobe Gothic Std B" pitchFamily="34" charset="-128"/>
+                <a:ea typeface="Adobe Gothic Std B" pitchFamily="34" charset="-128"/>
+              </a:rPr>
+              <a:t>Very</a:t>
+            </a:r>
+            <a:r>
+              <a:rPr lang="es-MX" b="1" dirty="0" smtClean="0">
+                <a:latin typeface="Adobe Gothic Std B" pitchFamily="34" charset="-128"/>
+                <a:ea typeface="Adobe Gothic Std B" pitchFamily="34" charset="-128"/>
+              </a:rPr>
+              <a:t> Simple </a:t>
+            </a:r>
+            <a:r>
+              <a:rPr lang="es-MX" b="1" dirty="0" err="1" smtClean="0">
+                <a:latin typeface="Adobe Gothic Std B" pitchFamily="34" charset="-128"/>
+                <a:ea typeface="Adobe Gothic Std B" pitchFamily="34" charset="-128"/>
+              </a:rPr>
+              <a:t>Structure</a:t>
+            </a:r>
+            <a:r>
+              <a:rPr lang="es-MX" b="1" dirty="0" smtClean="0">
+                <a:latin typeface="Adobe Gothic Std B" pitchFamily="34" charset="-128"/>
+                <a:ea typeface="Adobe Gothic Std B" pitchFamily="34" charset="-128"/>
+              </a:rPr>
+              <a:t>) </a:t>
+            </a:r>
+          </a:p>
+          <a:p>
+            <a:pPr marL="1200150" lvl="1" indent="-742950">
+              <a:buAutoNum type="arabicPeriod"/>
+            </a:pPr>
+            <a:endParaRPr lang="es-MX" b="1" dirty="0" smtClean="0">
+              <a:solidFill>
+                <a:schemeClr val="bg1"/>
+              </a:solidFill>
+              <a:latin typeface="Adobe Gothic Std B" pitchFamily="34" charset="-128"/>
+              <a:ea typeface="Adobe Gothic Std B" pitchFamily="34" charset="-128"/>
+            </a:endParaRPr>
+          </a:p>
+          <a:p>
+            <a:pPr marL="742950" indent="-742950">
+              <a:buAutoNum type="arabicPeriod"/>
+            </a:pPr>
+            <a:endParaRPr lang="es-MX" b="1" dirty="0" smtClean="0">
+              <a:solidFill>
+                <a:schemeClr val="bg1"/>
+              </a:solidFill>
+              <a:latin typeface="Adobe Gothic Std B" pitchFamily="34" charset="-128"/>
+              <a:ea typeface="Adobe Gothic Std B" pitchFamily="34" charset="-128"/>
+            </a:endParaRPr>
+          </a:p>
           <a:p>
             <a:pPr algn="ctr"/>
-            <a:endParaRPr lang="es-MX"/>
-          </a:p>
-        </p:txBody>
-      </p:sp>
-      <p:sp>
-        <p:nvSpPr>
-          <p:cNvPr id="7" name="Rectángulo 5"/>
-          <p:cNvSpPr/>
-          <p:nvPr/>
-        </p:nvSpPr>
-        <p:spPr>
-          <a:xfrm>
-            <a:off x="0" y="-1"/>
-            <a:ext cx="12192000" cy="365125"/>
-          </a:xfrm>
-          <a:prstGeom prst="rect">
-            <a:avLst/>
-          </a:prstGeom>
-          <a:solidFill>
-            <a:schemeClr val="accent5">
-              <a:lumMod val="40000"/>
-              <a:lumOff val="60000"/>
-            </a:schemeClr>
-          </a:solidFill>
-          <a:ln>
-            <a:solidFill>
-              <a:schemeClr val="accent1"/>
-            </a:solidFill>
-          </a:ln>
-        </p:spPr>
-        <p:style>
-          <a:lnRef idx="2">
-            <a:schemeClr val="accent1">
-              <a:shade val="50000"/>
-            </a:schemeClr>
-          </a:lnRef>
-          <a:fillRef idx="1">
-            <a:schemeClr val="accent1"/>
-          </a:fillRef>
-          <a:effectRef idx="0">
-            <a:schemeClr val="accent1"/>
-          </a:effectRef>
-          <a:fontRef idx="minor">
-            <a:schemeClr val="lt1"/>
-          </a:fontRef>
-        </p:style>
-        <p:txBody>
-          <a:bodyPr rtlCol="0" anchor="ctr"/>
-          <a:lstStyle/>
-          <a:p>
-            <a:pPr algn="ctr"/>
-            <a:endParaRPr lang="es-MX"/>
-          </a:p>
-        </p:txBody>
-      </p:sp>
-      <p:sp>
-        <p:nvSpPr>
-          <p:cNvPr id="8" name="Rectángulo 6"/>
-          <p:cNvSpPr/>
-          <p:nvPr/>
-        </p:nvSpPr>
-        <p:spPr>
-          <a:xfrm>
-            <a:off x="0" y="6492874"/>
-            <a:ext cx="12192000" cy="365125"/>
-          </a:xfrm>
-          <a:prstGeom prst="rect">
-            <a:avLst/>
-          </a:prstGeom>
-          <a:solidFill>
-            <a:schemeClr val="accent5">
-              <a:lumMod val="40000"/>
-              <a:lumOff val="60000"/>
-            </a:schemeClr>
-          </a:solidFill>
-          <a:ln>
-            <a:solidFill>
-              <a:schemeClr val="accent1"/>
-            </a:solidFill>
-          </a:ln>
-        </p:spPr>
-        <p:style>
-          <a:lnRef idx="2">
-            <a:schemeClr val="accent1">
-              <a:shade val="50000"/>
-            </a:schemeClr>
-          </a:lnRef>
-          <a:fillRef idx="1">
-            <a:schemeClr val="accent1"/>
-          </a:fillRef>
-          <a:effectRef idx="0">
-            <a:schemeClr val="accent1"/>
-          </a:effectRef>
-          <a:fontRef idx="minor">
-            <a:schemeClr val="lt1"/>
-          </a:fontRef>
-        </p:style>
-        <p:txBody>
-          <a:bodyPr rtlCol="0" anchor="ctr"/>
-          <a:lstStyle/>
-          <a:p>
-            <a:pPr algn="ctr"/>
-            <a:endParaRPr lang="es-MX"/>
-          </a:p>
-        </p:txBody>
-      </p:sp>
-      <p:sp>
-        <p:nvSpPr>
-          <p:cNvPr id="9" name="Rectángulo 3"/>
-          <p:cNvSpPr/>
-          <p:nvPr/>
-        </p:nvSpPr>
-        <p:spPr>
-          <a:xfrm>
-            <a:off x="8900160" y="0"/>
-            <a:ext cx="3291840" cy="963168"/>
-          </a:xfrm>
-          <a:prstGeom prst="rect">
-            <a:avLst/>
-          </a:prstGeom>
-          <a:solidFill>
-            <a:schemeClr val="accent5">
-              <a:lumMod val="40000"/>
-              <a:lumOff val="60000"/>
-            </a:schemeClr>
-          </a:solidFill>
-          <a:ln>
-            <a:solidFill>
-              <a:schemeClr val="tx1"/>
-            </a:solidFill>
-          </a:ln>
-        </p:spPr>
-        <p:style>
-          <a:lnRef idx="2">
-            <a:schemeClr val="accent1">
-              <a:shade val="50000"/>
-            </a:schemeClr>
-          </a:lnRef>
-          <a:fillRef idx="1">
-            <a:schemeClr val="accent1"/>
-          </a:fillRef>
-          <a:effectRef idx="0">
-            <a:schemeClr val="accent1"/>
-          </a:effectRef>
-          <a:fontRef idx="minor">
-            <a:schemeClr val="lt1"/>
-          </a:fontRef>
-        </p:style>
-        <p:txBody>
-          <a:bodyPr rtlCol="0" anchor="ctr"/>
-          <a:lstStyle/>
-          <a:p>
-            <a:pPr algn="ctr"/>
-            <a:r>
-              <a:rPr lang="es-MX" sz="5000" b="1" dirty="0" smtClean="0"/>
-              <a:t>PCA</a:t>
-            </a:r>
-            <a:endParaRPr lang="es-MX" sz="5000" b="1" dirty="0"/>
+            <a:endParaRPr lang="es-MX" b="1" dirty="0">
+              <a:solidFill>
+                <a:schemeClr val="bg1"/>
+              </a:solidFill>
+              <a:latin typeface="Adobe Gothic Std B" pitchFamily="34" charset="-128"/>
+              <a:ea typeface="Adobe Gothic Std B" pitchFamily="34" charset="-128"/>
+            </a:endParaRPr>
           </a:p>
         </p:txBody>
       </p:sp>
     </p:spTree>
     <p:extLst>
       <p:ext uri="{BB962C8B-B14F-4D97-AF65-F5344CB8AC3E}">
-        <p14:creationId xmlns:p14="http://schemas.microsoft.com/office/powerpoint/2010/main" val="1569702266"/>
+        <p14:creationId xmlns:p14="http://schemas.microsoft.com/office/powerpoint/2010/main" val="1163442750"/>
       </p:ext>
     </p:extLst>
   </p:cSld>
@@ -6355,7 +12773,268 @@
   <a:extraClrSchemeLst/>
   <a:extLst>
     <a:ext uri="{05A4C25C-085E-4340-85A3-A5531E510DB2}">
-      <thm15:themeFamily xmlns:thm15="http://schemas.microsoft.com/office/thememl/2012/main" xmlns="" name="Office Theme" id="{62F939B6-93AF-4DB8-9C6B-D6C7DFDC589F}" vid="{4A3C46E8-61CC-4603-A589-7422A47A8E4A}"/>
+      <thm15:themeFamily xmlns:thm15="http://schemas.microsoft.com/office/thememl/2012/main" name="Office Theme" id="{62F939B6-93AF-4DB8-9C6B-D6C7DFDC589F}" vid="{4A3C46E8-61CC-4603-A589-7422A47A8E4A}"/>
+    </a:ext>
+  </a:extLst>
+</a:theme>
+</file>
+
+<file path=ppt/theme/theme2.xml><?xml version="1.0" encoding="utf-8"?>
+<a:theme xmlns:a="http://schemas.openxmlformats.org/drawingml/2006/main" name="Tema de Office">
+  <a:themeElements>
+    <a:clrScheme name="Office">
+      <a:dk1>
+        <a:sysClr val="windowText" lastClr="000000"/>
+      </a:dk1>
+      <a:lt1>
+        <a:sysClr val="window" lastClr="FFFFFF"/>
+      </a:lt1>
+      <a:dk2>
+        <a:srgbClr val="44546A"/>
+      </a:dk2>
+      <a:lt2>
+        <a:srgbClr val="E7E6E6"/>
+      </a:lt2>
+      <a:accent1>
+        <a:srgbClr val="5B9BD5"/>
+      </a:accent1>
+      <a:accent2>
+        <a:srgbClr val="ED7D31"/>
+      </a:accent2>
+      <a:accent3>
+        <a:srgbClr val="A5A5A5"/>
+      </a:accent3>
+      <a:accent4>
+        <a:srgbClr val="FFC000"/>
+      </a:accent4>
+      <a:accent5>
+        <a:srgbClr val="4472C4"/>
+      </a:accent5>
+      <a:accent6>
+        <a:srgbClr val="70AD47"/>
+      </a:accent6>
+      <a:hlink>
+        <a:srgbClr val="0563C1"/>
+      </a:hlink>
+      <a:folHlink>
+        <a:srgbClr val="954F72"/>
+      </a:folHlink>
+    </a:clrScheme>
+    <a:fontScheme name="Office">
+      <a:majorFont>
+        <a:latin typeface="Calibri Light" panose="020F0302020204030204"/>
+        <a:ea typeface=""/>
+        <a:cs typeface=""/>
+        <a:font script="Jpan" typeface="ＭＳ Ｐゴシック"/>
+        <a:font script="Hang" typeface="맑은 고딕"/>
+        <a:font script="Hans" typeface="宋体"/>
+        <a:font script="Hant" typeface="新細明體"/>
+        <a:font script="Arab" typeface="Times New Roman"/>
+        <a:font script="Hebr" typeface="Times New Roman"/>
+        <a:font script="Thai" typeface="Angsana New"/>
+        <a:font script="Ethi" typeface="Nyala"/>
+        <a:font script="Beng" typeface="Vrinda"/>
+        <a:font script="Gujr" typeface="Shruti"/>
+        <a:font script="Khmr" typeface="MoolBoran"/>
+        <a:font script="Knda" typeface="Tunga"/>
+        <a:font script="Guru" typeface="Raavi"/>
+        <a:font script="Cans" typeface="Euphemia"/>
+        <a:font script="Cher" typeface="Plantagenet Cherokee"/>
+        <a:font script="Yiii" typeface="Microsoft Yi Baiti"/>
+        <a:font script="Tibt" typeface="Microsoft Himalaya"/>
+        <a:font script="Thaa" typeface="MV Boli"/>
+        <a:font script="Deva" typeface="Mangal"/>
+        <a:font script="Telu" typeface="Gautami"/>
+        <a:font script="Taml" typeface="Latha"/>
+        <a:font script="Syrc" typeface="Estrangelo Edessa"/>
+        <a:font script="Orya" typeface="Kalinga"/>
+        <a:font script="Mlym" typeface="Kartika"/>
+        <a:font script="Laoo" typeface="DokChampa"/>
+        <a:font script="Sinh" typeface="Iskoola Pota"/>
+        <a:font script="Mong" typeface="Mongolian Baiti"/>
+        <a:font script="Viet" typeface="Times New Roman"/>
+        <a:font script="Uigh" typeface="Microsoft Uighur"/>
+        <a:font script="Geor" typeface="Sylfaen"/>
+      </a:majorFont>
+      <a:minorFont>
+        <a:latin typeface="Calibri" panose="020F0502020204030204"/>
+        <a:ea typeface=""/>
+        <a:cs typeface=""/>
+        <a:font script="Jpan" typeface="ＭＳ Ｐゴシック"/>
+        <a:font script="Hang" typeface="맑은 고딕"/>
+        <a:font script="Hans" typeface="宋体"/>
+        <a:font script="Hant" typeface="新細明體"/>
+        <a:font script="Arab" typeface="Arial"/>
+        <a:font script="Hebr" typeface="Arial"/>
+        <a:font script="Thai" typeface="Cordia New"/>
+        <a:font script="Ethi" typeface="Nyala"/>
+        <a:font script="Beng" typeface="Vrinda"/>
+        <a:font script="Gujr" typeface="Shruti"/>
+        <a:font script="Khmr" typeface="DaunPenh"/>
+        <a:font script="Knda" typeface="Tunga"/>
+        <a:font script="Guru" typeface="Raavi"/>
+        <a:font script="Cans" typeface="Euphemia"/>
+        <a:font script="Cher" typeface="Plantagenet Cherokee"/>
+        <a:font script="Yiii" typeface="Microsoft Yi Baiti"/>
+        <a:font script="Tibt" typeface="Microsoft Himalaya"/>
+        <a:font script="Thaa" typeface="MV Boli"/>
+        <a:font script="Deva" typeface="Mangal"/>
+        <a:font script="Telu" typeface="Gautami"/>
+        <a:font script="Taml" typeface="Latha"/>
+        <a:font script="Syrc" typeface="Estrangelo Edessa"/>
+        <a:font script="Orya" typeface="Kalinga"/>
+        <a:font script="Mlym" typeface="Kartika"/>
+        <a:font script="Laoo" typeface="DokChampa"/>
+        <a:font script="Sinh" typeface="Iskoola Pota"/>
+        <a:font script="Mong" typeface="Mongolian Baiti"/>
+        <a:font script="Viet" typeface="Arial"/>
+        <a:font script="Uigh" typeface="Microsoft Uighur"/>
+        <a:font script="Geor" typeface="Sylfaen"/>
+      </a:minorFont>
+    </a:fontScheme>
+    <a:fmtScheme name="Office">
+      <a:fillStyleLst>
+        <a:solidFill>
+          <a:schemeClr val="phClr"/>
+        </a:solidFill>
+        <a:gradFill rotWithShape="1">
+          <a:gsLst>
+            <a:gs pos="0">
+              <a:schemeClr val="phClr">
+                <a:lumMod val="110000"/>
+                <a:satMod val="105000"/>
+                <a:tint val="67000"/>
+              </a:schemeClr>
+            </a:gs>
+            <a:gs pos="50000">
+              <a:schemeClr val="phClr">
+                <a:lumMod val="105000"/>
+                <a:satMod val="103000"/>
+                <a:tint val="73000"/>
+              </a:schemeClr>
+            </a:gs>
+            <a:gs pos="100000">
+              <a:schemeClr val="phClr">
+                <a:lumMod val="105000"/>
+                <a:satMod val="109000"/>
+                <a:tint val="81000"/>
+              </a:schemeClr>
+            </a:gs>
+          </a:gsLst>
+          <a:lin ang="5400000" scaled="0"/>
+        </a:gradFill>
+        <a:gradFill rotWithShape="1">
+          <a:gsLst>
+            <a:gs pos="0">
+              <a:schemeClr val="phClr">
+                <a:satMod val="103000"/>
+                <a:lumMod val="102000"/>
+                <a:tint val="94000"/>
+              </a:schemeClr>
+            </a:gs>
+            <a:gs pos="50000">
+              <a:schemeClr val="phClr">
+                <a:satMod val="110000"/>
+                <a:lumMod val="100000"/>
+                <a:shade val="100000"/>
+              </a:schemeClr>
+            </a:gs>
+            <a:gs pos="100000">
+              <a:schemeClr val="phClr">
+                <a:lumMod val="99000"/>
+                <a:satMod val="120000"/>
+                <a:shade val="78000"/>
+              </a:schemeClr>
+            </a:gs>
+          </a:gsLst>
+          <a:lin ang="5400000" scaled="0"/>
+        </a:gradFill>
+      </a:fillStyleLst>
+      <a:lnStyleLst>
+        <a:ln w="6350" cap="flat" cmpd="sng" algn="ctr">
+          <a:solidFill>
+            <a:schemeClr val="phClr"/>
+          </a:solidFill>
+          <a:prstDash val="solid"/>
+          <a:miter lim="800000"/>
+        </a:ln>
+        <a:ln w="12700" cap="flat" cmpd="sng" algn="ctr">
+          <a:solidFill>
+            <a:schemeClr val="phClr"/>
+          </a:solidFill>
+          <a:prstDash val="solid"/>
+          <a:miter lim="800000"/>
+        </a:ln>
+        <a:ln w="19050" cap="flat" cmpd="sng" algn="ctr">
+          <a:solidFill>
+            <a:schemeClr val="phClr"/>
+          </a:solidFill>
+          <a:prstDash val="solid"/>
+          <a:miter lim="800000"/>
+        </a:ln>
+      </a:lnStyleLst>
+      <a:effectStyleLst>
+        <a:effectStyle>
+          <a:effectLst/>
+        </a:effectStyle>
+        <a:effectStyle>
+          <a:effectLst/>
+        </a:effectStyle>
+        <a:effectStyle>
+          <a:effectLst>
+            <a:outerShdw blurRad="57150" dist="19050" dir="5400000" algn="ctr" rotWithShape="0">
+              <a:srgbClr val="000000">
+                <a:alpha val="63000"/>
+              </a:srgbClr>
+            </a:outerShdw>
+          </a:effectLst>
+        </a:effectStyle>
+      </a:effectStyleLst>
+      <a:bgFillStyleLst>
+        <a:solidFill>
+          <a:schemeClr val="phClr"/>
+        </a:solidFill>
+        <a:solidFill>
+          <a:schemeClr val="phClr">
+            <a:tint val="95000"/>
+            <a:satMod val="170000"/>
+          </a:schemeClr>
+        </a:solidFill>
+        <a:gradFill rotWithShape="1">
+          <a:gsLst>
+            <a:gs pos="0">
+              <a:schemeClr val="phClr">
+                <a:tint val="93000"/>
+                <a:satMod val="150000"/>
+                <a:shade val="98000"/>
+                <a:lumMod val="102000"/>
+              </a:schemeClr>
+            </a:gs>
+            <a:gs pos="50000">
+              <a:schemeClr val="phClr">
+                <a:tint val="98000"/>
+                <a:satMod val="130000"/>
+                <a:shade val="90000"/>
+                <a:lumMod val="103000"/>
+              </a:schemeClr>
+            </a:gs>
+            <a:gs pos="100000">
+              <a:schemeClr val="phClr">
+                <a:shade val="63000"/>
+                <a:satMod val="120000"/>
+              </a:schemeClr>
+            </a:gs>
+          </a:gsLst>
+          <a:lin ang="5400000" scaled="0"/>
+        </a:gradFill>
+      </a:bgFillStyleLst>
+    </a:fmtScheme>
+  </a:themeElements>
+  <a:objectDefaults/>
+  <a:extraClrSchemeLst/>
+  <a:extLst>
+    <a:ext uri="{05A4C25C-085E-4340-85A3-A5531E510DB2}">
+      <thm15:themeFamily xmlns:thm15="http://schemas.microsoft.com/office/thememl/2012/main" name="Office Theme" id="{62F939B6-93AF-4DB8-9C6B-D6C7DFDC589F}" vid="{4A3C46E8-61CC-4603-A589-7422A47A8E4A}"/>
     </a:ext>
   </a:extLst>
 </a:theme>
